--- a/Documents/Báo cáo/Bao cao KLTN_2.pptx
+++ b/Documents/Báo cáo/Bao cao KLTN_2.pptx
@@ -8711,6 +8711,146 @@
   <p:clrMapOvr>
     <a:masterClrMapping/>
   </p:clrMapOvr>
+  <p:timing>
+    <p:tnLst>
+      <p:par>
+        <p:cTn id="1" dur="indefinite" restart="never" nodeType="tmRoot">
+          <p:childTnLst>
+            <p:seq concurrent="1" nextAc="seek">
+              <p:cTn id="2" dur="indefinite" nodeType="mainSeq">
+                <p:childTnLst>
+                  <p:par>
+                    <p:cTn id="3" fill="hold">
+                      <p:stCondLst>
+                        <p:cond delay="indefinite"/>
+                      </p:stCondLst>
+                      <p:childTnLst>
+                        <p:par>
+                          <p:cTn id="4" fill="hold">
+                            <p:stCondLst>
+                              <p:cond delay="0"/>
+                            </p:stCondLst>
+                            <p:childTnLst>
+                              <p:par>
+                                <p:cTn id="5" presetID="16" presetClass="entr" presetSubtype="21" fill="hold" grpId="0" nodeType="clickEffect">
+                                  <p:stCondLst>
+                                    <p:cond delay="0"/>
+                                  </p:stCondLst>
+                                  <p:childTnLst>
+                                    <p:set>
+                                      <p:cBhvr>
+                                        <p:cTn id="6" dur="1" fill="hold">
+                                          <p:stCondLst>
+                                            <p:cond delay="0"/>
+                                          </p:stCondLst>
+                                        </p:cTn>
+                                        <p:tgtEl>
+                                          <p:spTgt spid="4"/>
+                                        </p:tgtEl>
+                                        <p:attrNameLst>
+                                          <p:attrName>style.visibility</p:attrName>
+                                        </p:attrNameLst>
+                                      </p:cBhvr>
+                                      <p:to>
+                                        <p:strVal val="visible"/>
+                                      </p:to>
+                                    </p:set>
+                                    <p:animEffect transition="in" filter="barn(inVertical)">
+                                      <p:cBhvr>
+                                        <p:cTn id="7" dur="500"/>
+                                        <p:tgtEl>
+                                          <p:spTgt spid="4"/>
+                                        </p:tgtEl>
+                                      </p:cBhvr>
+                                    </p:animEffect>
+                                  </p:childTnLst>
+                                </p:cTn>
+                              </p:par>
+                            </p:childTnLst>
+                          </p:cTn>
+                        </p:par>
+                      </p:childTnLst>
+                    </p:cTn>
+                  </p:par>
+                  <p:par>
+                    <p:cTn id="8" fill="hold">
+                      <p:stCondLst>
+                        <p:cond delay="indefinite"/>
+                      </p:stCondLst>
+                      <p:childTnLst>
+                        <p:par>
+                          <p:cTn id="9" fill="hold">
+                            <p:stCondLst>
+                              <p:cond delay="0"/>
+                            </p:stCondLst>
+                            <p:childTnLst>
+                              <p:par>
+                                <p:cTn id="10" presetID="22" presetClass="entr" presetSubtype="4" fill="hold" grpId="0" nodeType="clickEffect">
+                                  <p:stCondLst>
+                                    <p:cond delay="0"/>
+                                  </p:stCondLst>
+                                  <p:childTnLst>
+                                    <p:set>
+                                      <p:cBhvr>
+                                        <p:cTn id="11" dur="1" fill="hold">
+                                          <p:stCondLst>
+                                            <p:cond delay="0"/>
+                                          </p:stCondLst>
+                                        </p:cTn>
+                                        <p:tgtEl>
+                                          <p:spTgt spid="5"/>
+                                        </p:tgtEl>
+                                        <p:attrNameLst>
+                                          <p:attrName>style.visibility</p:attrName>
+                                        </p:attrNameLst>
+                                      </p:cBhvr>
+                                      <p:to>
+                                        <p:strVal val="visible"/>
+                                      </p:to>
+                                    </p:set>
+                                    <p:animEffect transition="in" filter="wipe(down)">
+                                      <p:cBhvr>
+                                        <p:cTn id="12" dur="500"/>
+                                        <p:tgtEl>
+                                          <p:spTgt spid="5"/>
+                                        </p:tgtEl>
+                                      </p:cBhvr>
+                                    </p:animEffect>
+                                  </p:childTnLst>
+                                </p:cTn>
+                              </p:par>
+                            </p:childTnLst>
+                          </p:cTn>
+                        </p:par>
+                      </p:childTnLst>
+                    </p:cTn>
+                  </p:par>
+                </p:childTnLst>
+              </p:cTn>
+              <p:prevCondLst>
+                <p:cond evt="onPrev" delay="0">
+                  <p:tgtEl>
+                    <p:sldTgt/>
+                  </p:tgtEl>
+                </p:cond>
+              </p:prevCondLst>
+              <p:nextCondLst>
+                <p:cond evt="onNext" delay="0">
+                  <p:tgtEl>
+                    <p:sldTgt/>
+                  </p:tgtEl>
+                </p:cond>
+              </p:nextCondLst>
+            </p:seq>
+          </p:childTnLst>
+        </p:cTn>
+      </p:par>
+    </p:tnLst>
+    <p:bldLst>
+      <p:bldP spid="4" grpId="0"/>
+      <p:bldP spid="5" grpId="0"/>
+    </p:bldLst>
+  </p:timing>
 </p:sld>
 </file>
 
@@ -13549,6 +13689,371 @@
   <p:clrMapOvr>
     <a:masterClrMapping/>
   </p:clrMapOvr>
+  <p:timing>
+    <p:tnLst>
+      <p:par>
+        <p:cTn id="1" dur="indefinite" restart="never" nodeType="tmRoot">
+          <p:childTnLst>
+            <p:seq concurrent="1" nextAc="seek">
+              <p:cTn id="2" dur="indefinite" nodeType="mainSeq">
+                <p:childTnLst>
+                  <p:par>
+                    <p:cTn id="3" fill="hold">
+                      <p:stCondLst>
+                        <p:cond delay="indefinite"/>
+                      </p:stCondLst>
+                      <p:childTnLst>
+                        <p:par>
+                          <p:cTn id="4" fill="hold">
+                            <p:stCondLst>
+                              <p:cond delay="0"/>
+                            </p:stCondLst>
+                            <p:childTnLst>
+                              <p:par>
+                                <p:cTn id="5" presetID="16" presetClass="entr" presetSubtype="21" fill="hold" grpId="0" nodeType="clickEffect">
+                                  <p:stCondLst>
+                                    <p:cond delay="0"/>
+                                  </p:stCondLst>
+                                  <p:childTnLst>
+                                    <p:set>
+                                      <p:cBhvr>
+                                        <p:cTn id="6" dur="1" fill="hold">
+                                          <p:stCondLst>
+                                            <p:cond delay="0"/>
+                                          </p:stCondLst>
+                                        </p:cTn>
+                                        <p:tgtEl>
+                                          <p:spTgt spid="31"/>
+                                        </p:tgtEl>
+                                        <p:attrNameLst>
+                                          <p:attrName>style.visibility</p:attrName>
+                                        </p:attrNameLst>
+                                      </p:cBhvr>
+                                      <p:to>
+                                        <p:strVal val="visible"/>
+                                      </p:to>
+                                    </p:set>
+                                    <p:animEffect transition="in" filter="barn(inVertical)">
+                                      <p:cBhvr>
+                                        <p:cTn id="7" dur="500"/>
+                                        <p:tgtEl>
+                                          <p:spTgt spid="31"/>
+                                        </p:tgtEl>
+                                      </p:cBhvr>
+                                    </p:animEffect>
+                                  </p:childTnLst>
+                                </p:cTn>
+                              </p:par>
+                            </p:childTnLst>
+                          </p:cTn>
+                        </p:par>
+                      </p:childTnLst>
+                    </p:cTn>
+                  </p:par>
+                  <p:par>
+                    <p:cTn id="8" fill="hold">
+                      <p:stCondLst>
+                        <p:cond delay="indefinite"/>
+                      </p:stCondLst>
+                      <p:childTnLst>
+                        <p:par>
+                          <p:cTn id="9" fill="hold">
+                            <p:stCondLst>
+                              <p:cond delay="0"/>
+                            </p:stCondLst>
+                            <p:childTnLst>
+                              <p:par>
+                                <p:cTn id="10" presetID="1" presetClass="entr" presetSubtype="0" fill="hold" nodeType="clickEffect">
+                                  <p:stCondLst>
+                                    <p:cond delay="0"/>
+                                  </p:stCondLst>
+                                  <p:childTnLst>
+                                    <p:set>
+                                      <p:cBhvr>
+                                        <p:cTn id="11" dur="1" fill="hold">
+                                          <p:stCondLst>
+                                            <p:cond delay="0"/>
+                                          </p:stCondLst>
+                                        </p:cTn>
+                                        <p:tgtEl>
+                                          <p:spTgt spid="1026"/>
+                                        </p:tgtEl>
+                                        <p:attrNameLst>
+                                          <p:attrName>style.visibility</p:attrName>
+                                        </p:attrNameLst>
+                                      </p:cBhvr>
+                                      <p:to>
+                                        <p:strVal val="visible"/>
+                                      </p:to>
+                                    </p:set>
+                                  </p:childTnLst>
+                                </p:cTn>
+                              </p:par>
+                            </p:childTnLst>
+                          </p:cTn>
+                        </p:par>
+                      </p:childTnLst>
+                    </p:cTn>
+                  </p:par>
+                  <p:par>
+                    <p:cTn id="12" fill="hold">
+                      <p:stCondLst>
+                        <p:cond delay="indefinite"/>
+                      </p:stCondLst>
+                      <p:childTnLst>
+                        <p:par>
+                          <p:cTn id="13" fill="hold">
+                            <p:stCondLst>
+                              <p:cond delay="0"/>
+                            </p:stCondLst>
+                            <p:childTnLst>
+                              <p:par>
+                                <p:cTn id="14" presetID="2" presetClass="entr" presetSubtype="4" fill="hold" nodeType="clickEffect">
+                                  <p:stCondLst>
+                                    <p:cond delay="0"/>
+                                  </p:stCondLst>
+                                  <p:childTnLst>
+                                    <p:set>
+                                      <p:cBhvr>
+                                        <p:cTn id="15" dur="1" fill="hold">
+                                          <p:stCondLst>
+                                            <p:cond delay="0"/>
+                                          </p:stCondLst>
+                                        </p:cTn>
+                                        <p:tgtEl>
+                                          <p:spTgt spid="1028"/>
+                                        </p:tgtEl>
+                                        <p:attrNameLst>
+                                          <p:attrName>style.visibility</p:attrName>
+                                        </p:attrNameLst>
+                                      </p:cBhvr>
+                                      <p:to>
+                                        <p:strVal val="visible"/>
+                                      </p:to>
+                                    </p:set>
+                                    <p:anim calcmode="lin" valueType="num">
+                                      <p:cBhvr additive="base">
+                                        <p:cTn id="16" dur="500" fill="hold"/>
+                                        <p:tgtEl>
+                                          <p:spTgt spid="1028"/>
+                                        </p:tgtEl>
+                                        <p:attrNameLst>
+                                          <p:attrName>ppt_x</p:attrName>
+                                        </p:attrNameLst>
+                                      </p:cBhvr>
+                                      <p:tavLst>
+                                        <p:tav tm="0">
+                                          <p:val>
+                                            <p:strVal val="#ppt_x"/>
+                                          </p:val>
+                                        </p:tav>
+                                        <p:tav tm="100000">
+                                          <p:val>
+                                            <p:strVal val="#ppt_x"/>
+                                          </p:val>
+                                        </p:tav>
+                                      </p:tavLst>
+                                    </p:anim>
+                                    <p:anim calcmode="lin" valueType="num">
+                                      <p:cBhvr additive="base">
+                                        <p:cTn id="17" dur="500" fill="hold"/>
+                                        <p:tgtEl>
+                                          <p:spTgt spid="1028"/>
+                                        </p:tgtEl>
+                                        <p:attrNameLst>
+                                          <p:attrName>ppt_y</p:attrName>
+                                        </p:attrNameLst>
+                                      </p:cBhvr>
+                                      <p:tavLst>
+                                        <p:tav tm="0">
+                                          <p:val>
+                                            <p:strVal val="1+#ppt_h/2"/>
+                                          </p:val>
+                                        </p:tav>
+                                        <p:tav tm="100000">
+                                          <p:val>
+                                            <p:strVal val="#ppt_y"/>
+                                          </p:val>
+                                        </p:tav>
+                                      </p:tavLst>
+                                    </p:anim>
+                                  </p:childTnLst>
+                                </p:cTn>
+                              </p:par>
+                            </p:childTnLst>
+                          </p:cTn>
+                        </p:par>
+                      </p:childTnLst>
+                    </p:cTn>
+                  </p:par>
+                  <p:par>
+                    <p:cTn id="18" fill="hold">
+                      <p:stCondLst>
+                        <p:cond delay="indefinite"/>
+                      </p:stCondLst>
+                      <p:childTnLst>
+                        <p:par>
+                          <p:cTn id="19" fill="hold">
+                            <p:stCondLst>
+                              <p:cond delay="0"/>
+                            </p:stCondLst>
+                            <p:childTnLst>
+                              <p:par>
+                                <p:cTn id="20" presetID="22" presetClass="entr" presetSubtype="4" fill="hold" nodeType="clickEffect">
+                                  <p:stCondLst>
+                                    <p:cond delay="0"/>
+                                  </p:stCondLst>
+                                  <p:childTnLst>
+                                    <p:set>
+                                      <p:cBhvr>
+                                        <p:cTn id="21" dur="1" fill="hold">
+                                          <p:stCondLst>
+                                            <p:cond delay="0"/>
+                                          </p:stCondLst>
+                                        </p:cTn>
+                                        <p:tgtEl>
+                                          <p:spTgt spid="1030"/>
+                                        </p:tgtEl>
+                                        <p:attrNameLst>
+                                          <p:attrName>style.visibility</p:attrName>
+                                        </p:attrNameLst>
+                                      </p:cBhvr>
+                                      <p:to>
+                                        <p:strVal val="visible"/>
+                                      </p:to>
+                                    </p:set>
+                                    <p:animEffect transition="in" filter="wipe(down)">
+                                      <p:cBhvr>
+                                        <p:cTn id="22" dur="500"/>
+                                        <p:tgtEl>
+                                          <p:spTgt spid="1030"/>
+                                        </p:tgtEl>
+                                      </p:cBhvr>
+                                    </p:animEffect>
+                                  </p:childTnLst>
+                                </p:cTn>
+                              </p:par>
+                            </p:childTnLst>
+                          </p:cTn>
+                        </p:par>
+                      </p:childTnLst>
+                    </p:cTn>
+                  </p:par>
+                  <p:par>
+                    <p:cTn id="23" fill="hold">
+                      <p:stCondLst>
+                        <p:cond delay="indefinite"/>
+                      </p:stCondLst>
+                      <p:childTnLst>
+                        <p:par>
+                          <p:cTn id="24" fill="hold">
+                            <p:stCondLst>
+                              <p:cond delay="0"/>
+                            </p:stCondLst>
+                            <p:childTnLst>
+                              <p:par>
+                                <p:cTn id="25" presetID="6" presetClass="entr" presetSubtype="16" fill="hold" grpId="0" nodeType="clickEffect">
+                                  <p:stCondLst>
+                                    <p:cond delay="0"/>
+                                  </p:stCondLst>
+                                  <p:childTnLst>
+                                    <p:set>
+                                      <p:cBhvr>
+                                        <p:cTn id="26" dur="1" fill="hold">
+                                          <p:stCondLst>
+                                            <p:cond delay="0"/>
+                                          </p:stCondLst>
+                                        </p:cTn>
+                                        <p:tgtEl>
+                                          <p:spTgt spid="33"/>
+                                        </p:tgtEl>
+                                        <p:attrNameLst>
+                                          <p:attrName>style.visibility</p:attrName>
+                                        </p:attrNameLst>
+                                      </p:cBhvr>
+                                      <p:to>
+                                        <p:strVal val="visible"/>
+                                      </p:to>
+                                    </p:set>
+                                    <p:animEffect transition="in" filter="circle(in)">
+                                      <p:cBhvr>
+                                        <p:cTn id="27" dur="2000"/>
+                                        <p:tgtEl>
+                                          <p:spTgt spid="33"/>
+                                        </p:tgtEl>
+                                      </p:cBhvr>
+                                    </p:animEffect>
+                                  </p:childTnLst>
+                                </p:cTn>
+                              </p:par>
+                              <p:par>
+                                <p:cTn id="28" presetID="6" presetClass="entr" presetSubtype="16" fill="hold" grpId="0" nodeType="withEffect">
+                                  <p:stCondLst>
+                                    <p:cond delay="0"/>
+                                  </p:stCondLst>
+                                  <p:childTnLst>
+                                    <p:set>
+                                      <p:cBhvr>
+                                        <p:cTn id="29" dur="1" fill="hold">
+                                          <p:stCondLst>
+                                            <p:cond delay="0"/>
+                                          </p:stCondLst>
+                                        </p:cTn>
+                                        <p:tgtEl>
+                                          <p:spTgt spid="32"/>
+                                        </p:tgtEl>
+                                        <p:attrNameLst>
+                                          <p:attrName>style.visibility</p:attrName>
+                                        </p:attrNameLst>
+                                      </p:cBhvr>
+                                      <p:to>
+                                        <p:strVal val="visible"/>
+                                      </p:to>
+                                    </p:set>
+                                    <p:animEffect transition="in" filter="circle(in)">
+                                      <p:cBhvr>
+                                        <p:cTn id="30" dur="2000"/>
+                                        <p:tgtEl>
+                                          <p:spTgt spid="32"/>
+                                        </p:tgtEl>
+                                      </p:cBhvr>
+                                    </p:animEffect>
+                                  </p:childTnLst>
+                                </p:cTn>
+                              </p:par>
+                            </p:childTnLst>
+                          </p:cTn>
+                        </p:par>
+                      </p:childTnLst>
+                    </p:cTn>
+                  </p:par>
+                </p:childTnLst>
+              </p:cTn>
+              <p:prevCondLst>
+                <p:cond evt="onPrev" delay="0">
+                  <p:tgtEl>
+                    <p:sldTgt/>
+                  </p:tgtEl>
+                </p:cond>
+              </p:prevCondLst>
+              <p:nextCondLst>
+                <p:cond evt="onNext" delay="0">
+                  <p:tgtEl>
+                    <p:sldTgt/>
+                  </p:tgtEl>
+                </p:cond>
+              </p:nextCondLst>
+            </p:seq>
+          </p:childTnLst>
+        </p:cTn>
+      </p:par>
+    </p:tnLst>
+    <p:bldLst>
+      <p:bldP spid="31" grpId="0"/>
+      <p:bldP spid="32" grpId="0" animBg="1"/>
+      <p:bldP spid="33" grpId="0" animBg="1"/>
+    </p:bldLst>
+  </p:timing>
 </p:sld>
 </file>
 
@@ -14352,6 +14857,146 @@
   <p:clrMapOvr>
     <a:masterClrMapping/>
   </p:clrMapOvr>
+  <p:timing>
+    <p:tnLst>
+      <p:par>
+        <p:cTn id="1" dur="indefinite" restart="never" nodeType="tmRoot">
+          <p:childTnLst>
+            <p:seq concurrent="1" nextAc="seek">
+              <p:cTn id="2" dur="indefinite" nodeType="mainSeq">
+                <p:childTnLst>
+                  <p:par>
+                    <p:cTn id="3" fill="hold">
+                      <p:stCondLst>
+                        <p:cond delay="indefinite"/>
+                      </p:stCondLst>
+                      <p:childTnLst>
+                        <p:par>
+                          <p:cTn id="4" fill="hold">
+                            <p:stCondLst>
+                              <p:cond delay="0"/>
+                            </p:stCondLst>
+                            <p:childTnLst>
+                              <p:par>
+                                <p:cTn id="5" presetID="10" presetClass="entr" presetSubtype="0" fill="hold" grpId="0" nodeType="clickEffect">
+                                  <p:stCondLst>
+                                    <p:cond delay="0"/>
+                                  </p:stCondLst>
+                                  <p:childTnLst>
+                                    <p:set>
+                                      <p:cBhvr>
+                                        <p:cTn id="6" dur="1" fill="hold">
+                                          <p:stCondLst>
+                                            <p:cond delay="0"/>
+                                          </p:stCondLst>
+                                        </p:cTn>
+                                        <p:tgtEl>
+                                          <p:spTgt spid="6"/>
+                                        </p:tgtEl>
+                                        <p:attrNameLst>
+                                          <p:attrName>style.visibility</p:attrName>
+                                        </p:attrNameLst>
+                                      </p:cBhvr>
+                                      <p:to>
+                                        <p:strVal val="visible"/>
+                                      </p:to>
+                                    </p:set>
+                                    <p:animEffect transition="in" filter="fade">
+                                      <p:cBhvr>
+                                        <p:cTn id="7" dur="500"/>
+                                        <p:tgtEl>
+                                          <p:spTgt spid="6"/>
+                                        </p:tgtEl>
+                                      </p:cBhvr>
+                                    </p:animEffect>
+                                  </p:childTnLst>
+                                </p:cTn>
+                              </p:par>
+                            </p:childTnLst>
+                          </p:cTn>
+                        </p:par>
+                      </p:childTnLst>
+                    </p:cTn>
+                  </p:par>
+                  <p:par>
+                    <p:cTn id="8" fill="hold">
+                      <p:stCondLst>
+                        <p:cond delay="indefinite"/>
+                      </p:stCondLst>
+                      <p:childTnLst>
+                        <p:par>
+                          <p:cTn id="9" fill="hold">
+                            <p:stCondLst>
+                              <p:cond delay="0"/>
+                            </p:stCondLst>
+                            <p:childTnLst>
+                              <p:par>
+                                <p:cTn id="10" presetID="16" presetClass="entr" presetSubtype="21" fill="hold" grpId="0" nodeType="clickEffect">
+                                  <p:stCondLst>
+                                    <p:cond delay="0"/>
+                                  </p:stCondLst>
+                                  <p:childTnLst>
+                                    <p:set>
+                                      <p:cBhvr>
+                                        <p:cTn id="11" dur="1" fill="hold">
+                                          <p:stCondLst>
+                                            <p:cond delay="0"/>
+                                          </p:stCondLst>
+                                        </p:cTn>
+                                        <p:tgtEl>
+                                          <p:spTgt spid="27"/>
+                                        </p:tgtEl>
+                                        <p:attrNameLst>
+                                          <p:attrName>style.visibility</p:attrName>
+                                        </p:attrNameLst>
+                                      </p:cBhvr>
+                                      <p:to>
+                                        <p:strVal val="visible"/>
+                                      </p:to>
+                                    </p:set>
+                                    <p:animEffect transition="in" filter="barn(inVertical)">
+                                      <p:cBhvr>
+                                        <p:cTn id="12" dur="500"/>
+                                        <p:tgtEl>
+                                          <p:spTgt spid="27"/>
+                                        </p:tgtEl>
+                                      </p:cBhvr>
+                                    </p:animEffect>
+                                  </p:childTnLst>
+                                </p:cTn>
+                              </p:par>
+                            </p:childTnLst>
+                          </p:cTn>
+                        </p:par>
+                      </p:childTnLst>
+                    </p:cTn>
+                  </p:par>
+                </p:childTnLst>
+              </p:cTn>
+              <p:prevCondLst>
+                <p:cond evt="onPrev" delay="0">
+                  <p:tgtEl>
+                    <p:sldTgt/>
+                  </p:tgtEl>
+                </p:cond>
+              </p:prevCondLst>
+              <p:nextCondLst>
+                <p:cond evt="onNext" delay="0">
+                  <p:tgtEl>
+                    <p:sldTgt/>
+                  </p:tgtEl>
+                </p:cond>
+              </p:nextCondLst>
+            </p:seq>
+          </p:childTnLst>
+        </p:cTn>
+      </p:par>
+    </p:tnLst>
+    <p:bldLst>
+      <p:bldP spid="27" grpId="0"/>
+      <p:bldP spid="6" grpId="0"/>
+    </p:bldLst>
+  </p:timing>
 </p:sld>
 </file>
 
@@ -16583,6 +17228,241 @@
   <p:clrMapOvr>
     <a:masterClrMapping/>
   </p:clrMapOvr>
+  <p:timing>
+    <p:tnLst>
+      <p:par>
+        <p:cTn id="1" dur="indefinite" restart="never" nodeType="tmRoot">
+          <p:childTnLst>
+            <p:seq concurrent="1" nextAc="seek">
+              <p:cTn id="2" dur="indefinite" nodeType="mainSeq">
+                <p:childTnLst>
+                  <p:par>
+                    <p:cTn id="3" fill="hold">
+                      <p:stCondLst>
+                        <p:cond delay="indefinite"/>
+                      </p:stCondLst>
+                      <p:childTnLst>
+                        <p:par>
+                          <p:cTn id="4" fill="hold">
+                            <p:stCondLst>
+                              <p:cond delay="0"/>
+                            </p:stCondLst>
+                            <p:childTnLst>
+                              <p:par>
+                                <p:cTn id="5" presetID="22" presetClass="entr" presetSubtype="4" fill="hold" nodeType="clickEffect">
+                                  <p:stCondLst>
+                                    <p:cond delay="0"/>
+                                  </p:stCondLst>
+                                  <p:childTnLst>
+                                    <p:set>
+                                      <p:cBhvr>
+                                        <p:cTn id="6" dur="1" fill="hold">
+                                          <p:stCondLst>
+                                            <p:cond delay="0"/>
+                                          </p:stCondLst>
+                                        </p:cTn>
+                                        <p:tgtEl>
+                                          <p:spTgt spid="31"/>
+                                        </p:tgtEl>
+                                        <p:attrNameLst>
+                                          <p:attrName>style.visibility</p:attrName>
+                                        </p:attrNameLst>
+                                      </p:cBhvr>
+                                      <p:to>
+                                        <p:strVal val="visible"/>
+                                      </p:to>
+                                    </p:set>
+                                    <p:animEffect transition="in" filter="wipe(down)">
+                                      <p:cBhvr>
+                                        <p:cTn id="7" dur="500"/>
+                                        <p:tgtEl>
+                                          <p:spTgt spid="31"/>
+                                        </p:tgtEl>
+                                      </p:cBhvr>
+                                    </p:animEffect>
+                                  </p:childTnLst>
+                                </p:cTn>
+                              </p:par>
+                            </p:childTnLst>
+                          </p:cTn>
+                        </p:par>
+                      </p:childTnLst>
+                    </p:cTn>
+                  </p:par>
+                  <p:par>
+                    <p:cTn id="8" fill="hold">
+                      <p:stCondLst>
+                        <p:cond delay="indefinite"/>
+                      </p:stCondLst>
+                      <p:childTnLst>
+                        <p:par>
+                          <p:cTn id="9" fill="hold">
+                            <p:stCondLst>
+                              <p:cond delay="0"/>
+                            </p:stCondLst>
+                            <p:childTnLst>
+                              <p:par>
+                                <p:cTn id="10" presetID="16" presetClass="entr" presetSubtype="21" fill="hold" nodeType="clickEffect">
+                                  <p:stCondLst>
+                                    <p:cond delay="0"/>
+                                  </p:stCondLst>
+                                  <p:childTnLst>
+                                    <p:set>
+                                      <p:cBhvr>
+                                        <p:cTn id="11" dur="1" fill="hold">
+                                          <p:stCondLst>
+                                            <p:cond delay="0"/>
+                                          </p:stCondLst>
+                                        </p:cTn>
+                                        <p:tgtEl>
+                                          <p:spTgt spid="26"/>
+                                        </p:tgtEl>
+                                        <p:attrNameLst>
+                                          <p:attrName>style.visibility</p:attrName>
+                                        </p:attrNameLst>
+                                      </p:cBhvr>
+                                      <p:to>
+                                        <p:strVal val="visible"/>
+                                      </p:to>
+                                    </p:set>
+                                    <p:animEffect transition="in" filter="barn(inVertical)">
+                                      <p:cBhvr>
+                                        <p:cTn id="12" dur="500"/>
+                                        <p:tgtEl>
+                                          <p:spTgt spid="26"/>
+                                        </p:tgtEl>
+                                      </p:cBhvr>
+                                    </p:animEffect>
+                                  </p:childTnLst>
+                                </p:cTn>
+                              </p:par>
+                            </p:childTnLst>
+                          </p:cTn>
+                        </p:par>
+                      </p:childTnLst>
+                    </p:cTn>
+                  </p:par>
+                  <p:par>
+                    <p:cTn id="13" fill="hold">
+                      <p:stCondLst>
+                        <p:cond delay="indefinite"/>
+                      </p:stCondLst>
+                      <p:childTnLst>
+                        <p:par>
+                          <p:cTn id="14" fill="hold">
+                            <p:stCondLst>
+                              <p:cond delay="0"/>
+                            </p:stCondLst>
+                            <p:childTnLst>
+                              <p:par>
+                                <p:cTn id="15" presetID="42" presetClass="entr" presetSubtype="0" fill="hold" nodeType="clickEffect">
+                                  <p:stCondLst>
+                                    <p:cond delay="0"/>
+                                  </p:stCondLst>
+                                  <p:childTnLst>
+                                    <p:set>
+                                      <p:cBhvr>
+                                        <p:cTn id="16" dur="1" fill="hold">
+                                          <p:stCondLst>
+                                            <p:cond delay="0"/>
+                                          </p:stCondLst>
+                                        </p:cTn>
+                                        <p:tgtEl>
+                                          <p:spTgt spid="25"/>
+                                        </p:tgtEl>
+                                        <p:attrNameLst>
+                                          <p:attrName>style.visibility</p:attrName>
+                                        </p:attrNameLst>
+                                      </p:cBhvr>
+                                      <p:to>
+                                        <p:strVal val="visible"/>
+                                      </p:to>
+                                    </p:set>
+                                    <p:animEffect transition="in" filter="fade">
+                                      <p:cBhvr>
+                                        <p:cTn id="17" dur="1000"/>
+                                        <p:tgtEl>
+                                          <p:spTgt spid="25"/>
+                                        </p:tgtEl>
+                                      </p:cBhvr>
+                                    </p:animEffect>
+                                    <p:anim calcmode="lin" valueType="num">
+                                      <p:cBhvr>
+                                        <p:cTn id="18" dur="1000" fill="hold"/>
+                                        <p:tgtEl>
+                                          <p:spTgt spid="25"/>
+                                        </p:tgtEl>
+                                        <p:attrNameLst>
+                                          <p:attrName>ppt_x</p:attrName>
+                                        </p:attrNameLst>
+                                      </p:cBhvr>
+                                      <p:tavLst>
+                                        <p:tav tm="0">
+                                          <p:val>
+                                            <p:strVal val="#ppt_x"/>
+                                          </p:val>
+                                        </p:tav>
+                                        <p:tav tm="100000">
+                                          <p:val>
+                                            <p:strVal val="#ppt_x"/>
+                                          </p:val>
+                                        </p:tav>
+                                      </p:tavLst>
+                                    </p:anim>
+                                    <p:anim calcmode="lin" valueType="num">
+                                      <p:cBhvr>
+                                        <p:cTn id="19" dur="1000" fill="hold"/>
+                                        <p:tgtEl>
+                                          <p:spTgt spid="25"/>
+                                        </p:tgtEl>
+                                        <p:attrNameLst>
+                                          <p:attrName>ppt_y</p:attrName>
+                                        </p:attrNameLst>
+                                      </p:cBhvr>
+                                      <p:tavLst>
+                                        <p:tav tm="0">
+                                          <p:val>
+                                            <p:strVal val="#ppt_y+.1"/>
+                                          </p:val>
+                                        </p:tav>
+                                        <p:tav tm="100000">
+                                          <p:val>
+                                            <p:strVal val="#ppt_y"/>
+                                          </p:val>
+                                        </p:tav>
+                                      </p:tavLst>
+                                    </p:anim>
+                                  </p:childTnLst>
+                                </p:cTn>
+                              </p:par>
+                            </p:childTnLst>
+                          </p:cTn>
+                        </p:par>
+                      </p:childTnLst>
+                    </p:cTn>
+                  </p:par>
+                </p:childTnLst>
+              </p:cTn>
+              <p:prevCondLst>
+                <p:cond evt="onPrev" delay="0">
+                  <p:tgtEl>
+                    <p:sldTgt/>
+                  </p:tgtEl>
+                </p:cond>
+              </p:prevCondLst>
+              <p:nextCondLst>
+                <p:cond evt="onNext" delay="0">
+                  <p:tgtEl>
+                    <p:sldTgt/>
+                  </p:tgtEl>
+                </p:cond>
+              </p:nextCondLst>
+            </p:seq>
+          </p:childTnLst>
+        </p:cTn>
+      </p:par>
+    </p:tnLst>
+  </p:timing>
 </p:sld>
 </file>
 
@@ -17157,7 +18037,7 @@
         <p:spPr>
           <a:xfrm>
             <a:off x="693660" y="2349128"/>
-            <a:ext cx="10071239" cy="971548"/>
+            <a:ext cx="10071239" cy="1385742"/>
           </a:xfrm>
           <a:prstGeom prst="rect">
             <a:avLst/>
@@ -17410,6 +18290,200 @@
   <p:clrMapOvr>
     <a:masterClrMapping/>
   </p:clrMapOvr>
+  <p:timing>
+    <p:tnLst>
+      <p:par>
+        <p:cTn id="1" dur="indefinite" restart="never" nodeType="tmRoot">
+          <p:childTnLst>
+            <p:seq concurrent="1" nextAc="seek">
+              <p:cTn id="2" dur="indefinite" nodeType="mainSeq">
+                <p:childTnLst>
+                  <p:par>
+                    <p:cTn id="3" fill="hold">
+                      <p:stCondLst>
+                        <p:cond delay="indefinite"/>
+                      </p:stCondLst>
+                      <p:childTnLst>
+                        <p:par>
+                          <p:cTn id="4" fill="hold">
+                            <p:stCondLst>
+                              <p:cond delay="0"/>
+                            </p:stCondLst>
+                            <p:childTnLst>
+                              <p:par>
+                                <p:cTn id="5" presetID="10" presetClass="entr" presetSubtype="0" fill="hold" grpId="0" nodeType="clickEffect">
+                                  <p:stCondLst>
+                                    <p:cond delay="0"/>
+                                  </p:stCondLst>
+                                  <p:childTnLst>
+                                    <p:set>
+                                      <p:cBhvr>
+                                        <p:cTn id="6" dur="1" fill="hold">
+                                          <p:stCondLst>
+                                            <p:cond delay="0"/>
+                                          </p:stCondLst>
+                                        </p:cTn>
+                                        <p:tgtEl>
+                                          <p:spTgt spid="22"/>
+                                        </p:tgtEl>
+                                        <p:attrNameLst>
+                                          <p:attrName>style.visibility</p:attrName>
+                                        </p:attrNameLst>
+                                      </p:cBhvr>
+                                      <p:to>
+                                        <p:strVal val="visible"/>
+                                      </p:to>
+                                    </p:set>
+                                    <p:animEffect transition="in" filter="fade">
+                                      <p:cBhvr>
+                                        <p:cTn id="7" dur="500"/>
+                                        <p:tgtEl>
+                                          <p:spTgt spid="22"/>
+                                        </p:tgtEl>
+                                      </p:cBhvr>
+                                    </p:animEffect>
+                                  </p:childTnLst>
+                                </p:cTn>
+                              </p:par>
+                            </p:childTnLst>
+                          </p:cTn>
+                        </p:par>
+                      </p:childTnLst>
+                    </p:cTn>
+                  </p:par>
+                  <p:par>
+                    <p:cTn id="8" fill="hold">
+                      <p:stCondLst>
+                        <p:cond delay="indefinite"/>
+                      </p:stCondLst>
+                      <p:childTnLst>
+                        <p:par>
+                          <p:cTn id="9" fill="hold">
+                            <p:stCondLst>
+                              <p:cond delay="0"/>
+                            </p:stCondLst>
+                            <p:childTnLst>
+                              <p:par>
+                                <p:cTn id="10" presetID="22" presetClass="entr" presetSubtype="4" fill="hold" grpId="0" nodeType="clickEffect">
+                                  <p:stCondLst>
+                                    <p:cond delay="0"/>
+                                  </p:stCondLst>
+                                  <p:childTnLst>
+                                    <p:set>
+                                      <p:cBhvr>
+                                        <p:cTn id="11" dur="1" fill="hold">
+                                          <p:stCondLst>
+                                            <p:cond delay="0"/>
+                                          </p:stCondLst>
+                                        </p:cTn>
+                                        <p:tgtEl>
+                                          <p:spTgt spid="27"/>
+                                        </p:tgtEl>
+                                        <p:attrNameLst>
+                                          <p:attrName>style.visibility</p:attrName>
+                                        </p:attrNameLst>
+                                      </p:cBhvr>
+                                      <p:to>
+                                        <p:strVal val="visible"/>
+                                      </p:to>
+                                    </p:set>
+                                    <p:animEffect transition="in" filter="wipe(down)">
+                                      <p:cBhvr>
+                                        <p:cTn id="12" dur="500"/>
+                                        <p:tgtEl>
+                                          <p:spTgt spid="27"/>
+                                        </p:tgtEl>
+                                      </p:cBhvr>
+                                    </p:animEffect>
+                                  </p:childTnLst>
+                                </p:cTn>
+                              </p:par>
+                            </p:childTnLst>
+                          </p:cTn>
+                        </p:par>
+                      </p:childTnLst>
+                    </p:cTn>
+                  </p:par>
+                  <p:par>
+                    <p:cTn id="13" fill="hold">
+                      <p:stCondLst>
+                        <p:cond delay="indefinite"/>
+                      </p:stCondLst>
+                      <p:childTnLst>
+                        <p:par>
+                          <p:cTn id="14" fill="hold">
+                            <p:stCondLst>
+                              <p:cond delay="0"/>
+                            </p:stCondLst>
+                            <p:childTnLst>
+                              <p:par>
+                                <p:cTn id="15" presetID="16" presetClass="entr" presetSubtype="21" fill="hold" grpId="0" nodeType="clickEffect">
+                                  <p:stCondLst>
+                                    <p:cond delay="0"/>
+                                  </p:stCondLst>
+                                  <p:childTnLst>
+                                    <p:set>
+                                      <p:cBhvr>
+                                        <p:cTn id="16" dur="1" fill="hold">
+                                          <p:stCondLst>
+                                            <p:cond delay="0"/>
+                                          </p:stCondLst>
+                                        </p:cTn>
+                                        <p:tgtEl>
+                                          <p:spTgt spid="24"/>
+                                        </p:tgtEl>
+                                        <p:attrNameLst>
+                                          <p:attrName>style.visibility</p:attrName>
+                                        </p:attrNameLst>
+                                      </p:cBhvr>
+                                      <p:to>
+                                        <p:strVal val="visible"/>
+                                      </p:to>
+                                    </p:set>
+                                    <p:animEffect transition="in" filter="barn(inVertical)">
+                                      <p:cBhvr>
+                                        <p:cTn id="17" dur="500"/>
+                                        <p:tgtEl>
+                                          <p:spTgt spid="24"/>
+                                        </p:tgtEl>
+                                      </p:cBhvr>
+                                    </p:animEffect>
+                                  </p:childTnLst>
+                                </p:cTn>
+                              </p:par>
+                            </p:childTnLst>
+                          </p:cTn>
+                        </p:par>
+                      </p:childTnLst>
+                    </p:cTn>
+                  </p:par>
+                </p:childTnLst>
+              </p:cTn>
+              <p:prevCondLst>
+                <p:cond evt="onPrev" delay="0">
+                  <p:tgtEl>
+                    <p:sldTgt/>
+                  </p:tgtEl>
+                </p:cond>
+              </p:prevCondLst>
+              <p:nextCondLst>
+                <p:cond evt="onNext" delay="0">
+                  <p:tgtEl>
+                    <p:sldTgt/>
+                  </p:tgtEl>
+                </p:cond>
+              </p:nextCondLst>
+            </p:seq>
+          </p:childTnLst>
+        </p:cTn>
+      </p:par>
+    </p:tnLst>
+    <p:bldLst>
+      <p:bldP spid="22" grpId="0"/>
+      <p:bldP spid="24" grpId="0"/>
+      <p:bldP spid="27" grpId="0"/>
+    </p:bldLst>
+  </p:timing>
 </p:sld>
 </file>
 
@@ -17752,7 +18826,7 @@
         </p:nvSpPr>
         <p:spPr>
           <a:xfrm>
-            <a:off x="693660" y="3827269"/>
+            <a:off x="722085" y="5220590"/>
             <a:ext cx="5984725" cy="971548"/>
           </a:xfrm>
           <a:prstGeom prst="rect">
@@ -18204,7 +19278,7 @@
         </p:blipFill>
         <p:spPr>
           <a:xfrm>
-            <a:off x="8113607" y="3827269"/>
+            <a:off x="9053331" y="4077493"/>
             <a:ext cx="1777899" cy="620490"/>
           </a:xfrm>
           <a:prstGeom prst="rect">
@@ -18228,7 +19302,7 @@
         </p:blipFill>
         <p:spPr>
           <a:xfrm>
-            <a:off x="8098572" y="2749424"/>
+            <a:off x="6188529" y="4092523"/>
             <a:ext cx="1942974" cy="590429"/>
           </a:xfrm>
           <a:prstGeom prst="rect">
@@ -18252,7 +19326,7 @@
         </p:blipFill>
         <p:spPr>
           <a:xfrm>
-            <a:off x="8195649" y="1625865"/>
+            <a:off x="3714448" y="3944538"/>
             <a:ext cx="1755896" cy="1060616"/>
           </a:xfrm>
           <a:prstGeom prst="rect">
@@ -18283,7 +19357,7 @@
         </p:blipFill>
         <p:spPr bwMode="auto">
           <a:xfrm>
-            <a:off x="8195649" y="4935175"/>
+            <a:off x="1168757" y="4037485"/>
             <a:ext cx="1827506" cy="916462"/>
           </a:xfrm>
           <a:prstGeom prst="rect">
@@ -18332,7 +19406,7 @@
                             </p:stCondLst>
                             <p:childTnLst>
                               <p:par>
-                                <p:cTn id="5" presetID="42" presetClass="entr" presetSubtype="0" fill="hold" nodeType="clickEffect">
+                                <p:cTn id="5" presetID="16" presetClass="entr" presetSubtype="21" fill="hold" grpId="0" nodeType="clickEffect">
                                   <p:stCondLst>
                                     <p:cond delay="0"/>
                                   </p:stCondLst>
@@ -18340,6 +19414,217 @@
                                     <p:set>
                                       <p:cBhvr>
                                         <p:cTn id="6" dur="1" fill="hold">
+                                          <p:stCondLst>
+                                            <p:cond delay="0"/>
+                                          </p:stCondLst>
+                                        </p:cTn>
+                                        <p:tgtEl>
+                                          <p:spTgt spid="22"/>
+                                        </p:tgtEl>
+                                        <p:attrNameLst>
+                                          <p:attrName>style.visibility</p:attrName>
+                                        </p:attrNameLst>
+                                      </p:cBhvr>
+                                      <p:to>
+                                        <p:strVal val="visible"/>
+                                      </p:to>
+                                    </p:set>
+                                    <p:animEffect transition="in" filter="barn(inVertical)">
+                                      <p:cBhvr>
+                                        <p:cTn id="7" dur="500"/>
+                                        <p:tgtEl>
+                                          <p:spTgt spid="22"/>
+                                        </p:tgtEl>
+                                      </p:cBhvr>
+                                    </p:animEffect>
+                                  </p:childTnLst>
+                                </p:cTn>
+                              </p:par>
+                            </p:childTnLst>
+                          </p:cTn>
+                        </p:par>
+                      </p:childTnLst>
+                    </p:cTn>
+                  </p:par>
+                  <p:par>
+                    <p:cTn id="8" fill="hold">
+                      <p:stCondLst>
+                        <p:cond delay="indefinite"/>
+                      </p:stCondLst>
+                      <p:childTnLst>
+                        <p:par>
+                          <p:cTn id="9" fill="hold">
+                            <p:stCondLst>
+                              <p:cond delay="0"/>
+                            </p:stCondLst>
+                            <p:childTnLst>
+                              <p:par>
+                                <p:cTn id="10" presetID="22" presetClass="entr" presetSubtype="4" fill="hold" grpId="0" nodeType="clickEffect">
+                                  <p:stCondLst>
+                                    <p:cond delay="0"/>
+                                  </p:stCondLst>
+                                  <p:childTnLst>
+                                    <p:set>
+                                      <p:cBhvr>
+                                        <p:cTn id="11" dur="1" fill="hold">
+                                          <p:stCondLst>
+                                            <p:cond delay="0"/>
+                                          </p:stCondLst>
+                                        </p:cTn>
+                                        <p:tgtEl>
+                                          <p:spTgt spid="6"/>
+                                        </p:tgtEl>
+                                        <p:attrNameLst>
+                                          <p:attrName>style.visibility</p:attrName>
+                                        </p:attrNameLst>
+                                      </p:cBhvr>
+                                      <p:to>
+                                        <p:strVal val="visible"/>
+                                      </p:to>
+                                    </p:set>
+                                    <p:animEffect transition="in" filter="wipe(down)">
+                                      <p:cBhvr>
+                                        <p:cTn id="12" dur="500"/>
+                                        <p:tgtEl>
+                                          <p:spTgt spid="6"/>
+                                        </p:tgtEl>
+                                      </p:cBhvr>
+                                    </p:animEffect>
+                                  </p:childTnLst>
+                                </p:cTn>
+                              </p:par>
+                            </p:childTnLst>
+                          </p:cTn>
+                        </p:par>
+                      </p:childTnLst>
+                    </p:cTn>
+                  </p:par>
+                  <p:par>
+                    <p:cTn id="13" fill="hold">
+                      <p:stCondLst>
+                        <p:cond delay="indefinite"/>
+                      </p:stCondLst>
+                      <p:childTnLst>
+                        <p:par>
+                          <p:cTn id="14" fill="hold">
+                            <p:stCondLst>
+                              <p:cond delay="0"/>
+                            </p:stCondLst>
+                            <p:childTnLst>
+                              <p:par>
+                                <p:cTn id="15" presetID="22" presetClass="entr" presetSubtype="4" fill="hold" nodeType="clickEffect">
+                                  <p:stCondLst>
+                                    <p:cond delay="0"/>
+                                  </p:stCondLst>
+                                  <p:childTnLst>
+                                    <p:set>
+                                      <p:cBhvr>
+                                        <p:cTn id="16" dur="1" fill="hold">
+                                          <p:stCondLst>
+                                            <p:cond delay="0"/>
+                                          </p:stCondLst>
+                                        </p:cTn>
+                                        <p:tgtEl>
+                                          <p:spTgt spid="2050"/>
+                                        </p:tgtEl>
+                                        <p:attrNameLst>
+                                          <p:attrName>style.visibility</p:attrName>
+                                        </p:attrNameLst>
+                                      </p:cBhvr>
+                                      <p:to>
+                                        <p:strVal val="visible"/>
+                                      </p:to>
+                                    </p:set>
+                                    <p:animEffect transition="in" filter="wipe(down)">
+                                      <p:cBhvr>
+                                        <p:cTn id="17" dur="500"/>
+                                        <p:tgtEl>
+                                          <p:spTgt spid="2050"/>
+                                        </p:tgtEl>
+                                      </p:cBhvr>
+                                    </p:animEffect>
+                                  </p:childTnLst>
+                                </p:cTn>
+                              </p:par>
+                              <p:par>
+                                <p:cTn id="18" presetID="22" presetClass="entr" presetSubtype="4" fill="hold" nodeType="withEffect">
+                                  <p:stCondLst>
+                                    <p:cond delay="0"/>
+                                  </p:stCondLst>
+                                  <p:childTnLst>
+                                    <p:set>
+                                      <p:cBhvr>
+                                        <p:cTn id="19" dur="1" fill="hold">
+                                          <p:stCondLst>
+                                            <p:cond delay="0"/>
+                                          </p:stCondLst>
+                                        </p:cTn>
+                                        <p:tgtEl>
+                                          <p:spTgt spid="9"/>
+                                        </p:tgtEl>
+                                        <p:attrNameLst>
+                                          <p:attrName>style.visibility</p:attrName>
+                                        </p:attrNameLst>
+                                      </p:cBhvr>
+                                      <p:to>
+                                        <p:strVal val="visible"/>
+                                      </p:to>
+                                    </p:set>
+                                    <p:animEffect transition="in" filter="wipe(down)">
+                                      <p:cBhvr>
+                                        <p:cTn id="20" dur="500"/>
+                                        <p:tgtEl>
+                                          <p:spTgt spid="9"/>
+                                        </p:tgtEl>
+                                      </p:cBhvr>
+                                    </p:animEffect>
+                                  </p:childTnLst>
+                                </p:cTn>
+                              </p:par>
+                              <p:par>
+                                <p:cTn id="21" presetID="22" presetClass="entr" presetSubtype="4" fill="hold" nodeType="withEffect">
+                                  <p:stCondLst>
+                                    <p:cond delay="0"/>
+                                  </p:stCondLst>
+                                  <p:childTnLst>
+                                    <p:set>
+                                      <p:cBhvr>
+                                        <p:cTn id="22" dur="1" fill="hold">
+                                          <p:stCondLst>
+                                            <p:cond delay="0"/>
+                                          </p:stCondLst>
+                                        </p:cTn>
+                                        <p:tgtEl>
+                                          <p:spTgt spid="8"/>
+                                        </p:tgtEl>
+                                        <p:attrNameLst>
+                                          <p:attrName>style.visibility</p:attrName>
+                                        </p:attrNameLst>
+                                      </p:cBhvr>
+                                      <p:to>
+                                        <p:strVal val="visible"/>
+                                      </p:to>
+                                    </p:set>
+                                    <p:animEffect transition="in" filter="wipe(down)">
+                                      <p:cBhvr>
+                                        <p:cTn id="23" dur="500"/>
+                                        <p:tgtEl>
+                                          <p:spTgt spid="8"/>
+                                        </p:tgtEl>
+                                      </p:cBhvr>
+                                    </p:animEffect>
+                                  </p:childTnLst>
+                                </p:cTn>
+                              </p:par>
+                              <p:par>
+                                <p:cTn id="24" presetID="22" presetClass="entr" presetSubtype="4" fill="hold" nodeType="withEffect">
+                                  <p:stCondLst>
+                                    <p:cond delay="0"/>
+                                  </p:stCondLst>
+                                  <p:childTnLst>
+                                    <p:set>
+                                      <p:cBhvr>
+                                        <p:cTn id="25" dur="1" fill="hold">
                                           <p:stCondLst>
                                             <p:cond delay="0"/>
                                           </p:stCondLst>
@@ -18355,78 +19640,50 @@
                                         <p:strVal val="visible"/>
                                       </p:to>
                                     </p:set>
-                                    <p:animEffect transition="in" filter="fade">
+                                    <p:animEffect transition="in" filter="wipe(down)">
                                       <p:cBhvr>
-                                        <p:cTn id="7" dur="1000"/>
+                                        <p:cTn id="26" dur="500"/>
                                         <p:tgtEl>
                                           <p:spTgt spid="7"/>
                                         </p:tgtEl>
                                       </p:cBhvr>
                                     </p:animEffect>
-                                    <p:anim calcmode="lin" valueType="num">
-                                      <p:cBhvr>
-                                        <p:cTn id="8" dur="1000" fill="hold"/>
-                                        <p:tgtEl>
-                                          <p:spTgt spid="7"/>
-                                        </p:tgtEl>
-                                        <p:attrNameLst>
-                                          <p:attrName>ppt_x</p:attrName>
-                                        </p:attrNameLst>
-                                      </p:cBhvr>
-                                      <p:tavLst>
-                                        <p:tav tm="0">
-                                          <p:val>
-                                            <p:strVal val="#ppt_x"/>
-                                          </p:val>
-                                        </p:tav>
-                                        <p:tav tm="100000">
-                                          <p:val>
-                                            <p:strVal val="#ppt_x"/>
-                                          </p:val>
-                                        </p:tav>
-                                      </p:tavLst>
-                                    </p:anim>
-                                    <p:anim calcmode="lin" valueType="num">
-                                      <p:cBhvr>
-                                        <p:cTn id="9" dur="1000" fill="hold"/>
-                                        <p:tgtEl>
-                                          <p:spTgt spid="7"/>
-                                        </p:tgtEl>
-                                        <p:attrNameLst>
-                                          <p:attrName>ppt_y</p:attrName>
-                                        </p:attrNameLst>
-                                      </p:cBhvr>
-                                      <p:tavLst>
-                                        <p:tav tm="0">
-                                          <p:val>
-                                            <p:strVal val="#ppt_y+.1"/>
-                                          </p:val>
-                                        </p:tav>
-                                        <p:tav tm="100000">
-                                          <p:val>
-                                            <p:strVal val="#ppt_y"/>
-                                          </p:val>
-                                        </p:tav>
-                                      </p:tavLst>
-                                    </p:anim>
                                   </p:childTnLst>
                                 </p:cTn>
                               </p:par>
+                            </p:childTnLst>
+                          </p:cTn>
+                        </p:par>
+                      </p:childTnLst>
+                    </p:cTn>
+                  </p:par>
+                  <p:par>
+                    <p:cTn id="27" fill="hold">
+                      <p:stCondLst>
+                        <p:cond delay="indefinite"/>
+                      </p:stCondLst>
+                      <p:childTnLst>
+                        <p:par>
+                          <p:cTn id="28" fill="hold">
+                            <p:stCondLst>
+                              <p:cond delay="0"/>
+                            </p:stCondLst>
+                            <p:childTnLst>
                               <p:par>
-                                <p:cTn id="10" presetID="10" presetClass="entr" presetSubtype="0" fill="hold" nodeType="withEffect">
+                                <p:cTn id="29" presetID="22" presetClass="entr" presetSubtype="4" fill="hold" grpId="0" nodeType="clickEffect">
                                   <p:stCondLst>
                                     <p:cond delay="0"/>
                                   </p:stCondLst>
                                   <p:childTnLst>
                                     <p:set>
                                       <p:cBhvr>
-                                        <p:cTn id="11" dur="1" fill="hold">
+                                        <p:cTn id="30" dur="1" fill="hold">
                                           <p:stCondLst>
                                             <p:cond delay="0"/>
                                           </p:stCondLst>
                                         </p:cTn>
                                         <p:tgtEl>
-                                          <p:spTgt spid="8"/>
+                                          <p:spTgt spid="24"/>
                                         </p:tgtEl>
                                         <p:attrNameLst>
                                           <p:attrName>style.visibility</p:attrName>
@@ -18436,46 +19693,11 @@
                                         <p:strVal val="visible"/>
                                       </p:to>
                                     </p:set>
-                                    <p:animEffect transition="in" filter="fade">
+                                    <p:animEffect transition="in" filter="wipe(down)">
                                       <p:cBhvr>
-                                        <p:cTn id="12" dur="500"/>
+                                        <p:cTn id="31" dur="500"/>
                                         <p:tgtEl>
-                                          <p:spTgt spid="8"/>
-                                        </p:tgtEl>
-                                      </p:cBhvr>
-                                    </p:animEffect>
-                                  </p:childTnLst>
-                                </p:cTn>
-                              </p:par>
-                              <p:par>
-                                <p:cTn id="13" presetID="6" presetClass="entr" presetSubtype="16" fill="hold" nodeType="withEffect">
-                                  <p:stCondLst>
-                                    <p:cond delay="0"/>
-                                  </p:stCondLst>
-                                  <p:childTnLst>
-                                    <p:set>
-                                      <p:cBhvr>
-                                        <p:cTn id="14" dur="1" fill="hold">
-                                          <p:stCondLst>
-                                            <p:cond delay="0"/>
-                                          </p:stCondLst>
-                                        </p:cTn>
-                                        <p:tgtEl>
-                                          <p:spTgt spid="9"/>
-                                        </p:tgtEl>
-                                        <p:attrNameLst>
-                                          <p:attrName>style.visibility</p:attrName>
-                                        </p:attrNameLst>
-                                      </p:cBhvr>
-                                      <p:to>
-                                        <p:strVal val="visible"/>
-                                      </p:to>
-                                    </p:set>
-                                    <p:animEffect transition="in" filter="circle(in)">
-                                      <p:cBhvr>
-                                        <p:cTn id="15" dur="2000"/>
-                                        <p:tgtEl>
-                                          <p:spTgt spid="9"/>
+                                          <p:spTgt spid="24"/>
                                         </p:tgtEl>
                                       </p:cBhvr>
                                     </p:animEffect>
@@ -18509,6 +19731,11 @@
         </p:cTn>
       </p:par>
     </p:tnLst>
+    <p:bldLst>
+      <p:bldP spid="22" grpId="0"/>
+      <p:bldP spid="24" grpId="0"/>
+      <p:bldP spid="6" grpId="0"/>
+    </p:bldLst>
   </p:timing>
 </p:sld>
 </file>
@@ -20291,27 +21518,7 @@
                 <a:latin typeface="Times New Roman" panose="02020603050405020304" pitchFamily="18" charset="0"/>
                 <a:cs typeface="Times New Roman" panose="02020603050405020304" pitchFamily="18" charset="0"/>
               </a:rPr>
-              <a:t>CÁC KẾT QUẢ ĐẠT Đ</a:t>
-            </a:r>
-            <a:r>
-              <a:rPr lang="vi-VN" sz="4000" b="1" dirty="0">
-                <a:solidFill>
-                  <a:schemeClr val="accent2"/>
-                </a:solidFill>
-                <a:latin typeface="Times New Roman" panose="02020603050405020304" pitchFamily="18" charset="0"/>
-                <a:cs typeface="Times New Roman" panose="02020603050405020304" pitchFamily="18" charset="0"/>
-              </a:rPr>
-              <a:t>Ư</a:t>
-            </a:r>
-            <a:r>
-              <a:rPr lang="en-US" sz="4000" b="1" dirty="0">
-                <a:solidFill>
-                  <a:schemeClr val="accent2"/>
-                </a:solidFill>
-                <a:latin typeface="Times New Roman" panose="02020603050405020304" pitchFamily="18" charset="0"/>
-                <a:cs typeface="Times New Roman" panose="02020603050405020304" pitchFamily="18" charset="0"/>
-              </a:rPr>
-              <a:t>ỢC</a:t>
+              <a:t>KẾT QUẢ THỰC NGHIỆM</a:t>
             </a:r>
             <a:endParaRPr lang="vi-VN" sz="4000" b="1" dirty="0">
               <a:solidFill>
@@ -20323,6 +21530,951 @@
           </a:p>
         </p:txBody>
       </p:sp>
+      <p:graphicFrame>
+        <p:nvGraphicFramePr>
+          <p:cNvPr id="5" name="Table 4"/>
+          <p:cNvGraphicFramePr>
+            <a:graphicFrameLocks noGrp="1"/>
+          </p:cNvGraphicFramePr>
+          <p:nvPr>
+            <p:extLst>
+              <p:ext uri="{D42A27DB-BD31-4B8C-83A1-F6EECF244321}">
+                <p14:modId xmlns:p14="http://schemas.microsoft.com/office/powerpoint/2010/main" val="1106203696"/>
+              </p:ext>
+            </p:extLst>
+          </p:nvPr>
+        </p:nvGraphicFramePr>
+        <p:xfrm>
+          <a:off x="550938" y="1424465"/>
+          <a:ext cx="8854319" cy="4809496"/>
+        </p:xfrm>
+        <a:graphic>
+          <a:graphicData uri="http://schemas.openxmlformats.org/drawingml/2006/table">
+            <a:tbl>
+              <a:tblPr firstRow="1" firstCol="1" bandRow="1">
+                <a:tableStyleId>{5C22544A-7EE6-4342-B048-85BDC9FD1C3A}</a:tableStyleId>
+              </a:tblPr>
+              <a:tblGrid>
+                <a:gridCol w="1796627">
+                  <a:extLst>
+                    <a:ext uri="{9D8B030D-6E8A-4147-A177-3AD203B41FA5}">
+                      <a16:colId xmlns:a16="http://schemas.microsoft.com/office/drawing/2014/main" val="4256393521"/>
+                    </a:ext>
+                  </a:extLst>
+                </a:gridCol>
+                <a:gridCol w="1851344">
+                  <a:extLst>
+                    <a:ext uri="{9D8B030D-6E8A-4147-A177-3AD203B41FA5}">
+                      <a16:colId xmlns:a16="http://schemas.microsoft.com/office/drawing/2014/main" val="2581601006"/>
+                    </a:ext>
+                  </a:extLst>
+                </a:gridCol>
+                <a:gridCol w="1401546">
+                  <a:extLst>
+                    <a:ext uri="{9D8B030D-6E8A-4147-A177-3AD203B41FA5}">
+                      <a16:colId xmlns:a16="http://schemas.microsoft.com/office/drawing/2014/main" val="369413516"/>
+                    </a:ext>
+                  </a:extLst>
+                </a:gridCol>
+                <a:gridCol w="1401546">
+                  <a:extLst>
+                    <a:ext uri="{9D8B030D-6E8A-4147-A177-3AD203B41FA5}">
+                      <a16:colId xmlns:a16="http://schemas.microsoft.com/office/drawing/2014/main" val="1087716548"/>
+                    </a:ext>
+                  </a:extLst>
+                </a:gridCol>
+                <a:gridCol w="1202336">
+                  <a:extLst>
+                    <a:ext uri="{9D8B030D-6E8A-4147-A177-3AD203B41FA5}">
+                      <a16:colId xmlns:a16="http://schemas.microsoft.com/office/drawing/2014/main" val="4058516146"/>
+                    </a:ext>
+                  </a:extLst>
+                </a:gridCol>
+                <a:gridCol w="1200920">
+                  <a:extLst>
+                    <a:ext uri="{9D8B030D-6E8A-4147-A177-3AD203B41FA5}">
+                      <a16:colId xmlns:a16="http://schemas.microsoft.com/office/drawing/2014/main" val="512656412"/>
+                    </a:ext>
+                  </a:extLst>
+                </a:gridCol>
+              </a:tblGrid>
+              <a:tr h="1828800">
+                <a:tc>
+                  <a:txBody>
+                    <a:bodyPr/>
+                    <a:lstStyle/>
+                    <a:p>
+                      <a:pPr algn="r">
+                        <a:lnSpc>
+                          <a:spcPct val="150000"/>
+                        </a:lnSpc>
+                        <a:spcAft>
+                          <a:spcPts val="0"/>
+                        </a:spcAft>
+                      </a:pPr>
+                      <a:r>
+                        <a:rPr lang="en-US" sz="2000" dirty="0" err="1">
+                          <a:effectLst/>
+                          <a:latin typeface="Times New Roman" panose="02020603050405020304" pitchFamily="18" charset="0"/>
+                          <a:cs typeface="Times New Roman" panose="02020603050405020304" pitchFamily="18" charset="0"/>
+                        </a:rPr>
+                        <a:t>Độ</a:t>
+                      </a:r>
+                      <a:r>
+                        <a:rPr lang="en-US" sz="2000" dirty="0">
+                          <a:effectLst/>
+                          <a:latin typeface="Times New Roman" panose="02020603050405020304" pitchFamily="18" charset="0"/>
+                          <a:cs typeface="Times New Roman" panose="02020603050405020304" pitchFamily="18" charset="0"/>
+                        </a:rPr>
+                        <a:t> </a:t>
+                      </a:r>
+                      <a:endParaRPr lang="vi-VN" sz="2000" dirty="0">
+                        <a:effectLst/>
+                        <a:latin typeface="Times New Roman" panose="02020603050405020304" pitchFamily="18" charset="0"/>
+                        <a:cs typeface="Times New Roman" panose="02020603050405020304" pitchFamily="18" charset="0"/>
+                      </a:endParaRPr>
+                    </a:p>
+                    <a:p>
+                      <a:pPr algn="r">
+                        <a:lnSpc>
+                          <a:spcPct val="150000"/>
+                        </a:lnSpc>
+                        <a:spcAft>
+                          <a:spcPts val="0"/>
+                        </a:spcAft>
+                      </a:pPr>
+                      <a:r>
+                        <a:rPr lang="en-US" sz="2000" dirty="0" err="1">
+                          <a:effectLst/>
+                          <a:latin typeface="Times New Roman" panose="02020603050405020304" pitchFamily="18" charset="0"/>
+                          <a:cs typeface="Times New Roman" panose="02020603050405020304" pitchFamily="18" charset="0"/>
+                        </a:rPr>
+                        <a:t>Đo</a:t>
+                      </a:r>
+                      <a:endParaRPr lang="vi-VN" sz="2000" dirty="0">
+                        <a:effectLst/>
+                        <a:latin typeface="Times New Roman" panose="02020603050405020304" pitchFamily="18" charset="0"/>
+                        <a:cs typeface="Times New Roman" panose="02020603050405020304" pitchFamily="18" charset="0"/>
+                      </a:endParaRPr>
+                    </a:p>
+                    <a:p>
+                      <a:pPr>
+                        <a:lnSpc>
+                          <a:spcPct val="150000"/>
+                        </a:lnSpc>
+                        <a:spcAft>
+                          <a:spcPts val="0"/>
+                        </a:spcAft>
+                      </a:pPr>
+                      <a:r>
+                        <a:rPr lang="en-US" sz="2000" dirty="0" err="1">
+                          <a:effectLst/>
+                          <a:latin typeface="Times New Roman" panose="02020603050405020304" pitchFamily="18" charset="0"/>
+                          <a:cs typeface="Times New Roman" panose="02020603050405020304" pitchFamily="18" charset="0"/>
+                        </a:rPr>
+                        <a:t>Thuật</a:t>
+                      </a:r>
+                      <a:r>
+                        <a:rPr lang="en-US" sz="2000" dirty="0">
+                          <a:effectLst/>
+                          <a:latin typeface="Times New Roman" panose="02020603050405020304" pitchFamily="18" charset="0"/>
+                          <a:cs typeface="Times New Roman" panose="02020603050405020304" pitchFamily="18" charset="0"/>
+                        </a:rPr>
+                        <a:t> </a:t>
+                      </a:r>
+                      <a:endParaRPr lang="vi-VN" sz="2000" dirty="0">
+                        <a:effectLst/>
+                        <a:latin typeface="Times New Roman" panose="02020603050405020304" pitchFamily="18" charset="0"/>
+                        <a:cs typeface="Times New Roman" panose="02020603050405020304" pitchFamily="18" charset="0"/>
+                      </a:endParaRPr>
+                    </a:p>
+                    <a:p>
+                      <a:pPr>
+                        <a:lnSpc>
+                          <a:spcPct val="150000"/>
+                        </a:lnSpc>
+                        <a:spcAft>
+                          <a:spcPts val="0"/>
+                        </a:spcAft>
+                      </a:pPr>
+                      <a:r>
+                        <a:rPr lang="en-US" sz="2000" dirty="0" err="1">
+                          <a:effectLst/>
+                          <a:latin typeface="Times New Roman" panose="02020603050405020304" pitchFamily="18" charset="0"/>
+                          <a:cs typeface="Times New Roman" panose="02020603050405020304" pitchFamily="18" charset="0"/>
+                        </a:rPr>
+                        <a:t>Toán</a:t>
+                      </a:r>
+                      <a:endParaRPr lang="vi-VN" sz="2000" dirty="0">
+                        <a:effectLst/>
+                        <a:latin typeface="Times New Roman" panose="02020603050405020304" pitchFamily="18" charset="0"/>
+                        <a:ea typeface="Calibri" panose="020F0502020204030204" pitchFamily="34" charset="0"/>
+                        <a:cs typeface="Times New Roman" panose="02020603050405020304" pitchFamily="18" charset="0"/>
+                      </a:endParaRPr>
+                    </a:p>
+                  </a:txBody>
+                  <a:tcPr marL="68580" marR="68580" marT="0" marB="0" anchor="ctr"/>
+                </a:tc>
+                <a:tc>
+                  <a:txBody>
+                    <a:bodyPr/>
+                    <a:lstStyle/>
+                    <a:p>
+                      <a:pPr algn="ctr">
+                        <a:lnSpc>
+                          <a:spcPct val="150000"/>
+                        </a:lnSpc>
+                        <a:spcAft>
+                          <a:spcPts val="0"/>
+                        </a:spcAft>
+                      </a:pPr>
+                      <a:r>
+                        <a:rPr lang="vi-VN" sz="2000" dirty="0">
+                          <a:effectLst/>
+                          <a:latin typeface="Times New Roman" panose="02020603050405020304" pitchFamily="18" charset="0"/>
+                          <a:cs typeface="Times New Roman" panose="02020603050405020304" pitchFamily="18" charset="0"/>
+                        </a:rPr>
+                        <a:t>Precision</a:t>
+                      </a:r>
+                      <a:endParaRPr lang="vi-VN" sz="2000" dirty="0">
+                        <a:effectLst/>
+                        <a:latin typeface="Times New Roman" panose="02020603050405020304" pitchFamily="18" charset="0"/>
+                        <a:ea typeface="Calibri" panose="020F0502020204030204" pitchFamily="34" charset="0"/>
+                        <a:cs typeface="Times New Roman" panose="02020603050405020304" pitchFamily="18" charset="0"/>
+                      </a:endParaRPr>
+                    </a:p>
+                  </a:txBody>
+                  <a:tcPr marL="68580" marR="68580" marT="0" marB="0"/>
+                </a:tc>
+                <a:tc>
+                  <a:txBody>
+                    <a:bodyPr/>
+                    <a:lstStyle/>
+                    <a:p>
+                      <a:pPr algn="ctr">
+                        <a:lnSpc>
+                          <a:spcPct val="150000"/>
+                        </a:lnSpc>
+                        <a:spcAft>
+                          <a:spcPts val="0"/>
+                        </a:spcAft>
+                      </a:pPr>
+                      <a:r>
+                        <a:rPr lang="en-US" sz="2000" dirty="0">
+                          <a:effectLst/>
+                          <a:latin typeface="Times New Roman" panose="02020603050405020304" pitchFamily="18" charset="0"/>
+                          <a:cs typeface="Times New Roman" panose="02020603050405020304" pitchFamily="18" charset="0"/>
+                        </a:rPr>
+                        <a:t>NDCG</a:t>
+                      </a:r>
+                      <a:endParaRPr lang="vi-VN" sz="2000" dirty="0">
+                        <a:effectLst/>
+                        <a:latin typeface="Times New Roman" panose="02020603050405020304" pitchFamily="18" charset="0"/>
+                        <a:ea typeface="Calibri" panose="020F0502020204030204" pitchFamily="34" charset="0"/>
+                        <a:cs typeface="Times New Roman" panose="02020603050405020304" pitchFamily="18" charset="0"/>
+                      </a:endParaRPr>
+                    </a:p>
+                  </a:txBody>
+                  <a:tcPr marL="68580" marR="68580" marT="0" marB="0"/>
+                </a:tc>
+                <a:tc>
+                  <a:txBody>
+                    <a:bodyPr/>
+                    <a:lstStyle/>
+                    <a:p>
+                      <a:pPr algn="ctr">
+                        <a:lnSpc>
+                          <a:spcPct val="150000"/>
+                        </a:lnSpc>
+                        <a:spcAft>
+                          <a:spcPts val="0"/>
+                        </a:spcAft>
+                      </a:pPr>
+                      <a:r>
+                        <a:rPr lang="en-US" sz="2000">
+                          <a:effectLst/>
+                          <a:latin typeface="Times New Roman" panose="02020603050405020304" pitchFamily="18" charset="0"/>
+                          <a:cs typeface="Times New Roman" panose="02020603050405020304" pitchFamily="18" charset="0"/>
+                        </a:rPr>
+                        <a:t>RMSE</a:t>
+                      </a:r>
+                      <a:endParaRPr lang="vi-VN" sz="2000">
+                        <a:effectLst/>
+                        <a:latin typeface="Times New Roman" panose="02020603050405020304" pitchFamily="18" charset="0"/>
+                        <a:ea typeface="Calibri" panose="020F0502020204030204" pitchFamily="34" charset="0"/>
+                        <a:cs typeface="Times New Roman" panose="02020603050405020304" pitchFamily="18" charset="0"/>
+                      </a:endParaRPr>
+                    </a:p>
+                  </a:txBody>
+                  <a:tcPr marL="68580" marR="68580" marT="0" marB="0"/>
+                </a:tc>
+                <a:tc>
+                  <a:txBody>
+                    <a:bodyPr/>
+                    <a:lstStyle/>
+                    <a:p>
+                      <a:pPr algn="ctr">
+                        <a:lnSpc>
+                          <a:spcPct val="150000"/>
+                        </a:lnSpc>
+                        <a:spcAft>
+                          <a:spcPts val="0"/>
+                        </a:spcAft>
+                      </a:pPr>
+                      <a:r>
+                        <a:rPr lang="en-US" sz="2000">
+                          <a:effectLst/>
+                          <a:latin typeface="Times New Roman" panose="02020603050405020304" pitchFamily="18" charset="0"/>
+                          <a:cs typeface="Times New Roman" panose="02020603050405020304" pitchFamily="18" charset="0"/>
+                        </a:rPr>
+                        <a:t>MRR</a:t>
+                      </a:r>
+                      <a:endParaRPr lang="vi-VN" sz="2000">
+                        <a:effectLst/>
+                        <a:latin typeface="Times New Roman" panose="02020603050405020304" pitchFamily="18" charset="0"/>
+                        <a:ea typeface="Calibri" panose="020F0502020204030204" pitchFamily="34" charset="0"/>
+                        <a:cs typeface="Times New Roman" panose="02020603050405020304" pitchFamily="18" charset="0"/>
+                      </a:endParaRPr>
+                    </a:p>
+                  </a:txBody>
+                  <a:tcPr marL="68580" marR="68580" marT="0" marB="0"/>
+                </a:tc>
+                <a:tc>
+                  <a:txBody>
+                    <a:bodyPr/>
+                    <a:lstStyle/>
+                    <a:p>
+                      <a:pPr algn="ctr">
+                        <a:lnSpc>
+                          <a:spcPct val="150000"/>
+                        </a:lnSpc>
+                        <a:spcAft>
+                          <a:spcPts val="0"/>
+                        </a:spcAft>
+                      </a:pPr>
+                      <a:r>
+                        <a:rPr lang="en-US" sz="2000">
+                          <a:effectLst/>
+                          <a:latin typeface="Times New Roman" panose="02020603050405020304" pitchFamily="18" charset="0"/>
+                          <a:cs typeface="Times New Roman" panose="02020603050405020304" pitchFamily="18" charset="0"/>
+                        </a:rPr>
+                        <a:t>MAP</a:t>
+                      </a:r>
+                      <a:endParaRPr lang="vi-VN" sz="2000">
+                        <a:effectLst/>
+                        <a:latin typeface="Times New Roman" panose="02020603050405020304" pitchFamily="18" charset="0"/>
+                        <a:ea typeface="Calibri" panose="020F0502020204030204" pitchFamily="34" charset="0"/>
+                        <a:cs typeface="Times New Roman" panose="02020603050405020304" pitchFamily="18" charset="0"/>
+                      </a:endParaRPr>
+                    </a:p>
+                  </a:txBody>
+                  <a:tcPr marL="68580" marR="68580" marT="0" marB="0"/>
+                </a:tc>
+                <a:extLst>
+                  <a:ext uri="{0D108BD9-81ED-4DB2-BD59-A6C34878D82A}">
+                    <a16:rowId xmlns:a16="http://schemas.microsoft.com/office/drawing/2014/main" val="4042824535"/>
+                  </a:ext>
+                </a:extLst>
+              </a:tr>
+              <a:tr h="2043516">
+                <a:tc>
+                  <a:txBody>
+                    <a:bodyPr/>
+                    <a:lstStyle/>
+                    <a:p>
+                      <a:pPr>
+                        <a:lnSpc>
+                          <a:spcPct val="150000"/>
+                        </a:lnSpc>
+                        <a:spcAft>
+                          <a:spcPts val="0"/>
+                        </a:spcAft>
+                      </a:pPr>
+                      <a:r>
+                        <a:rPr lang="vi-VN" sz="2000">
+                          <a:effectLst/>
+                          <a:latin typeface="Times New Roman" panose="02020603050405020304" pitchFamily="18" charset="0"/>
+                          <a:cs typeface="Times New Roman" panose="02020603050405020304" pitchFamily="18" charset="0"/>
+                        </a:rPr>
+                        <a:t>CF -</a:t>
+                      </a:r>
+                      <a:r>
+                        <a:rPr lang="en-US" sz="2000">
+                          <a:effectLst/>
+                          <a:latin typeface="Times New Roman" panose="02020603050405020304" pitchFamily="18" charset="0"/>
+                          <a:cs typeface="Times New Roman" panose="02020603050405020304" pitchFamily="18" charset="0"/>
+                        </a:rPr>
+                        <a:t> User based - </a:t>
+                      </a:r>
+                      <a:r>
+                        <a:rPr lang="vi-VN" sz="2000">
+                          <a:effectLst/>
+                          <a:latin typeface="Times New Roman" panose="02020603050405020304" pitchFamily="18" charset="0"/>
+                          <a:cs typeface="Times New Roman" panose="02020603050405020304" pitchFamily="18" charset="0"/>
+                        </a:rPr>
+                        <a:t>Euclidean Distance</a:t>
+                      </a:r>
+                      <a:endParaRPr lang="vi-VN" sz="2000">
+                        <a:effectLst/>
+                        <a:latin typeface="Times New Roman" panose="02020603050405020304" pitchFamily="18" charset="0"/>
+                        <a:ea typeface="Calibri" panose="020F0502020204030204" pitchFamily="34" charset="0"/>
+                        <a:cs typeface="Times New Roman" panose="02020603050405020304" pitchFamily="18" charset="0"/>
+                      </a:endParaRPr>
+                    </a:p>
+                  </a:txBody>
+                  <a:tcPr marL="68580" marR="68580" marT="0" marB="0" anchor="b"/>
+                </a:tc>
+                <a:tc>
+                  <a:txBody>
+                    <a:bodyPr/>
+                    <a:lstStyle/>
+                    <a:p>
+                      <a:pPr algn="ctr">
+                        <a:lnSpc>
+                          <a:spcPct val="150000"/>
+                        </a:lnSpc>
+                        <a:spcAft>
+                          <a:spcPts val="0"/>
+                        </a:spcAft>
+                      </a:pPr>
+                      <a:r>
+                        <a:rPr lang="vi-VN" sz="2000" dirty="0">
+                          <a:effectLst/>
+                          <a:latin typeface="Times New Roman" panose="02020603050405020304" pitchFamily="18" charset="0"/>
+                          <a:cs typeface="Times New Roman" panose="02020603050405020304" pitchFamily="18" charset="0"/>
+                        </a:rPr>
+                        <a:t>0.081</a:t>
+                      </a:r>
+                      <a:endParaRPr lang="vi-VN" sz="2000" dirty="0">
+                        <a:effectLst/>
+                        <a:latin typeface="Times New Roman" panose="02020603050405020304" pitchFamily="18" charset="0"/>
+                        <a:ea typeface="Calibri" panose="020F0502020204030204" pitchFamily="34" charset="0"/>
+                        <a:cs typeface="Times New Roman" panose="02020603050405020304" pitchFamily="18" charset="0"/>
+                      </a:endParaRPr>
+                    </a:p>
+                  </a:txBody>
+                  <a:tcPr marL="68580" marR="68580" marT="0" marB="0" anchor="b"/>
+                </a:tc>
+                <a:tc>
+                  <a:txBody>
+                    <a:bodyPr/>
+                    <a:lstStyle/>
+                    <a:p>
+                      <a:pPr algn="ctr">
+                        <a:lnSpc>
+                          <a:spcPct val="150000"/>
+                        </a:lnSpc>
+                        <a:spcAft>
+                          <a:spcPts val="0"/>
+                        </a:spcAft>
+                      </a:pPr>
+                      <a:r>
+                        <a:rPr lang="vi-VN" sz="2000">
+                          <a:effectLst/>
+                          <a:latin typeface="Times New Roman" panose="02020603050405020304" pitchFamily="18" charset="0"/>
+                          <a:cs typeface="Times New Roman" panose="02020603050405020304" pitchFamily="18" charset="0"/>
+                        </a:rPr>
+                        <a:t>0.148</a:t>
+                      </a:r>
+                      <a:endParaRPr lang="vi-VN" sz="2000">
+                        <a:effectLst/>
+                        <a:latin typeface="Times New Roman" panose="02020603050405020304" pitchFamily="18" charset="0"/>
+                        <a:ea typeface="Calibri" panose="020F0502020204030204" pitchFamily="34" charset="0"/>
+                        <a:cs typeface="Times New Roman" panose="02020603050405020304" pitchFamily="18" charset="0"/>
+                      </a:endParaRPr>
+                    </a:p>
+                  </a:txBody>
+                  <a:tcPr marL="68580" marR="68580" marT="0" marB="0" anchor="b"/>
+                </a:tc>
+                <a:tc>
+                  <a:txBody>
+                    <a:bodyPr/>
+                    <a:lstStyle/>
+                    <a:p>
+                      <a:pPr algn="ctr">
+                        <a:lnSpc>
+                          <a:spcPct val="150000"/>
+                        </a:lnSpc>
+                        <a:spcAft>
+                          <a:spcPts val="0"/>
+                        </a:spcAft>
+                      </a:pPr>
+                      <a:r>
+                        <a:rPr lang="vi-VN" sz="2000">
+                          <a:effectLst/>
+                          <a:latin typeface="Times New Roman" panose="02020603050405020304" pitchFamily="18" charset="0"/>
+                          <a:cs typeface="Times New Roman" panose="02020603050405020304" pitchFamily="18" charset="0"/>
+                        </a:rPr>
+                        <a:t>0.687</a:t>
+                      </a:r>
+                      <a:endParaRPr lang="vi-VN" sz="2000">
+                        <a:effectLst/>
+                        <a:latin typeface="Times New Roman" panose="02020603050405020304" pitchFamily="18" charset="0"/>
+                        <a:ea typeface="Calibri" panose="020F0502020204030204" pitchFamily="34" charset="0"/>
+                        <a:cs typeface="Times New Roman" panose="02020603050405020304" pitchFamily="18" charset="0"/>
+                      </a:endParaRPr>
+                    </a:p>
+                  </a:txBody>
+                  <a:tcPr marL="68580" marR="68580" marT="0" marB="0" anchor="b"/>
+                </a:tc>
+                <a:tc>
+                  <a:txBody>
+                    <a:bodyPr/>
+                    <a:lstStyle/>
+                    <a:p>
+                      <a:pPr algn="ctr">
+                        <a:lnSpc>
+                          <a:spcPct val="150000"/>
+                        </a:lnSpc>
+                        <a:spcAft>
+                          <a:spcPts val="0"/>
+                        </a:spcAft>
+                      </a:pPr>
+                      <a:r>
+                        <a:rPr lang="vi-VN" sz="2000">
+                          <a:effectLst/>
+                          <a:latin typeface="Times New Roman" panose="02020603050405020304" pitchFamily="18" charset="0"/>
+                          <a:cs typeface="Times New Roman" panose="02020603050405020304" pitchFamily="18" charset="0"/>
+                        </a:rPr>
+                        <a:t>0.593</a:t>
+                      </a:r>
+                      <a:endParaRPr lang="vi-VN" sz="2000">
+                        <a:effectLst/>
+                        <a:latin typeface="Times New Roman" panose="02020603050405020304" pitchFamily="18" charset="0"/>
+                        <a:ea typeface="Calibri" panose="020F0502020204030204" pitchFamily="34" charset="0"/>
+                        <a:cs typeface="Times New Roman" panose="02020603050405020304" pitchFamily="18" charset="0"/>
+                      </a:endParaRPr>
+                    </a:p>
+                  </a:txBody>
+                  <a:tcPr marL="68580" marR="68580" marT="0" marB="0" anchor="b"/>
+                </a:tc>
+                <a:tc>
+                  <a:txBody>
+                    <a:bodyPr/>
+                    <a:lstStyle/>
+                    <a:p>
+                      <a:pPr algn="ctr">
+                        <a:lnSpc>
+                          <a:spcPct val="150000"/>
+                        </a:lnSpc>
+                        <a:spcAft>
+                          <a:spcPts val="0"/>
+                        </a:spcAft>
+                      </a:pPr>
+                      <a:r>
+                        <a:rPr lang="vi-VN" sz="2000">
+                          <a:effectLst/>
+                          <a:latin typeface="Times New Roman" panose="02020603050405020304" pitchFamily="18" charset="0"/>
+                          <a:cs typeface="Times New Roman" panose="02020603050405020304" pitchFamily="18" charset="0"/>
+                        </a:rPr>
+                        <a:t>0.589</a:t>
+                      </a:r>
+                      <a:endParaRPr lang="vi-VN" sz="2000">
+                        <a:effectLst/>
+                        <a:latin typeface="Times New Roman" panose="02020603050405020304" pitchFamily="18" charset="0"/>
+                        <a:ea typeface="Calibri" panose="020F0502020204030204" pitchFamily="34" charset="0"/>
+                        <a:cs typeface="Times New Roman" panose="02020603050405020304" pitchFamily="18" charset="0"/>
+                      </a:endParaRPr>
+                    </a:p>
+                  </a:txBody>
+                  <a:tcPr marL="68580" marR="68580" marT="0" marB="0" anchor="b"/>
+                </a:tc>
+                <a:extLst>
+                  <a:ext uri="{0D108BD9-81ED-4DB2-BD59-A6C34878D82A}">
+                    <a16:rowId xmlns:a16="http://schemas.microsoft.com/office/drawing/2014/main" val="1415161162"/>
+                  </a:ext>
+                </a:extLst>
+              </a:tr>
+              <a:tr h="468590">
+                <a:tc>
+                  <a:txBody>
+                    <a:bodyPr/>
+                    <a:lstStyle/>
+                    <a:p>
+                      <a:pPr>
+                        <a:lnSpc>
+                          <a:spcPct val="150000"/>
+                        </a:lnSpc>
+                        <a:spcAft>
+                          <a:spcPts val="0"/>
+                        </a:spcAft>
+                      </a:pPr>
+                      <a:r>
+                        <a:rPr lang="en-US" sz="2000">
+                          <a:effectLst/>
+                          <a:latin typeface="Times New Roman" panose="02020603050405020304" pitchFamily="18" charset="0"/>
+                          <a:cs typeface="Times New Roman" panose="02020603050405020304" pitchFamily="18" charset="0"/>
+                        </a:rPr>
+                        <a:t>Hybrid</a:t>
+                      </a:r>
+                      <a:endParaRPr lang="vi-VN" sz="2000">
+                        <a:effectLst/>
+                        <a:latin typeface="Times New Roman" panose="02020603050405020304" pitchFamily="18" charset="0"/>
+                        <a:ea typeface="Calibri" panose="020F0502020204030204" pitchFamily="34" charset="0"/>
+                        <a:cs typeface="Times New Roman" panose="02020603050405020304" pitchFamily="18" charset="0"/>
+                      </a:endParaRPr>
+                    </a:p>
+                  </a:txBody>
+                  <a:tcPr marL="68580" marR="68580" marT="0" marB="0" anchor="b"/>
+                </a:tc>
+                <a:tc>
+                  <a:txBody>
+                    <a:bodyPr/>
+                    <a:lstStyle/>
+                    <a:p>
+                      <a:pPr algn="ctr">
+                        <a:lnSpc>
+                          <a:spcPct val="150000"/>
+                        </a:lnSpc>
+                        <a:spcAft>
+                          <a:spcPts val="0"/>
+                        </a:spcAft>
+                      </a:pPr>
+                      <a:r>
+                        <a:rPr lang="vi-VN" sz="2000" dirty="0">
+                          <a:effectLst/>
+                          <a:latin typeface="Times New Roman" panose="02020603050405020304" pitchFamily="18" charset="0"/>
+                          <a:cs typeface="Times New Roman" panose="02020603050405020304" pitchFamily="18" charset="0"/>
+                        </a:rPr>
+                        <a:t>0.261</a:t>
+                      </a:r>
+                      <a:endParaRPr lang="vi-VN" sz="2000" dirty="0">
+                        <a:effectLst/>
+                        <a:latin typeface="Times New Roman" panose="02020603050405020304" pitchFamily="18" charset="0"/>
+                        <a:ea typeface="Calibri" panose="020F0502020204030204" pitchFamily="34" charset="0"/>
+                        <a:cs typeface="Times New Roman" panose="02020603050405020304" pitchFamily="18" charset="0"/>
+                      </a:endParaRPr>
+                    </a:p>
+                  </a:txBody>
+                  <a:tcPr marL="68580" marR="68580" marT="0" marB="0" anchor="b"/>
+                </a:tc>
+                <a:tc>
+                  <a:txBody>
+                    <a:bodyPr/>
+                    <a:lstStyle/>
+                    <a:p>
+                      <a:pPr algn="ctr">
+                        <a:lnSpc>
+                          <a:spcPct val="150000"/>
+                        </a:lnSpc>
+                        <a:spcAft>
+                          <a:spcPts val="0"/>
+                        </a:spcAft>
+                      </a:pPr>
+                      <a:r>
+                        <a:rPr lang="vi-VN" sz="2000" dirty="0">
+                          <a:effectLst/>
+                          <a:latin typeface="Times New Roman" panose="02020603050405020304" pitchFamily="18" charset="0"/>
+                          <a:cs typeface="Times New Roman" panose="02020603050405020304" pitchFamily="18" charset="0"/>
+                        </a:rPr>
+                        <a:t>0.421</a:t>
+                      </a:r>
+                      <a:endParaRPr lang="vi-VN" sz="2000" dirty="0">
+                        <a:effectLst/>
+                        <a:latin typeface="Times New Roman" panose="02020603050405020304" pitchFamily="18" charset="0"/>
+                        <a:ea typeface="Calibri" panose="020F0502020204030204" pitchFamily="34" charset="0"/>
+                        <a:cs typeface="Times New Roman" panose="02020603050405020304" pitchFamily="18" charset="0"/>
+                      </a:endParaRPr>
+                    </a:p>
+                  </a:txBody>
+                  <a:tcPr marL="68580" marR="68580" marT="0" marB="0" anchor="b"/>
+                </a:tc>
+                <a:tc>
+                  <a:txBody>
+                    <a:bodyPr/>
+                    <a:lstStyle/>
+                    <a:p>
+                      <a:pPr algn="ctr">
+                        <a:lnSpc>
+                          <a:spcPct val="150000"/>
+                        </a:lnSpc>
+                        <a:spcAft>
+                          <a:spcPts val="0"/>
+                        </a:spcAft>
+                      </a:pPr>
+                      <a:r>
+                        <a:rPr lang="vi-VN" sz="2000">
+                          <a:effectLst/>
+                          <a:latin typeface="Times New Roman" panose="02020603050405020304" pitchFamily="18" charset="0"/>
+                          <a:cs typeface="Times New Roman" panose="02020603050405020304" pitchFamily="18" charset="0"/>
+                        </a:rPr>
+                        <a:t>2.445</a:t>
+                      </a:r>
+                      <a:endParaRPr lang="vi-VN" sz="2000">
+                        <a:effectLst/>
+                        <a:latin typeface="Times New Roman" panose="02020603050405020304" pitchFamily="18" charset="0"/>
+                        <a:ea typeface="Calibri" panose="020F0502020204030204" pitchFamily="34" charset="0"/>
+                        <a:cs typeface="Times New Roman" panose="02020603050405020304" pitchFamily="18" charset="0"/>
+                      </a:endParaRPr>
+                    </a:p>
+                  </a:txBody>
+                  <a:tcPr marL="68580" marR="68580" marT="0" marB="0" anchor="b"/>
+                </a:tc>
+                <a:tc>
+                  <a:txBody>
+                    <a:bodyPr/>
+                    <a:lstStyle/>
+                    <a:p>
+                      <a:pPr algn="ctr">
+                        <a:lnSpc>
+                          <a:spcPct val="150000"/>
+                        </a:lnSpc>
+                        <a:spcAft>
+                          <a:spcPts val="0"/>
+                        </a:spcAft>
+                      </a:pPr>
+                      <a:r>
+                        <a:rPr lang="vi-VN" sz="2000">
+                          <a:effectLst/>
+                          <a:latin typeface="Times New Roman" panose="02020603050405020304" pitchFamily="18" charset="0"/>
+                          <a:cs typeface="Times New Roman" panose="02020603050405020304" pitchFamily="18" charset="0"/>
+                        </a:rPr>
+                        <a:t>0.508</a:t>
+                      </a:r>
+                      <a:endParaRPr lang="vi-VN" sz="2000">
+                        <a:effectLst/>
+                        <a:latin typeface="Times New Roman" panose="02020603050405020304" pitchFamily="18" charset="0"/>
+                        <a:ea typeface="Calibri" panose="020F0502020204030204" pitchFamily="34" charset="0"/>
+                        <a:cs typeface="Times New Roman" panose="02020603050405020304" pitchFamily="18" charset="0"/>
+                      </a:endParaRPr>
+                    </a:p>
+                  </a:txBody>
+                  <a:tcPr marL="68580" marR="68580" marT="0" marB="0" anchor="b"/>
+                </a:tc>
+                <a:tc>
+                  <a:txBody>
+                    <a:bodyPr/>
+                    <a:lstStyle/>
+                    <a:p>
+                      <a:pPr algn="ctr">
+                        <a:lnSpc>
+                          <a:spcPct val="150000"/>
+                        </a:lnSpc>
+                        <a:spcAft>
+                          <a:spcPts val="0"/>
+                        </a:spcAft>
+                      </a:pPr>
+                      <a:r>
+                        <a:rPr lang="vi-VN" sz="2000">
+                          <a:effectLst/>
+                          <a:latin typeface="Times New Roman" panose="02020603050405020304" pitchFamily="18" charset="0"/>
+                          <a:cs typeface="Times New Roman" panose="02020603050405020304" pitchFamily="18" charset="0"/>
+                        </a:rPr>
+                        <a:t>0.411</a:t>
+                      </a:r>
+                      <a:endParaRPr lang="vi-VN" sz="2000">
+                        <a:effectLst/>
+                        <a:latin typeface="Times New Roman" panose="02020603050405020304" pitchFamily="18" charset="0"/>
+                        <a:ea typeface="Calibri" panose="020F0502020204030204" pitchFamily="34" charset="0"/>
+                        <a:cs typeface="Times New Roman" panose="02020603050405020304" pitchFamily="18" charset="0"/>
+                      </a:endParaRPr>
+                    </a:p>
+                  </a:txBody>
+                  <a:tcPr marL="68580" marR="68580" marT="0" marB="0" anchor="b"/>
+                </a:tc>
+                <a:extLst>
+                  <a:ext uri="{0D108BD9-81ED-4DB2-BD59-A6C34878D82A}">
+                    <a16:rowId xmlns:a16="http://schemas.microsoft.com/office/drawing/2014/main" val="664469686"/>
+                  </a:ext>
+                </a:extLst>
+              </a:tr>
+              <a:tr h="468590">
+                <a:tc>
+                  <a:txBody>
+                    <a:bodyPr/>
+                    <a:lstStyle/>
+                    <a:p>
+                      <a:pPr>
+                        <a:lnSpc>
+                          <a:spcPct val="150000"/>
+                        </a:lnSpc>
+                        <a:spcAft>
+                          <a:spcPts val="0"/>
+                        </a:spcAft>
+                      </a:pPr>
+                      <a:r>
+                        <a:rPr lang="vi-VN" sz="2000">
+                          <a:effectLst/>
+                          <a:latin typeface="Times New Roman" panose="02020603050405020304" pitchFamily="18" charset="0"/>
+                          <a:cs typeface="Times New Roman" panose="02020603050405020304" pitchFamily="18" charset="0"/>
+                        </a:rPr>
+                        <a:t>CB</a:t>
+                      </a:r>
+                      <a:endParaRPr lang="vi-VN" sz="2000">
+                        <a:effectLst/>
+                        <a:latin typeface="Times New Roman" panose="02020603050405020304" pitchFamily="18" charset="0"/>
+                        <a:ea typeface="Calibri" panose="020F0502020204030204" pitchFamily="34" charset="0"/>
+                        <a:cs typeface="Times New Roman" panose="02020603050405020304" pitchFamily="18" charset="0"/>
+                      </a:endParaRPr>
+                    </a:p>
+                  </a:txBody>
+                  <a:tcPr marL="68580" marR="68580" marT="0" marB="0" anchor="ctr"/>
+                </a:tc>
+                <a:tc>
+                  <a:txBody>
+                    <a:bodyPr/>
+                    <a:lstStyle/>
+                    <a:p>
+                      <a:pPr algn="ctr">
+                        <a:lnSpc>
+                          <a:spcPct val="150000"/>
+                        </a:lnSpc>
+                        <a:spcAft>
+                          <a:spcPts val="0"/>
+                        </a:spcAft>
+                      </a:pPr>
+                      <a:r>
+                        <a:rPr lang="vi-VN" sz="2000">
+                          <a:effectLst/>
+                          <a:latin typeface="Times New Roman" panose="02020603050405020304" pitchFamily="18" charset="0"/>
+                          <a:cs typeface="Times New Roman" panose="02020603050405020304" pitchFamily="18" charset="0"/>
+                        </a:rPr>
+                        <a:t>0.372</a:t>
+                      </a:r>
+                      <a:endParaRPr lang="vi-VN" sz="2000">
+                        <a:effectLst/>
+                        <a:latin typeface="Times New Roman" panose="02020603050405020304" pitchFamily="18" charset="0"/>
+                        <a:ea typeface="Calibri" panose="020F0502020204030204" pitchFamily="34" charset="0"/>
+                        <a:cs typeface="Times New Roman" panose="02020603050405020304" pitchFamily="18" charset="0"/>
+                      </a:endParaRPr>
+                    </a:p>
+                  </a:txBody>
+                  <a:tcPr marL="68580" marR="68580" marT="0" marB="0" anchor="b"/>
+                </a:tc>
+                <a:tc>
+                  <a:txBody>
+                    <a:bodyPr/>
+                    <a:lstStyle/>
+                    <a:p>
+                      <a:pPr algn="ctr">
+                        <a:lnSpc>
+                          <a:spcPct val="150000"/>
+                        </a:lnSpc>
+                        <a:spcAft>
+                          <a:spcPts val="0"/>
+                        </a:spcAft>
+                      </a:pPr>
+                      <a:r>
+                        <a:rPr lang="vi-VN" sz="2000" dirty="0">
+                          <a:effectLst/>
+                          <a:latin typeface="Times New Roman" panose="02020603050405020304" pitchFamily="18" charset="0"/>
+                          <a:cs typeface="Times New Roman" panose="02020603050405020304" pitchFamily="18" charset="0"/>
+                        </a:rPr>
+                        <a:t>0.556</a:t>
+                      </a:r>
+                      <a:endParaRPr lang="vi-VN" sz="2000" dirty="0">
+                        <a:effectLst/>
+                        <a:latin typeface="Times New Roman" panose="02020603050405020304" pitchFamily="18" charset="0"/>
+                        <a:ea typeface="Calibri" panose="020F0502020204030204" pitchFamily="34" charset="0"/>
+                        <a:cs typeface="Times New Roman" panose="02020603050405020304" pitchFamily="18" charset="0"/>
+                      </a:endParaRPr>
+                    </a:p>
+                  </a:txBody>
+                  <a:tcPr marL="68580" marR="68580" marT="0" marB="0" anchor="b"/>
+                </a:tc>
+                <a:tc>
+                  <a:txBody>
+                    <a:bodyPr/>
+                    <a:lstStyle/>
+                    <a:p>
+                      <a:pPr algn="ctr">
+                        <a:lnSpc>
+                          <a:spcPct val="150000"/>
+                        </a:lnSpc>
+                        <a:spcAft>
+                          <a:spcPts val="0"/>
+                        </a:spcAft>
+                      </a:pPr>
+                      <a:r>
+                        <a:rPr lang="vi-VN" sz="2000" dirty="0">
+                          <a:effectLst/>
+                          <a:latin typeface="Times New Roman" panose="02020603050405020304" pitchFamily="18" charset="0"/>
+                          <a:cs typeface="Times New Roman" panose="02020603050405020304" pitchFamily="18" charset="0"/>
+                        </a:rPr>
+                        <a:t>1.39</a:t>
+                      </a:r>
+                      <a:endParaRPr lang="vi-VN" sz="2000" dirty="0">
+                        <a:effectLst/>
+                        <a:latin typeface="Times New Roman" panose="02020603050405020304" pitchFamily="18" charset="0"/>
+                        <a:ea typeface="Calibri" panose="020F0502020204030204" pitchFamily="34" charset="0"/>
+                        <a:cs typeface="Times New Roman" panose="02020603050405020304" pitchFamily="18" charset="0"/>
+                      </a:endParaRPr>
+                    </a:p>
+                  </a:txBody>
+                  <a:tcPr marL="68580" marR="68580" marT="0" marB="0" anchor="b"/>
+                </a:tc>
+                <a:tc>
+                  <a:txBody>
+                    <a:bodyPr/>
+                    <a:lstStyle/>
+                    <a:p>
+                      <a:pPr algn="ctr">
+                        <a:lnSpc>
+                          <a:spcPct val="150000"/>
+                        </a:lnSpc>
+                        <a:spcAft>
+                          <a:spcPts val="0"/>
+                        </a:spcAft>
+                      </a:pPr>
+                      <a:r>
+                        <a:rPr lang="vi-VN" sz="2000" dirty="0">
+                          <a:effectLst/>
+                          <a:latin typeface="Times New Roman" panose="02020603050405020304" pitchFamily="18" charset="0"/>
+                          <a:cs typeface="Times New Roman" panose="02020603050405020304" pitchFamily="18" charset="0"/>
+                        </a:rPr>
+                        <a:t>0.604</a:t>
+                      </a:r>
+                      <a:endParaRPr lang="vi-VN" sz="2000" dirty="0">
+                        <a:effectLst/>
+                        <a:latin typeface="Times New Roman" panose="02020603050405020304" pitchFamily="18" charset="0"/>
+                        <a:ea typeface="Calibri" panose="020F0502020204030204" pitchFamily="34" charset="0"/>
+                        <a:cs typeface="Times New Roman" panose="02020603050405020304" pitchFamily="18" charset="0"/>
+                      </a:endParaRPr>
+                    </a:p>
+                  </a:txBody>
+                  <a:tcPr marL="68580" marR="68580" marT="0" marB="0" anchor="b"/>
+                </a:tc>
+                <a:tc>
+                  <a:txBody>
+                    <a:bodyPr/>
+                    <a:lstStyle/>
+                    <a:p>
+                      <a:pPr algn="ctr">
+                        <a:lnSpc>
+                          <a:spcPct val="150000"/>
+                        </a:lnSpc>
+                        <a:spcAft>
+                          <a:spcPts val="0"/>
+                        </a:spcAft>
+                      </a:pPr>
+                      <a:r>
+                        <a:rPr lang="vi-VN" sz="2000" dirty="0">
+                          <a:effectLst/>
+                          <a:latin typeface="Times New Roman" panose="02020603050405020304" pitchFamily="18" charset="0"/>
+                          <a:cs typeface="Times New Roman" panose="02020603050405020304" pitchFamily="18" charset="0"/>
+                        </a:rPr>
+                        <a:t>0.498</a:t>
+                      </a:r>
+                      <a:endParaRPr lang="vi-VN" sz="2000" dirty="0">
+                        <a:effectLst/>
+                        <a:latin typeface="Times New Roman" panose="02020603050405020304" pitchFamily="18" charset="0"/>
+                        <a:ea typeface="Calibri" panose="020F0502020204030204" pitchFamily="34" charset="0"/>
+                        <a:cs typeface="Times New Roman" panose="02020603050405020304" pitchFamily="18" charset="0"/>
+                      </a:endParaRPr>
+                    </a:p>
+                  </a:txBody>
+                  <a:tcPr marL="68580" marR="68580" marT="0" marB="0" anchor="b"/>
+                </a:tc>
+                <a:extLst>
+                  <a:ext uri="{0D108BD9-81ED-4DB2-BD59-A6C34878D82A}">
+                    <a16:rowId xmlns:a16="http://schemas.microsoft.com/office/drawing/2014/main" val="1214410395"/>
+                  </a:ext>
+                </a:extLst>
+              </a:tr>
+            </a:tbl>
+          </a:graphicData>
+        </a:graphic>
+      </p:graphicFrame>
     </p:spTree>
     <p:extLst>
       <p:ext uri="{BB962C8B-B14F-4D97-AF65-F5344CB8AC3E}">
@@ -20333,6 +22485,89 @@
   <p:clrMapOvr>
     <a:masterClrMapping/>
   </p:clrMapOvr>
+  <p:timing>
+    <p:tnLst>
+      <p:par>
+        <p:cTn id="1" dur="indefinite" restart="never" nodeType="tmRoot">
+          <p:childTnLst>
+            <p:seq concurrent="1" nextAc="seek">
+              <p:cTn id="2" dur="indefinite" nodeType="mainSeq">
+                <p:childTnLst>
+                  <p:par>
+                    <p:cTn id="3" fill="hold">
+                      <p:stCondLst>
+                        <p:cond delay="indefinite"/>
+                      </p:stCondLst>
+                      <p:childTnLst>
+                        <p:par>
+                          <p:cTn id="4" fill="hold">
+                            <p:stCondLst>
+                              <p:cond delay="0"/>
+                            </p:stCondLst>
+                            <p:childTnLst>
+                              <p:par>
+                                <p:cTn id="5" presetID="22" presetClass="entr" presetSubtype="4" fill="hold" nodeType="clickEffect">
+                                  <p:stCondLst>
+                                    <p:cond delay="0"/>
+                                  </p:stCondLst>
+                                  <p:childTnLst>
+                                    <p:set>
+                                      <p:cBhvr>
+                                        <p:cTn id="6" dur="1" fill="hold">
+                                          <p:stCondLst>
+                                            <p:cond delay="0"/>
+                                          </p:stCondLst>
+                                        </p:cTn>
+                                        <p:tgtEl>
+                                          <p:spTgt spid="5"/>
+                                        </p:tgtEl>
+                                        <p:attrNameLst>
+                                          <p:attrName>style.visibility</p:attrName>
+                                        </p:attrNameLst>
+                                      </p:cBhvr>
+                                      <p:to>
+                                        <p:strVal val="visible"/>
+                                      </p:to>
+                                    </p:set>
+                                    <p:animEffect transition="in" filter="wipe(down)">
+                                      <p:cBhvr>
+                                        <p:cTn id="7" dur="500"/>
+                                        <p:tgtEl>
+                                          <p:spTgt spid="5"/>
+                                        </p:tgtEl>
+                                      </p:cBhvr>
+                                    </p:animEffect>
+                                  </p:childTnLst>
+                                </p:cTn>
+                              </p:par>
+                            </p:childTnLst>
+                          </p:cTn>
+                        </p:par>
+                      </p:childTnLst>
+                    </p:cTn>
+                  </p:par>
+                </p:childTnLst>
+              </p:cTn>
+              <p:prevCondLst>
+                <p:cond evt="onPrev" delay="0">
+                  <p:tgtEl>
+                    <p:sldTgt/>
+                  </p:tgtEl>
+                </p:cond>
+              </p:prevCondLst>
+              <p:nextCondLst>
+                <p:cond evt="onNext" delay="0">
+                  <p:tgtEl>
+                    <p:sldTgt/>
+                  </p:tgtEl>
+                </p:cond>
+              </p:nextCondLst>
+            </p:seq>
+          </p:childTnLst>
+        </p:cTn>
+      </p:par>
+    </p:tnLst>
+  </p:timing>
 </p:sld>
 </file>
 

--- a/Documents/Báo cáo/Bao cao KLTN_2.pptx
+++ b/Documents/Báo cáo/Bao cao KLTN_2.pptx
@@ -10202,17 +10202,7 @@
                 <a:latin typeface="Times New Roman" panose="02020603050405020304" pitchFamily="18" charset="0"/>
                 <a:cs typeface="Times New Roman" panose="02020603050405020304" pitchFamily="18" charset="0"/>
               </a:rPr>
-              <a:t>D</a:t>
-            </a:r>
-            <a:r>
-              <a:rPr lang="en-US" sz="4000" dirty="0" err="1">
-                <a:solidFill>
-                  <a:schemeClr val="tx1"/>
-                </a:solidFill>
-                <a:latin typeface="Times New Roman" panose="02020603050405020304" pitchFamily="18" charset="0"/>
-                <a:cs typeface="Times New Roman" panose="02020603050405020304" pitchFamily="18" charset="0"/>
-              </a:rPr>
-              <a:t>ữ</a:t>
+              <a:t>Dữ</a:t>
             </a:r>
             <a:r>
               <a:rPr lang="en-US" sz="4000" dirty="0">
@@ -10520,7 +10510,17 @@
                 <a:latin typeface="Times New Roman" panose="02020603050405020304" pitchFamily="18" charset="0"/>
                 <a:cs typeface="Times New Roman" panose="02020603050405020304" pitchFamily="18" charset="0"/>
               </a:rPr>
-              <a:t>Thi</a:t>
+              <a:t>Thiết</a:t>
+            </a:r>
+            <a:r>
+              <a:rPr lang="en-US" sz="4000" dirty="0">
+                <a:solidFill>
+                  <a:schemeClr val="tx1"/>
+                </a:solidFill>
+                <a:latin typeface="Times New Roman" panose="02020603050405020304" pitchFamily="18" charset="0"/>
+                <a:cs typeface="Times New Roman" panose="02020603050405020304" pitchFamily="18" charset="0"/>
+              </a:rPr>
+              <a:t> </a:t>
             </a:r>
             <a:r>
               <a:rPr lang="en-US" sz="4000" dirty="0" err="1">
@@ -10530,7 +10530,7 @@
                 <a:latin typeface="Times New Roman" panose="02020603050405020304" pitchFamily="18" charset="0"/>
                 <a:cs typeface="Times New Roman" panose="02020603050405020304" pitchFamily="18" charset="0"/>
               </a:rPr>
-              <a:t>ết</a:t>
+              <a:t>lập</a:t>
             </a:r>
             <a:r>
               <a:rPr lang="en-US" sz="4000" dirty="0">
@@ -10550,7 +10550,7 @@
                 <a:latin typeface="Times New Roman" panose="02020603050405020304" pitchFamily="18" charset="0"/>
                 <a:cs typeface="Times New Roman" panose="02020603050405020304" pitchFamily="18" charset="0"/>
               </a:rPr>
-              <a:t>lập</a:t>
+              <a:t>thực</a:t>
             </a:r>
             <a:r>
               <a:rPr lang="en-US" sz="4000" dirty="0">
@@ -10570,7 +10570,7 @@
                 <a:latin typeface="Times New Roman" panose="02020603050405020304" pitchFamily="18" charset="0"/>
                 <a:cs typeface="Times New Roman" panose="02020603050405020304" pitchFamily="18" charset="0"/>
               </a:rPr>
-              <a:t>thực</a:t>
+              <a:t>nghiệm</a:t>
             </a:r>
             <a:r>
               <a:rPr lang="en-US" sz="4000" dirty="0">
@@ -10580,35 +10580,8 @@
                 <a:latin typeface="Times New Roman" panose="02020603050405020304" pitchFamily="18" charset="0"/>
                 <a:cs typeface="Times New Roman" panose="02020603050405020304" pitchFamily="18" charset="0"/>
               </a:rPr>
-              <a:t> </a:t>
-            </a:r>
-            <a:r>
-              <a:rPr lang="en-US" sz="4000" dirty="0" err="1">
-                <a:solidFill>
-                  <a:schemeClr val="tx1"/>
-                </a:solidFill>
-                <a:latin typeface="Times New Roman" panose="02020603050405020304" pitchFamily="18" charset="0"/>
-                <a:cs typeface="Times New Roman" panose="02020603050405020304" pitchFamily="18" charset="0"/>
-              </a:rPr>
-              <a:t>nghiệm</a:t>
-            </a:r>
-            <a:r>
-              <a:rPr lang="en-US" sz="4000" dirty="0">
-                <a:solidFill>
-                  <a:schemeClr val="tx1"/>
-                </a:solidFill>
-                <a:latin typeface="Times New Roman" panose="02020603050405020304" pitchFamily="18" charset="0"/>
-                <a:cs typeface="Times New Roman" panose="02020603050405020304" pitchFamily="18" charset="0"/>
-              </a:rPr>
               <a:t>:</a:t>
             </a:r>
-            <a:endParaRPr lang="en-US" sz="4000" dirty="0">
-              <a:solidFill>
-                <a:schemeClr val="tx1"/>
-              </a:solidFill>
-              <a:latin typeface="Times New Roman" panose="02020603050405020304" pitchFamily="18" charset="0"/>
-              <a:cs typeface="Times New Roman" panose="02020603050405020304" pitchFamily="18" charset="0"/>
-            </a:endParaRPr>
           </a:p>
         </p:txBody>
       </p:sp>
@@ -10750,13 +10723,6 @@
               </a:rPr>
               <a:t> offline: K-fold Cross-validation</a:t>
             </a:r>
-            <a:endParaRPr lang="en-US" sz="4000" dirty="0">
-              <a:solidFill>
-                <a:schemeClr val="tx1"/>
-              </a:solidFill>
-              <a:latin typeface="Times New Roman" panose="02020603050405020304" pitchFamily="18" charset="0"/>
-              <a:cs typeface="Times New Roman" panose="02020603050405020304" pitchFamily="18" charset="0"/>
-            </a:endParaRPr>
           </a:p>
         </p:txBody>
       </p:sp>
@@ -10898,13 +10864,6 @@
               </a:rPr>
               <a:t> online</a:t>
             </a:r>
-            <a:endParaRPr lang="en-US" sz="4000" dirty="0">
-              <a:solidFill>
-                <a:schemeClr val="tx1"/>
-              </a:solidFill>
-              <a:latin typeface="Times New Roman" panose="02020603050405020304" pitchFamily="18" charset="0"/>
-              <a:cs typeface="Times New Roman" panose="02020603050405020304" pitchFamily="18" charset="0"/>
-            </a:endParaRPr>
           </a:p>
         </p:txBody>
       </p:sp>
@@ -11086,13 +11045,6 @@
               </a:rPr>
               <a:t>: Precision, Recall, F-Measure, NDCG, RMSE, MRR, MAP</a:t>
             </a:r>
-            <a:endParaRPr lang="en-US" sz="4000" dirty="0">
-              <a:solidFill>
-                <a:schemeClr val="tx1"/>
-              </a:solidFill>
-              <a:latin typeface="Times New Roman" panose="02020603050405020304" pitchFamily="18" charset="0"/>
-              <a:cs typeface="Times New Roman" panose="02020603050405020304" pitchFamily="18" charset="0"/>
-            </a:endParaRPr>
           </a:p>
         </p:txBody>
       </p:sp>
@@ -11559,7 +11511,7 @@
         </p:nvGraphicFramePr>
         <p:xfrm>
           <a:off x="550938" y="1424465"/>
-          <a:ext cx="10604744" cy="5160096"/>
+          <a:ext cx="10604744" cy="5335356"/>
         </p:xfrm>
         <a:graphic>
           <a:graphicData uri="http://schemas.openxmlformats.org/drawingml/2006/table">
@@ -12894,17 +12846,7 @@
                 <a:latin typeface="Times New Roman" panose="02020603050405020304" pitchFamily="18" charset="0"/>
                 <a:cs typeface="Times New Roman" panose="02020603050405020304" pitchFamily="18" charset="0"/>
               </a:rPr>
-              <a:t>Đ</a:t>
-            </a:r>
-            <a:r>
-              <a:rPr lang="en-US" sz="3500" dirty="0" err="1">
-                <a:solidFill>
-                  <a:schemeClr val="tx1"/>
-                </a:solidFill>
-                <a:latin typeface="Times New Roman" panose="02020603050405020304" pitchFamily="18" charset="0"/>
-                <a:cs typeface="Times New Roman" panose="02020603050405020304" pitchFamily="18" charset="0"/>
-              </a:rPr>
-              <a:t>ánh</a:t>
+              <a:t>Đánh</a:t>
             </a:r>
             <a:r>
               <a:rPr lang="en-US" sz="3500" dirty="0">
@@ -13047,17 +12989,7 @@
                 <a:latin typeface="Times New Roman" panose="02020603050405020304" pitchFamily="18" charset="0"/>
                 <a:cs typeface="Times New Roman" panose="02020603050405020304" pitchFamily="18" charset="0"/>
               </a:rPr>
-              <a:t>Thu</a:t>
-            </a:r>
-            <a:r>
-              <a:rPr lang="en-US" sz="3500" dirty="0" err="1">
-                <a:solidFill>
-                  <a:schemeClr val="tx1"/>
-                </a:solidFill>
-                <a:latin typeface="Times New Roman" panose="02020603050405020304" pitchFamily="18" charset="0"/>
-                <a:cs typeface="Times New Roman" panose="02020603050405020304" pitchFamily="18" charset="0"/>
-              </a:rPr>
-              <a:t>ật</a:t>
+              <a:t>Thuật</a:t>
             </a:r>
             <a:r>
               <a:rPr lang="en-US" sz="3500" dirty="0">
@@ -13318,7 +13250,17 @@
                 <a:latin typeface="Times New Roman" panose="02020603050405020304" pitchFamily="18" charset="0"/>
                 <a:cs typeface="Times New Roman" panose="02020603050405020304" pitchFamily="18" charset="0"/>
               </a:rPr>
-              <a:t>Nh</a:t>
+              <a:t>Nhận</a:t>
+            </a:r>
+            <a:r>
+              <a:rPr lang="en-US" sz="4000" dirty="0">
+                <a:solidFill>
+                  <a:schemeClr val="tx1"/>
+                </a:solidFill>
+                <a:latin typeface="Times New Roman" panose="02020603050405020304" pitchFamily="18" charset="0"/>
+                <a:cs typeface="Times New Roman" panose="02020603050405020304" pitchFamily="18" charset="0"/>
+              </a:rPr>
+              <a:t> </a:t>
             </a:r>
             <a:r>
               <a:rPr lang="en-US" sz="4000" dirty="0" err="1">
@@ -13328,7 +13270,7 @@
                 <a:latin typeface="Times New Roman" panose="02020603050405020304" pitchFamily="18" charset="0"/>
                 <a:cs typeface="Times New Roman" panose="02020603050405020304" pitchFamily="18" charset="0"/>
               </a:rPr>
-              <a:t>ận</a:t>
+              <a:t>định</a:t>
             </a:r>
             <a:r>
               <a:rPr lang="en-US" sz="4000" dirty="0">
@@ -13338,35 +13280,8 @@
                 <a:latin typeface="Times New Roman" panose="02020603050405020304" pitchFamily="18" charset="0"/>
                 <a:cs typeface="Times New Roman" panose="02020603050405020304" pitchFamily="18" charset="0"/>
               </a:rPr>
-              <a:t> </a:t>
-            </a:r>
-            <a:r>
-              <a:rPr lang="en-US" sz="4000" dirty="0" err="1">
-                <a:solidFill>
-                  <a:schemeClr val="tx1"/>
-                </a:solidFill>
-                <a:latin typeface="Times New Roman" panose="02020603050405020304" pitchFamily="18" charset="0"/>
-                <a:cs typeface="Times New Roman" panose="02020603050405020304" pitchFamily="18" charset="0"/>
-              </a:rPr>
-              <a:t>định</a:t>
-            </a:r>
-            <a:r>
-              <a:rPr lang="en-US" sz="4000" dirty="0">
-                <a:solidFill>
-                  <a:schemeClr val="tx1"/>
-                </a:solidFill>
-                <a:latin typeface="Times New Roman" panose="02020603050405020304" pitchFamily="18" charset="0"/>
-                <a:cs typeface="Times New Roman" panose="02020603050405020304" pitchFamily="18" charset="0"/>
-              </a:rPr>
               <a:t>:</a:t>
             </a:r>
-            <a:endParaRPr lang="en-US" sz="4000" dirty="0">
-              <a:solidFill>
-                <a:schemeClr val="tx1"/>
-              </a:solidFill>
-              <a:latin typeface="Times New Roman" panose="02020603050405020304" pitchFamily="18" charset="0"/>
-              <a:cs typeface="Times New Roman" panose="02020603050405020304" pitchFamily="18" charset="0"/>
-            </a:endParaRPr>
           </a:p>
           <a:p>
             <a:endParaRPr lang="en-US" sz="4000" dirty="0">
@@ -13485,17 +13400,7 @@
                 <a:latin typeface="Times New Roman" panose="02020603050405020304" pitchFamily="18" charset="0"/>
                 <a:cs typeface="Times New Roman" panose="02020603050405020304" pitchFamily="18" charset="0"/>
               </a:rPr>
-              <a:t>K</a:t>
-            </a:r>
-            <a:r>
-              <a:rPr lang="en-US" sz="3500" dirty="0" err="1">
-                <a:solidFill>
-                  <a:schemeClr val="tx1"/>
-                </a:solidFill>
-                <a:latin typeface="Times New Roman" panose="02020603050405020304" pitchFamily="18" charset="0"/>
-                <a:cs typeface="Times New Roman" panose="02020603050405020304" pitchFamily="18" charset="0"/>
-              </a:rPr>
-              <a:t>ết</a:t>
+              <a:t>Kết</a:t>
             </a:r>
             <a:r>
               <a:rPr lang="en-US" sz="3500" dirty="0">
@@ -13776,7 +13681,17 @@
                 <a:latin typeface="Times New Roman" panose="02020603050405020304" pitchFamily="18" charset="0"/>
                 <a:cs typeface="Times New Roman" panose="02020603050405020304" pitchFamily="18" charset="0"/>
               </a:rPr>
-              <a:t>B</a:t>
+              <a:t>Bàn</a:t>
+            </a:r>
+            <a:r>
+              <a:rPr lang="en-US" sz="4000" dirty="0">
+                <a:solidFill>
+                  <a:schemeClr val="tx1"/>
+                </a:solidFill>
+                <a:latin typeface="Times New Roman" panose="02020603050405020304" pitchFamily="18" charset="0"/>
+                <a:cs typeface="Times New Roman" panose="02020603050405020304" pitchFamily="18" charset="0"/>
+              </a:rPr>
+              <a:t> </a:t>
             </a:r>
             <a:r>
               <a:rPr lang="en-US" sz="4000" dirty="0" err="1">
@@ -13786,7 +13701,7 @@
                 <a:latin typeface="Times New Roman" panose="02020603050405020304" pitchFamily="18" charset="0"/>
                 <a:cs typeface="Times New Roman" panose="02020603050405020304" pitchFamily="18" charset="0"/>
               </a:rPr>
-              <a:t>àn</a:t>
+              <a:t>luận</a:t>
             </a:r>
             <a:r>
               <a:rPr lang="en-US" sz="4000" dirty="0">
@@ -13796,35 +13711,8 @@
                 <a:latin typeface="Times New Roman" panose="02020603050405020304" pitchFamily="18" charset="0"/>
                 <a:cs typeface="Times New Roman" panose="02020603050405020304" pitchFamily="18" charset="0"/>
               </a:rPr>
-              <a:t> </a:t>
-            </a:r>
-            <a:r>
-              <a:rPr lang="en-US" sz="4000" dirty="0" err="1">
-                <a:solidFill>
-                  <a:schemeClr val="tx1"/>
-                </a:solidFill>
-                <a:latin typeface="Times New Roman" panose="02020603050405020304" pitchFamily="18" charset="0"/>
-                <a:cs typeface="Times New Roman" panose="02020603050405020304" pitchFamily="18" charset="0"/>
-              </a:rPr>
-              <a:t>luận</a:t>
-            </a:r>
-            <a:r>
-              <a:rPr lang="en-US" sz="4000" dirty="0">
-                <a:solidFill>
-                  <a:schemeClr val="tx1"/>
-                </a:solidFill>
-                <a:latin typeface="Times New Roman" panose="02020603050405020304" pitchFamily="18" charset="0"/>
-                <a:cs typeface="Times New Roman" panose="02020603050405020304" pitchFamily="18" charset="0"/>
-              </a:rPr>
               <a:t>:</a:t>
             </a:r>
-            <a:endParaRPr lang="en-US" sz="4000" dirty="0">
-              <a:solidFill>
-                <a:schemeClr val="tx1"/>
-              </a:solidFill>
-              <a:latin typeface="Times New Roman" panose="02020603050405020304" pitchFamily="18" charset="0"/>
-              <a:cs typeface="Times New Roman" panose="02020603050405020304" pitchFamily="18" charset="0"/>
-            </a:endParaRPr>
           </a:p>
           <a:p>
             <a:endParaRPr lang="en-US" sz="4000" dirty="0">
@@ -13868,7 +13756,7 @@
                             </p:stCondLst>
                             <p:childTnLst>
                               <p:par>
-                                <p:cTn id="5" presetID="22" presetClass="entr" presetSubtype="4" fill="hold" grpId="0" nodeType="clickEffect">
+                                <p:cTn id="5" presetID="10" presetClass="entr" presetSubtype="0" fill="hold" grpId="0" nodeType="clickEffect">
                                   <p:stCondLst>
                                     <p:cond delay="0"/>
                                   </p:stCondLst>
@@ -13881,7 +13769,7 @@
                                           </p:stCondLst>
                                         </p:cTn>
                                         <p:tgtEl>
-                                          <p:spTgt spid="6"/>
+                                          <p:spTgt spid="5"/>
                                         </p:tgtEl>
                                         <p:attrNameLst>
                                           <p:attrName>style.visibility</p:attrName>
@@ -13891,11 +13779,11 @@
                                         <p:strVal val="visible"/>
                                       </p:to>
                                     </p:set>
-                                    <p:animEffect transition="in" filter="wipe(down)">
+                                    <p:animEffect transition="in" filter="fade">
                                       <p:cBhvr>
                                         <p:cTn id="7" dur="500"/>
                                         <p:tgtEl>
-                                          <p:spTgt spid="6"/>
+                                          <p:spTgt spid="5"/>
                                         </p:tgtEl>
                                       </p:cBhvr>
                                     </p:animEffect>
@@ -13921,7 +13809,7 @@
                             </p:stCondLst>
                             <p:childTnLst>
                               <p:par>
-                                <p:cTn id="10" presetID="22" presetClass="entr" presetSubtype="4" fill="hold" grpId="0" nodeType="clickEffect">
+                                <p:cTn id="10" presetID="10" presetClass="entr" presetSubtype="0" fill="hold" grpId="0" nodeType="clickEffect">
                                   <p:stCondLst>
                                     <p:cond delay="0"/>
                                   </p:stCondLst>
@@ -13934,7 +13822,7 @@
                                           </p:stCondLst>
                                         </p:cTn>
                                         <p:tgtEl>
-                                          <p:spTgt spid="5"/>
+                                          <p:spTgt spid="6"/>
                                         </p:tgtEl>
                                         <p:attrNameLst>
                                           <p:attrName>style.visibility</p:attrName>
@@ -13944,11 +13832,11 @@
                                         <p:strVal val="visible"/>
                                       </p:to>
                                     </p:set>
-                                    <p:animEffect transition="in" filter="wipe(down)">
+                                    <p:animEffect transition="in" filter="fade">
                                       <p:cBhvr>
                                         <p:cTn id="12" dur="500"/>
                                         <p:tgtEl>
-                                          <p:spTgt spid="5"/>
+                                          <p:spTgt spid="6"/>
                                         </p:tgtEl>
                                       </p:cBhvr>
                                     </p:animEffect>
@@ -13974,7 +13862,7 @@
                             </p:stCondLst>
                             <p:childTnLst>
                               <p:par>
-                                <p:cTn id="15" presetID="22" presetClass="entr" presetSubtype="4" fill="hold" grpId="0" nodeType="clickEffect">
+                                <p:cTn id="15" presetID="10" presetClass="entr" presetSubtype="0" fill="hold" grpId="0" nodeType="clickEffect">
                                   <p:stCondLst>
                                     <p:cond delay="0"/>
                                   </p:stCondLst>
@@ -13987,7 +13875,7 @@
                                           </p:stCondLst>
                                         </p:cTn>
                                         <p:tgtEl>
-                                          <p:spTgt spid="7"/>
+                                          <p:spTgt spid="8"/>
                                         </p:tgtEl>
                                         <p:attrNameLst>
                                           <p:attrName>style.visibility</p:attrName>
@@ -13997,11 +13885,11 @@
                                         <p:strVal val="visible"/>
                                       </p:to>
                                     </p:set>
-                                    <p:animEffect transition="in" filter="wipe(down)">
+                                    <p:animEffect transition="in" filter="fade">
                                       <p:cBhvr>
                                         <p:cTn id="17" dur="500"/>
                                         <p:tgtEl>
-                                          <p:spTgt spid="7"/>
+                                          <p:spTgt spid="8"/>
                                         </p:tgtEl>
                                       </p:cBhvr>
                                     </p:animEffect>
@@ -14027,7 +13915,7 @@
                             </p:stCondLst>
                             <p:childTnLst>
                               <p:par>
-                                <p:cTn id="20" presetID="22" presetClass="entr" presetSubtype="4" fill="hold" grpId="0" nodeType="clickEffect">
+                                <p:cTn id="20" presetID="10" presetClass="entr" presetSubtype="0" fill="hold" grpId="0" nodeType="clickEffect">
                                   <p:stCondLst>
                                     <p:cond delay="0"/>
                                   </p:stCondLst>
@@ -14040,7 +13928,7 @@
                                           </p:stCondLst>
                                         </p:cTn>
                                         <p:tgtEl>
-                                          <p:spTgt spid="8"/>
+                                          <p:spTgt spid="7"/>
                                         </p:tgtEl>
                                         <p:attrNameLst>
                                           <p:attrName>style.visibility</p:attrName>
@@ -14050,11 +13938,11 @@
                                         <p:strVal val="visible"/>
                                       </p:to>
                                     </p:set>
-                                    <p:animEffect transition="in" filter="wipe(down)">
+                                    <p:animEffect transition="in" filter="fade">
                                       <p:cBhvr>
                                         <p:cTn id="22" dur="500"/>
                                         <p:tgtEl>
-                                          <p:spTgt spid="8"/>
+                                          <p:spTgt spid="7"/>
                                         </p:tgtEl>
                                       </p:cBhvr>
                                     </p:animEffect>
@@ -14125,7 +14013,7 @@
         </p:nvSpPr>
         <p:spPr>
           <a:xfrm>
-            <a:off x="1174774" y="321952"/>
+            <a:off x="1270943" y="338583"/>
             <a:ext cx="9226525" cy="713014"/>
           </a:xfrm>
           <a:prstGeom prst="rect">
@@ -14230,617 +14118,990 @@
           </a:p>
         </p:txBody>
       </p:sp>
-      <p:grpSp>
-        <p:nvGrpSpPr>
-          <p:cNvPr id="6" name="Group 5"/>
-          <p:cNvGrpSpPr/>
+      <p:sp>
+        <p:nvSpPr>
+          <p:cNvPr id="11" name="Title 1"/>
+          <p:cNvSpPr txBox="1">
+            <a:spLocks/>
+          </p:cNvSpPr>
           <p:nvPr/>
-        </p:nvGrpSpPr>
-        <p:grpSpPr>
+        </p:nvSpPr>
+        <p:spPr>
           <a:xfrm>
-            <a:off x="800100" y="1449759"/>
-            <a:ext cx="3405444" cy="4782314"/>
-            <a:chOff x="2036779" y="1466086"/>
-            <a:chExt cx="2587625" cy="4782314"/>
+            <a:off x="464940" y="1245787"/>
+            <a:ext cx="10462020" cy="2128022"/>
           </a:xfrm>
-        </p:grpSpPr>
-        <p:sp>
-          <p:nvSpPr>
-            <p:cNvPr id="7" name="AutoShape 13"/>
-            <p:cNvSpPr>
-              <a:spLocks noChangeArrowheads="1"/>
-            </p:cNvSpPr>
-            <p:nvPr/>
-          </p:nvSpPr>
-          <p:spPr bwMode="gray">
-            <a:xfrm>
-              <a:off x="2036779" y="1716910"/>
-              <a:ext cx="2587625" cy="4531490"/>
-            </a:xfrm>
-            <a:prstGeom prst="roundRect">
-              <a:avLst>
-                <a:gd name="adj" fmla="val 4639"/>
-              </a:avLst>
-            </a:prstGeom>
-            <a:gradFill rotWithShape="1">
-              <a:gsLst>
-                <a:gs pos="0">
-                  <a:srgbClr val="D7D7D7">
-                    <a:gamma/>
-                    <a:tint val="4314"/>
-                    <a:invGamma/>
-                  </a:srgbClr>
-                </a:gs>
-                <a:gs pos="100000">
-                  <a:srgbClr val="D7D7D7"/>
-                </a:gs>
-              </a:gsLst>
-              <a:lin ang="5400000" scaled="1"/>
-            </a:gradFill>
-            <a:ln w="19050">
+          <a:prstGeom prst="rect">
+            <a:avLst/>
+          </a:prstGeom>
+        </p:spPr>
+        <p:txBody>
+          <a:bodyPr vert="horz" lIns="91440" tIns="45720" rIns="91440" bIns="45720" rtlCol="0" anchor="t">
+            <a:normAutofit/>
+          </a:bodyPr>
+          <a:lstStyle>
+            <a:defPPr>
+              <a:defRPr lang="en-US"/>
+            </a:defPPr>
+            <a:lvl1pPr marL="0" algn="l" defTabSz="457200" rtl="0" eaLnBrk="1" latinLnBrk="0" hangingPunct="1">
+              <a:defRPr sz="1800" kern="1200">
+                <a:solidFill>
+                  <a:schemeClr val="tx1"/>
+                </a:solidFill>
+                <a:latin typeface="+mn-lt"/>
+                <a:ea typeface="+mn-ea"/>
+                <a:cs typeface="+mn-cs"/>
+              </a:defRPr>
+            </a:lvl1pPr>
+            <a:lvl2pPr marL="457200" algn="l" defTabSz="457200" rtl="0" eaLnBrk="1" latinLnBrk="0" hangingPunct="1">
+              <a:defRPr sz="1800" kern="1200">
+                <a:solidFill>
+                  <a:schemeClr val="tx1"/>
+                </a:solidFill>
+                <a:latin typeface="+mn-lt"/>
+                <a:ea typeface="+mn-ea"/>
+                <a:cs typeface="+mn-cs"/>
+              </a:defRPr>
+            </a:lvl2pPr>
+            <a:lvl3pPr marL="914400" algn="l" defTabSz="457200" rtl="0" eaLnBrk="1" latinLnBrk="0" hangingPunct="1">
+              <a:defRPr sz="1800" kern="1200">
+                <a:solidFill>
+                  <a:schemeClr val="tx1"/>
+                </a:solidFill>
+                <a:latin typeface="+mn-lt"/>
+                <a:ea typeface="+mn-ea"/>
+                <a:cs typeface="+mn-cs"/>
+              </a:defRPr>
+            </a:lvl3pPr>
+            <a:lvl4pPr marL="1371600" algn="l" defTabSz="457200" rtl="0" eaLnBrk="1" latinLnBrk="0" hangingPunct="1">
+              <a:defRPr sz="1800" kern="1200">
+                <a:solidFill>
+                  <a:schemeClr val="tx1"/>
+                </a:solidFill>
+                <a:latin typeface="+mn-lt"/>
+                <a:ea typeface="+mn-ea"/>
+                <a:cs typeface="+mn-cs"/>
+              </a:defRPr>
+            </a:lvl4pPr>
+            <a:lvl5pPr marL="1828800" algn="l" defTabSz="457200" rtl="0" eaLnBrk="1" latinLnBrk="0" hangingPunct="1">
+              <a:defRPr sz="1800" kern="1200">
+                <a:solidFill>
+                  <a:schemeClr val="tx1"/>
+                </a:solidFill>
+                <a:latin typeface="+mn-lt"/>
+                <a:ea typeface="+mn-ea"/>
+                <a:cs typeface="+mn-cs"/>
+              </a:defRPr>
+            </a:lvl5pPr>
+            <a:lvl6pPr marL="2286000" algn="l" defTabSz="457200" rtl="0" eaLnBrk="1" latinLnBrk="0" hangingPunct="1">
+              <a:defRPr sz="1800" kern="1200">
+                <a:solidFill>
+                  <a:schemeClr val="tx1"/>
+                </a:solidFill>
+                <a:latin typeface="+mn-lt"/>
+                <a:ea typeface="+mn-ea"/>
+                <a:cs typeface="+mn-cs"/>
+              </a:defRPr>
+            </a:lvl6pPr>
+            <a:lvl7pPr marL="2743200" algn="l" defTabSz="457200" rtl="0" eaLnBrk="1" latinLnBrk="0" hangingPunct="1">
+              <a:defRPr sz="1800" kern="1200">
+                <a:solidFill>
+                  <a:schemeClr val="tx1"/>
+                </a:solidFill>
+                <a:latin typeface="+mn-lt"/>
+                <a:ea typeface="+mn-ea"/>
+                <a:cs typeface="+mn-cs"/>
+              </a:defRPr>
+            </a:lvl7pPr>
+            <a:lvl8pPr marL="3200400" algn="l" defTabSz="457200" rtl="0" eaLnBrk="1" latinLnBrk="0" hangingPunct="1">
+              <a:defRPr sz="1800" kern="1200">
+                <a:solidFill>
+                  <a:schemeClr val="tx1"/>
+                </a:solidFill>
+                <a:latin typeface="+mn-lt"/>
+                <a:ea typeface="+mn-ea"/>
+                <a:cs typeface="+mn-cs"/>
+              </a:defRPr>
+            </a:lvl8pPr>
+            <a:lvl9pPr marL="3657600" algn="l" defTabSz="457200" rtl="0" eaLnBrk="1" latinLnBrk="0" hangingPunct="1">
+              <a:defRPr sz="1800" kern="1200">
+                <a:solidFill>
+                  <a:schemeClr val="tx1"/>
+                </a:solidFill>
+                <a:latin typeface="+mn-lt"/>
+                <a:ea typeface="+mn-ea"/>
+                <a:cs typeface="+mn-cs"/>
+              </a:defRPr>
+            </a:lvl9pPr>
+          </a:lstStyle>
+          <a:p>
+            <a:r>
+              <a:rPr lang="en-US" sz="4000" dirty="0" err="1">
+                <a:solidFill>
+                  <a:schemeClr val="tx1"/>
+                </a:solidFill>
+                <a:latin typeface="Times New Roman" panose="02020603050405020304" pitchFamily="18" charset="0"/>
+                <a:cs typeface="Times New Roman" panose="02020603050405020304" pitchFamily="18" charset="0"/>
+              </a:rPr>
+              <a:t>Về</a:t>
+            </a:r>
+            <a:r>
+              <a:rPr lang="en-US" sz="4000" dirty="0">
+                <a:solidFill>
+                  <a:schemeClr val="tx1"/>
+                </a:solidFill>
+                <a:latin typeface="Times New Roman" panose="02020603050405020304" pitchFamily="18" charset="0"/>
+                <a:cs typeface="Times New Roman" panose="02020603050405020304" pitchFamily="18" charset="0"/>
+              </a:rPr>
+              <a:t> c</a:t>
+            </a:r>
+            <a:r>
+              <a:rPr lang="vi-VN" sz="4000" dirty="0">
+                <a:solidFill>
+                  <a:schemeClr val="tx1"/>
+                </a:solidFill>
+                <a:latin typeface="Times New Roman" panose="02020603050405020304" pitchFamily="18" charset="0"/>
+                <a:cs typeface="Times New Roman" panose="02020603050405020304" pitchFamily="18" charset="0"/>
+              </a:rPr>
+              <a:t>ơ</a:t>
+            </a:r>
+            <a:r>
+              <a:rPr lang="en-US" sz="4000" dirty="0">
+                <a:solidFill>
+                  <a:schemeClr val="tx1"/>
+                </a:solidFill>
+                <a:latin typeface="Times New Roman" panose="02020603050405020304" pitchFamily="18" charset="0"/>
+                <a:cs typeface="Times New Roman" panose="02020603050405020304" pitchFamily="18" charset="0"/>
+              </a:rPr>
+              <a:t> </a:t>
+            </a:r>
+            <a:r>
+              <a:rPr lang="en-US" sz="4000" dirty="0" err="1">
+                <a:solidFill>
+                  <a:schemeClr val="tx1"/>
+                </a:solidFill>
+                <a:latin typeface="Times New Roman" panose="02020603050405020304" pitchFamily="18" charset="0"/>
+                <a:cs typeface="Times New Roman" panose="02020603050405020304" pitchFamily="18" charset="0"/>
+              </a:rPr>
+              <a:t>bản</a:t>
+            </a:r>
+            <a:r>
+              <a:rPr lang="en-US" sz="4000" dirty="0">
+                <a:solidFill>
+                  <a:schemeClr val="tx1"/>
+                </a:solidFill>
+                <a:latin typeface="Times New Roman" panose="02020603050405020304" pitchFamily="18" charset="0"/>
+                <a:cs typeface="Times New Roman" panose="02020603050405020304" pitchFamily="18" charset="0"/>
+              </a:rPr>
+              <a:t>, </a:t>
+            </a:r>
+            <a:r>
+              <a:rPr lang="en-US" sz="4000" dirty="0" err="1">
+                <a:solidFill>
+                  <a:schemeClr val="tx1"/>
+                </a:solidFill>
+                <a:latin typeface="Times New Roman" panose="02020603050405020304" pitchFamily="18" charset="0"/>
+                <a:cs typeface="Times New Roman" panose="02020603050405020304" pitchFamily="18" charset="0"/>
+              </a:rPr>
+              <a:t>nhóm</a:t>
+            </a:r>
+            <a:r>
+              <a:rPr lang="en-US" sz="4000" dirty="0">
+                <a:solidFill>
+                  <a:schemeClr val="tx1"/>
+                </a:solidFill>
+                <a:latin typeface="Times New Roman" panose="02020603050405020304" pitchFamily="18" charset="0"/>
+                <a:cs typeface="Times New Roman" panose="02020603050405020304" pitchFamily="18" charset="0"/>
+              </a:rPr>
+              <a:t> </a:t>
+            </a:r>
+            <a:r>
+              <a:rPr lang="en-US" sz="4000" dirty="0" err="1">
+                <a:solidFill>
+                  <a:schemeClr val="tx1"/>
+                </a:solidFill>
+                <a:latin typeface="Times New Roman" panose="02020603050405020304" pitchFamily="18" charset="0"/>
+                <a:cs typeface="Times New Roman" panose="02020603050405020304" pitchFamily="18" charset="0"/>
+              </a:rPr>
+              <a:t>chúng</a:t>
+            </a:r>
+            <a:r>
+              <a:rPr lang="en-US" sz="4000" dirty="0">
+                <a:solidFill>
+                  <a:schemeClr val="tx1"/>
+                </a:solidFill>
+                <a:latin typeface="Times New Roman" panose="02020603050405020304" pitchFamily="18" charset="0"/>
+                <a:cs typeface="Times New Roman" panose="02020603050405020304" pitchFamily="18" charset="0"/>
+              </a:rPr>
+              <a:t> </a:t>
+            </a:r>
+            <a:r>
+              <a:rPr lang="en-US" sz="4000" dirty="0" err="1">
+                <a:solidFill>
+                  <a:schemeClr val="tx1"/>
+                </a:solidFill>
+                <a:latin typeface="Times New Roman" panose="02020603050405020304" pitchFamily="18" charset="0"/>
+                <a:cs typeface="Times New Roman" panose="02020603050405020304" pitchFamily="18" charset="0"/>
+              </a:rPr>
+              <a:t>em</a:t>
+            </a:r>
+            <a:r>
+              <a:rPr lang="en-US" sz="4000" dirty="0">
+                <a:solidFill>
+                  <a:schemeClr val="tx1"/>
+                </a:solidFill>
+                <a:latin typeface="Times New Roman" panose="02020603050405020304" pitchFamily="18" charset="0"/>
+                <a:cs typeface="Times New Roman" panose="02020603050405020304" pitchFamily="18" charset="0"/>
+              </a:rPr>
+              <a:t> </a:t>
+            </a:r>
+            <a:r>
+              <a:rPr lang="en-US" sz="4000" dirty="0" err="1">
+                <a:solidFill>
+                  <a:schemeClr val="tx1"/>
+                </a:solidFill>
+                <a:latin typeface="Times New Roman" panose="02020603050405020304" pitchFamily="18" charset="0"/>
+                <a:cs typeface="Times New Roman" panose="02020603050405020304" pitchFamily="18" charset="0"/>
+              </a:rPr>
+              <a:t>đã</a:t>
+            </a:r>
+            <a:r>
+              <a:rPr lang="en-US" sz="4000" dirty="0">
+                <a:solidFill>
+                  <a:schemeClr val="tx1"/>
+                </a:solidFill>
+                <a:latin typeface="Times New Roman" panose="02020603050405020304" pitchFamily="18" charset="0"/>
+                <a:cs typeface="Times New Roman" panose="02020603050405020304" pitchFamily="18" charset="0"/>
+              </a:rPr>
+              <a:t> </a:t>
+            </a:r>
+            <a:r>
+              <a:rPr lang="en-US" sz="4000" dirty="0" err="1">
+                <a:solidFill>
+                  <a:schemeClr val="tx1"/>
+                </a:solidFill>
+                <a:latin typeface="Times New Roman" panose="02020603050405020304" pitchFamily="18" charset="0"/>
+                <a:cs typeface="Times New Roman" panose="02020603050405020304" pitchFamily="18" charset="0"/>
+              </a:rPr>
+              <a:t>xây</a:t>
+            </a:r>
+            <a:r>
+              <a:rPr lang="en-US" sz="4000" dirty="0">
+                <a:solidFill>
+                  <a:schemeClr val="tx1"/>
+                </a:solidFill>
+                <a:latin typeface="Times New Roman" panose="02020603050405020304" pitchFamily="18" charset="0"/>
+                <a:cs typeface="Times New Roman" panose="02020603050405020304" pitchFamily="18" charset="0"/>
+              </a:rPr>
+              <a:t> </a:t>
+            </a:r>
+            <a:r>
+              <a:rPr lang="en-US" sz="4000" dirty="0" err="1">
+                <a:solidFill>
+                  <a:schemeClr val="tx1"/>
+                </a:solidFill>
+                <a:latin typeface="Times New Roman" panose="02020603050405020304" pitchFamily="18" charset="0"/>
+                <a:cs typeface="Times New Roman" panose="02020603050405020304" pitchFamily="18" charset="0"/>
+              </a:rPr>
+              <a:t>dựng</a:t>
+            </a:r>
+            <a:r>
+              <a:rPr lang="en-US" sz="4000" dirty="0">
+                <a:solidFill>
+                  <a:schemeClr val="tx1"/>
+                </a:solidFill>
+                <a:latin typeface="Times New Roman" panose="02020603050405020304" pitchFamily="18" charset="0"/>
+                <a:cs typeface="Times New Roman" panose="02020603050405020304" pitchFamily="18" charset="0"/>
+              </a:rPr>
+              <a:t> đ</a:t>
+            </a:r>
+            <a:r>
+              <a:rPr lang="vi-VN" sz="4000" dirty="0">
+                <a:solidFill>
+                  <a:schemeClr val="tx1"/>
+                </a:solidFill>
+                <a:latin typeface="Times New Roman" panose="02020603050405020304" pitchFamily="18" charset="0"/>
+                <a:cs typeface="Times New Roman" panose="02020603050405020304" pitchFamily="18" charset="0"/>
+              </a:rPr>
+              <a:t>ư</a:t>
+            </a:r>
+            <a:r>
+              <a:rPr lang="en-US" sz="4000" dirty="0" err="1">
+                <a:solidFill>
+                  <a:schemeClr val="tx1"/>
+                </a:solidFill>
+                <a:latin typeface="Times New Roman" panose="02020603050405020304" pitchFamily="18" charset="0"/>
+                <a:cs typeface="Times New Roman" panose="02020603050405020304" pitchFamily="18" charset="0"/>
+              </a:rPr>
+              <a:t>ợc</a:t>
+            </a:r>
+            <a:r>
+              <a:rPr lang="en-US" sz="4000" dirty="0">
+                <a:solidFill>
+                  <a:schemeClr val="tx1"/>
+                </a:solidFill>
+                <a:latin typeface="Times New Roman" panose="02020603050405020304" pitchFamily="18" charset="0"/>
+                <a:cs typeface="Times New Roman" panose="02020603050405020304" pitchFamily="18" charset="0"/>
+              </a:rPr>
+              <a:t> framework </a:t>
+            </a:r>
+            <a:r>
+              <a:rPr lang="en-US" sz="4000" dirty="0" err="1">
+                <a:solidFill>
+                  <a:schemeClr val="tx1"/>
+                </a:solidFill>
+                <a:latin typeface="Times New Roman" panose="02020603050405020304" pitchFamily="18" charset="0"/>
+                <a:cs typeface="Times New Roman" panose="02020603050405020304" pitchFamily="18" charset="0"/>
+              </a:rPr>
+              <a:t>đánh</a:t>
+            </a:r>
+            <a:r>
+              <a:rPr lang="en-US" sz="4000" dirty="0">
+                <a:solidFill>
+                  <a:schemeClr val="tx1"/>
+                </a:solidFill>
+                <a:latin typeface="Times New Roman" panose="02020603050405020304" pitchFamily="18" charset="0"/>
+                <a:cs typeface="Times New Roman" panose="02020603050405020304" pitchFamily="18" charset="0"/>
+              </a:rPr>
+              <a:t> </a:t>
+            </a:r>
+            <a:r>
+              <a:rPr lang="en-US" sz="4000" dirty="0" err="1">
+                <a:solidFill>
+                  <a:schemeClr val="tx1"/>
+                </a:solidFill>
+                <a:latin typeface="Times New Roman" panose="02020603050405020304" pitchFamily="18" charset="0"/>
+                <a:cs typeface="Times New Roman" panose="02020603050405020304" pitchFamily="18" charset="0"/>
+              </a:rPr>
+              <a:t>giá</a:t>
+            </a:r>
+            <a:r>
+              <a:rPr lang="en-US" sz="4000" dirty="0">
+                <a:solidFill>
+                  <a:schemeClr val="tx1"/>
+                </a:solidFill>
+                <a:latin typeface="Times New Roman" panose="02020603050405020304" pitchFamily="18" charset="0"/>
+                <a:cs typeface="Times New Roman" panose="02020603050405020304" pitchFamily="18" charset="0"/>
+              </a:rPr>
+              <a:t> </a:t>
+            </a:r>
+            <a:r>
+              <a:rPr lang="en-US" sz="4000" dirty="0" err="1">
+                <a:solidFill>
+                  <a:schemeClr val="tx1"/>
+                </a:solidFill>
+                <a:latin typeface="Times New Roman" panose="02020603050405020304" pitchFamily="18" charset="0"/>
+                <a:cs typeface="Times New Roman" panose="02020603050405020304" pitchFamily="18" charset="0"/>
+              </a:rPr>
+              <a:t>một</a:t>
+            </a:r>
+            <a:r>
+              <a:rPr lang="en-US" sz="4000" dirty="0">
+                <a:solidFill>
+                  <a:schemeClr val="tx1"/>
+                </a:solidFill>
+                <a:latin typeface="Times New Roman" panose="02020603050405020304" pitchFamily="18" charset="0"/>
+                <a:cs typeface="Times New Roman" panose="02020603050405020304" pitchFamily="18" charset="0"/>
+              </a:rPr>
+              <a:t> </a:t>
+            </a:r>
+            <a:r>
+              <a:rPr lang="en-US" sz="4000" dirty="0" err="1">
+                <a:solidFill>
+                  <a:schemeClr val="tx1"/>
+                </a:solidFill>
+                <a:latin typeface="Times New Roman" panose="02020603050405020304" pitchFamily="18" charset="0"/>
+                <a:cs typeface="Times New Roman" panose="02020603050405020304" pitchFamily="18" charset="0"/>
+              </a:rPr>
+              <a:t>số</a:t>
+            </a:r>
+            <a:r>
+              <a:rPr lang="en-US" sz="4000" dirty="0">
+                <a:solidFill>
+                  <a:schemeClr val="tx1"/>
+                </a:solidFill>
+                <a:latin typeface="Times New Roman" panose="02020603050405020304" pitchFamily="18" charset="0"/>
+                <a:cs typeface="Times New Roman" panose="02020603050405020304" pitchFamily="18" charset="0"/>
+              </a:rPr>
+              <a:t> </a:t>
+            </a:r>
+            <a:r>
+              <a:rPr lang="en-US" sz="4000" dirty="0" err="1">
+                <a:solidFill>
+                  <a:schemeClr val="tx1"/>
+                </a:solidFill>
+                <a:latin typeface="Times New Roman" panose="02020603050405020304" pitchFamily="18" charset="0"/>
+                <a:cs typeface="Times New Roman" panose="02020603050405020304" pitchFamily="18" charset="0"/>
+              </a:rPr>
+              <a:t>thuật</a:t>
+            </a:r>
+            <a:r>
+              <a:rPr lang="en-US" sz="4000" dirty="0">
+                <a:solidFill>
+                  <a:schemeClr val="tx1"/>
+                </a:solidFill>
+                <a:latin typeface="Times New Roman" panose="02020603050405020304" pitchFamily="18" charset="0"/>
+                <a:cs typeface="Times New Roman" panose="02020603050405020304" pitchFamily="18" charset="0"/>
+              </a:rPr>
+              <a:t> </a:t>
+            </a:r>
+            <a:r>
+              <a:rPr lang="en-US" sz="4000" dirty="0" err="1">
+                <a:solidFill>
+                  <a:schemeClr val="tx1"/>
+                </a:solidFill>
+                <a:latin typeface="Times New Roman" panose="02020603050405020304" pitchFamily="18" charset="0"/>
+                <a:cs typeface="Times New Roman" panose="02020603050405020304" pitchFamily="18" charset="0"/>
+              </a:rPr>
+              <a:t>toán</a:t>
+            </a:r>
+            <a:r>
+              <a:rPr lang="en-US" sz="4000" dirty="0">
+                <a:solidFill>
+                  <a:schemeClr val="tx1"/>
+                </a:solidFill>
+                <a:latin typeface="Times New Roman" panose="02020603050405020304" pitchFamily="18" charset="0"/>
+                <a:cs typeface="Times New Roman" panose="02020603050405020304" pitchFamily="18" charset="0"/>
+              </a:rPr>
+              <a:t> </a:t>
+            </a:r>
+            <a:r>
+              <a:rPr lang="en-US" sz="4000" dirty="0" err="1">
+                <a:solidFill>
+                  <a:schemeClr val="tx1"/>
+                </a:solidFill>
+                <a:latin typeface="Times New Roman" panose="02020603050405020304" pitchFamily="18" charset="0"/>
+                <a:cs typeface="Times New Roman" panose="02020603050405020304" pitchFamily="18" charset="0"/>
+              </a:rPr>
+              <a:t>khuyến</a:t>
+            </a:r>
+            <a:r>
+              <a:rPr lang="en-US" sz="4000" dirty="0">
+                <a:solidFill>
+                  <a:schemeClr val="tx1"/>
+                </a:solidFill>
+                <a:latin typeface="Times New Roman" panose="02020603050405020304" pitchFamily="18" charset="0"/>
+                <a:cs typeface="Times New Roman" panose="02020603050405020304" pitchFamily="18" charset="0"/>
+              </a:rPr>
+              <a:t> </a:t>
+            </a:r>
+            <a:r>
+              <a:rPr lang="en-US" sz="4000" dirty="0" err="1">
+                <a:solidFill>
+                  <a:schemeClr val="tx1"/>
+                </a:solidFill>
+                <a:latin typeface="Times New Roman" panose="02020603050405020304" pitchFamily="18" charset="0"/>
+                <a:cs typeface="Times New Roman" panose="02020603050405020304" pitchFamily="18" charset="0"/>
+              </a:rPr>
+              <a:t>nghị</a:t>
+            </a:r>
+            <a:r>
+              <a:rPr lang="en-US" sz="4000" dirty="0">
+                <a:solidFill>
+                  <a:schemeClr val="tx1"/>
+                </a:solidFill>
+                <a:latin typeface="Times New Roman" panose="02020603050405020304" pitchFamily="18" charset="0"/>
+                <a:cs typeface="Times New Roman" panose="02020603050405020304" pitchFamily="18" charset="0"/>
+              </a:rPr>
+              <a:t> </a:t>
+            </a:r>
+            <a:r>
+              <a:rPr lang="en-US" sz="4000" dirty="0" err="1">
+                <a:solidFill>
+                  <a:schemeClr val="tx1"/>
+                </a:solidFill>
+                <a:latin typeface="Times New Roman" panose="02020603050405020304" pitchFamily="18" charset="0"/>
+                <a:cs typeface="Times New Roman" panose="02020603050405020304" pitchFamily="18" charset="0"/>
+              </a:rPr>
+              <a:t>và</a:t>
+            </a:r>
+            <a:r>
+              <a:rPr lang="en-US" sz="4000" dirty="0">
+                <a:latin typeface="Times New Roman" panose="02020603050405020304" pitchFamily="18" charset="0"/>
+                <a:cs typeface="Times New Roman" panose="02020603050405020304" pitchFamily="18" charset="0"/>
+              </a:rPr>
+              <a:t> </a:t>
+            </a:r>
+            <a:r>
+              <a:rPr lang="en-US" sz="4000" dirty="0" err="1">
+                <a:latin typeface="Times New Roman" panose="02020603050405020304" pitchFamily="18" charset="0"/>
+                <a:cs typeface="Times New Roman" panose="02020603050405020304" pitchFamily="18" charset="0"/>
+              </a:rPr>
+              <a:t>tập</a:t>
+            </a:r>
+            <a:r>
+              <a:rPr lang="en-US" sz="4000" dirty="0">
+                <a:latin typeface="Times New Roman" panose="02020603050405020304" pitchFamily="18" charset="0"/>
+                <a:cs typeface="Times New Roman" panose="02020603050405020304" pitchFamily="18" charset="0"/>
+              </a:rPr>
+              <a:t> dataset </a:t>
+            </a:r>
+            <a:r>
+              <a:rPr lang="en-US" sz="4000" dirty="0" err="1">
+                <a:latin typeface="Times New Roman" panose="02020603050405020304" pitchFamily="18" charset="0"/>
+                <a:cs typeface="Times New Roman" panose="02020603050405020304" pitchFamily="18" charset="0"/>
+              </a:rPr>
+              <a:t>dùng</a:t>
+            </a:r>
+            <a:r>
+              <a:rPr lang="en-US" sz="4000" dirty="0">
+                <a:latin typeface="Times New Roman" panose="02020603050405020304" pitchFamily="18" charset="0"/>
+                <a:cs typeface="Times New Roman" panose="02020603050405020304" pitchFamily="18" charset="0"/>
+              </a:rPr>
+              <a:t> </a:t>
+            </a:r>
+            <a:r>
+              <a:rPr lang="en-US" sz="4000" dirty="0" err="1">
+                <a:latin typeface="Times New Roman" panose="02020603050405020304" pitchFamily="18" charset="0"/>
+                <a:cs typeface="Times New Roman" panose="02020603050405020304" pitchFamily="18" charset="0"/>
+              </a:rPr>
+              <a:t>để</a:t>
+            </a:r>
+            <a:r>
+              <a:rPr lang="en-US" sz="4000" dirty="0">
+                <a:latin typeface="Times New Roman" panose="02020603050405020304" pitchFamily="18" charset="0"/>
+                <a:cs typeface="Times New Roman" panose="02020603050405020304" pitchFamily="18" charset="0"/>
+              </a:rPr>
+              <a:t> </a:t>
+            </a:r>
+            <a:r>
+              <a:rPr lang="en-US" sz="4000" dirty="0" err="1">
+                <a:latin typeface="Times New Roman" panose="02020603050405020304" pitchFamily="18" charset="0"/>
+                <a:cs typeface="Times New Roman" panose="02020603050405020304" pitchFamily="18" charset="0"/>
+              </a:rPr>
+              <a:t>thực</a:t>
+            </a:r>
+            <a:r>
+              <a:rPr lang="en-US" sz="4000" dirty="0">
+                <a:latin typeface="Times New Roman" panose="02020603050405020304" pitchFamily="18" charset="0"/>
+                <a:cs typeface="Times New Roman" panose="02020603050405020304" pitchFamily="18" charset="0"/>
+              </a:rPr>
+              <a:t> </a:t>
+            </a:r>
+            <a:r>
+              <a:rPr lang="en-US" sz="4000" dirty="0" err="1">
+                <a:latin typeface="Times New Roman" panose="02020603050405020304" pitchFamily="18" charset="0"/>
+                <a:cs typeface="Times New Roman" panose="02020603050405020304" pitchFamily="18" charset="0"/>
+              </a:rPr>
+              <a:t>nghiệm</a:t>
+            </a:r>
+            <a:endParaRPr lang="en-US" sz="4000" dirty="0">
               <a:solidFill>
-                <a:srgbClr val="C0C0C0"/>
+                <a:schemeClr val="tx1"/>
               </a:solidFill>
-              <a:round/>
-              <a:headEnd/>
-              <a:tailEnd/>
-            </a:ln>
-            <a:effectLst>
-              <a:outerShdw dist="53882" dir="2700000" algn="ctr" rotWithShape="0">
-                <a:srgbClr val="292929">
-                  <a:alpha val="50000"/>
-                </a:srgbClr>
-              </a:outerShdw>
-            </a:effectLst>
-          </p:spPr>
-          <p:txBody>
-            <a:bodyPr wrap="none" anchor="ctr"/>
-            <a:lstStyle/>
-            <a:p>
-              <a:endParaRPr lang="en-US" sz="2000">
-                <a:latin typeface="Times New Roman" pitchFamily="18" charset="0"/>
-                <a:cs typeface="Times New Roman" pitchFamily="18" charset="0"/>
-              </a:endParaRPr>
-            </a:p>
-          </p:txBody>
-        </p:sp>
-        <p:sp>
-          <p:nvSpPr>
-            <p:cNvPr id="8" name="AutoShape 14"/>
-            <p:cNvSpPr>
-              <a:spLocks noChangeArrowheads="1"/>
-            </p:cNvSpPr>
-            <p:nvPr/>
-          </p:nvSpPr>
-          <p:spPr bwMode="ltGray">
-            <a:xfrm>
-              <a:off x="2135203" y="1466086"/>
-              <a:ext cx="2355850" cy="523875"/>
-            </a:xfrm>
-            <a:prstGeom prst="roundRect">
-              <a:avLst>
-                <a:gd name="adj" fmla="val 16667"/>
-              </a:avLst>
-            </a:prstGeom>
-            <a:solidFill>
-              <a:schemeClr val="accent2"/>
-            </a:solidFill>
-            <a:ln w="38100" algn="ctr">
+              <a:latin typeface="Times New Roman" panose="02020603050405020304" pitchFamily="18" charset="0"/>
+              <a:cs typeface="Times New Roman" panose="02020603050405020304" pitchFamily="18" charset="0"/>
+            </a:endParaRPr>
+          </a:p>
+        </p:txBody>
+      </p:sp>
+      <p:sp>
+        <p:nvSpPr>
+          <p:cNvPr id="12" name="Title 1"/>
+          <p:cNvSpPr txBox="1">
+            <a:spLocks/>
+          </p:cNvSpPr>
+          <p:nvPr/>
+        </p:nvSpPr>
+        <p:spPr>
+          <a:xfrm>
+            <a:off x="464940" y="3567999"/>
+            <a:ext cx="10462020" cy="1655391"/>
+          </a:xfrm>
+          <a:prstGeom prst="rect">
+            <a:avLst/>
+          </a:prstGeom>
+        </p:spPr>
+        <p:txBody>
+          <a:bodyPr vert="horz" lIns="91440" tIns="45720" rIns="91440" bIns="45720" rtlCol="0" anchor="t">
+            <a:normAutofit/>
+          </a:bodyPr>
+          <a:lstStyle>
+            <a:defPPr>
+              <a:defRPr lang="en-US"/>
+            </a:defPPr>
+            <a:lvl1pPr marL="0" algn="l" defTabSz="457200" rtl="0" eaLnBrk="1" latinLnBrk="0" hangingPunct="1">
+              <a:defRPr sz="1800" kern="1200">
+                <a:solidFill>
+                  <a:schemeClr val="tx1"/>
+                </a:solidFill>
+                <a:latin typeface="+mn-lt"/>
+                <a:ea typeface="+mn-ea"/>
+                <a:cs typeface="+mn-cs"/>
+              </a:defRPr>
+            </a:lvl1pPr>
+            <a:lvl2pPr marL="457200" algn="l" defTabSz="457200" rtl="0" eaLnBrk="1" latinLnBrk="0" hangingPunct="1">
+              <a:defRPr sz="1800" kern="1200">
+                <a:solidFill>
+                  <a:schemeClr val="tx1"/>
+                </a:solidFill>
+                <a:latin typeface="+mn-lt"/>
+                <a:ea typeface="+mn-ea"/>
+                <a:cs typeface="+mn-cs"/>
+              </a:defRPr>
+            </a:lvl2pPr>
+            <a:lvl3pPr marL="914400" algn="l" defTabSz="457200" rtl="0" eaLnBrk="1" latinLnBrk="0" hangingPunct="1">
+              <a:defRPr sz="1800" kern="1200">
+                <a:solidFill>
+                  <a:schemeClr val="tx1"/>
+                </a:solidFill>
+                <a:latin typeface="+mn-lt"/>
+                <a:ea typeface="+mn-ea"/>
+                <a:cs typeface="+mn-cs"/>
+              </a:defRPr>
+            </a:lvl3pPr>
+            <a:lvl4pPr marL="1371600" algn="l" defTabSz="457200" rtl="0" eaLnBrk="1" latinLnBrk="0" hangingPunct="1">
+              <a:defRPr sz="1800" kern="1200">
+                <a:solidFill>
+                  <a:schemeClr val="tx1"/>
+                </a:solidFill>
+                <a:latin typeface="+mn-lt"/>
+                <a:ea typeface="+mn-ea"/>
+                <a:cs typeface="+mn-cs"/>
+              </a:defRPr>
+            </a:lvl4pPr>
+            <a:lvl5pPr marL="1828800" algn="l" defTabSz="457200" rtl="0" eaLnBrk="1" latinLnBrk="0" hangingPunct="1">
+              <a:defRPr sz="1800" kern="1200">
+                <a:solidFill>
+                  <a:schemeClr val="tx1"/>
+                </a:solidFill>
+                <a:latin typeface="+mn-lt"/>
+                <a:ea typeface="+mn-ea"/>
+                <a:cs typeface="+mn-cs"/>
+              </a:defRPr>
+            </a:lvl5pPr>
+            <a:lvl6pPr marL="2286000" algn="l" defTabSz="457200" rtl="0" eaLnBrk="1" latinLnBrk="0" hangingPunct="1">
+              <a:defRPr sz="1800" kern="1200">
+                <a:solidFill>
+                  <a:schemeClr val="tx1"/>
+                </a:solidFill>
+                <a:latin typeface="+mn-lt"/>
+                <a:ea typeface="+mn-ea"/>
+                <a:cs typeface="+mn-cs"/>
+              </a:defRPr>
+            </a:lvl6pPr>
+            <a:lvl7pPr marL="2743200" algn="l" defTabSz="457200" rtl="0" eaLnBrk="1" latinLnBrk="0" hangingPunct="1">
+              <a:defRPr sz="1800" kern="1200">
+                <a:solidFill>
+                  <a:schemeClr val="tx1"/>
+                </a:solidFill>
+                <a:latin typeface="+mn-lt"/>
+                <a:ea typeface="+mn-ea"/>
+                <a:cs typeface="+mn-cs"/>
+              </a:defRPr>
+            </a:lvl7pPr>
+            <a:lvl8pPr marL="3200400" algn="l" defTabSz="457200" rtl="0" eaLnBrk="1" latinLnBrk="0" hangingPunct="1">
+              <a:defRPr sz="1800" kern="1200">
+                <a:solidFill>
+                  <a:schemeClr val="tx1"/>
+                </a:solidFill>
+                <a:latin typeface="+mn-lt"/>
+                <a:ea typeface="+mn-ea"/>
+                <a:cs typeface="+mn-cs"/>
+              </a:defRPr>
+            </a:lvl8pPr>
+            <a:lvl9pPr marL="3657600" algn="l" defTabSz="457200" rtl="0" eaLnBrk="1" latinLnBrk="0" hangingPunct="1">
+              <a:defRPr sz="1800" kern="1200">
+                <a:solidFill>
+                  <a:schemeClr val="tx1"/>
+                </a:solidFill>
+                <a:latin typeface="+mn-lt"/>
+                <a:ea typeface="+mn-ea"/>
+                <a:cs typeface="+mn-cs"/>
+              </a:defRPr>
+            </a:lvl9pPr>
+          </a:lstStyle>
+          <a:p>
+            <a:r>
+              <a:rPr lang="en-US" sz="4000" dirty="0" err="1">
+                <a:latin typeface="Times New Roman" panose="02020603050405020304" pitchFamily="18" charset="0"/>
+                <a:cs typeface="Times New Roman" panose="02020603050405020304" pitchFamily="18" charset="0"/>
+              </a:rPr>
+              <a:t>Bên</a:t>
+            </a:r>
+            <a:r>
+              <a:rPr lang="en-US" sz="4000" dirty="0">
+                <a:latin typeface="Times New Roman" panose="02020603050405020304" pitchFamily="18" charset="0"/>
+                <a:cs typeface="Times New Roman" panose="02020603050405020304" pitchFamily="18" charset="0"/>
+              </a:rPr>
+              <a:t> </a:t>
+            </a:r>
+            <a:r>
+              <a:rPr lang="en-US" sz="4000" dirty="0" err="1">
+                <a:latin typeface="Times New Roman" panose="02020603050405020304" pitchFamily="18" charset="0"/>
+                <a:cs typeface="Times New Roman" panose="02020603050405020304" pitchFamily="18" charset="0"/>
+              </a:rPr>
+              <a:t>cạnh</a:t>
+            </a:r>
+            <a:r>
+              <a:rPr lang="en-US" sz="4000" dirty="0">
+                <a:latin typeface="Times New Roman" panose="02020603050405020304" pitchFamily="18" charset="0"/>
+                <a:cs typeface="Times New Roman" panose="02020603050405020304" pitchFamily="18" charset="0"/>
+              </a:rPr>
+              <a:t> </a:t>
+            </a:r>
+            <a:r>
+              <a:rPr lang="en-US" sz="4000" dirty="0" err="1">
+                <a:latin typeface="Times New Roman" panose="02020603050405020304" pitchFamily="18" charset="0"/>
+                <a:cs typeface="Times New Roman" panose="02020603050405020304" pitchFamily="18" charset="0"/>
+              </a:rPr>
+              <a:t>đó</a:t>
+            </a:r>
+            <a:r>
+              <a:rPr lang="en-US" sz="4000" dirty="0">
+                <a:latin typeface="Times New Roman" panose="02020603050405020304" pitchFamily="18" charset="0"/>
+                <a:cs typeface="Times New Roman" panose="02020603050405020304" pitchFamily="18" charset="0"/>
+              </a:rPr>
+              <a:t> </a:t>
+            </a:r>
+            <a:r>
+              <a:rPr lang="en-US" sz="4000" dirty="0" err="1">
+                <a:latin typeface="Times New Roman" panose="02020603050405020304" pitchFamily="18" charset="0"/>
+                <a:cs typeface="Times New Roman" panose="02020603050405020304" pitchFamily="18" charset="0"/>
+              </a:rPr>
+              <a:t>nhóm</a:t>
+            </a:r>
+            <a:r>
+              <a:rPr lang="en-US" sz="4000" dirty="0">
+                <a:latin typeface="Times New Roman" panose="02020603050405020304" pitchFamily="18" charset="0"/>
+                <a:cs typeface="Times New Roman" panose="02020603050405020304" pitchFamily="18" charset="0"/>
+              </a:rPr>
+              <a:t> </a:t>
+            </a:r>
+            <a:r>
+              <a:rPr lang="en-US" sz="4000" dirty="0" err="1">
+                <a:latin typeface="Times New Roman" panose="02020603050405020304" pitchFamily="18" charset="0"/>
+                <a:cs typeface="Times New Roman" panose="02020603050405020304" pitchFamily="18" charset="0"/>
+              </a:rPr>
+              <a:t>chúng</a:t>
+            </a:r>
+            <a:r>
+              <a:rPr lang="en-US" sz="4000" dirty="0">
+                <a:latin typeface="Times New Roman" panose="02020603050405020304" pitchFamily="18" charset="0"/>
+                <a:cs typeface="Times New Roman" panose="02020603050405020304" pitchFamily="18" charset="0"/>
+              </a:rPr>
+              <a:t> </a:t>
+            </a:r>
+            <a:r>
+              <a:rPr lang="en-US" sz="4000" dirty="0" err="1">
+                <a:latin typeface="Times New Roman" panose="02020603050405020304" pitchFamily="18" charset="0"/>
+                <a:cs typeface="Times New Roman" panose="02020603050405020304" pitchFamily="18" charset="0"/>
+              </a:rPr>
+              <a:t>em</a:t>
+            </a:r>
+            <a:r>
+              <a:rPr lang="en-US" sz="4000" dirty="0">
+                <a:latin typeface="Times New Roman" panose="02020603050405020304" pitchFamily="18" charset="0"/>
+                <a:cs typeface="Times New Roman" panose="02020603050405020304" pitchFamily="18" charset="0"/>
+              </a:rPr>
+              <a:t> </a:t>
+            </a:r>
+            <a:r>
+              <a:rPr lang="en-US" sz="4000" dirty="0" err="1">
+                <a:latin typeface="Times New Roman" panose="02020603050405020304" pitchFamily="18" charset="0"/>
+                <a:cs typeface="Times New Roman" panose="02020603050405020304" pitchFamily="18" charset="0"/>
+              </a:rPr>
+              <a:t>cũng</a:t>
+            </a:r>
+            <a:r>
+              <a:rPr lang="en-US" sz="4000" dirty="0">
+                <a:latin typeface="Times New Roman" panose="02020603050405020304" pitchFamily="18" charset="0"/>
+                <a:cs typeface="Times New Roman" panose="02020603050405020304" pitchFamily="18" charset="0"/>
+              </a:rPr>
+              <a:t> </a:t>
+            </a:r>
+            <a:r>
+              <a:rPr lang="en-US" sz="4000" dirty="0" err="1">
+                <a:latin typeface="Times New Roman" panose="02020603050405020304" pitchFamily="18" charset="0"/>
+                <a:cs typeface="Times New Roman" panose="02020603050405020304" pitchFamily="18" charset="0"/>
+              </a:rPr>
+              <a:t>tích</a:t>
+            </a:r>
+            <a:r>
+              <a:rPr lang="en-US" sz="4000" dirty="0">
+                <a:latin typeface="Times New Roman" panose="02020603050405020304" pitchFamily="18" charset="0"/>
+                <a:cs typeface="Times New Roman" panose="02020603050405020304" pitchFamily="18" charset="0"/>
+              </a:rPr>
+              <a:t> </a:t>
+            </a:r>
+            <a:r>
+              <a:rPr lang="en-US" sz="4000" dirty="0" err="1">
+                <a:latin typeface="Times New Roman" panose="02020603050405020304" pitchFamily="18" charset="0"/>
+                <a:cs typeface="Times New Roman" panose="02020603050405020304" pitchFamily="18" charset="0"/>
+              </a:rPr>
+              <a:t>lũy</a:t>
+            </a:r>
+            <a:r>
+              <a:rPr lang="en-US" sz="4000" dirty="0">
+                <a:latin typeface="Times New Roman" panose="02020603050405020304" pitchFamily="18" charset="0"/>
+                <a:cs typeface="Times New Roman" panose="02020603050405020304" pitchFamily="18" charset="0"/>
+              </a:rPr>
+              <a:t> </a:t>
+            </a:r>
+            <a:r>
+              <a:rPr lang="en-US" sz="4000" dirty="0" err="1">
+                <a:latin typeface="Times New Roman" panose="02020603050405020304" pitchFamily="18" charset="0"/>
+                <a:cs typeface="Times New Roman" panose="02020603050405020304" pitchFamily="18" charset="0"/>
+              </a:rPr>
+              <a:t>thêm</a:t>
+            </a:r>
+            <a:r>
+              <a:rPr lang="en-US" sz="4000" dirty="0">
+                <a:latin typeface="Times New Roman" panose="02020603050405020304" pitchFamily="18" charset="0"/>
+                <a:cs typeface="Times New Roman" panose="02020603050405020304" pitchFamily="18" charset="0"/>
+              </a:rPr>
+              <a:t> đ</a:t>
+            </a:r>
+            <a:r>
+              <a:rPr lang="vi-VN" sz="4000" dirty="0">
+                <a:latin typeface="Times New Roman" panose="02020603050405020304" pitchFamily="18" charset="0"/>
+                <a:cs typeface="Times New Roman" panose="02020603050405020304" pitchFamily="18" charset="0"/>
+              </a:rPr>
+              <a:t>ư</a:t>
+            </a:r>
+            <a:r>
+              <a:rPr lang="en-US" sz="4000" dirty="0" err="1">
+                <a:latin typeface="Times New Roman" panose="02020603050405020304" pitchFamily="18" charset="0"/>
+                <a:cs typeface="Times New Roman" panose="02020603050405020304" pitchFamily="18" charset="0"/>
+              </a:rPr>
+              <a:t>ợc</a:t>
+            </a:r>
+            <a:r>
+              <a:rPr lang="en-US" sz="4000" dirty="0">
+                <a:latin typeface="Times New Roman" panose="02020603050405020304" pitchFamily="18" charset="0"/>
+                <a:cs typeface="Times New Roman" panose="02020603050405020304" pitchFamily="18" charset="0"/>
+              </a:rPr>
+              <a:t> </a:t>
+            </a:r>
+            <a:r>
+              <a:rPr lang="en-US" sz="4000" dirty="0" err="1">
+                <a:latin typeface="Times New Roman" panose="02020603050405020304" pitchFamily="18" charset="0"/>
+                <a:cs typeface="Times New Roman" panose="02020603050405020304" pitchFamily="18" charset="0"/>
+              </a:rPr>
+              <a:t>một</a:t>
+            </a:r>
+            <a:r>
+              <a:rPr lang="en-US" sz="4000" dirty="0">
+                <a:latin typeface="Times New Roman" panose="02020603050405020304" pitchFamily="18" charset="0"/>
+                <a:cs typeface="Times New Roman" panose="02020603050405020304" pitchFamily="18" charset="0"/>
+              </a:rPr>
+              <a:t> </a:t>
+            </a:r>
+            <a:r>
+              <a:rPr lang="en-US" sz="4000" dirty="0" err="1">
+                <a:latin typeface="Times New Roman" panose="02020603050405020304" pitchFamily="18" charset="0"/>
+                <a:cs typeface="Times New Roman" panose="02020603050405020304" pitchFamily="18" charset="0"/>
+              </a:rPr>
+              <a:t>số</a:t>
+            </a:r>
+            <a:r>
+              <a:rPr lang="en-US" sz="4000" dirty="0">
+                <a:latin typeface="Times New Roman" panose="02020603050405020304" pitchFamily="18" charset="0"/>
+                <a:cs typeface="Times New Roman" panose="02020603050405020304" pitchFamily="18" charset="0"/>
+              </a:rPr>
+              <a:t> </a:t>
+            </a:r>
+            <a:r>
+              <a:rPr lang="en-US" sz="4000" dirty="0" err="1">
+                <a:latin typeface="Times New Roman" panose="02020603050405020304" pitchFamily="18" charset="0"/>
+                <a:cs typeface="Times New Roman" panose="02020603050405020304" pitchFamily="18" charset="0"/>
+              </a:rPr>
+              <a:t>kiến</a:t>
+            </a:r>
+            <a:r>
+              <a:rPr lang="en-US" sz="4000" dirty="0">
+                <a:latin typeface="Times New Roman" panose="02020603050405020304" pitchFamily="18" charset="0"/>
+                <a:cs typeface="Times New Roman" panose="02020603050405020304" pitchFamily="18" charset="0"/>
+              </a:rPr>
+              <a:t> </a:t>
+            </a:r>
+            <a:r>
+              <a:rPr lang="en-US" sz="4000" dirty="0" err="1">
+                <a:latin typeface="Times New Roman" panose="02020603050405020304" pitchFamily="18" charset="0"/>
+                <a:cs typeface="Times New Roman" panose="02020603050405020304" pitchFamily="18" charset="0"/>
+              </a:rPr>
+              <a:t>thức</a:t>
+            </a:r>
+            <a:r>
+              <a:rPr lang="en-US" sz="4000" dirty="0">
+                <a:latin typeface="Times New Roman" panose="02020603050405020304" pitchFamily="18" charset="0"/>
+                <a:cs typeface="Times New Roman" panose="02020603050405020304" pitchFamily="18" charset="0"/>
+              </a:rPr>
+              <a:t> </a:t>
+            </a:r>
+            <a:r>
+              <a:rPr lang="en-US" sz="4000" dirty="0" err="1">
+                <a:latin typeface="Times New Roman" panose="02020603050405020304" pitchFamily="18" charset="0"/>
+                <a:cs typeface="Times New Roman" panose="02020603050405020304" pitchFamily="18" charset="0"/>
+              </a:rPr>
+              <a:t>về</a:t>
+            </a:r>
+            <a:r>
+              <a:rPr lang="en-US" sz="4000" dirty="0">
+                <a:latin typeface="Times New Roman" panose="02020603050405020304" pitchFamily="18" charset="0"/>
+                <a:cs typeface="Times New Roman" panose="02020603050405020304" pitchFamily="18" charset="0"/>
+              </a:rPr>
+              <a:t> </a:t>
+            </a:r>
+            <a:r>
+              <a:rPr lang="en-US" sz="4000" dirty="0" err="1">
+                <a:latin typeface="Times New Roman" panose="02020603050405020304" pitchFamily="18" charset="0"/>
+                <a:cs typeface="Times New Roman" panose="02020603050405020304" pitchFamily="18" charset="0"/>
+              </a:rPr>
+              <a:t>hệ</a:t>
+            </a:r>
+            <a:r>
+              <a:rPr lang="en-US" sz="4000" dirty="0">
+                <a:latin typeface="Times New Roman" panose="02020603050405020304" pitchFamily="18" charset="0"/>
+                <a:cs typeface="Times New Roman" panose="02020603050405020304" pitchFamily="18" charset="0"/>
+              </a:rPr>
+              <a:t> </a:t>
+            </a:r>
+            <a:r>
+              <a:rPr lang="en-US" sz="4000" dirty="0" err="1">
+                <a:latin typeface="Times New Roman" panose="02020603050405020304" pitchFamily="18" charset="0"/>
+                <a:cs typeface="Times New Roman" panose="02020603050405020304" pitchFamily="18" charset="0"/>
+              </a:rPr>
+              <a:t>thống</a:t>
+            </a:r>
+            <a:r>
+              <a:rPr lang="en-US" sz="4000" dirty="0">
+                <a:latin typeface="Times New Roman" panose="02020603050405020304" pitchFamily="18" charset="0"/>
+                <a:cs typeface="Times New Roman" panose="02020603050405020304" pitchFamily="18" charset="0"/>
+              </a:rPr>
+              <a:t> </a:t>
+            </a:r>
+            <a:r>
+              <a:rPr lang="en-US" sz="4000" dirty="0" err="1">
+                <a:latin typeface="Times New Roman" panose="02020603050405020304" pitchFamily="18" charset="0"/>
+                <a:cs typeface="Times New Roman" panose="02020603050405020304" pitchFamily="18" charset="0"/>
+              </a:rPr>
+              <a:t>khuyến</a:t>
+            </a:r>
+            <a:r>
+              <a:rPr lang="en-US" sz="4000" dirty="0">
+                <a:latin typeface="Times New Roman" panose="02020603050405020304" pitchFamily="18" charset="0"/>
+                <a:cs typeface="Times New Roman" panose="02020603050405020304" pitchFamily="18" charset="0"/>
+              </a:rPr>
+              <a:t> </a:t>
+            </a:r>
+            <a:r>
+              <a:rPr lang="en-US" sz="4000" dirty="0" err="1">
+                <a:latin typeface="Times New Roman" panose="02020603050405020304" pitchFamily="18" charset="0"/>
+                <a:cs typeface="Times New Roman" panose="02020603050405020304" pitchFamily="18" charset="0"/>
+              </a:rPr>
+              <a:t>nghị</a:t>
+            </a:r>
+            <a:endParaRPr lang="en-US" sz="4000" dirty="0">
               <a:solidFill>
-                <a:srgbClr val="FFFFFF">
-                  <a:alpha val="70000"/>
-                </a:srgbClr>
+                <a:schemeClr val="tx1"/>
               </a:solidFill>
-              <a:round/>
-              <a:headEnd/>
-              <a:tailEnd/>
-            </a:ln>
-            <a:effectLst/>
-          </p:spPr>
-          <p:txBody>
-            <a:bodyPr wrap="none" anchor="ctr"/>
-            <a:lstStyle/>
-            <a:p>
-              <a:endParaRPr lang="en-US" sz="2000">
-                <a:latin typeface="Times New Roman" pitchFamily="18" charset="0"/>
-                <a:cs typeface="Times New Roman" pitchFamily="18" charset="0"/>
-              </a:endParaRPr>
-            </a:p>
-          </p:txBody>
-        </p:sp>
-        <p:sp>
-          <p:nvSpPr>
-            <p:cNvPr id="9" name="Rectangle 8"/>
-            <p:cNvSpPr>
-              <a:spLocks noChangeArrowheads="1"/>
-            </p:cNvSpPr>
-            <p:nvPr/>
-          </p:nvSpPr>
-          <p:spPr bwMode="black">
-            <a:xfrm>
-              <a:off x="2503298" y="1516885"/>
-              <a:ext cx="1659621" cy="400110"/>
-            </a:xfrm>
-            <a:prstGeom prst="rect">
-              <a:avLst/>
-            </a:prstGeom>
-            <a:noFill/>
-            <a:ln w="9525" algn="ctr">
-              <a:noFill/>
-              <a:miter lim="800000"/>
-              <a:headEnd/>
-              <a:tailEnd/>
-            </a:ln>
-            <a:effectLst/>
-          </p:spPr>
-          <p:txBody>
-            <a:bodyPr wrap="none">
-              <a:spAutoFit/>
-            </a:bodyPr>
-            <a:lstStyle/>
-            <a:p>
-              <a:pPr algn="ctr"/>
-              <a:r>
-                <a:rPr lang="en-US" sz="2000" b="1" dirty="0">
-                  <a:solidFill>
-                    <a:srgbClr val="FFFFFF"/>
-                  </a:solidFill>
-                  <a:latin typeface="Times New Roman" pitchFamily="18" charset="0"/>
-                  <a:cs typeface="Times New Roman" pitchFamily="18" charset="0"/>
-                </a:rPr>
-                <a:t>KIẾN THỨC</a:t>
-              </a:r>
-            </a:p>
-          </p:txBody>
-        </p:sp>
-        <p:sp>
-          <p:nvSpPr>
-            <p:cNvPr id="10" name="Text Box 18"/>
-            <p:cNvSpPr txBox="1">
-              <a:spLocks noChangeArrowheads="1"/>
-            </p:cNvSpPr>
-            <p:nvPr/>
-          </p:nvSpPr>
-          <p:spPr bwMode="gray">
-            <a:xfrm>
-              <a:off x="2181242" y="2161360"/>
-              <a:ext cx="2262187" cy="3046988"/>
-            </a:xfrm>
-            <a:prstGeom prst="rect">
-              <a:avLst/>
-            </a:prstGeom>
-            <a:noFill/>
-            <a:ln w="9525" algn="ctr">
-              <a:noFill/>
-              <a:miter lim="800000"/>
-              <a:headEnd/>
-              <a:tailEnd/>
-            </a:ln>
-            <a:effectLst/>
-          </p:spPr>
-          <p:txBody>
-            <a:bodyPr>
-              <a:spAutoFit/>
-            </a:bodyPr>
-            <a:lstStyle/>
-            <a:p>
-              <a:pPr marL="342900" indent="-342900" eaLnBrk="0" hangingPunct="0">
-                <a:buFontTx/>
-                <a:buChar char="-"/>
-              </a:pPr>
-              <a:r>
-                <a:rPr lang="en-US" sz="2400" b="1" dirty="0" err="1">
-                  <a:solidFill>
-                    <a:srgbClr val="000000"/>
-                  </a:solidFill>
-                  <a:latin typeface="Times New Roman" pitchFamily="18" charset="0"/>
-                  <a:cs typeface="Times New Roman" pitchFamily="18" charset="0"/>
-                </a:rPr>
-                <a:t>Kiến</a:t>
-              </a:r>
-              <a:r>
-                <a:rPr lang="en-US" sz="2400" b="1" dirty="0">
-                  <a:solidFill>
-                    <a:srgbClr val="000000"/>
-                  </a:solidFill>
-                  <a:latin typeface="Times New Roman" pitchFamily="18" charset="0"/>
-                  <a:cs typeface="Times New Roman" pitchFamily="18" charset="0"/>
-                </a:rPr>
-                <a:t> </a:t>
-              </a:r>
-              <a:r>
-                <a:rPr lang="en-US" sz="2400" b="1" dirty="0" err="1">
-                  <a:solidFill>
-                    <a:srgbClr val="000000"/>
-                  </a:solidFill>
-                  <a:latin typeface="Times New Roman" pitchFamily="18" charset="0"/>
-                  <a:cs typeface="Times New Roman" pitchFamily="18" charset="0"/>
-                </a:rPr>
-                <a:t>thức</a:t>
-              </a:r>
-              <a:r>
-                <a:rPr lang="en-US" sz="2400" b="1" dirty="0">
-                  <a:solidFill>
-                    <a:srgbClr val="000000"/>
-                  </a:solidFill>
-                  <a:latin typeface="Times New Roman" pitchFamily="18" charset="0"/>
-                  <a:cs typeface="Times New Roman" pitchFamily="18" charset="0"/>
-                </a:rPr>
-                <a:t> </a:t>
-              </a:r>
-              <a:r>
-                <a:rPr lang="en-US" sz="2400" b="1" dirty="0" err="1">
-                  <a:solidFill>
-                    <a:srgbClr val="000000"/>
-                  </a:solidFill>
-                  <a:latin typeface="Times New Roman" pitchFamily="18" charset="0"/>
-                  <a:cs typeface="Times New Roman" pitchFamily="18" charset="0"/>
-                </a:rPr>
-                <a:t>cơ</a:t>
-              </a:r>
-              <a:r>
-                <a:rPr lang="en-US" sz="2400" b="1" dirty="0">
-                  <a:solidFill>
-                    <a:srgbClr val="000000"/>
-                  </a:solidFill>
-                  <a:latin typeface="Times New Roman" pitchFamily="18" charset="0"/>
-                  <a:cs typeface="Times New Roman" pitchFamily="18" charset="0"/>
-                </a:rPr>
-                <a:t> </a:t>
-              </a:r>
-              <a:r>
-                <a:rPr lang="en-US" sz="2400" b="1" dirty="0" err="1">
-                  <a:solidFill>
-                    <a:srgbClr val="000000"/>
-                  </a:solidFill>
-                  <a:latin typeface="Times New Roman" pitchFamily="18" charset="0"/>
-                  <a:cs typeface="Times New Roman" pitchFamily="18" charset="0"/>
-                </a:rPr>
-                <a:t>bản</a:t>
-              </a:r>
-              <a:r>
-                <a:rPr lang="en-US" sz="2400" b="1" dirty="0">
-                  <a:solidFill>
-                    <a:srgbClr val="000000"/>
-                  </a:solidFill>
-                  <a:latin typeface="Times New Roman" pitchFamily="18" charset="0"/>
-                  <a:cs typeface="Times New Roman" pitchFamily="18" charset="0"/>
-                </a:rPr>
-                <a:t> </a:t>
-              </a:r>
-              <a:r>
-                <a:rPr lang="en-US" sz="2400" b="1" dirty="0" err="1">
-                  <a:solidFill>
-                    <a:srgbClr val="000000"/>
-                  </a:solidFill>
-                  <a:latin typeface="Times New Roman" pitchFamily="18" charset="0"/>
-                  <a:cs typeface="Times New Roman" pitchFamily="18" charset="0"/>
-                </a:rPr>
-                <a:t>về</a:t>
-              </a:r>
-              <a:r>
-                <a:rPr lang="en-US" sz="2400" b="1" dirty="0">
-                  <a:solidFill>
-                    <a:srgbClr val="000000"/>
-                  </a:solidFill>
-                  <a:latin typeface="Times New Roman" pitchFamily="18" charset="0"/>
-                  <a:cs typeface="Times New Roman" pitchFamily="18" charset="0"/>
-                </a:rPr>
-                <a:t> </a:t>
-              </a:r>
-              <a:r>
-                <a:rPr lang="en-US" sz="2400" b="1" dirty="0" err="1">
-                  <a:solidFill>
-                    <a:srgbClr val="000000"/>
-                  </a:solidFill>
-                  <a:latin typeface="Times New Roman" pitchFamily="18" charset="0"/>
-                  <a:cs typeface="Times New Roman" pitchFamily="18" charset="0"/>
-                </a:rPr>
-                <a:t>một</a:t>
-              </a:r>
-              <a:r>
-                <a:rPr lang="en-US" sz="2400" b="1" dirty="0">
-                  <a:solidFill>
-                    <a:srgbClr val="000000"/>
-                  </a:solidFill>
-                  <a:latin typeface="Times New Roman" pitchFamily="18" charset="0"/>
-                  <a:cs typeface="Times New Roman" pitchFamily="18" charset="0"/>
-                </a:rPr>
-                <a:t> </a:t>
-              </a:r>
-              <a:r>
-                <a:rPr lang="en-US" sz="2400" b="1" dirty="0" err="1">
-                  <a:solidFill>
-                    <a:srgbClr val="000000"/>
-                  </a:solidFill>
-                  <a:latin typeface="Times New Roman" pitchFamily="18" charset="0"/>
-                  <a:cs typeface="Times New Roman" pitchFamily="18" charset="0"/>
-                </a:rPr>
-                <a:t>số</a:t>
-              </a:r>
-              <a:r>
-                <a:rPr lang="en-US" sz="2400" b="1" dirty="0">
-                  <a:solidFill>
-                    <a:srgbClr val="000000"/>
-                  </a:solidFill>
-                  <a:latin typeface="Times New Roman" pitchFamily="18" charset="0"/>
-                  <a:cs typeface="Times New Roman" pitchFamily="18" charset="0"/>
-                </a:rPr>
-                <a:t> </a:t>
-              </a:r>
-              <a:r>
-                <a:rPr lang="en-US" sz="2400" b="1" dirty="0" err="1">
-                  <a:solidFill>
-                    <a:srgbClr val="000000"/>
-                  </a:solidFill>
-                  <a:latin typeface="Times New Roman" pitchFamily="18" charset="0"/>
-                  <a:cs typeface="Times New Roman" pitchFamily="18" charset="0"/>
-                </a:rPr>
-                <a:t>ph</a:t>
-              </a:r>
-              <a:r>
-                <a:rPr lang="vi-VN" sz="2400" b="1" dirty="0">
-                  <a:solidFill>
-                    <a:srgbClr val="000000"/>
-                  </a:solidFill>
-                  <a:latin typeface="Times New Roman" pitchFamily="18" charset="0"/>
-                  <a:cs typeface="Times New Roman" pitchFamily="18" charset="0"/>
-                </a:rPr>
-                <a:t>ư</a:t>
-              </a:r>
-              <a:r>
-                <a:rPr lang="en-US" sz="2400" b="1" dirty="0" err="1">
-                  <a:solidFill>
-                    <a:srgbClr val="000000"/>
-                  </a:solidFill>
-                  <a:latin typeface="Times New Roman" pitchFamily="18" charset="0"/>
-                  <a:cs typeface="Times New Roman" pitchFamily="18" charset="0"/>
-                </a:rPr>
-                <a:t>ơng</a:t>
-              </a:r>
-              <a:r>
-                <a:rPr lang="en-US" sz="2400" b="1" dirty="0">
-                  <a:solidFill>
-                    <a:srgbClr val="000000"/>
-                  </a:solidFill>
-                  <a:latin typeface="Times New Roman" pitchFamily="18" charset="0"/>
-                  <a:cs typeface="Times New Roman" pitchFamily="18" charset="0"/>
-                </a:rPr>
-                <a:t> </a:t>
-              </a:r>
-              <a:r>
-                <a:rPr lang="en-US" sz="2400" b="1" dirty="0" err="1">
-                  <a:solidFill>
-                    <a:srgbClr val="000000"/>
-                  </a:solidFill>
-                  <a:latin typeface="Times New Roman" pitchFamily="18" charset="0"/>
-                  <a:cs typeface="Times New Roman" pitchFamily="18" charset="0"/>
-                </a:rPr>
-                <a:t>pháp</a:t>
-              </a:r>
-              <a:r>
-                <a:rPr lang="en-US" sz="2400" b="1" dirty="0">
-                  <a:solidFill>
-                    <a:srgbClr val="000000"/>
-                  </a:solidFill>
-                  <a:latin typeface="Times New Roman" pitchFamily="18" charset="0"/>
-                  <a:cs typeface="Times New Roman" pitchFamily="18" charset="0"/>
-                </a:rPr>
-                <a:t> </a:t>
-              </a:r>
-              <a:r>
-                <a:rPr lang="en-US" sz="2400" b="1" dirty="0" err="1">
-                  <a:solidFill>
-                    <a:srgbClr val="000000"/>
-                  </a:solidFill>
-                  <a:latin typeface="Times New Roman" pitchFamily="18" charset="0"/>
-                  <a:cs typeface="Times New Roman" pitchFamily="18" charset="0"/>
-                </a:rPr>
-                <a:t>khuyến</a:t>
-              </a:r>
-              <a:r>
-                <a:rPr lang="en-US" sz="2400" b="1" dirty="0">
-                  <a:solidFill>
-                    <a:srgbClr val="000000"/>
-                  </a:solidFill>
-                  <a:latin typeface="Times New Roman" pitchFamily="18" charset="0"/>
-                  <a:cs typeface="Times New Roman" pitchFamily="18" charset="0"/>
-                </a:rPr>
-                <a:t> </a:t>
-              </a:r>
-              <a:r>
-                <a:rPr lang="en-US" sz="2400" b="1" dirty="0" err="1">
-                  <a:solidFill>
-                    <a:srgbClr val="000000"/>
-                  </a:solidFill>
-                  <a:latin typeface="Times New Roman" pitchFamily="18" charset="0"/>
-                  <a:cs typeface="Times New Roman" pitchFamily="18" charset="0"/>
-                </a:rPr>
-                <a:t>nghị</a:t>
-              </a:r>
-              <a:r>
-                <a:rPr lang="en-US" sz="2400" b="1" dirty="0">
-                  <a:solidFill>
-                    <a:srgbClr val="000000"/>
-                  </a:solidFill>
-                  <a:latin typeface="Times New Roman" pitchFamily="18" charset="0"/>
-                  <a:cs typeface="Times New Roman" pitchFamily="18" charset="0"/>
-                </a:rPr>
-                <a:t> </a:t>
-              </a:r>
-              <a:r>
-                <a:rPr lang="en-US" sz="2400" b="1" dirty="0" err="1">
-                  <a:solidFill>
-                    <a:srgbClr val="000000"/>
-                  </a:solidFill>
-                  <a:latin typeface="Times New Roman" pitchFamily="18" charset="0"/>
-                  <a:cs typeface="Times New Roman" pitchFamily="18" charset="0"/>
-                </a:rPr>
-                <a:t>việc</a:t>
-              </a:r>
-              <a:r>
-                <a:rPr lang="en-US" sz="2400" b="1" dirty="0">
-                  <a:solidFill>
-                    <a:srgbClr val="000000"/>
-                  </a:solidFill>
-                  <a:latin typeface="Times New Roman" pitchFamily="18" charset="0"/>
-                  <a:cs typeface="Times New Roman" pitchFamily="18" charset="0"/>
-                </a:rPr>
-                <a:t> </a:t>
-              </a:r>
-              <a:r>
-                <a:rPr lang="en-US" sz="2400" b="1" dirty="0" err="1">
-                  <a:solidFill>
-                    <a:srgbClr val="000000"/>
-                  </a:solidFill>
-                  <a:latin typeface="Times New Roman" pitchFamily="18" charset="0"/>
-                  <a:cs typeface="Times New Roman" pitchFamily="18" charset="0"/>
-                </a:rPr>
-                <a:t>làm</a:t>
-              </a:r>
-              <a:r>
-                <a:rPr lang="en-US" sz="2400" b="1" dirty="0">
-                  <a:solidFill>
-                    <a:srgbClr val="000000"/>
-                  </a:solidFill>
-                  <a:latin typeface="Times New Roman" pitchFamily="18" charset="0"/>
-                  <a:cs typeface="Times New Roman" pitchFamily="18" charset="0"/>
-                </a:rPr>
-                <a:t>.</a:t>
-              </a:r>
-            </a:p>
-            <a:p>
-              <a:pPr marL="342900" indent="-342900" eaLnBrk="0" hangingPunct="0">
-                <a:buFontTx/>
-                <a:buChar char="-"/>
-              </a:pPr>
-              <a:r>
-                <a:rPr lang="en-US" sz="2400" b="1" dirty="0" err="1">
-                  <a:solidFill>
-                    <a:srgbClr val="000000"/>
-                  </a:solidFill>
-                  <a:latin typeface="Times New Roman" pitchFamily="18" charset="0"/>
-                  <a:cs typeface="Times New Roman" pitchFamily="18" charset="0"/>
-                </a:rPr>
-                <a:t>Kỹ</a:t>
-              </a:r>
-              <a:r>
-                <a:rPr lang="en-US" sz="2400" b="1" dirty="0">
-                  <a:solidFill>
-                    <a:srgbClr val="000000"/>
-                  </a:solidFill>
-                  <a:latin typeface="Times New Roman" pitchFamily="18" charset="0"/>
-                  <a:cs typeface="Times New Roman" pitchFamily="18" charset="0"/>
-                </a:rPr>
-                <a:t> </a:t>
-              </a:r>
-              <a:r>
-                <a:rPr lang="en-US" sz="2400" b="1" dirty="0" err="1">
-                  <a:solidFill>
-                    <a:srgbClr val="000000"/>
-                  </a:solidFill>
-                  <a:latin typeface="Times New Roman" pitchFamily="18" charset="0"/>
-                  <a:cs typeface="Times New Roman" pitchFamily="18" charset="0"/>
-                </a:rPr>
-                <a:t>năng</a:t>
-              </a:r>
-              <a:r>
-                <a:rPr lang="en-US" sz="2400" b="1" dirty="0">
-                  <a:solidFill>
-                    <a:srgbClr val="000000"/>
-                  </a:solidFill>
-                  <a:latin typeface="Times New Roman" pitchFamily="18" charset="0"/>
-                  <a:cs typeface="Times New Roman" pitchFamily="18" charset="0"/>
-                </a:rPr>
-                <a:t> </a:t>
-              </a:r>
-              <a:r>
-                <a:rPr lang="en-US" sz="2400" b="1" dirty="0" err="1">
-                  <a:solidFill>
-                    <a:srgbClr val="000000"/>
-                  </a:solidFill>
-                  <a:latin typeface="Times New Roman" pitchFamily="18" charset="0"/>
-                  <a:cs typeface="Times New Roman" pitchFamily="18" charset="0"/>
-                </a:rPr>
-                <a:t>làm</a:t>
-              </a:r>
-              <a:r>
-                <a:rPr lang="en-US" sz="2400" b="1" dirty="0">
-                  <a:solidFill>
-                    <a:srgbClr val="000000"/>
-                  </a:solidFill>
-                  <a:latin typeface="Times New Roman" pitchFamily="18" charset="0"/>
-                  <a:cs typeface="Times New Roman" pitchFamily="18" charset="0"/>
-                </a:rPr>
-                <a:t> </a:t>
-              </a:r>
-              <a:r>
-                <a:rPr lang="en-US" sz="2400" b="1" dirty="0" err="1">
-                  <a:solidFill>
-                    <a:srgbClr val="000000"/>
-                  </a:solidFill>
-                  <a:latin typeface="Times New Roman" pitchFamily="18" charset="0"/>
-                  <a:cs typeface="Times New Roman" pitchFamily="18" charset="0"/>
-                </a:rPr>
-                <a:t>việc</a:t>
-              </a:r>
-              <a:r>
-                <a:rPr lang="en-US" sz="2400" b="1" dirty="0">
-                  <a:solidFill>
-                    <a:srgbClr val="000000"/>
-                  </a:solidFill>
-                  <a:latin typeface="Times New Roman" pitchFamily="18" charset="0"/>
-                  <a:cs typeface="Times New Roman" pitchFamily="18" charset="0"/>
-                </a:rPr>
-                <a:t> </a:t>
-              </a:r>
-              <a:r>
-                <a:rPr lang="en-US" sz="2400" b="1" dirty="0" err="1">
-                  <a:solidFill>
-                    <a:srgbClr val="000000"/>
-                  </a:solidFill>
-                  <a:latin typeface="Times New Roman" pitchFamily="18" charset="0"/>
-                  <a:cs typeface="Times New Roman" pitchFamily="18" charset="0"/>
-                </a:rPr>
-                <a:t>nhóm</a:t>
-              </a:r>
-              <a:endParaRPr lang="en-US" sz="2400" b="1" dirty="0">
-                <a:solidFill>
-                  <a:srgbClr val="000000"/>
-                </a:solidFill>
-                <a:latin typeface="Times New Roman" pitchFamily="18" charset="0"/>
-                <a:cs typeface="Times New Roman" pitchFamily="18" charset="0"/>
-              </a:endParaRPr>
-            </a:p>
-            <a:p>
-              <a:pPr marL="342900" indent="-342900" eaLnBrk="0" hangingPunct="0">
-                <a:buFontTx/>
-                <a:buChar char="-"/>
-              </a:pPr>
-              <a:endParaRPr lang="en-US" sz="2400" b="1" dirty="0">
-                <a:solidFill>
-                  <a:srgbClr val="000000"/>
-                </a:solidFill>
-                <a:latin typeface="Times New Roman" pitchFamily="18" charset="0"/>
-                <a:cs typeface="Times New Roman" pitchFamily="18" charset="0"/>
-              </a:endParaRPr>
-            </a:p>
-            <a:p>
-              <a:pPr marL="342900" indent="-342900" eaLnBrk="0" hangingPunct="0">
-                <a:buFontTx/>
-                <a:buChar char="-"/>
-              </a:pPr>
-              <a:endParaRPr lang="en-US" sz="2400" b="1" dirty="0">
-                <a:solidFill>
-                  <a:srgbClr val="000000"/>
-                </a:solidFill>
-                <a:latin typeface="Times New Roman" pitchFamily="18" charset="0"/>
-                <a:cs typeface="Times New Roman" pitchFamily="18" charset="0"/>
-              </a:endParaRPr>
-            </a:p>
-          </p:txBody>
-        </p:sp>
-      </p:grpSp>
+              <a:latin typeface="Times New Roman" panose="02020603050405020304" pitchFamily="18" charset="0"/>
+              <a:cs typeface="Times New Roman" panose="02020603050405020304" pitchFamily="18" charset="0"/>
+            </a:endParaRPr>
+          </a:p>
+        </p:txBody>
+      </p:sp>
     </p:spTree>
     <p:extLst>
       <p:ext uri="{BB962C8B-B14F-4D97-AF65-F5344CB8AC3E}">
@@ -14872,7 +15133,7 @@
                             </p:stCondLst>
                             <p:childTnLst>
                               <p:par>
-                                <p:cTn id="5" presetID="22" presetClass="entr" presetSubtype="4" fill="hold" nodeType="clickEffect">
+                                <p:cTn id="5" presetID="10" presetClass="entr" presetSubtype="0" fill="hold" grpId="0" nodeType="clickEffect">
                                   <p:stCondLst>
                                     <p:cond delay="0"/>
                                   </p:stCondLst>
@@ -14885,7 +15146,7 @@
                                           </p:stCondLst>
                                         </p:cTn>
                                         <p:tgtEl>
-                                          <p:spTgt spid="6"/>
+                                          <p:spTgt spid="11"/>
                                         </p:tgtEl>
                                         <p:attrNameLst>
                                           <p:attrName>style.visibility</p:attrName>
@@ -14895,11 +15156,64 @@
                                         <p:strVal val="visible"/>
                                       </p:to>
                                     </p:set>
-                                    <p:animEffect transition="in" filter="wipe(down)">
+                                    <p:animEffect transition="in" filter="fade">
                                       <p:cBhvr>
                                         <p:cTn id="7" dur="500"/>
                                         <p:tgtEl>
-                                          <p:spTgt spid="6"/>
+                                          <p:spTgt spid="11"/>
+                                        </p:tgtEl>
+                                      </p:cBhvr>
+                                    </p:animEffect>
+                                  </p:childTnLst>
+                                </p:cTn>
+                              </p:par>
+                            </p:childTnLst>
+                          </p:cTn>
+                        </p:par>
+                      </p:childTnLst>
+                    </p:cTn>
+                  </p:par>
+                  <p:par>
+                    <p:cTn id="8" fill="hold">
+                      <p:stCondLst>
+                        <p:cond delay="indefinite"/>
+                      </p:stCondLst>
+                      <p:childTnLst>
+                        <p:par>
+                          <p:cTn id="9" fill="hold">
+                            <p:stCondLst>
+                              <p:cond delay="0"/>
+                            </p:stCondLst>
+                            <p:childTnLst>
+                              <p:par>
+                                <p:cTn id="10" presetID="10" presetClass="entr" presetSubtype="0" fill="hold" grpId="0" nodeType="clickEffect">
+                                  <p:stCondLst>
+                                    <p:cond delay="0"/>
+                                  </p:stCondLst>
+                                  <p:childTnLst>
+                                    <p:set>
+                                      <p:cBhvr>
+                                        <p:cTn id="11" dur="1" fill="hold">
+                                          <p:stCondLst>
+                                            <p:cond delay="0"/>
+                                          </p:stCondLst>
+                                        </p:cTn>
+                                        <p:tgtEl>
+                                          <p:spTgt spid="12"/>
+                                        </p:tgtEl>
+                                        <p:attrNameLst>
+                                          <p:attrName>style.visibility</p:attrName>
+                                        </p:attrNameLst>
+                                      </p:cBhvr>
+                                      <p:to>
+                                        <p:strVal val="visible"/>
+                                      </p:to>
+                                    </p:set>
+                                    <p:animEffect transition="in" filter="fade">
+                                      <p:cBhvr>
+                                        <p:cTn id="12" dur="500"/>
+                                        <p:tgtEl>
+                                          <p:spTgt spid="12"/>
                                         </p:tgtEl>
                                       </p:cBhvr>
                                     </p:animEffect>
@@ -14933,6 +15247,10 @@
         </p:cTn>
       </p:par>
     </p:tnLst>
+    <p:bldLst>
+      <p:bldP spid="11" grpId="0"/>
+      <p:bldP spid="12" grpId="0"/>
+    </p:bldLst>
   </p:timing>
 </p:sld>
 </file>
@@ -16008,6 +16326,514 @@
           </a:p>
         </p:txBody>
       </p:sp>
+      <p:sp>
+        <p:nvSpPr>
+          <p:cNvPr id="2" name="TextBox 1"/>
+          <p:cNvSpPr txBox="1"/>
+          <p:nvPr/>
+        </p:nvSpPr>
+        <p:spPr>
+          <a:xfrm>
+            <a:off x="533400" y="1581150"/>
+            <a:ext cx="9867900" cy="1015663"/>
+          </a:xfrm>
+          <a:prstGeom prst="rect">
+            <a:avLst/>
+          </a:prstGeom>
+          <a:noFill/>
+        </p:spPr>
+        <p:txBody>
+          <a:bodyPr wrap="square" rtlCol="0">
+            <a:spAutoFit/>
+          </a:bodyPr>
+          <a:lstStyle/>
+          <a:p>
+            <a:r>
+              <a:rPr lang="en-US" sz="3000" dirty="0">
+                <a:latin typeface="Times New Roman" panose="02020603050405020304" pitchFamily="18" charset="0"/>
+                <a:cs typeface="Times New Roman" panose="02020603050405020304" pitchFamily="18" charset="0"/>
+              </a:rPr>
+              <a:t>Recommender Systems – An Introduction </a:t>
+            </a:r>
+          </a:p>
+          <a:p>
+            <a:r>
+              <a:rPr lang="de-DE" sz="3000" dirty="0">
+                <a:latin typeface="Times New Roman" panose="02020603050405020304" pitchFamily="18" charset="0"/>
+                <a:cs typeface="Times New Roman" panose="02020603050405020304" pitchFamily="18" charset="0"/>
+              </a:rPr>
+              <a:t>Dietmar Jannach,</a:t>
+            </a:r>
+            <a:r>
+              <a:rPr lang="de-DE" sz="3000" dirty="0">
+                <a:latin typeface="Times New Roman" panose="02020603050405020304" pitchFamily="18" charset="0"/>
+                <a:cs typeface="Times New Roman" panose="02020603050405020304" pitchFamily="18" charset="0"/>
+              </a:rPr>
+              <a:t> Markus Zanke</a:t>
+            </a:r>
+            <a:endParaRPr lang="en-US" sz="3000" dirty="0">
+              <a:latin typeface="Times New Roman" panose="02020603050405020304" pitchFamily="18" charset="0"/>
+              <a:cs typeface="Times New Roman" panose="02020603050405020304" pitchFamily="18" charset="0"/>
+            </a:endParaRPr>
+          </a:p>
+        </p:txBody>
+      </p:sp>
+      <p:sp>
+        <p:nvSpPr>
+          <p:cNvPr id="4" name="TextBox 3"/>
+          <p:cNvSpPr txBox="1"/>
+          <p:nvPr/>
+        </p:nvSpPr>
+        <p:spPr>
+          <a:xfrm>
+            <a:off x="533400" y="2781300"/>
+            <a:ext cx="9867900" cy="1461939"/>
+          </a:xfrm>
+          <a:prstGeom prst="rect">
+            <a:avLst/>
+          </a:prstGeom>
+          <a:noFill/>
+        </p:spPr>
+        <p:txBody>
+          <a:bodyPr wrap="square" rtlCol="0">
+            <a:spAutoFit/>
+          </a:bodyPr>
+          <a:lstStyle/>
+          <a:p>
+            <a:pPr>
+              <a:spcAft>
+                <a:spcPts val="600"/>
+              </a:spcAft>
+            </a:pPr>
+            <a:r>
+              <a:rPr lang="en-US" sz="2800" dirty="0" err="1">
+                <a:latin typeface="Times New Roman" panose="02020603050405020304" pitchFamily="18" charset="0"/>
+                <a:cs typeface="Times New Roman" panose="02020603050405020304" pitchFamily="18" charset="0"/>
+              </a:rPr>
+              <a:t>Phát</a:t>
+            </a:r>
+            <a:r>
+              <a:rPr lang="en-US" sz="2800" dirty="0">
+                <a:latin typeface="Times New Roman" panose="02020603050405020304" pitchFamily="18" charset="0"/>
+                <a:cs typeface="Times New Roman" panose="02020603050405020304" pitchFamily="18" charset="0"/>
+              </a:rPr>
+              <a:t> </a:t>
+            </a:r>
+            <a:r>
+              <a:rPr lang="en-US" sz="2800" dirty="0" err="1">
+                <a:latin typeface="Times New Roman" panose="02020603050405020304" pitchFamily="18" charset="0"/>
+                <a:cs typeface="Times New Roman" panose="02020603050405020304" pitchFamily="18" charset="0"/>
+              </a:rPr>
+              <a:t>triển</a:t>
+            </a:r>
+            <a:r>
+              <a:rPr lang="en-US" sz="2800" dirty="0">
+                <a:latin typeface="Times New Roman" panose="02020603050405020304" pitchFamily="18" charset="0"/>
+                <a:cs typeface="Times New Roman" panose="02020603050405020304" pitchFamily="18" charset="0"/>
+              </a:rPr>
+              <a:t> </a:t>
+            </a:r>
+            <a:r>
+              <a:rPr lang="en-US" sz="2800" dirty="0" err="1">
+                <a:latin typeface="Times New Roman" panose="02020603050405020304" pitchFamily="18" charset="0"/>
+                <a:cs typeface="Times New Roman" panose="02020603050405020304" pitchFamily="18" charset="0"/>
+              </a:rPr>
+              <a:t>một</a:t>
+            </a:r>
+            <a:r>
+              <a:rPr lang="en-US" sz="2800" dirty="0">
+                <a:latin typeface="Times New Roman" panose="02020603050405020304" pitchFamily="18" charset="0"/>
+                <a:cs typeface="Times New Roman" panose="02020603050405020304" pitchFamily="18" charset="0"/>
+              </a:rPr>
+              <a:t> </a:t>
+            </a:r>
+            <a:r>
+              <a:rPr lang="en-US" sz="2800" dirty="0" err="1">
+                <a:latin typeface="Times New Roman" panose="02020603050405020304" pitchFamily="18" charset="0"/>
+                <a:cs typeface="Times New Roman" panose="02020603050405020304" pitchFamily="18" charset="0"/>
+              </a:rPr>
+              <a:t>số</a:t>
+            </a:r>
+            <a:r>
+              <a:rPr lang="en-US" sz="2800" dirty="0">
+                <a:latin typeface="Times New Roman" panose="02020603050405020304" pitchFamily="18" charset="0"/>
+                <a:cs typeface="Times New Roman" panose="02020603050405020304" pitchFamily="18" charset="0"/>
+              </a:rPr>
+              <a:t> </a:t>
+            </a:r>
+            <a:r>
+              <a:rPr lang="en-US" sz="2800" dirty="0" err="1">
+                <a:latin typeface="Times New Roman" panose="02020603050405020304" pitchFamily="18" charset="0"/>
+                <a:cs typeface="Times New Roman" panose="02020603050405020304" pitchFamily="18" charset="0"/>
+              </a:rPr>
+              <a:t>phương</a:t>
+            </a:r>
+            <a:r>
+              <a:rPr lang="en-US" sz="2800" dirty="0">
+                <a:latin typeface="Times New Roman" panose="02020603050405020304" pitchFamily="18" charset="0"/>
+                <a:cs typeface="Times New Roman" panose="02020603050405020304" pitchFamily="18" charset="0"/>
+              </a:rPr>
+              <a:t> </a:t>
+            </a:r>
+            <a:r>
+              <a:rPr lang="en-US" sz="2800" dirty="0" err="1">
+                <a:latin typeface="Times New Roman" panose="02020603050405020304" pitchFamily="18" charset="0"/>
+                <a:cs typeface="Times New Roman" panose="02020603050405020304" pitchFamily="18" charset="0"/>
+              </a:rPr>
+              <a:t>pháp</a:t>
+            </a:r>
+            <a:r>
+              <a:rPr lang="en-US" sz="2800" dirty="0">
+                <a:latin typeface="Times New Roman" panose="02020603050405020304" pitchFamily="18" charset="0"/>
+                <a:cs typeface="Times New Roman" panose="02020603050405020304" pitchFamily="18" charset="0"/>
+              </a:rPr>
+              <a:t> </a:t>
+            </a:r>
+            <a:r>
+              <a:rPr lang="en-US" sz="2800" dirty="0" err="1">
+                <a:latin typeface="Times New Roman" panose="02020603050405020304" pitchFamily="18" charset="0"/>
+                <a:cs typeface="Times New Roman" panose="02020603050405020304" pitchFamily="18" charset="0"/>
+              </a:rPr>
+              <a:t>khuyến</a:t>
+            </a:r>
+            <a:r>
+              <a:rPr lang="en-US" sz="2800" dirty="0">
+                <a:latin typeface="Times New Roman" panose="02020603050405020304" pitchFamily="18" charset="0"/>
+                <a:cs typeface="Times New Roman" panose="02020603050405020304" pitchFamily="18" charset="0"/>
+              </a:rPr>
+              <a:t> </a:t>
+            </a:r>
+            <a:r>
+              <a:rPr lang="en-US" sz="2800" dirty="0" err="1">
+                <a:latin typeface="Times New Roman" panose="02020603050405020304" pitchFamily="18" charset="0"/>
+                <a:cs typeface="Times New Roman" panose="02020603050405020304" pitchFamily="18" charset="0"/>
+              </a:rPr>
+              <a:t>nghị</a:t>
+            </a:r>
+            <a:r>
+              <a:rPr lang="en-US" sz="2800" dirty="0">
+                <a:latin typeface="Times New Roman" panose="02020603050405020304" pitchFamily="18" charset="0"/>
+                <a:cs typeface="Times New Roman" panose="02020603050405020304" pitchFamily="18" charset="0"/>
+              </a:rPr>
+              <a:t> </a:t>
+            </a:r>
+            <a:r>
+              <a:rPr lang="en-US" sz="2800" dirty="0" err="1">
+                <a:latin typeface="Times New Roman" panose="02020603050405020304" pitchFamily="18" charset="0"/>
+                <a:cs typeface="Times New Roman" panose="02020603050405020304" pitchFamily="18" charset="0"/>
+              </a:rPr>
+              <a:t>hỗ</a:t>
+            </a:r>
+            <a:r>
+              <a:rPr lang="en-US" sz="2800" dirty="0">
+                <a:latin typeface="Times New Roman" panose="02020603050405020304" pitchFamily="18" charset="0"/>
+                <a:cs typeface="Times New Roman" panose="02020603050405020304" pitchFamily="18" charset="0"/>
+              </a:rPr>
+              <a:t> </a:t>
+            </a:r>
+            <a:r>
+              <a:rPr lang="en-US" sz="2800" dirty="0" err="1">
+                <a:latin typeface="Times New Roman" panose="02020603050405020304" pitchFamily="18" charset="0"/>
+                <a:cs typeface="Times New Roman" panose="02020603050405020304" pitchFamily="18" charset="0"/>
+              </a:rPr>
+              <a:t>trợ</a:t>
+            </a:r>
+            <a:r>
+              <a:rPr lang="en-US" sz="2800" dirty="0">
+                <a:latin typeface="Times New Roman" panose="02020603050405020304" pitchFamily="18" charset="0"/>
+                <a:cs typeface="Times New Roman" panose="02020603050405020304" pitchFamily="18" charset="0"/>
+              </a:rPr>
+              <a:t> </a:t>
+            </a:r>
+            <a:r>
+              <a:rPr lang="en-US" sz="2800" dirty="0" err="1">
+                <a:latin typeface="Times New Roman" panose="02020603050405020304" pitchFamily="18" charset="0"/>
+                <a:cs typeface="Times New Roman" panose="02020603050405020304" pitchFamily="18" charset="0"/>
+              </a:rPr>
+              <a:t>tìm</a:t>
+            </a:r>
+            <a:r>
+              <a:rPr lang="en-US" sz="2800" dirty="0">
+                <a:latin typeface="Times New Roman" panose="02020603050405020304" pitchFamily="18" charset="0"/>
+                <a:cs typeface="Times New Roman" panose="02020603050405020304" pitchFamily="18" charset="0"/>
+              </a:rPr>
+              <a:t> </a:t>
+            </a:r>
+            <a:r>
+              <a:rPr lang="en-US" sz="2800" dirty="0" err="1">
+                <a:latin typeface="Times New Roman" panose="02020603050405020304" pitchFamily="18" charset="0"/>
+                <a:cs typeface="Times New Roman" panose="02020603050405020304" pitchFamily="18" charset="0"/>
+              </a:rPr>
+              <a:t>kiếm</a:t>
+            </a:r>
+            <a:r>
+              <a:rPr lang="en-US" sz="2800" dirty="0">
+                <a:latin typeface="Times New Roman" panose="02020603050405020304" pitchFamily="18" charset="0"/>
+                <a:cs typeface="Times New Roman" panose="02020603050405020304" pitchFamily="18" charset="0"/>
+              </a:rPr>
+              <a:t> </a:t>
+            </a:r>
+            <a:r>
+              <a:rPr lang="en-US" sz="2800" dirty="0" err="1">
+                <a:latin typeface="Times New Roman" panose="02020603050405020304" pitchFamily="18" charset="0"/>
+                <a:cs typeface="Times New Roman" panose="02020603050405020304" pitchFamily="18" charset="0"/>
+              </a:rPr>
+              <a:t>thông</a:t>
+            </a:r>
+            <a:r>
+              <a:rPr lang="en-US" sz="2800" dirty="0">
+                <a:latin typeface="Times New Roman" panose="02020603050405020304" pitchFamily="18" charset="0"/>
+                <a:cs typeface="Times New Roman" panose="02020603050405020304" pitchFamily="18" charset="0"/>
+              </a:rPr>
+              <a:t> tin </a:t>
+            </a:r>
+            <a:r>
+              <a:rPr lang="en-US" sz="2800" dirty="0" err="1">
+                <a:latin typeface="Times New Roman" panose="02020603050405020304" pitchFamily="18" charset="0"/>
+                <a:cs typeface="Times New Roman" panose="02020603050405020304" pitchFamily="18" charset="0"/>
+              </a:rPr>
+              <a:t>học</a:t>
+            </a:r>
+            <a:r>
+              <a:rPr lang="en-US" sz="2800" dirty="0">
+                <a:latin typeface="Times New Roman" panose="02020603050405020304" pitchFamily="18" charset="0"/>
+                <a:cs typeface="Times New Roman" panose="02020603050405020304" pitchFamily="18" charset="0"/>
+              </a:rPr>
+              <a:t> </a:t>
+            </a:r>
+            <a:r>
+              <a:rPr lang="en-US" sz="2800" dirty="0" err="1">
+                <a:latin typeface="Times New Roman" panose="02020603050405020304" pitchFamily="18" charset="0"/>
+                <a:cs typeface="Times New Roman" panose="02020603050405020304" pitchFamily="18" charset="0"/>
+              </a:rPr>
+              <a:t>thuật</a:t>
+            </a:r>
+            <a:r>
+              <a:rPr lang="en-US" sz="2800" dirty="0">
+                <a:latin typeface="Times New Roman" panose="02020603050405020304" pitchFamily="18" charset="0"/>
+                <a:cs typeface="Times New Roman" panose="02020603050405020304" pitchFamily="18" charset="0"/>
+              </a:rPr>
+              <a:t> </a:t>
+            </a:r>
+            <a:r>
+              <a:rPr lang="en-US" sz="2800" dirty="0" err="1">
+                <a:latin typeface="Times New Roman" panose="02020603050405020304" pitchFamily="18" charset="0"/>
+                <a:cs typeface="Times New Roman" panose="02020603050405020304" pitchFamily="18" charset="0"/>
+              </a:rPr>
+              <a:t>dựa</a:t>
+            </a:r>
+            <a:r>
+              <a:rPr lang="en-US" sz="2800" dirty="0">
+                <a:latin typeface="Times New Roman" panose="02020603050405020304" pitchFamily="18" charset="0"/>
+                <a:cs typeface="Times New Roman" panose="02020603050405020304" pitchFamily="18" charset="0"/>
+              </a:rPr>
+              <a:t> </a:t>
+            </a:r>
+            <a:r>
+              <a:rPr lang="en-US" sz="2800" dirty="0" err="1">
+                <a:latin typeface="Times New Roman" panose="02020603050405020304" pitchFamily="18" charset="0"/>
+                <a:cs typeface="Times New Roman" panose="02020603050405020304" pitchFamily="18" charset="0"/>
+              </a:rPr>
+              <a:t>trên</a:t>
+            </a:r>
+            <a:r>
+              <a:rPr lang="en-US" sz="2800" dirty="0">
+                <a:latin typeface="Times New Roman" panose="02020603050405020304" pitchFamily="18" charset="0"/>
+                <a:cs typeface="Times New Roman" panose="02020603050405020304" pitchFamily="18" charset="0"/>
+              </a:rPr>
+              <a:t> </a:t>
+            </a:r>
+            <a:r>
+              <a:rPr lang="en-US" sz="2800" dirty="0" err="1">
+                <a:latin typeface="Times New Roman" panose="02020603050405020304" pitchFamily="18" charset="0"/>
+                <a:cs typeface="Times New Roman" panose="02020603050405020304" pitchFamily="18" charset="0"/>
+              </a:rPr>
+              <a:t>tiếp</a:t>
+            </a:r>
+            <a:r>
+              <a:rPr lang="en-US" sz="2800" dirty="0">
+                <a:latin typeface="Times New Roman" panose="02020603050405020304" pitchFamily="18" charset="0"/>
+                <a:cs typeface="Times New Roman" panose="02020603050405020304" pitchFamily="18" charset="0"/>
+              </a:rPr>
+              <a:t> </a:t>
+            </a:r>
+            <a:r>
+              <a:rPr lang="en-US" sz="2800" dirty="0" err="1">
+                <a:latin typeface="Times New Roman" panose="02020603050405020304" pitchFamily="18" charset="0"/>
+                <a:cs typeface="Times New Roman" panose="02020603050405020304" pitchFamily="18" charset="0"/>
+              </a:rPr>
+              <a:t>cận</a:t>
+            </a:r>
+            <a:r>
+              <a:rPr lang="en-US" sz="2800" dirty="0">
+                <a:latin typeface="Times New Roman" panose="02020603050405020304" pitchFamily="18" charset="0"/>
+                <a:cs typeface="Times New Roman" panose="02020603050405020304" pitchFamily="18" charset="0"/>
+              </a:rPr>
+              <a:t> </a:t>
+            </a:r>
+            <a:r>
+              <a:rPr lang="en-US" sz="2800" dirty="0" err="1">
+                <a:latin typeface="Times New Roman" panose="02020603050405020304" pitchFamily="18" charset="0"/>
+                <a:cs typeface="Times New Roman" panose="02020603050405020304" pitchFamily="18" charset="0"/>
+              </a:rPr>
+              <a:t>phân</a:t>
+            </a:r>
+            <a:r>
+              <a:rPr lang="en-US" sz="2800" dirty="0">
+                <a:latin typeface="Times New Roman" panose="02020603050405020304" pitchFamily="18" charset="0"/>
+                <a:cs typeface="Times New Roman" panose="02020603050405020304" pitchFamily="18" charset="0"/>
+              </a:rPr>
+              <a:t> </a:t>
+            </a:r>
+            <a:r>
+              <a:rPr lang="en-US" sz="2800" dirty="0" err="1">
+                <a:latin typeface="Times New Roman" panose="02020603050405020304" pitchFamily="18" charset="0"/>
+                <a:cs typeface="Times New Roman" panose="02020603050405020304" pitchFamily="18" charset="0"/>
+              </a:rPr>
+              <a:t>tích</a:t>
+            </a:r>
+            <a:r>
+              <a:rPr lang="en-US" sz="2800" dirty="0">
+                <a:latin typeface="Times New Roman" panose="02020603050405020304" pitchFamily="18" charset="0"/>
+                <a:cs typeface="Times New Roman" panose="02020603050405020304" pitchFamily="18" charset="0"/>
+              </a:rPr>
+              <a:t> </a:t>
+            </a:r>
+            <a:r>
+              <a:rPr lang="en-US" sz="2800" dirty="0" err="1">
+                <a:latin typeface="Times New Roman" panose="02020603050405020304" pitchFamily="18" charset="0"/>
+                <a:cs typeface="Times New Roman" panose="02020603050405020304" pitchFamily="18" charset="0"/>
+              </a:rPr>
+              <a:t>mạng</a:t>
+            </a:r>
+            <a:r>
+              <a:rPr lang="en-US" sz="2800" dirty="0">
+                <a:latin typeface="Times New Roman" panose="02020603050405020304" pitchFamily="18" charset="0"/>
+                <a:cs typeface="Times New Roman" panose="02020603050405020304" pitchFamily="18" charset="0"/>
+              </a:rPr>
+              <a:t> </a:t>
+            </a:r>
+            <a:r>
+              <a:rPr lang="en-US" sz="2800" dirty="0" err="1">
+                <a:latin typeface="Times New Roman" panose="02020603050405020304" pitchFamily="18" charset="0"/>
+                <a:cs typeface="Times New Roman" panose="02020603050405020304" pitchFamily="18" charset="0"/>
+              </a:rPr>
+              <a:t>xã</a:t>
+            </a:r>
+            <a:r>
+              <a:rPr lang="en-US" sz="2800" dirty="0">
+                <a:latin typeface="Times New Roman" panose="02020603050405020304" pitchFamily="18" charset="0"/>
+                <a:cs typeface="Times New Roman" panose="02020603050405020304" pitchFamily="18" charset="0"/>
+              </a:rPr>
+              <a:t> </a:t>
+            </a:r>
+            <a:r>
+              <a:rPr lang="en-US" sz="2800" dirty="0" err="1">
+                <a:latin typeface="Times New Roman" panose="02020603050405020304" pitchFamily="18" charset="0"/>
+                <a:cs typeface="Times New Roman" panose="02020603050405020304" pitchFamily="18" charset="0"/>
+              </a:rPr>
+              <a:t>hội</a:t>
+            </a:r>
+            <a:r>
+              <a:rPr lang="en-US" sz="2800" dirty="0">
+                <a:latin typeface="Times New Roman" panose="02020603050405020304" pitchFamily="18" charset="0"/>
+                <a:cs typeface="Times New Roman" panose="02020603050405020304" pitchFamily="18" charset="0"/>
+              </a:rPr>
+              <a:t>. </a:t>
+            </a:r>
+          </a:p>
+          <a:p>
+            <a:pPr>
+              <a:spcAft>
+                <a:spcPts val="600"/>
+              </a:spcAft>
+            </a:pPr>
+            <a:r>
+              <a:rPr lang="en-US" sz="2800" dirty="0">
+                <a:latin typeface="Times New Roman" panose="02020603050405020304" pitchFamily="18" charset="0"/>
+                <a:cs typeface="Times New Roman" panose="02020603050405020304" pitchFamily="18" charset="0"/>
+              </a:rPr>
+              <a:t>TS. </a:t>
+            </a:r>
+            <a:r>
+              <a:rPr lang="en-US" sz="2800" dirty="0" err="1">
+                <a:latin typeface="Times New Roman" panose="02020603050405020304" pitchFamily="18" charset="0"/>
+                <a:cs typeface="Times New Roman" panose="02020603050405020304" pitchFamily="18" charset="0"/>
+              </a:rPr>
+              <a:t>Huỳnh</a:t>
+            </a:r>
+            <a:r>
+              <a:rPr lang="en-US" sz="2800" dirty="0">
+                <a:latin typeface="Times New Roman" panose="02020603050405020304" pitchFamily="18" charset="0"/>
+                <a:cs typeface="Times New Roman" panose="02020603050405020304" pitchFamily="18" charset="0"/>
+              </a:rPr>
+              <a:t> </a:t>
+            </a:r>
+            <a:r>
+              <a:rPr lang="en-US" sz="2800" dirty="0" err="1">
+                <a:latin typeface="Times New Roman" panose="02020603050405020304" pitchFamily="18" charset="0"/>
+                <a:cs typeface="Times New Roman" panose="02020603050405020304" pitchFamily="18" charset="0"/>
+              </a:rPr>
+              <a:t>Ngọc</a:t>
+            </a:r>
+            <a:r>
+              <a:rPr lang="en-US" sz="2800" dirty="0">
+                <a:latin typeface="Times New Roman" panose="02020603050405020304" pitchFamily="18" charset="0"/>
+                <a:cs typeface="Times New Roman" panose="02020603050405020304" pitchFamily="18" charset="0"/>
+              </a:rPr>
+              <a:t> </a:t>
+            </a:r>
+            <a:r>
+              <a:rPr lang="en-US" sz="2800" dirty="0" err="1">
+                <a:latin typeface="Times New Roman" panose="02020603050405020304" pitchFamily="18" charset="0"/>
+                <a:cs typeface="Times New Roman" panose="02020603050405020304" pitchFamily="18" charset="0"/>
+              </a:rPr>
+              <a:t>Tín</a:t>
+            </a:r>
+            <a:endParaRPr lang="en-US" sz="2800" dirty="0">
+              <a:latin typeface="Times New Roman" panose="02020603050405020304" pitchFamily="18" charset="0"/>
+              <a:cs typeface="Times New Roman" panose="02020603050405020304" pitchFamily="18" charset="0"/>
+            </a:endParaRPr>
+          </a:p>
+        </p:txBody>
+      </p:sp>
+      <p:sp>
+        <p:nvSpPr>
+          <p:cNvPr id="6" name="TextBox 5"/>
+          <p:cNvSpPr txBox="1"/>
+          <p:nvPr/>
+        </p:nvSpPr>
+        <p:spPr>
+          <a:xfrm>
+            <a:off x="533399" y="4427726"/>
+            <a:ext cx="9867900" cy="1477328"/>
+          </a:xfrm>
+          <a:prstGeom prst="rect">
+            <a:avLst/>
+          </a:prstGeom>
+          <a:noFill/>
+        </p:spPr>
+        <p:txBody>
+          <a:bodyPr wrap="square" rtlCol="0">
+            <a:spAutoFit/>
+          </a:bodyPr>
+          <a:lstStyle/>
+          <a:p>
+            <a:pPr>
+              <a:spcAft>
+                <a:spcPts val="600"/>
+              </a:spcAft>
+            </a:pPr>
+            <a:r>
+              <a:rPr lang="en-US" sz="3000" dirty="0">
+                <a:latin typeface="Times New Roman" panose="02020603050405020304" pitchFamily="18" charset="0"/>
+                <a:cs typeface="Times New Roman" panose="02020603050405020304" pitchFamily="18" charset="0"/>
+              </a:rPr>
+              <a:t>Cross-validation (statistics) [Online]. Available: http://en.wikipedia.org/wiki/Cross-validation_(statistics). [Accessed 25 10 2016].</a:t>
+            </a:r>
+          </a:p>
+        </p:txBody>
+      </p:sp>
     </p:spTree>
     <p:extLst>
       <p:ext uri="{BB962C8B-B14F-4D97-AF65-F5344CB8AC3E}">
@@ -16153,6 +16979,30 @@
           </a:p>
         </p:txBody>
       </p:sp>
+      <p:pic>
+        <p:nvPicPr>
+          <p:cNvPr id="2" name="Picture 1" descr="video-marketing Video Marketing: How To Increase The Visibility Of ..."/>
+          <p:cNvPicPr>
+            <a:picLocks noChangeAspect="1"/>
+          </p:cNvPicPr>
+          <p:nvPr/>
+        </p:nvPicPr>
+        <p:blipFill>
+          <a:blip r:embed="rId3"/>
+          <a:stretch>
+            <a:fillRect/>
+          </a:stretch>
+        </p:blipFill>
+        <p:spPr>
+          <a:xfrm>
+            <a:off x="3612145" y="2019300"/>
+            <a:ext cx="4351782" cy="2152650"/>
+          </a:xfrm>
+          <a:prstGeom prst="rect">
+            <a:avLst/>
+          </a:prstGeom>
+        </p:spPr>
+      </p:pic>
     </p:spTree>
     <p:extLst>
       <p:ext uri="{BB962C8B-B14F-4D97-AF65-F5344CB8AC3E}">
@@ -20063,7 +20913,7 @@
         </p:nvSpPr>
         <p:spPr>
           <a:xfrm>
-            <a:off x="1035051" y="1625349"/>
+            <a:off x="1035051" y="1483525"/>
             <a:ext cx="7518098" cy="779687"/>
           </a:xfrm>
           <a:prstGeom prst="rect">
@@ -20274,7 +21124,7 @@
         </p:nvSpPr>
         <p:spPr>
           <a:xfrm>
-            <a:off x="1035051" y="2815316"/>
+            <a:off x="1035051" y="2309665"/>
             <a:ext cx="7518098" cy="779687"/>
           </a:xfrm>
           <a:prstGeom prst="rect">
@@ -20491,7 +21341,7 @@
       </p:sp>
       <p:pic>
         <p:nvPicPr>
-          <p:cNvPr id="10" name="Picture 2" descr="photo-1.jpg (1000×750)"/>
+          <p:cNvPr id="11" name="Picture 4" descr="Information-Overload.jpg (690×343)"/>
           <p:cNvPicPr>
             <a:picLocks noChangeAspect="1" noChangeArrowheads="1"/>
           </p:cNvPicPr>
@@ -20511,91 +21361,9 @@
           </a:stretch>
         </p:blipFill>
         <p:spPr bwMode="auto">
-          <a:xfrm flipH="1">
-            <a:off x="9367850" y="992196"/>
-            <a:ext cx="1915886" cy="1436915"/>
-          </a:xfrm>
-          <a:prstGeom prst="rect">
-            <a:avLst/>
-          </a:prstGeom>
-          <a:noFill/>
-          <a:extLst>
-            <a:ext uri="{909E8E84-426E-40DD-AFC4-6F175D3DCCD1}">
-              <a14:hiddenFill xmlns:a14="http://schemas.microsoft.com/office/drawing/2010/main">
-                <a:solidFill>
-                  <a:srgbClr val="FFFFFF"/>
-                </a:solidFill>
-              </a14:hiddenFill>
-            </a:ext>
-          </a:extLst>
-        </p:spPr>
-      </p:pic>
-      <p:pic>
-        <p:nvPicPr>
-          <p:cNvPr id="11" name="Picture 4" descr="Information-Overload.jpg (690×343)"/>
-          <p:cNvPicPr>
-            <a:picLocks noChangeAspect="1" noChangeArrowheads="1"/>
-          </p:cNvPicPr>
-          <p:nvPr/>
-        </p:nvPicPr>
-        <p:blipFill>
-          <a:blip r:embed="rId4">
-            <a:extLst>
-              <a:ext uri="{28A0092B-C50C-407E-A947-70E740481C1C}">
-                <a14:useLocalDpi xmlns:a14="http://schemas.microsoft.com/office/drawing/2010/main" val="0"/>
-              </a:ext>
-            </a:extLst>
-          </a:blip>
-          <a:srcRect/>
-          <a:stretch>
-            <a:fillRect/>
-          </a:stretch>
-        </p:blipFill>
-        <p:spPr bwMode="auto">
           <a:xfrm>
-            <a:off x="8851768" y="2985403"/>
-            <a:ext cx="3056191" cy="1519237"/>
-          </a:xfrm>
-          <a:prstGeom prst="rect">
-            <a:avLst/>
-          </a:prstGeom>
-          <a:noFill/>
-          <a:extLst>
-            <a:ext uri="{909E8E84-426E-40DD-AFC4-6F175D3DCCD1}">
-              <a14:hiddenFill xmlns:a14="http://schemas.microsoft.com/office/drawing/2010/main">
-                <a:solidFill>
-                  <a:srgbClr val="FFFFFF"/>
-                </a:solidFill>
-              </a14:hiddenFill>
-            </a:ext>
-          </a:extLst>
-        </p:spPr>
-      </p:pic>
-      <p:pic>
-        <p:nvPicPr>
-          <p:cNvPr id="12" name="Picture 6" descr="looking-for-job-sign.jpg (390×285)"/>
-          <p:cNvPicPr>
-            <a:picLocks noChangeAspect="1" noChangeArrowheads="1"/>
-          </p:cNvPicPr>
-          <p:nvPr/>
-        </p:nvPicPr>
-        <p:blipFill>
-          <a:blip r:embed="rId5">
-            <a:extLst>
-              <a:ext uri="{28A0092B-C50C-407E-A947-70E740481C1C}">
-                <a14:useLocalDpi xmlns:a14="http://schemas.microsoft.com/office/drawing/2010/main" val="0"/>
-              </a:ext>
-            </a:extLst>
-          </a:blip>
-          <a:srcRect/>
-          <a:stretch>
-            <a:fillRect/>
-          </a:stretch>
-        </p:blipFill>
-        <p:spPr bwMode="auto">
-          <a:xfrm>
-            <a:off x="9736927" y="4966036"/>
-            <a:ext cx="1895475" cy="1385155"/>
+            <a:off x="3447572" y="3261326"/>
+            <a:ext cx="3403076" cy="1691674"/>
           </a:xfrm>
           <a:prstGeom prst="rect">
             <a:avLst/>
@@ -20622,7 +21390,7 @@
         </p:nvSpPr>
         <p:spPr>
           <a:xfrm>
-            <a:off x="677334" y="4782273"/>
+            <a:off x="886884" y="5163273"/>
             <a:ext cx="8690516" cy="1385155"/>
           </a:xfrm>
           <a:prstGeom prst="rect">
@@ -20731,9 +21499,6 @@
           <a:p>
             <a:r>
               <a:rPr lang="en-US" sz="4000" dirty="0">
-                <a:solidFill>
-                  <a:srgbClr val="FF0000"/>
-                </a:solidFill>
                 <a:latin typeface="Times New Roman" panose="02020603050405020304" pitchFamily="18" charset="0"/>
                 <a:cs typeface="Times New Roman" panose="02020603050405020304" pitchFamily="18" charset="0"/>
                 <a:sym typeface="Wingdings" panose="05000000000000000000" pitchFamily="2" charset="2"/>
@@ -20742,9 +21507,6 @@
             </a:r>
             <a:r>
               <a:rPr lang="en-US" sz="4000" dirty="0" err="1">
-                <a:solidFill>
-                  <a:srgbClr val="FF0000"/>
-                </a:solidFill>
                 <a:latin typeface="Times New Roman" panose="02020603050405020304" pitchFamily="18" charset="0"/>
                 <a:cs typeface="Times New Roman" panose="02020603050405020304" pitchFamily="18" charset="0"/>
                 <a:sym typeface="Wingdings" panose="05000000000000000000" pitchFamily="2" charset="2"/>
@@ -20753,9 +21515,6 @@
             </a:r>
             <a:r>
               <a:rPr lang="en-US" sz="4000" dirty="0">
-                <a:solidFill>
-                  <a:srgbClr val="FF0000"/>
-                </a:solidFill>
                 <a:latin typeface="Times New Roman" panose="02020603050405020304" pitchFamily="18" charset="0"/>
                 <a:cs typeface="Times New Roman" panose="02020603050405020304" pitchFamily="18" charset="0"/>
                 <a:sym typeface="Wingdings" panose="05000000000000000000" pitchFamily="2" charset="2"/>
@@ -20764,9 +21523,6 @@
             </a:r>
             <a:r>
               <a:rPr lang="en-US" sz="4000" dirty="0" err="1">
-                <a:solidFill>
-                  <a:srgbClr val="FF0000"/>
-                </a:solidFill>
                 <a:latin typeface="Times New Roman" panose="02020603050405020304" pitchFamily="18" charset="0"/>
                 <a:cs typeface="Times New Roman" panose="02020603050405020304" pitchFamily="18" charset="0"/>
                 <a:sym typeface="Wingdings" panose="05000000000000000000" pitchFamily="2" charset="2"/>
@@ -20775,9 +21531,6 @@
             </a:r>
             <a:r>
               <a:rPr lang="en-US" sz="4000" dirty="0">
-                <a:solidFill>
-                  <a:srgbClr val="FF0000"/>
-                </a:solidFill>
                 <a:latin typeface="Times New Roman" panose="02020603050405020304" pitchFamily="18" charset="0"/>
                 <a:cs typeface="Times New Roman" panose="02020603050405020304" pitchFamily="18" charset="0"/>
                 <a:sym typeface="Wingdings" panose="05000000000000000000" pitchFamily="2" charset="2"/>
@@ -20786,9 +21539,6 @@
             </a:r>
             <a:r>
               <a:rPr lang="en-US" sz="4000" dirty="0" err="1">
-                <a:solidFill>
-                  <a:srgbClr val="FF0000"/>
-                </a:solidFill>
                 <a:latin typeface="Times New Roman" panose="02020603050405020304" pitchFamily="18" charset="0"/>
                 <a:cs typeface="Times New Roman" panose="02020603050405020304" pitchFamily="18" charset="0"/>
                 <a:sym typeface="Wingdings" panose="05000000000000000000" pitchFamily="2" charset="2"/>
@@ -20797,9 +21547,6 @@
             </a:r>
             <a:r>
               <a:rPr lang="en-US" sz="4000" dirty="0">
-                <a:solidFill>
-                  <a:srgbClr val="FF0000"/>
-                </a:solidFill>
                 <a:latin typeface="Times New Roman" panose="02020603050405020304" pitchFamily="18" charset="0"/>
                 <a:cs typeface="Times New Roman" panose="02020603050405020304" pitchFamily="18" charset="0"/>
                 <a:sym typeface="Wingdings" panose="05000000000000000000" pitchFamily="2" charset="2"/>
@@ -20808,9 +21555,6 @@
             </a:r>
             <a:r>
               <a:rPr lang="en-US" sz="4000" dirty="0" err="1">
-                <a:solidFill>
-                  <a:srgbClr val="FF0000"/>
-                </a:solidFill>
                 <a:latin typeface="Times New Roman" panose="02020603050405020304" pitchFamily="18" charset="0"/>
                 <a:cs typeface="Times New Roman" panose="02020603050405020304" pitchFamily="18" charset="0"/>
                 <a:sym typeface="Wingdings" panose="05000000000000000000" pitchFamily="2" charset="2"/>
@@ -20819,9 +21563,6 @@
             </a:r>
             <a:r>
               <a:rPr lang="en-US" sz="4000" dirty="0">
-                <a:solidFill>
-                  <a:srgbClr val="FF0000"/>
-                </a:solidFill>
                 <a:latin typeface="Times New Roman" panose="02020603050405020304" pitchFamily="18" charset="0"/>
                 <a:cs typeface="Times New Roman" panose="02020603050405020304" pitchFamily="18" charset="0"/>
                 <a:sym typeface="Wingdings" panose="05000000000000000000" pitchFamily="2" charset="2"/>
@@ -20830,9 +21571,6 @@
             </a:r>
             <a:r>
               <a:rPr lang="en-US" sz="4000" dirty="0" err="1">
-                <a:solidFill>
-                  <a:srgbClr val="FF0000"/>
-                </a:solidFill>
                 <a:latin typeface="Times New Roman" panose="02020603050405020304" pitchFamily="18" charset="0"/>
                 <a:cs typeface="Times New Roman" panose="02020603050405020304" pitchFamily="18" charset="0"/>
                 <a:sym typeface="Wingdings" panose="05000000000000000000" pitchFamily="2" charset="2"/>
@@ -20841,9 +21579,6 @@
             </a:r>
             <a:r>
               <a:rPr lang="en-US" sz="4000" dirty="0">
-                <a:solidFill>
-                  <a:srgbClr val="FF0000"/>
-                </a:solidFill>
                 <a:latin typeface="Times New Roman" panose="02020603050405020304" pitchFamily="18" charset="0"/>
                 <a:cs typeface="Times New Roman" panose="02020603050405020304" pitchFamily="18" charset="0"/>
                 <a:sym typeface="Wingdings" panose="05000000000000000000" pitchFamily="2" charset="2"/>
@@ -20852,9 +21587,6 @@
             </a:r>
             <a:r>
               <a:rPr lang="en-US" sz="4000" dirty="0" err="1">
-                <a:solidFill>
-                  <a:srgbClr val="FF0000"/>
-                </a:solidFill>
                 <a:latin typeface="Times New Roman" panose="02020603050405020304" pitchFamily="18" charset="0"/>
                 <a:cs typeface="Times New Roman" panose="02020603050405020304" pitchFamily="18" charset="0"/>
                 <a:sym typeface="Wingdings" panose="05000000000000000000" pitchFamily="2" charset="2"/>
@@ -20863,9 +21595,6 @@
             </a:r>
             <a:r>
               <a:rPr lang="en-US" sz="4000" dirty="0">
-                <a:solidFill>
-                  <a:srgbClr val="FF0000"/>
-                </a:solidFill>
                 <a:latin typeface="Times New Roman" panose="02020603050405020304" pitchFamily="18" charset="0"/>
                 <a:cs typeface="Times New Roman" panose="02020603050405020304" pitchFamily="18" charset="0"/>
                 <a:sym typeface="Wingdings" panose="05000000000000000000" pitchFamily="2" charset="2"/>
@@ -20874,9 +21603,6 @@
             </a:r>
             <a:r>
               <a:rPr lang="en-US" sz="4000" dirty="0" err="1">
-                <a:solidFill>
-                  <a:srgbClr val="FF0000"/>
-                </a:solidFill>
                 <a:latin typeface="Times New Roman" panose="02020603050405020304" pitchFamily="18" charset="0"/>
                 <a:cs typeface="Times New Roman" panose="02020603050405020304" pitchFamily="18" charset="0"/>
                 <a:sym typeface="Wingdings" panose="05000000000000000000" pitchFamily="2" charset="2"/>
@@ -20885,9 +21611,6 @@
             </a:r>
             <a:r>
               <a:rPr lang="en-US" sz="4000" dirty="0">
-                <a:solidFill>
-                  <a:srgbClr val="FF0000"/>
-                </a:solidFill>
                 <a:latin typeface="Times New Roman" panose="02020603050405020304" pitchFamily="18" charset="0"/>
                 <a:cs typeface="Times New Roman" panose="02020603050405020304" pitchFamily="18" charset="0"/>
                 <a:sym typeface="Wingdings" panose="05000000000000000000" pitchFamily="2" charset="2"/>
@@ -20896,9 +21619,6 @@
             </a:r>
             <a:r>
               <a:rPr lang="en-US" sz="4000" dirty="0" err="1">
-                <a:solidFill>
-                  <a:srgbClr val="FF0000"/>
-                </a:solidFill>
                 <a:latin typeface="Times New Roman" panose="02020603050405020304" pitchFamily="18" charset="0"/>
                 <a:cs typeface="Times New Roman" panose="02020603050405020304" pitchFamily="18" charset="0"/>
                 <a:sym typeface="Wingdings" panose="05000000000000000000" pitchFamily="2" charset="2"/>
@@ -20906,9 +21626,6 @@
               <a:t>làm</a:t>
             </a:r>
             <a:endParaRPr lang="en-US" sz="4000" dirty="0">
-              <a:solidFill>
-                <a:srgbClr val="FF0000"/>
-              </a:solidFill>
               <a:latin typeface="Times New Roman" panose="02020603050405020304" pitchFamily="18" charset="0"/>
               <a:cs typeface="Times New Roman" panose="02020603050405020304" pitchFamily="18" charset="0"/>
             </a:endParaRPr>
@@ -21052,7 +21769,7 @@
                             </p:stCondLst>
                             <p:childTnLst>
                               <p:par>
-                                <p:cTn id="15" presetID="1" presetClass="entr" presetSubtype="0" fill="hold" nodeType="clickEffect">
+                                <p:cTn id="15" presetID="2" presetClass="entr" presetSubtype="4" fill="hold" nodeType="clickEffect">
                                   <p:stCondLst>
                                     <p:cond delay="0"/>
                                   </p:stCondLst>
@@ -21060,51 +21777,6 @@
                                     <p:set>
                                       <p:cBhvr>
                                         <p:cTn id="16" dur="1" fill="hold">
-                                          <p:stCondLst>
-                                            <p:cond delay="0"/>
-                                          </p:stCondLst>
-                                        </p:cTn>
-                                        <p:tgtEl>
-                                          <p:spTgt spid="10"/>
-                                        </p:tgtEl>
-                                        <p:attrNameLst>
-                                          <p:attrName>style.visibility</p:attrName>
-                                        </p:attrNameLst>
-                                      </p:cBhvr>
-                                      <p:to>
-                                        <p:strVal val="visible"/>
-                                      </p:to>
-                                    </p:set>
-                                  </p:childTnLst>
-                                </p:cTn>
-                              </p:par>
-                            </p:childTnLst>
-                          </p:cTn>
-                        </p:par>
-                      </p:childTnLst>
-                    </p:cTn>
-                  </p:par>
-                  <p:par>
-                    <p:cTn id="17" fill="hold">
-                      <p:stCondLst>
-                        <p:cond delay="indefinite"/>
-                      </p:stCondLst>
-                      <p:childTnLst>
-                        <p:par>
-                          <p:cTn id="18" fill="hold">
-                            <p:stCondLst>
-                              <p:cond delay="0"/>
-                            </p:stCondLst>
-                            <p:childTnLst>
-                              <p:par>
-                                <p:cTn id="19" presetID="2" presetClass="entr" presetSubtype="4" fill="hold" nodeType="clickEffect">
-                                  <p:stCondLst>
-                                    <p:cond delay="0"/>
-                                  </p:stCondLst>
-                                  <p:childTnLst>
-                                    <p:set>
-                                      <p:cBhvr>
-                                        <p:cTn id="20" dur="1" fill="hold">
                                           <p:stCondLst>
                                             <p:cond delay="0"/>
                                           </p:stCondLst>
@@ -21122,7 +21794,7 @@
                                     </p:set>
                                     <p:anim calcmode="lin" valueType="num">
                                       <p:cBhvr additive="base">
-                                        <p:cTn id="21" dur="500" fill="hold"/>
+                                        <p:cTn id="17" dur="500" fill="hold"/>
                                         <p:tgtEl>
                                           <p:spTgt spid="11"/>
                                         </p:tgtEl>
@@ -21145,7 +21817,7 @@
                                     </p:anim>
                                     <p:anim calcmode="lin" valueType="num">
                                       <p:cBhvr additive="base">
-                                        <p:cTn id="22" dur="500" fill="hold"/>
+                                        <p:cTn id="18" dur="500" fill="hold"/>
                                         <p:tgtEl>
                                           <p:spTgt spid="11"/>
                                         </p:tgtEl>
@@ -21176,79 +21848,26 @@
                     </p:cTn>
                   </p:par>
                   <p:par>
-                    <p:cTn id="23" fill="hold">
+                    <p:cTn id="19" fill="hold">
                       <p:stCondLst>
                         <p:cond delay="indefinite"/>
                       </p:stCondLst>
                       <p:childTnLst>
                         <p:par>
-                          <p:cTn id="24" fill="hold">
+                          <p:cTn id="20" fill="hold">
                             <p:stCondLst>
                               <p:cond delay="0"/>
                             </p:stCondLst>
                             <p:childTnLst>
                               <p:par>
-                                <p:cTn id="25" presetID="22" presetClass="entr" presetSubtype="4" fill="hold" nodeType="clickEffect">
+                                <p:cTn id="21" presetID="16" presetClass="entr" presetSubtype="21" fill="hold" grpId="0" nodeType="clickEffect">
                                   <p:stCondLst>
                                     <p:cond delay="0"/>
                                   </p:stCondLst>
                                   <p:childTnLst>
                                     <p:set>
                                       <p:cBhvr>
-                                        <p:cTn id="26" dur="1" fill="hold">
-                                          <p:stCondLst>
-                                            <p:cond delay="0"/>
-                                          </p:stCondLst>
-                                        </p:cTn>
-                                        <p:tgtEl>
-                                          <p:spTgt spid="12"/>
-                                        </p:tgtEl>
-                                        <p:attrNameLst>
-                                          <p:attrName>style.visibility</p:attrName>
-                                        </p:attrNameLst>
-                                      </p:cBhvr>
-                                      <p:to>
-                                        <p:strVal val="visible"/>
-                                      </p:to>
-                                    </p:set>
-                                    <p:animEffect transition="in" filter="wipe(down)">
-                                      <p:cBhvr>
-                                        <p:cTn id="27" dur="500"/>
-                                        <p:tgtEl>
-                                          <p:spTgt spid="12"/>
-                                        </p:tgtEl>
-                                      </p:cBhvr>
-                                    </p:animEffect>
-                                  </p:childTnLst>
-                                </p:cTn>
-                              </p:par>
-                            </p:childTnLst>
-                          </p:cTn>
-                        </p:par>
-                      </p:childTnLst>
-                    </p:cTn>
-                  </p:par>
-                  <p:par>
-                    <p:cTn id="28" fill="hold">
-                      <p:stCondLst>
-                        <p:cond delay="indefinite"/>
-                      </p:stCondLst>
-                      <p:childTnLst>
-                        <p:par>
-                          <p:cTn id="29" fill="hold">
-                            <p:stCondLst>
-                              <p:cond delay="0"/>
-                            </p:stCondLst>
-                            <p:childTnLst>
-                              <p:par>
-                                <p:cTn id="30" presetID="16" presetClass="entr" presetSubtype="21" fill="hold" grpId="0" nodeType="clickEffect">
-                                  <p:stCondLst>
-                                    <p:cond delay="0"/>
-                                  </p:stCondLst>
-                                  <p:childTnLst>
-                                    <p:set>
-                                      <p:cBhvr>
-                                        <p:cTn id="31" dur="1" fill="hold">
+                                        <p:cTn id="22" dur="1" fill="hold">
                                           <p:stCondLst>
                                             <p:cond delay="0"/>
                                           </p:stCondLst>
@@ -21266,7 +21885,7 @@
                                     </p:set>
                                     <p:animEffect transition="in" filter="barn(inVertical)">
                                       <p:cBhvr>
-                                        <p:cTn id="32" dur="500"/>
+                                        <p:cTn id="23" dur="500"/>
                                         <p:tgtEl>
                                           <p:spTgt spid="13"/>
                                         </p:tgtEl>
@@ -21617,7 +22236,7 @@
                 <a:latin typeface="Times New Roman" panose="02020603050405020304" pitchFamily="18" charset="0"/>
                 <a:cs typeface="Times New Roman" panose="02020603050405020304" pitchFamily="18" charset="0"/>
               </a:rPr>
-              <a:t>các</a:t>
+              <a:t>hệ</a:t>
             </a:r>
             <a:r>
               <a:rPr lang="en-US" sz="4000" dirty="0">
@@ -21631,7 +22250,7 @@
                 <a:latin typeface="Times New Roman" panose="02020603050405020304" pitchFamily="18" charset="0"/>
                 <a:cs typeface="Times New Roman" panose="02020603050405020304" pitchFamily="18" charset="0"/>
               </a:rPr>
-              <a:t>hệ</a:t>
+              <a:t>khuyến</a:t>
             </a:r>
             <a:r>
               <a:rPr lang="en-US" sz="4000" dirty="0">
@@ -21645,7 +22264,7 @@
                 <a:latin typeface="Times New Roman" panose="02020603050405020304" pitchFamily="18" charset="0"/>
                 <a:cs typeface="Times New Roman" panose="02020603050405020304" pitchFamily="18" charset="0"/>
               </a:rPr>
-              <a:t>khuyến</a:t>
+              <a:t>nghị</a:t>
             </a:r>
             <a:r>
               <a:rPr lang="en-US" sz="4000" dirty="0">
@@ -21659,7 +22278,7 @@
                 <a:latin typeface="Times New Roman" panose="02020603050405020304" pitchFamily="18" charset="0"/>
                 <a:cs typeface="Times New Roman" panose="02020603050405020304" pitchFamily="18" charset="0"/>
               </a:rPr>
-              <a:t>nghị</a:t>
+              <a:t>việc</a:t>
             </a:r>
             <a:r>
               <a:rPr lang="en-US" sz="4000" dirty="0">
@@ -21673,163 +22292,174 @@
                 <a:latin typeface="Times New Roman" panose="02020603050405020304" pitchFamily="18" charset="0"/>
                 <a:cs typeface="Times New Roman" panose="02020603050405020304" pitchFamily="18" charset="0"/>
               </a:rPr>
-              <a:t>việc</a:t>
-            </a:r>
-            <a:r>
-              <a:rPr lang="en-US" sz="4000" dirty="0">
-                <a:latin typeface="Times New Roman" panose="02020603050405020304" pitchFamily="18" charset="0"/>
-                <a:cs typeface="Times New Roman" panose="02020603050405020304" pitchFamily="18" charset="0"/>
-              </a:rPr>
-              <a:t> </a:t>
-            </a:r>
-            <a:r>
-              <a:rPr lang="en-US" sz="4000" dirty="0" err="1">
-                <a:latin typeface="Times New Roman" panose="02020603050405020304" pitchFamily="18" charset="0"/>
-                <a:cs typeface="Times New Roman" panose="02020603050405020304" pitchFamily="18" charset="0"/>
-              </a:rPr>
               <a:t>làm</a:t>
             </a:r>
-            <a:r>
-              <a:rPr lang="en-US" sz="4000" dirty="0">
-                <a:latin typeface="Times New Roman" panose="02020603050405020304" pitchFamily="18" charset="0"/>
-                <a:cs typeface="Times New Roman" panose="02020603050405020304" pitchFamily="18" charset="0"/>
-              </a:rPr>
-              <a:t>?</a:t>
-            </a:r>
+            <a:endParaRPr lang="en-US" sz="4000" dirty="0">
+              <a:latin typeface="Times New Roman" panose="02020603050405020304" pitchFamily="18" charset="0"/>
+              <a:cs typeface="Times New Roman" panose="02020603050405020304" pitchFamily="18" charset="0"/>
+            </a:endParaRPr>
           </a:p>
         </p:txBody>
       </p:sp>
+      <p:pic>
+        <p:nvPicPr>
+          <p:cNvPr id="1026" name="Picture 2" descr="AAEAAQAAAAAAAASkAAAAJDE4MjNhNmNiLTg3NjktNGJjZC04NmE3LWI1NTM4YWY0YjQxZQ.png (698×400)"/>
+          <p:cNvPicPr>
+            <a:picLocks noChangeAspect="1" noChangeArrowheads="1"/>
+          </p:cNvPicPr>
+          <p:nvPr/>
+        </p:nvPicPr>
+        <p:blipFill>
+          <a:blip r:embed="rId3">
+            <a:extLst>
+              <a:ext uri="{28A0092B-C50C-407E-A947-70E740481C1C}">
+                <a14:useLocalDpi xmlns:a14="http://schemas.microsoft.com/office/drawing/2010/main" val="0"/>
+              </a:ext>
+            </a:extLst>
+          </a:blip>
+          <a:srcRect/>
+          <a:stretch>
+            <a:fillRect/>
+          </a:stretch>
+        </p:blipFill>
+        <p:spPr bwMode="auto">
+          <a:xfrm>
+            <a:off x="4330700" y="3791107"/>
+            <a:ext cx="3461626" cy="2692817"/>
+          </a:xfrm>
+          <a:prstGeom prst="rect">
+            <a:avLst/>
+          </a:prstGeom>
+          <a:noFill/>
+          <a:extLst>
+            <a:ext uri="{909E8E84-426E-40DD-AFC4-6F175D3DCCD1}">
+              <a14:hiddenFill xmlns:a14="http://schemas.microsoft.com/office/drawing/2010/main">
+                <a:solidFill>
+                  <a:srgbClr val="FFFFFF"/>
+                </a:solidFill>
+              </a14:hiddenFill>
+            </a:ext>
+          </a:extLst>
+        </p:spPr>
+      </p:pic>
+      <p:pic>
+        <p:nvPicPr>
+          <p:cNvPr id="1028" name="Picture 4" descr="userbased.png (1520×833)"/>
+          <p:cNvPicPr>
+            <a:picLocks noChangeAspect="1" noChangeArrowheads="1"/>
+          </p:cNvPicPr>
+          <p:nvPr/>
+        </p:nvPicPr>
+        <p:blipFill>
+          <a:blip r:embed="rId4">
+            <a:extLst>
+              <a:ext uri="{28A0092B-C50C-407E-A947-70E740481C1C}">
+                <a14:useLocalDpi xmlns:a14="http://schemas.microsoft.com/office/drawing/2010/main" val="0"/>
+              </a:ext>
+            </a:extLst>
+          </a:blip>
+          <a:srcRect/>
+          <a:stretch>
+            <a:fillRect/>
+          </a:stretch>
+        </p:blipFill>
+        <p:spPr bwMode="auto">
+          <a:xfrm>
+            <a:off x="409603" y="3791106"/>
+            <a:ext cx="3559982" cy="2692818"/>
+          </a:xfrm>
+          <a:prstGeom prst="rect">
+            <a:avLst/>
+          </a:prstGeom>
+          <a:noFill/>
+          <a:extLst>
+            <a:ext uri="{909E8E84-426E-40DD-AFC4-6F175D3DCCD1}">
+              <a14:hiddenFill xmlns:a14="http://schemas.microsoft.com/office/drawing/2010/main">
+                <a:solidFill>
+                  <a:srgbClr val="FFFFFF"/>
+                </a:solidFill>
+              </a14:hiddenFill>
+            </a:ext>
+          </a:extLst>
+        </p:spPr>
+      </p:pic>
+      <p:pic>
+        <p:nvPicPr>
+          <p:cNvPr id="1030" name="Picture 6" descr="Introduction-What-is-a-Recommendation-Engine-Hybrid-Recommender-Systems.jpg (635×441)"/>
+          <p:cNvPicPr>
+            <a:picLocks noChangeAspect="1" noChangeArrowheads="1"/>
+          </p:cNvPicPr>
+          <p:nvPr/>
+        </p:nvPicPr>
+        <p:blipFill>
+          <a:blip r:embed="rId5">
+            <a:extLst>
+              <a:ext uri="{28A0092B-C50C-407E-A947-70E740481C1C}">
+                <a14:useLocalDpi xmlns:a14="http://schemas.microsoft.com/office/drawing/2010/main" val="0"/>
+              </a:ext>
+            </a:extLst>
+          </a:blip>
+          <a:srcRect/>
+          <a:stretch>
+            <a:fillRect/>
+          </a:stretch>
+        </p:blipFill>
+        <p:spPr bwMode="auto">
+          <a:xfrm>
+            <a:off x="8514556" y="3791107"/>
+            <a:ext cx="3290888" cy="2692817"/>
+          </a:xfrm>
+          <a:prstGeom prst="rect">
+            <a:avLst/>
+          </a:prstGeom>
+          <a:noFill/>
+          <a:extLst>
+            <a:ext uri="{909E8E84-426E-40DD-AFC4-6F175D3DCCD1}">
+              <a14:hiddenFill xmlns:a14="http://schemas.microsoft.com/office/drawing/2010/main">
+                <a:solidFill>
+                  <a:srgbClr val="FFFFFF"/>
+                </a:solidFill>
+              </a14:hiddenFill>
+            </a:ext>
+          </a:extLst>
+        </p:spPr>
+      </p:pic>
       <p:sp>
         <p:nvSpPr>
-          <p:cNvPr id="13" name="Title 1"/>
-          <p:cNvSpPr txBox="1">
-            <a:spLocks/>
-          </p:cNvSpPr>
+          <p:cNvPr id="3" name="TextBox 2"/>
+          <p:cNvSpPr txBox="1"/>
           <p:nvPr/>
         </p:nvSpPr>
         <p:spPr>
           <a:xfrm>
-            <a:off x="677334" y="4754880"/>
-            <a:ext cx="10336106" cy="990843"/>
+            <a:off x="316219" y="3007360"/>
+            <a:ext cx="4014481" cy="553998"/>
           </a:xfrm>
           <a:prstGeom prst="rect">
             <a:avLst/>
           </a:prstGeom>
+          <a:noFill/>
         </p:spPr>
         <p:txBody>
-          <a:bodyPr vert="horz" lIns="91440" tIns="45720" rIns="91440" bIns="45720" rtlCol="0" anchor="t">
-            <a:normAutofit/>
+          <a:bodyPr wrap="square" rtlCol="0">
+            <a:spAutoFit/>
           </a:bodyPr>
-          <a:lstStyle>
-            <a:defPPr>
-              <a:defRPr lang="en-US"/>
-            </a:defPPr>
-            <a:lvl1pPr marL="0" algn="l" defTabSz="457200" rtl="0" eaLnBrk="1" latinLnBrk="0" hangingPunct="1">
-              <a:defRPr sz="1800" kern="1200">
-                <a:solidFill>
-                  <a:schemeClr val="tx1"/>
-                </a:solidFill>
-                <a:latin typeface="+mn-lt"/>
-                <a:ea typeface="+mn-ea"/>
-                <a:cs typeface="+mn-cs"/>
-              </a:defRPr>
-            </a:lvl1pPr>
-            <a:lvl2pPr marL="457200" algn="l" defTabSz="457200" rtl="0" eaLnBrk="1" latinLnBrk="0" hangingPunct="1">
-              <a:defRPr sz="1800" kern="1200">
-                <a:solidFill>
-                  <a:schemeClr val="tx1"/>
-                </a:solidFill>
-                <a:latin typeface="+mn-lt"/>
-                <a:ea typeface="+mn-ea"/>
-                <a:cs typeface="+mn-cs"/>
-              </a:defRPr>
-            </a:lvl2pPr>
-            <a:lvl3pPr marL="914400" algn="l" defTabSz="457200" rtl="0" eaLnBrk="1" latinLnBrk="0" hangingPunct="1">
-              <a:defRPr sz="1800" kern="1200">
-                <a:solidFill>
-                  <a:schemeClr val="tx1"/>
-                </a:solidFill>
-                <a:latin typeface="+mn-lt"/>
-                <a:ea typeface="+mn-ea"/>
-                <a:cs typeface="+mn-cs"/>
-              </a:defRPr>
-            </a:lvl3pPr>
-            <a:lvl4pPr marL="1371600" algn="l" defTabSz="457200" rtl="0" eaLnBrk="1" latinLnBrk="0" hangingPunct="1">
-              <a:defRPr sz="1800" kern="1200">
-                <a:solidFill>
-                  <a:schemeClr val="tx1"/>
-                </a:solidFill>
-                <a:latin typeface="+mn-lt"/>
-                <a:ea typeface="+mn-ea"/>
-                <a:cs typeface="+mn-cs"/>
-              </a:defRPr>
-            </a:lvl4pPr>
-            <a:lvl5pPr marL="1828800" algn="l" defTabSz="457200" rtl="0" eaLnBrk="1" latinLnBrk="0" hangingPunct="1">
-              <a:defRPr sz="1800" kern="1200">
-                <a:solidFill>
-                  <a:schemeClr val="tx1"/>
-                </a:solidFill>
-                <a:latin typeface="+mn-lt"/>
-                <a:ea typeface="+mn-ea"/>
-                <a:cs typeface="+mn-cs"/>
-              </a:defRPr>
-            </a:lvl5pPr>
-            <a:lvl6pPr marL="2286000" algn="l" defTabSz="457200" rtl="0" eaLnBrk="1" latinLnBrk="0" hangingPunct="1">
-              <a:defRPr sz="1800" kern="1200">
-                <a:solidFill>
-                  <a:schemeClr val="tx1"/>
-                </a:solidFill>
-                <a:latin typeface="+mn-lt"/>
-                <a:ea typeface="+mn-ea"/>
-                <a:cs typeface="+mn-cs"/>
-              </a:defRPr>
-            </a:lvl6pPr>
-            <a:lvl7pPr marL="2743200" algn="l" defTabSz="457200" rtl="0" eaLnBrk="1" latinLnBrk="0" hangingPunct="1">
-              <a:defRPr sz="1800" kern="1200">
-                <a:solidFill>
-                  <a:schemeClr val="tx1"/>
-                </a:solidFill>
-                <a:latin typeface="+mn-lt"/>
-                <a:ea typeface="+mn-ea"/>
-                <a:cs typeface="+mn-cs"/>
-              </a:defRPr>
-            </a:lvl7pPr>
-            <a:lvl8pPr marL="3200400" algn="l" defTabSz="457200" rtl="0" eaLnBrk="1" latinLnBrk="0" hangingPunct="1">
-              <a:defRPr sz="1800" kern="1200">
-                <a:solidFill>
-                  <a:schemeClr val="tx1"/>
-                </a:solidFill>
-                <a:latin typeface="+mn-lt"/>
-                <a:ea typeface="+mn-ea"/>
-                <a:cs typeface="+mn-cs"/>
-              </a:defRPr>
-            </a:lvl8pPr>
-            <a:lvl9pPr marL="3657600" algn="l" defTabSz="457200" rtl="0" eaLnBrk="1" latinLnBrk="0" hangingPunct="1">
-              <a:defRPr sz="1800" kern="1200">
-                <a:solidFill>
-                  <a:schemeClr val="tx1"/>
-                </a:solidFill>
-                <a:latin typeface="+mn-lt"/>
-                <a:ea typeface="+mn-ea"/>
-                <a:cs typeface="+mn-cs"/>
-              </a:defRPr>
-            </a:lvl9pPr>
-          </a:lstStyle>
+          <a:lstStyle/>
           <a:p>
-            <a:r>
-              <a:rPr lang="en-US" sz="4000" dirty="0">
-                <a:solidFill>
-                  <a:srgbClr val="FF0000"/>
-                </a:solidFill>
-                <a:latin typeface="Times New Roman" panose="02020603050405020304" pitchFamily="18" charset="0"/>
-                <a:cs typeface="Times New Roman" panose="02020603050405020304" pitchFamily="18" charset="0"/>
-                <a:sym typeface="Wingdings" panose="05000000000000000000" pitchFamily="2" charset="2"/>
-              </a:rPr>
-              <a:t>?</a:t>
-            </a:r>
-            <a:endParaRPr lang="en-US" sz="4000" dirty="0">
+            <a:pPr algn="ctr"/>
+            <a:r>
+              <a:rPr lang="en-US" sz="3000" dirty="0">
+                <a:solidFill>
+                  <a:srgbClr val="C00000"/>
+                </a:solidFill>
+                <a:latin typeface="Times New Roman" panose="02020603050405020304" pitchFamily="18" charset="0"/>
+                <a:cs typeface="Times New Roman" panose="02020603050405020304" pitchFamily="18" charset="0"/>
+              </a:rPr>
+              <a:t>Collaborative Filtering</a:t>
+            </a:r>
+            <a:endParaRPr lang="en-US" sz="3000" dirty="0">
               <a:solidFill>
-                <a:srgbClr val="FF0000"/>
+                <a:srgbClr val="C00000"/>
               </a:solidFill>
               <a:latin typeface="Times New Roman" panose="02020603050405020304" pitchFamily="18" charset="0"/>
               <a:cs typeface="Times New Roman" panose="02020603050405020304" pitchFamily="18" charset="0"/>
@@ -21839,150 +22469,541 @@
       </p:sp>
       <p:sp>
         <p:nvSpPr>
-          <p:cNvPr id="14" name="Title 1"/>
-          <p:cNvSpPr txBox="1">
-            <a:spLocks/>
-          </p:cNvSpPr>
+          <p:cNvPr id="10" name="TextBox 9"/>
+          <p:cNvSpPr txBox="1"/>
           <p:nvPr/>
         </p:nvSpPr>
         <p:spPr>
           <a:xfrm>
-            <a:off x="1035050" y="3190114"/>
-            <a:ext cx="8238951" cy="1068299"/>
+            <a:off x="4565340" y="3033095"/>
+            <a:ext cx="2992346" cy="553998"/>
           </a:xfrm>
           <a:prstGeom prst="rect">
             <a:avLst/>
           </a:prstGeom>
+          <a:noFill/>
         </p:spPr>
         <p:txBody>
-          <a:bodyPr vert="horz" lIns="91440" tIns="45720" rIns="91440" bIns="45720" rtlCol="0" anchor="t">
-            <a:normAutofit/>
+          <a:bodyPr wrap="square" rtlCol="0">
+            <a:spAutoFit/>
           </a:bodyPr>
-          <a:lstStyle>
-            <a:defPPr>
-              <a:defRPr lang="en-US"/>
-            </a:defPPr>
-            <a:lvl1pPr marL="0" algn="l" defTabSz="457200" rtl="0" eaLnBrk="1" latinLnBrk="0" hangingPunct="1">
-              <a:defRPr sz="1800" kern="1200">
-                <a:solidFill>
-                  <a:schemeClr val="tx1"/>
-                </a:solidFill>
-                <a:latin typeface="+mn-lt"/>
-                <a:ea typeface="+mn-ea"/>
-                <a:cs typeface="+mn-cs"/>
-              </a:defRPr>
-            </a:lvl1pPr>
-            <a:lvl2pPr marL="457200" algn="l" defTabSz="457200" rtl="0" eaLnBrk="1" latinLnBrk="0" hangingPunct="1">
-              <a:defRPr sz="1800" kern="1200">
-                <a:solidFill>
-                  <a:schemeClr val="tx1"/>
-                </a:solidFill>
-                <a:latin typeface="+mn-lt"/>
-                <a:ea typeface="+mn-ea"/>
-                <a:cs typeface="+mn-cs"/>
-              </a:defRPr>
-            </a:lvl2pPr>
-            <a:lvl3pPr marL="914400" algn="l" defTabSz="457200" rtl="0" eaLnBrk="1" latinLnBrk="0" hangingPunct="1">
-              <a:defRPr sz="1800" kern="1200">
-                <a:solidFill>
-                  <a:schemeClr val="tx1"/>
-                </a:solidFill>
-                <a:latin typeface="+mn-lt"/>
-                <a:ea typeface="+mn-ea"/>
-                <a:cs typeface="+mn-cs"/>
-              </a:defRPr>
-            </a:lvl3pPr>
-            <a:lvl4pPr marL="1371600" algn="l" defTabSz="457200" rtl="0" eaLnBrk="1" latinLnBrk="0" hangingPunct="1">
-              <a:defRPr sz="1800" kern="1200">
-                <a:solidFill>
-                  <a:schemeClr val="tx1"/>
-                </a:solidFill>
-                <a:latin typeface="+mn-lt"/>
-                <a:ea typeface="+mn-ea"/>
-                <a:cs typeface="+mn-cs"/>
-              </a:defRPr>
-            </a:lvl4pPr>
-            <a:lvl5pPr marL="1828800" algn="l" defTabSz="457200" rtl="0" eaLnBrk="1" latinLnBrk="0" hangingPunct="1">
-              <a:defRPr sz="1800" kern="1200">
-                <a:solidFill>
-                  <a:schemeClr val="tx1"/>
-                </a:solidFill>
-                <a:latin typeface="+mn-lt"/>
-                <a:ea typeface="+mn-ea"/>
-                <a:cs typeface="+mn-cs"/>
-              </a:defRPr>
-            </a:lvl5pPr>
-            <a:lvl6pPr marL="2286000" algn="l" defTabSz="457200" rtl="0" eaLnBrk="1" latinLnBrk="0" hangingPunct="1">
-              <a:defRPr sz="1800" kern="1200">
-                <a:solidFill>
-                  <a:schemeClr val="tx1"/>
-                </a:solidFill>
-                <a:latin typeface="+mn-lt"/>
-                <a:ea typeface="+mn-ea"/>
-                <a:cs typeface="+mn-cs"/>
-              </a:defRPr>
-            </a:lvl6pPr>
-            <a:lvl7pPr marL="2743200" algn="l" defTabSz="457200" rtl="0" eaLnBrk="1" latinLnBrk="0" hangingPunct="1">
-              <a:defRPr sz="1800" kern="1200">
-                <a:solidFill>
-                  <a:schemeClr val="tx1"/>
-                </a:solidFill>
-                <a:latin typeface="+mn-lt"/>
-                <a:ea typeface="+mn-ea"/>
-                <a:cs typeface="+mn-cs"/>
-              </a:defRPr>
-            </a:lvl7pPr>
-            <a:lvl8pPr marL="3200400" algn="l" defTabSz="457200" rtl="0" eaLnBrk="1" latinLnBrk="0" hangingPunct="1">
-              <a:defRPr sz="1800" kern="1200">
-                <a:solidFill>
-                  <a:schemeClr val="tx1"/>
-                </a:solidFill>
-                <a:latin typeface="+mn-lt"/>
-                <a:ea typeface="+mn-ea"/>
-                <a:cs typeface="+mn-cs"/>
-              </a:defRPr>
-            </a:lvl8pPr>
-            <a:lvl9pPr marL="3657600" algn="l" defTabSz="457200" rtl="0" eaLnBrk="1" latinLnBrk="0" hangingPunct="1">
-              <a:defRPr sz="1800" kern="1200">
-                <a:solidFill>
-                  <a:schemeClr val="tx1"/>
-                </a:solidFill>
-                <a:latin typeface="+mn-lt"/>
-                <a:ea typeface="+mn-ea"/>
-                <a:cs typeface="+mn-cs"/>
-              </a:defRPr>
-            </a:lvl9pPr>
-          </a:lstStyle>
+          <a:lstStyle/>
           <a:p>
+            <a:pPr algn="ctr"/>
+            <a:r>
+              <a:rPr lang="en-US" sz="3000" dirty="0">
+                <a:solidFill>
+                  <a:srgbClr val="C00000"/>
+                </a:solidFill>
+                <a:latin typeface="Times New Roman" panose="02020603050405020304" pitchFamily="18" charset="0"/>
+                <a:cs typeface="Times New Roman" panose="02020603050405020304" pitchFamily="18" charset="0"/>
+              </a:rPr>
+              <a:t>Content based</a:t>
+            </a:r>
+            <a:endParaRPr lang="en-US" sz="3000" dirty="0">
+              <a:solidFill>
+                <a:srgbClr val="C00000"/>
+              </a:solidFill>
+              <a:latin typeface="Times New Roman" panose="02020603050405020304" pitchFamily="18" charset="0"/>
+              <a:cs typeface="Times New Roman" panose="02020603050405020304" pitchFamily="18" charset="0"/>
+            </a:endParaRPr>
+          </a:p>
+        </p:txBody>
+      </p:sp>
+      <p:sp>
+        <p:nvSpPr>
+          <p:cNvPr id="11" name="TextBox 10"/>
+          <p:cNvSpPr txBox="1"/>
+          <p:nvPr/>
+        </p:nvSpPr>
+        <p:spPr>
+          <a:xfrm>
+            <a:off x="9619010" y="3062714"/>
+            <a:ext cx="1525240" cy="553998"/>
+          </a:xfrm>
+          <a:prstGeom prst="rect">
+            <a:avLst/>
+          </a:prstGeom>
+          <a:noFill/>
+        </p:spPr>
+        <p:txBody>
+          <a:bodyPr wrap="square" rtlCol="0">
+            <a:spAutoFit/>
+          </a:bodyPr>
+          <a:lstStyle/>
+          <a:p>
+            <a:r>
+              <a:rPr lang="en-US" sz="3000" dirty="0">
+                <a:solidFill>
+                  <a:srgbClr val="C00000"/>
+                </a:solidFill>
+                <a:latin typeface="Times New Roman" panose="02020603050405020304" pitchFamily="18" charset="0"/>
+                <a:cs typeface="Times New Roman" panose="02020603050405020304" pitchFamily="18" charset="0"/>
+              </a:rPr>
+              <a:t>Hybrid</a:t>
+            </a:r>
+            <a:endParaRPr lang="en-US" sz="3000" dirty="0">
+              <a:solidFill>
+                <a:srgbClr val="C00000"/>
+              </a:solidFill>
+              <a:latin typeface="Times New Roman" panose="02020603050405020304" pitchFamily="18" charset="0"/>
+              <a:cs typeface="Times New Roman" panose="02020603050405020304" pitchFamily="18" charset="0"/>
+            </a:endParaRPr>
+          </a:p>
+        </p:txBody>
+      </p:sp>
+      <p:sp>
+        <p:nvSpPr>
+          <p:cNvPr id="6" name="Thought Bubble: Cloud 5"/>
+          <p:cNvSpPr/>
+          <p:nvPr/>
+        </p:nvSpPr>
+        <p:spPr>
+          <a:xfrm>
+            <a:off x="1333500" y="1143000"/>
+            <a:ext cx="7940502" cy="4533900"/>
+          </a:xfrm>
+          <a:prstGeom prst="cloudCallout">
+            <a:avLst>
+              <a:gd name="adj1" fmla="val -38346"/>
+              <a:gd name="adj2" fmla="val 66282"/>
+            </a:avLst>
+          </a:prstGeom>
+        </p:spPr>
+        <p:style>
+          <a:lnRef idx="3">
+            <a:schemeClr val="lt1"/>
+          </a:lnRef>
+          <a:fillRef idx="1">
+            <a:schemeClr val="accent2"/>
+          </a:fillRef>
+          <a:effectRef idx="1">
+            <a:schemeClr val="accent2"/>
+          </a:effectRef>
+          <a:fontRef idx="minor">
+            <a:schemeClr val="lt1"/>
+          </a:fontRef>
+        </p:style>
+        <p:txBody>
+          <a:bodyPr rtlCol="0" anchor="ctr"/>
+          <a:lstStyle/>
+          <a:p>
+            <a:pPr algn="ctr"/>
+            <a:r>
+              <a:rPr lang="en-US" sz="4000" dirty="0" err="1">
+                <a:ln w="0"/>
+                <a:solidFill>
+                  <a:schemeClr val="tx1"/>
+                </a:solidFill>
+                <a:effectLst>
+                  <a:outerShdw blurRad="38100" dist="19050" dir="2700000" algn="tl" rotWithShape="0">
+                    <a:schemeClr val="dk1">
+                      <a:alpha val="40000"/>
+                    </a:schemeClr>
+                  </a:outerShdw>
+                </a:effectLst>
+              </a:rPr>
+              <a:t>Thuật</a:t>
+            </a:r>
             <a:r>
               <a:rPr lang="en-US" sz="4000" dirty="0">
-                <a:solidFill>
-                  <a:srgbClr val="FF0000"/>
-                </a:solidFill>
-                <a:latin typeface="Times New Roman" panose="02020603050405020304" pitchFamily="18" charset="0"/>
-                <a:cs typeface="Times New Roman" panose="02020603050405020304" pitchFamily="18" charset="0"/>
-              </a:rPr>
-              <a:t>H </a:t>
+                <a:ln w="0"/>
+                <a:solidFill>
+                  <a:schemeClr val="tx1"/>
+                </a:solidFill>
+                <a:effectLst>
+                  <a:outerShdw blurRad="38100" dist="19050" dir="2700000" algn="tl" rotWithShape="0">
+                    <a:schemeClr val="dk1">
+                      <a:alpha val="40000"/>
+                    </a:schemeClr>
+                  </a:outerShdw>
+                </a:effectLst>
+              </a:rPr>
+              <a:t> </a:t>
             </a:r>
             <a:r>
               <a:rPr lang="en-US" sz="4000" dirty="0" err="1">
-                <a:solidFill>
-                  <a:srgbClr val="FF0000"/>
-                </a:solidFill>
-                <a:latin typeface="Times New Roman" panose="02020603050405020304" pitchFamily="18" charset="0"/>
-                <a:cs typeface="Times New Roman" panose="02020603050405020304" pitchFamily="18" charset="0"/>
-              </a:rPr>
-              <a:t>ình</a:t>
+                <a:ln w="0"/>
+                <a:solidFill>
+                  <a:schemeClr val="tx1"/>
+                </a:solidFill>
+                <a:effectLst>
+                  <a:outerShdw blurRad="38100" dist="19050" dir="2700000" algn="tl" rotWithShape="0">
+                    <a:schemeClr val="dk1">
+                      <a:alpha val="40000"/>
+                    </a:schemeClr>
+                  </a:outerShdw>
+                </a:effectLst>
+              </a:rPr>
+              <a:t>toán</a:t>
             </a:r>
             <a:r>
               <a:rPr lang="en-US" sz="4000" dirty="0">
-                <a:solidFill>
-                  <a:srgbClr val="FF0000"/>
-                </a:solidFill>
-                <a:latin typeface="Times New Roman" panose="02020603050405020304" pitchFamily="18" charset="0"/>
-                <a:cs typeface="Times New Roman" panose="02020603050405020304" pitchFamily="18" charset="0"/>
-              </a:rPr>
-              <a:t> CB, CF, HYBRID</a:t>
+                <a:ln w="0"/>
+                <a:solidFill>
+                  <a:schemeClr val="tx1"/>
+                </a:solidFill>
+                <a:effectLst>
+                  <a:outerShdw blurRad="38100" dist="19050" dir="2700000" algn="tl" rotWithShape="0">
+                    <a:schemeClr val="dk1">
+                      <a:alpha val="40000"/>
+                    </a:schemeClr>
+                  </a:outerShdw>
+                </a:effectLst>
+              </a:rPr>
+              <a:t> </a:t>
+            </a:r>
+            <a:r>
+              <a:rPr lang="en-US" sz="4000" dirty="0" err="1">
+                <a:ln w="0"/>
+                <a:solidFill>
+                  <a:schemeClr val="tx1"/>
+                </a:solidFill>
+                <a:effectLst>
+                  <a:outerShdw blurRad="38100" dist="19050" dir="2700000" algn="tl" rotWithShape="0">
+                    <a:schemeClr val="dk1">
+                      <a:alpha val="40000"/>
+                    </a:schemeClr>
+                  </a:outerShdw>
+                </a:effectLst>
+              </a:rPr>
+              <a:t>nào</a:t>
+            </a:r>
+            <a:r>
+              <a:rPr lang="en-US" sz="4000" dirty="0">
+                <a:ln w="0"/>
+                <a:solidFill>
+                  <a:schemeClr val="tx1"/>
+                </a:solidFill>
+                <a:effectLst>
+                  <a:outerShdw blurRad="38100" dist="19050" dir="2700000" algn="tl" rotWithShape="0">
+                    <a:schemeClr val="dk1">
+                      <a:alpha val="40000"/>
+                    </a:schemeClr>
+                  </a:outerShdw>
+                </a:effectLst>
+              </a:rPr>
+              <a:t> </a:t>
+            </a:r>
+            <a:r>
+              <a:rPr lang="en-US" sz="4000" dirty="0" err="1">
+                <a:ln w="0"/>
+                <a:solidFill>
+                  <a:schemeClr val="tx1"/>
+                </a:solidFill>
+                <a:effectLst>
+                  <a:outerShdw blurRad="38100" dist="19050" dir="2700000" algn="tl" rotWithShape="0">
+                    <a:schemeClr val="dk1">
+                      <a:alpha val="40000"/>
+                    </a:schemeClr>
+                  </a:outerShdw>
+                </a:effectLst>
+              </a:rPr>
+              <a:t>là</a:t>
+            </a:r>
+            <a:r>
+              <a:rPr lang="en-US" sz="4000" dirty="0">
+                <a:ln w="0"/>
+                <a:solidFill>
+                  <a:schemeClr val="tx1"/>
+                </a:solidFill>
+                <a:effectLst>
+                  <a:outerShdw blurRad="38100" dist="19050" dir="2700000" algn="tl" rotWithShape="0">
+                    <a:schemeClr val="dk1">
+                      <a:alpha val="40000"/>
+                    </a:schemeClr>
+                  </a:outerShdw>
+                </a:effectLst>
+              </a:rPr>
+              <a:t> </a:t>
+            </a:r>
+            <a:r>
+              <a:rPr lang="en-US" sz="4000" dirty="0" err="1">
+                <a:ln w="0"/>
+                <a:solidFill>
+                  <a:schemeClr val="tx1"/>
+                </a:solidFill>
+                <a:effectLst>
+                  <a:outerShdw blurRad="38100" dist="19050" dir="2700000" algn="tl" rotWithShape="0">
+                    <a:schemeClr val="dk1">
+                      <a:alpha val="40000"/>
+                    </a:schemeClr>
+                  </a:outerShdw>
+                </a:effectLst>
+              </a:rPr>
+              <a:t>tốt</a:t>
+            </a:r>
+            <a:r>
+              <a:rPr lang="en-US" sz="4000" dirty="0">
+                <a:ln w="0"/>
+                <a:solidFill>
+                  <a:schemeClr val="tx1"/>
+                </a:solidFill>
+                <a:effectLst>
+                  <a:outerShdw blurRad="38100" dist="19050" dir="2700000" algn="tl" rotWithShape="0">
+                    <a:schemeClr val="dk1">
+                      <a:alpha val="40000"/>
+                    </a:schemeClr>
+                  </a:outerShdw>
+                </a:effectLst>
+              </a:rPr>
+              <a:t> </a:t>
+            </a:r>
+            <a:r>
+              <a:rPr lang="en-US" sz="4000" dirty="0" err="1">
+                <a:ln w="0"/>
+                <a:solidFill>
+                  <a:schemeClr val="tx1"/>
+                </a:solidFill>
+                <a:effectLst>
+                  <a:outerShdw blurRad="38100" dist="19050" dir="2700000" algn="tl" rotWithShape="0">
+                    <a:schemeClr val="dk1">
+                      <a:alpha val="40000"/>
+                    </a:schemeClr>
+                  </a:outerShdw>
+                </a:effectLst>
+              </a:rPr>
+              <a:t>nhất</a:t>
+            </a:r>
+            <a:r>
+              <a:rPr lang="en-US" sz="4000" dirty="0">
+                <a:ln w="0"/>
+                <a:solidFill>
+                  <a:schemeClr val="tx1"/>
+                </a:solidFill>
+                <a:effectLst>
+                  <a:outerShdw blurRad="38100" dist="19050" dir="2700000" algn="tl" rotWithShape="0">
+                    <a:schemeClr val="dk1">
+                      <a:alpha val="40000"/>
+                    </a:schemeClr>
+                  </a:outerShdw>
+                </a:effectLst>
+              </a:rPr>
+              <a:t> </a:t>
+            </a:r>
+            <a:r>
+              <a:rPr lang="en-US" sz="4000" dirty="0" err="1">
+                <a:ln w="0"/>
+                <a:solidFill>
+                  <a:schemeClr val="tx1"/>
+                </a:solidFill>
+                <a:effectLst>
+                  <a:outerShdw blurRad="38100" dist="19050" dir="2700000" algn="tl" rotWithShape="0">
+                    <a:schemeClr val="dk1">
+                      <a:alpha val="40000"/>
+                    </a:schemeClr>
+                  </a:outerShdw>
+                </a:effectLst>
+              </a:rPr>
+              <a:t>cho</a:t>
+            </a:r>
+            <a:r>
+              <a:rPr lang="en-US" sz="4000" dirty="0">
+                <a:ln w="0"/>
+                <a:solidFill>
+                  <a:schemeClr val="tx1"/>
+                </a:solidFill>
+                <a:effectLst>
+                  <a:outerShdw blurRad="38100" dist="19050" dir="2700000" algn="tl" rotWithShape="0">
+                    <a:schemeClr val="dk1">
+                      <a:alpha val="40000"/>
+                    </a:schemeClr>
+                  </a:outerShdw>
+                </a:effectLst>
+              </a:rPr>
+              <a:t> </a:t>
+            </a:r>
+            <a:r>
+              <a:rPr lang="en-US" sz="4000" dirty="0" err="1">
+                <a:ln w="0"/>
+                <a:solidFill>
+                  <a:schemeClr val="tx1"/>
+                </a:solidFill>
+                <a:effectLst>
+                  <a:outerShdw blurRad="38100" dist="19050" dir="2700000" algn="tl" rotWithShape="0">
+                    <a:schemeClr val="dk1">
+                      <a:alpha val="40000"/>
+                    </a:schemeClr>
+                  </a:outerShdw>
+                </a:effectLst>
+              </a:rPr>
+              <a:t>bài</a:t>
+            </a:r>
+            <a:r>
+              <a:rPr lang="en-US" sz="4000" dirty="0">
+                <a:ln w="0"/>
+                <a:solidFill>
+                  <a:schemeClr val="tx1"/>
+                </a:solidFill>
+                <a:effectLst>
+                  <a:outerShdw blurRad="38100" dist="19050" dir="2700000" algn="tl" rotWithShape="0">
+                    <a:schemeClr val="dk1">
+                      <a:alpha val="40000"/>
+                    </a:schemeClr>
+                  </a:outerShdw>
+                </a:effectLst>
+              </a:rPr>
+              <a:t> </a:t>
+            </a:r>
+            <a:r>
+              <a:rPr lang="en-US" sz="4000" dirty="0" err="1">
+                <a:ln w="0"/>
+                <a:solidFill>
+                  <a:schemeClr val="tx1"/>
+                </a:solidFill>
+                <a:effectLst>
+                  <a:outerShdw blurRad="38100" dist="19050" dir="2700000" algn="tl" rotWithShape="0">
+                    <a:schemeClr val="dk1">
+                      <a:alpha val="40000"/>
+                    </a:schemeClr>
+                  </a:outerShdw>
+                </a:effectLst>
+              </a:rPr>
+              <a:t>toán</a:t>
+            </a:r>
+            <a:r>
+              <a:rPr lang="en-US" sz="4000" dirty="0">
+                <a:ln w="0"/>
+                <a:solidFill>
+                  <a:schemeClr val="tx1"/>
+                </a:solidFill>
+                <a:effectLst>
+                  <a:outerShdw blurRad="38100" dist="19050" dir="2700000" algn="tl" rotWithShape="0">
+                    <a:schemeClr val="dk1">
+                      <a:alpha val="40000"/>
+                    </a:schemeClr>
+                  </a:outerShdw>
+                </a:effectLst>
+              </a:rPr>
+              <a:t> </a:t>
+            </a:r>
+            <a:r>
+              <a:rPr lang="en-US" sz="4000" dirty="0" err="1">
+                <a:ln w="0"/>
+                <a:solidFill>
+                  <a:schemeClr val="tx1"/>
+                </a:solidFill>
+                <a:effectLst>
+                  <a:outerShdw blurRad="38100" dist="19050" dir="2700000" algn="tl" rotWithShape="0">
+                    <a:schemeClr val="dk1">
+                      <a:alpha val="40000"/>
+                    </a:schemeClr>
+                  </a:outerShdw>
+                </a:effectLst>
+              </a:rPr>
+              <a:t>khuyến</a:t>
+            </a:r>
+            <a:r>
+              <a:rPr lang="en-US" sz="4000" dirty="0">
+                <a:ln w="0"/>
+                <a:solidFill>
+                  <a:schemeClr val="tx1"/>
+                </a:solidFill>
+                <a:effectLst>
+                  <a:outerShdw blurRad="38100" dist="19050" dir="2700000" algn="tl" rotWithShape="0">
+                    <a:schemeClr val="dk1">
+                      <a:alpha val="40000"/>
+                    </a:schemeClr>
+                  </a:outerShdw>
+                </a:effectLst>
+              </a:rPr>
+              <a:t> </a:t>
+            </a:r>
+            <a:r>
+              <a:rPr lang="en-US" sz="4000" dirty="0" err="1">
+                <a:ln w="0"/>
+                <a:solidFill>
+                  <a:schemeClr val="tx1"/>
+                </a:solidFill>
+                <a:effectLst>
+                  <a:outerShdw blurRad="38100" dist="19050" dir="2700000" algn="tl" rotWithShape="0">
+                    <a:schemeClr val="dk1">
+                      <a:alpha val="40000"/>
+                    </a:schemeClr>
+                  </a:outerShdw>
+                </a:effectLst>
+              </a:rPr>
+              <a:t>nghị</a:t>
+            </a:r>
+            <a:r>
+              <a:rPr lang="en-US" sz="4000" dirty="0">
+                <a:ln w="0"/>
+                <a:solidFill>
+                  <a:schemeClr val="tx1"/>
+                </a:solidFill>
+                <a:effectLst>
+                  <a:outerShdw blurRad="38100" dist="19050" dir="2700000" algn="tl" rotWithShape="0">
+                    <a:schemeClr val="dk1">
+                      <a:alpha val="40000"/>
+                    </a:schemeClr>
+                  </a:outerShdw>
+                </a:effectLst>
+              </a:rPr>
+              <a:t> </a:t>
+            </a:r>
+            <a:r>
+              <a:rPr lang="en-US" sz="4000" dirty="0" err="1">
+                <a:ln w="0"/>
+                <a:solidFill>
+                  <a:schemeClr val="tx1"/>
+                </a:solidFill>
+                <a:effectLst>
+                  <a:outerShdw blurRad="38100" dist="19050" dir="2700000" algn="tl" rotWithShape="0">
+                    <a:schemeClr val="dk1">
+                      <a:alpha val="40000"/>
+                    </a:schemeClr>
+                  </a:outerShdw>
+                </a:effectLst>
+              </a:rPr>
+              <a:t>việc</a:t>
+            </a:r>
+            <a:r>
+              <a:rPr lang="en-US" sz="4000" dirty="0">
+                <a:ln w="0"/>
+                <a:solidFill>
+                  <a:schemeClr val="tx1"/>
+                </a:solidFill>
+                <a:effectLst>
+                  <a:outerShdw blurRad="38100" dist="19050" dir="2700000" algn="tl" rotWithShape="0">
+                    <a:schemeClr val="dk1">
+                      <a:alpha val="40000"/>
+                    </a:schemeClr>
+                  </a:outerShdw>
+                </a:effectLst>
+              </a:rPr>
+              <a:t> </a:t>
+            </a:r>
+            <a:r>
+              <a:rPr lang="en-US" sz="4000" dirty="0" err="1">
+                <a:ln w="0"/>
+                <a:solidFill>
+                  <a:schemeClr val="tx1"/>
+                </a:solidFill>
+                <a:effectLst>
+                  <a:outerShdw blurRad="38100" dist="19050" dir="2700000" algn="tl" rotWithShape="0">
+                    <a:schemeClr val="dk1">
+                      <a:alpha val="40000"/>
+                    </a:schemeClr>
+                  </a:outerShdw>
+                </a:effectLst>
+              </a:rPr>
+              <a:t>làm</a:t>
+            </a:r>
+            <a:r>
+              <a:rPr lang="en-US" sz="4000" dirty="0">
+                <a:ln w="0"/>
+                <a:solidFill>
+                  <a:schemeClr val="tx1"/>
+                </a:solidFill>
+                <a:effectLst>
+                  <a:outerShdw blurRad="38100" dist="19050" dir="2700000" algn="tl" rotWithShape="0">
+                    <a:schemeClr val="dk1">
+                      <a:alpha val="40000"/>
+                    </a:schemeClr>
+                  </a:outerShdw>
+                </a:effectLst>
+              </a:rPr>
+              <a:t>???</a:t>
             </a:r>
           </a:p>
         </p:txBody>
@@ -22071,7 +23092,7 @@
                             </p:stCondLst>
                             <p:childTnLst>
                               <p:par>
-                                <p:cTn id="10" presetID="16" presetClass="entr" presetSubtype="21" fill="hold" grpId="0" nodeType="clickEffect">
+                                <p:cTn id="10" presetID="10" presetClass="entr" presetSubtype="0" fill="hold" grpId="0" nodeType="clickEffect">
                                   <p:stCondLst>
                                     <p:cond delay="0"/>
                                   </p:stCondLst>
@@ -22084,7 +23105,7 @@
                                           </p:stCondLst>
                                         </p:cTn>
                                         <p:tgtEl>
-                                          <p:spTgt spid="13"/>
+                                          <p:spTgt spid="3"/>
                                         </p:tgtEl>
                                         <p:attrNameLst>
                                           <p:attrName>style.visibility</p:attrName>
@@ -22094,11 +23115,46 @@
                                         <p:strVal val="visible"/>
                                       </p:to>
                                     </p:set>
-                                    <p:animEffect transition="in" filter="barn(inVertical)">
+                                    <p:animEffect transition="in" filter="fade">
                                       <p:cBhvr>
                                         <p:cTn id="12" dur="500"/>
                                         <p:tgtEl>
-                                          <p:spTgt spid="13"/>
+                                          <p:spTgt spid="3"/>
+                                        </p:tgtEl>
+                                      </p:cBhvr>
+                                    </p:animEffect>
+                                  </p:childTnLst>
+                                </p:cTn>
+                              </p:par>
+                              <p:par>
+                                <p:cTn id="13" presetID="10" presetClass="entr" presetSubtype="0" fill="hold" nodeType="withEffect">
+                                  <p:stCondLst>
+                                    <p:cond delay="0"/>
+                                  </p:stCondLst>
+                                  <p:childTnLst>
+                                    <p:set>
+                                      <p:cBhvr>
+                                        <p:cTn id="14" dur="1" fill="hold">
+                                          <p:stCondLst>
+                                            <p:cond delay="0"/>
+                                          </p:stCondLst>
+                                        </p:cTn>
+                                        <p:tgtEl>
+                                          <p:spTgt spid="1028"/>
+                                        </p:tgtEl>
+                                        <p:attrNameLst>
+                                          <p:attrName>style.visibility</p:attrName>
+                                        </p:attrNameLst>
+                                      </p:cBhvr>
+                                      <p:to>
+                                        <p:strVal val="visible"/>
+                                      </p:to>
+                                    </p:set>
+                                    <p:animEffect transition="in" filter="fade">
+                                      <p:cBhvr>
+                                        <p:cTn id="15" dur="500"/>
+                                        <p:tgtEl>
+                                          <p:spTgt spid="1028"/>
                                         </p:tgtEl>
                                       </p:cBhvr>
                                     </p:animEffect>
@@ -22112,32 +23168,32 @@
                     </p:cTn>
                   </p:par>
                   <p:par>
-                    <p:cTn id="13" fill="hold">
+                    <p:cTn id="16" fill="hold">
                       <p:stCondLst>
                         <p:cond delay="indefinite"/>
                       </p:stCondLst>
                       <p:childTnLst>
                         <p:par>
-                          <p:cTn id="14" fill="hold">
+                          <p:cTn id="17" fill="hold">
                             <p:stCondLst>
                               <p:cond delay="0"/>
                             </p:stCondLst>
                             <p:childTnLst>
                               <p:par>
-                                <p:cTn id="15" presetID="16" presetClass="entr" presetSubtype="21" fill="hold" grpId="0" nodeType="clickEffect">
+                                <p:cTn id="18" presetID="22" presetClass="entr" presetSubtype="4" fill="hold" grpId="0" nodeType="clickEffect">
                                   <p:stCondLst>
                                     <p:cond delay="0"/>
                                   </p:stCondLst>
                                   <p:childTnLst>
                                     <p:set>
                                       <p:cBhvr>
-                                        <p:cTn id="16" dur="1" fill="hold">
+                                        <p:cTn id="19" dur="1" fill="hold">
                                           <p:stCondLst>
                                             <p:cond delay="0"/>
                                           </p:stCondLst>
                                         </p:cTn>
                                         <p:tgtEl>
-                                          <p:spTgt spid="14"/>
+                                          <p:spTgt spid="10"/>
                                         </p:tgtEl>
                                         <p:attrNameLst>
                                           <p:attrName>style.visibility</p:attrName>
@@ -22147,11 +23203,187 @@
                                         <p:strVal val="visible"/>
                                       </p:to>
                                     </p:set>
-                                    <p:animEffect transition="in" filter="barn(inVertical)">
+                                    <p:animEffect transition="in" filter="wipe(down)">
                                       <p:cBhvr>
-                                        <p:cTn id="17" dur="500"/>
+                                        <p:cTn id="20" dur="500"/>
                                         <p:tgtEl>
-                                          <p:spTgt spid="14"/>
+                                          <p:spTgt spid="10"/>
+                                        </p:tgtEl>
+                                      </p:cBhvr>
+                                    </p:animEffect>
+                                  </p:childTnLst>
+                                </p:cTn>
+                              </p:par>
+                              <p:par>
+                                <p:cTn id="21" presetID="22" presetClass="entr" presetSubtype="4" fill="hold" nodeType="withEffect">
+                                  <p:stCondLst>
+                                    <p:cond delay="0"/>
+                                  </p:stCondLst>
+                                  <p:childTnLst>
+                                    <p:set>
+                                      <p:cBhvr>
+                                        <p:cTn id="22" dur="1" fill="hold">
+                                          <p:stCondLst>
+                                            <p:cond delay="0"/>
+                                          </p:stCondLst>
+                                        </p:cTn>
+                                        <p:tgtEl>
+                                          <p:spTgt spid="1026"/>
+                                        </p:tgtEl>
+                                        <p:attrNameLst>
+                                          <p:attrName>style.visibility</p:attrName>
+                                        </p:attrNameLst>
+                                      </p:cBhvr>
+                                      <p:to>
+                                        <p:strVal val="visible"/>
+                                      </p:to>
+                                    </p:set>
+                                    <p:animEffect transition="in" filter="wipe(down)">
+                                      <p:cBhvr>
+                                        <p:cTn id="23" dur="500"/>
+                                        <p:tgtEl>
+                                          <p:spTgt spid="1026"/>
+                                        </p:tgtEl>
+                                      </p:cBhvr>
+                                    </p:animEffect>
+                                  </p:childTnLst>
+                                </p:cTn>
+                              </p:par>
+                            </p:childTnLst>
+                          </p:cTn>
+                        </p:par>
+                      </p:childTnLst>
+                    </p:cTn>
+                  </p:par>
+                  <p:par>
+                    <p:cTn id="24" fill="hold">
+                      <p:stCondLst>
+                        <p:cond delay="indefinite"/>
+                      </p:stCondLst>
+                      <p:childTnLst>
+                        <p:par>
+                          <p:cTn id="25" fill="hold">
+                            <p:stCondLst>
+                              <p:cond delay="0"/>
+                            </p:stCondLst>
+                            <p:childTnLst>
+                              <p:par>
+                                <p:cTn id="26" presetID="6" presetClass="entr" presetSubtype="16" fill="hold" grpId="0" nodeType="clickEffect">
+                                  <p:stCondLst>
+                                    <p:cond delay="0"/>
+                                  </p:stCondLst>
+                                  <p:childTnLst>
+                                    <p:set>
+                                      <p:cBhvr>
+                                        <p:cTn id="27" dur="1" fill="hold">
+                                          <p:stCondLst>
+                                            <p:cond delay="0"/>
+                                          </p:stCondLst>
+                                        </p:cTn>
+                                        <p:tgtEl>
+                                          <p:spTgt spid="11"/>
+                                        </p:tgtEl>
+                                        <p:attrNameLst>
+                                          <p:attrName>style.visibility</p:attrName>
+                                        </p:attrNameLst>
+                                      </p:cBhvr>
+                                      <p:to>
+                                        <p:strVal val="visible"/>
+                                      </p:to>
+                                    </p:set>
+                                    <p:animEffect transition="in" filter="circle(in)">
+                                      <p:cBhvr>
+                                        <p:cTn id="28" dur="2000"/>
+                                        <p:tgtEl>
+                                          <p:spTgt spid="11"/>
+                                        </p:tgtEl>
+                                      </p:cBhvr>
+                                    </p:animEffect>
+                                  </p:childTnLst>
+                                </p:cTn>
+                              </p:par>
+                              <p:par>
+                                <p:cTn id="29" presetID="6" presetClass="entr" presetSubtype="16" fill="hold" nodeType="withEffect">
+                                  <p:stCondLst>
+                                    <p:cond delay="0"/>
+                                  </p:stCondLst>
+                                  <p:childTnLst>
+                                    <p:set>
+                                      <p:cBhvr>
+                                        <p:cTn id="30" dur="1" fill="hold">
+                                          <p:stCondLst>
+                                            <p:cond delay="0"/>
+                                          </p:stCondLst>
+                                        </p:cTn>
+                                        <p:tgtEl>
+                                          <p:spTgt spid="1030"/>
+                                        </p:tgtEl>
+                                        <p:attrNameLst>
+                                          <p:attrName>style.visibility</p:attrName>
+                                        </p:attrNameLst>
+                                      </p:cBhvr>
+                                      <p:to>
+                                        <p:strVal val="visible"/>
+                                      </p:to>
+                                    </p:set>
+                                    <p:animEffect transition="in" filter="circle(in)">
+                                      <p:cBhvr>
+                                        <p:cTn id="31" dur="2000"/>
+                                        <p:tgtEl>
+                                          <p:spTgt spid="1030"/>
+                                        </p:tgtEl>
+                                      </p:cBhvr>
+                                    </p:animEffect>
+                                  </p:childTnLst>
+                                </p:cTn>
+                              </p:par>
+                            </p:childTnLst>
+                          </p:cTn>
+                        </p:par>
+                      </p:childTnLst>
+                    </p:cTn>
+                  </p:par>
+                  <p:par>
+                    <p:cTn id="32" fill="hold">
+                      <p:stCondLst>
+                        <p:cond delay="indefinite"/>
+                      </p:stCondLst>
+                      <p:childTnLst>
+                        <p:par>
+                          <p:cTn id="33" fill="hold">
+                            <p:stCondLst>
+                              <p:cond delay="0"/>
+                            </p:stCondLst>
+                            <p:childTnLst>
+                              <p:par>
+                                <p:cTn id="34" presetID="10" presetClass="entr" presetSubtype="0" fill="hold" grpId="0" nodeType="clickEffect">
+                                  <p:stCondLst>
+                                    <p:cond delay="0"/>
+                                  </p:stCondLst>
+                                  <p:childTnLst>
+                                    <p:set>
+                                      <p:cBhvr>
+                                        <p:cTn id="35" dur="1" fill="hold">
+                                          <p:stCondLst>
+                                            <p:cond delay="0"/>
+                                          </p:stCondLst>
+                                        </p:cTn>
+                                        <p:tgtEl>
+                                          <p:spTgt spid="6"/>
+                                        </p:tgtEl>
+                                        <p:attrNameLst>
+                                          <p:attrName>style.visibility</p:attrName>
+                                        </p:attrNameLst>
+                                      </p:cBhvr>
+                                      <p:to>
+                                        <p:strVal val="visible"/>
+                                      </p:to>
+                                    </p:set>
+                                    <p:animEffect transition="in" filter="fade">
+                                      <p:cBhvr>
+                                        <p:cTn id="36" dur="500"/>
+                                        <p:tgtEl>
+                                          <p:spTgt spid="6"/>
                                         </p:tgtEl>
                                       </p:cBhvr>
                                     </p:animEffect>
@@ -22187,8 +23419,10 @@
     </p:tnLst>
     <p:bldLst>
       <p:bldP spid="31" grpId="0"/>
-      <p:bldP spid="13" grpId="0"/>
-      <p:bldP spid="14" grpId="0"/>
+      <p:bldP spid="3" grpId="0"/>
+      <p:bldP spid="10" grpId="0"/>
+      <p:bldP spid="11" grpId="0"/>
+      <p:bldP spid="6" grpId="0" animBg="1"/>
     </p:bldLst>
   </p:timing>
 </p:sld>
@@ -22382,17 +23616,7 @@
                 <a:latin typeface="Times New Roman" panose="02020603050405020304" pitchFamily="18" charset="0"/>
                 <a:cs typeface="Times New Roman" panose="02020603050405020304" pitchFamily="18" charset="0"/>
               </a:rPr>
-              <a:t>M</a:t>
-            </a:r>
-            <a:r>
-              <a:rPr lang="en-US" sz="4000" dirty="0" err="1">
-                <a:solidFill>
-                  <a:schemeClr val="tx1"/>
-                </a:solidFill>
-                <a:latin typeface="Times New Roman" panose="02020603050405020304" pitchFamily="18" charset="0"/>
-                <a:cs typeface="Times New Roman" panose="02020603050405020304" pitchFamily="18" charset="0"/>
-              </a:rPr>
-              <a:t>ột</a:t>
+              <a:t>Một</a:t>
             </a:r>
             <a:r>
               <a:rPr lang="en-US" sz="4000" dirty="0">
@@ -22555,17 +23779,7 @@
                 <a:latin typeface="Times New Roman" panose="02020603050405020304" pitchFamily="18" charset="0"/>
                 <a:cs typeface="Times New Roman" panose="02020603050405020304" pitchFamily="18" charset="0"/>
               </a:rPr>
-              <a:t>M</a:t>
-            </a:r>
-            <a:r>
-              <a:rPr lang="en-US" sz="4000" dirty="0" err="1">
-                <a:solidFill>
-                  <a:schemeClr val="tx1"/>
-                </a:solidFill>
-                <a:latin typeface="Times New Roman" panose="02020603050405020304" pitchFamily="18" charset="0"/>
-                <a:cs typeface="Times New Roman" panose="02020603050405020304" pitchFamily="18" charset="0"/>
-              </a:rPr>
-              <a:t>ột</a:t>
+              <a:t>Một</a:t>
             </a:r>
             <a:r>
               <a:rPr lang="en-US" sz="4000" dirty="0">
@@ -28205,7 +29419,7 @@
         </p:nvSpPr>
         <p:spPr>
           <a:xfrm>
-            <a:off x="722085" y="5220590"/>
+            <a:off x="722083" y="4535410"/>
             <a:ext cx="5984725" cy="971548"/>
           </a:xfrm>
           <a:prstGeom prst="rect">
@@ -28438,7 +29652,7 @@
         </p:nvSpPr>
         <p:spPr>
           <a:xfrm>
-            <a:off x="693660" y="2703183"/>
+            <a:off x="967012" y="1738307"/>
             <a:ext cx="5494869" cy="971548"/>
           </a:xfrm>
           <a:prstGeom prst="rect">
@@ -28657,7 +29871,7 @@
         </p:blipFill>
         <p:spPr>
           <a:xfrm>
-            <a:off x="9053331" y="4077493"/>
+            <a:off x="8899579" y="2963643"/>
             <a:ext cx="1777899" cy="620490"/>
           </a:xfrm>
           <a:prstGeom prst="rect">
@@ -28681,7 +29895,7 @@
         </p:blipFill>
         <p:spPr>
           <a:xfrm>
-            <a:off x="6188529" y="4092523"/>
+            <a:off x="6188529" y="3023700"/>
             <a:ext cx="1942974" cy="590429"/>
           </a:xfrm>
           <a:prstGeom prst="rect">
@@ -28705,7 +29919,7 @@
         </p:blipFill>
         <p:spPr>
           <a:xfrm>
-            <a:off x="3714448" y="3944538"/>
+            <a:off x="3510805" y="3096634"/>
             <a:ext cx="1755896" cy="1060616"/>
           </a:xfrm>
           <a:prstGeom prst="rect">
@@ -28736,7 +29950,7 @@
         </p:blipFill>
         <p:spPr bwMode="auto">
           <a:xfrm>
-            <a:off x="1168757" y="4037485"/>
+            <a:off x="722083" y="2986548"/>
             <a:ext cx="1827506" cy="916462"/>
           </a:xfrm>
           <a:prstGeom prst="rect">

--- a/Documents/Báo cáo/Bao cao KLTN_2.pptx
+++ b/Documents/Báo cáo/Bao cao KLTN_2.pptx
@@ -680,7 +680,479 @@
           <a:bodyPr/>
           <a:lstStyle/>
           <a:p>
+            <a:r>
+              <a:rPr lang="en-US" dirty="0" err="1"/>
+              <a:t>Tiến</a:t>
+            </a:r>
+            <a:r>
+              <a:rPr lang="en-US" dirty="0"/>
+              <a:t> </a:t>
+            </a:r>
+            <a:r>
+              <a:rPr lang="en-US" dirty="0" err="1"/>
+              <a:t>hành</a:t>
+            </a:r>
+            <a:r>
+              <a:rPr lang="en-US" dirty="0"/>
+              <a:t> </a:t>
+            </a:r>
+            <a:r>
+              <a:rPr lang="en-US" dirty="0" err="1"/>
+              <a:t>thực</a:t>
+            </a:r>
+            <a:r>
+              <a:rPr lang="en-US" dirty="0"/>
+              <a:t> </a:t>
+            </a:r>
+            <a:r>
+              <a:rPr lang="en-US" dirty="0" err="1"/>
+              <a:t>nghiệm</a:t>
+            </a:r>
+            <a:r>
+              <a:rPr lang="en-US" dirty="0"/>
+              <a:t>: </a:t>
+            </a:r>
+          </a:p>
+          <a:p>
+            <a:pPr marL="171450" indent="-171450">
+              <a:buFontTx/>
+              <a:buChar char="-"/>
+            </a:pPr>
+            <a:r>
+              <a:rPr lang="en-US" dirty="0" err="1"/>
+              <a:t>Thực</a:t>
+            </a:r>
+            <a:r>
+              <a:rPr lang="en-US" dirty="0"/>
+              <a:t> </a:t>
+            </a:r>
+            <a:r>
+              <a:rPr lang="en-US" dirty="0" err="1"/>
+              <a:t>nghiệm</a:t>
+            </a:r>
+            <a:r>
+              <a:rPr lang="en-US" dirty="0"/>
+              <a:t> offline: </a:t>
+            </a:r>
+          </a:p>
+          <a:p>
+            <a:pPr marL="628650" lvl="1" indent="-171450">
+              <a:buFontTx/>
+              <a:buChar char="-"/>
+            </a:pPr>
+            <a:r>
+              <a:rPr lang="en-US" dirty="0"/>
+              <a:t>Ph</a:t>
+            </a:r>
+            <a:r>
+              <a:rPr lang="vi-VN" dirty="0"/>
+              <a:t>ương</a:t>
+            </a:r>
+            <a:r>
+              <a:rPr lang="en-US" dirty="0"/>
+              <a:t> </a:t>
+            </a:r>
+            <a:r>
+              <a:rPr lang="en-US" dirty="0" err="1"/>
+              <a:t>pháp</a:t>
+            </a:r>
+            <a:r>
+              <a:rPr lang="en-US" dirty="0"/>
+              <a:t> chia </a:t>
+            </a:r>
+            <a:r>
+              <a:rPr lang="en-US" dirty="0" err="1"/>
+              <a:t>tập</a:t>
+            </a:r>
+            <a:r>
+              <a:rPr lang="en-US" dirty="0"/>
+              <a:t> </a:t>
+            </a:r>
+            <a:r>
+              <a:rPr lang="en-US" dirty="0" err="1"/>
+              <a:t>dữ</a:t>
+            </a:r>
+            <a:r>
+              <a:rPr lang="en-US" dirty="0"/>
+              <a:t> </a:t>
+            </a:r>
+            <a:r>
+              <a:rPr lang="en-US" dirty="0" err="1"/>
+              <a:t>liệu</a:t>
+            </a:r>
+            <a:r>
+              <a:rPr lang="en-US" dirty="0"/>
+              <a:t> </a:t>
+            </a:r>
+            <a:r>
+              <a:rPr lang="en-US" dirty="0" err="1"/>
+              <a:t>huấn</a:t>
+            </a:r>
+            <a:r>
+              <a:rPr lang="en-US" dirty="0"/>
+              <a:t> </a:t>
+            </a:r>
+            <a:r>
+              <a:rPr lang="en-US" dirty="0" err="1"/>
+              <a:t>luyện</a:t>
+            </a:r>
+            <a:r>
+              <a:rPr lang="en-US" dirty="0"/>
+              <a:t>: K-fold Cross Validation. </a:t>
+            </a:r>
+            <a:r>
+              <a:rPr lang="en-US" dirty="0" err="1"/>
+              <a:t>Với</a:t>
+            </a:r>
+            <a:r>
+              <a:rPr lang="en-US" dirty="0"/>
+              <a:t> </a:t>
+            </a:r>
+            <a:r>
+              <a:rPr lang="en-US" dirty="0" err="1"/>
+              <a:t>số</a:t>
+            </a:r>
+            <a:r>
+              <a:rPr lang="en-US" dirty="0"/>
+              <a:t> fold k = 10.</a:t>
+            </a:r>
+          </a:p>
+          <a:p>
+            <a:pPr marL="628650" marR="0" lvl="1" indent="-171450" algn="l" defTabSz="914400" rtl="0" eaLnBrk="1" fontAlgn="auto" latinLnBrk="0" hangingPunct="1">
+              <a:lnSpc>
+                <a:spcPct val="100000"/>
+              </a:lnSpc>
+              <a:spcBef>
+                <a:spcPts val="0"/>
+              </a:spcBef>
+              <a:spcAft>
+                <a:spcPts val="0"/>
+              </a:spcAft>
+              <a:buClrTx/>
+              <a:buSzTx/>
+              <a:buFontTx/>
+              <a:buChar char="-"/>
+              <a:tabLst/>
+              <a:defRPr/>
+            </a:pPr>
+            <a:r>
+              <a:rPr lang="en-US" dirty="0" err="1"/>
+              <a:t>Dộ</a:t>
+            </a:r>
+            <a:r>
+              <a:rPr lang="en-US" dirty="0"/>
+              <a:t> </a:t>
+            </a:r>
+            <a:r>
+              <a:rPr lang="en-US" dirty="0" err="1"/>
+              <a:t>đo</a:t>
+            </a:r>
+            <a:r>
+              <a:rPr lang="en-US" dirty="0"/>
+              <a:t> đ</a:t>
+            </a:r>
+            <a:r>
+              <a:rPr lang="vi-VN" dirty="0"/>
+              <a:t>ược</a:t>
+            </a:r>
+            <a:r>
+              <a:rPr lang="en-US" dirty="0"/>
+              <a:t> </a:t>
+            </a:r>
+            <a:r>
+              <a:rPr lang="en-US" dirty="0" err="1"/>
+              <a:t>sử</a:t>
+            </a:r>
+            <a:r>
+              <a:rPr lang="en-US" dirty="0"/>
+              <a:t> </a:t>
+            </a:r>
+            <a:r>
+              <a:rPr lang="en-US" dirty="0" err="1"/>
+              <a:t>dụng</a:t>
+            </a:r>
+            <a:r>
+              <a:rPr lang="en-US" dirty="0"/>
+              <a:t>: Precision, Recall, F-Measure, NDCG, RMSE, MAP, MRR.</a:t>
+            </a:r>
+            <a:endParaRPr lang="vi-VN" dirty="0"/>
+          </a:p>
+          <a:p>
+            <a:pPr marL="628650" lvl="1" indent="-171450">
+              <a:buFontTx/>
+              <a:buChar char="-"/>
+            </a:pPr>
+            <a:r>
+              <a:rPr lang="en-US" dirty="0" err="1"/>
+              <a:t>Thuật</a:t>
+            </a:r>
+            <a:r>
+              <a:rPr lang="en-US" dirty="0"/>
+              <a:t> </a:t>
+            </a:r>
+            <a:r>
+              <a:rPr lang="en-US" dirty="0" err="1"/>
+              <a:t>toán</a:t>
+            </a:r>
+            <a:r>
+              <a:rPr lang="en-US" dirty="0"/>
+              <a:t>: </a:t>
+            </a:r>
+            <a:r>
+              <a:rPr lang="en-US" dirty="0" err="1"/>
+              <a:t>tất</a:t>
+            </a:r>
+            <a:r>
+              <a:rPr lang="en-US" dirty="0"/>
+              <a:t> </a:t>
+            </a:r>
+            <a:r>
+              <a:rPr lang="en-US" dirty="0" err="1"/>
+              <a:t>cả</a:t>
+            </a:r>
             <a:endParaRPr lang="en-US" dirty="0"/>
+          </a:p>
+          <a:p>
+            <a:pPr marL="171450" lvl="0" indent="-171450">
+              <a:buFontTx/>
+              <a:buChar char="-"/>
+            </a:pPr>
+            <a:r>
+              <a:rPr lang="en-US" dirty="0" err="1"/>
+              <a:t>Thực</a:t>
+            </a:r>
+            <a:r>
+              <a:rPr lang="en-US" dirty="0"/>
+              <a:t> </a:t>
+            </a:r>
+            <a:r>
+              <a:rPr lang="en-US" dirty="0" err="1"/>
+              <a:t>nghiệm</a:t>
+            </a:r>
+            <a:r>
+              <a:rPr lang="en-US" dirty="0"/>
+              <a:t> online:</a:t>
+            </a:r>
+          </a:p>
+          <a:p>
+            <a:pPr marL="628650" lvl="1" indent="-171450">
+              <a:buFontTx/>
+              <a:buChar char="-"/>
+            </a:pPr>
+            <a:r>
+              <a:rPr lang="en-US" dirty="0"/>
+              <a:t>Ph</a:t>
+            </a:r>
+            <a:r>
+              <a:rPr lang="vi-VN" dirty="0"/>
+              <a:t>ương</a:t>
+            </a:r>
+            <a:r>
+              <a:rPr lang="en-US" dirty="0"/>
+              <a:t> </a:t>
+            </a:r>
+            <a:r>
+              <a:rPr lang="en-US" dirty="0" err="1"/>
+              <a:t>pháp</a:t>
+            </a:r>
+            <a:r>
+              <a:rPr lang="en-US" dirty="0"/>
+              <a:t>: </a:t>
+            </a:r>
+            <a:r>
+              <a:rPr lang="en-US" dirty="0" err="1"/>
+              <a:t>chạy</a:t>
+            </a:r>
+            <a:r>
+              <a:rPr lang="en-US" dirty="0"/>
+              <a:t> 3 </a:t>
+            </a:r>
+            <a:r>
+              <a:rPr lang="en-US" dirty="0" err="1"/>
+              <a:t>thuật</a:t>
+            </a:r>
+            <a:r>
+              <a:rPr lang="en-US" dirty="0"/>
+              <a:t> </a:t>
+            </a:r>
+            <a:r>
+              <a:rPr lang="en-US" dirty="0" err="1"/>
+              <a:t>toán</a:t>
+            </a:r>
+            <a:r>
+              <a:rPr lang="en-US" dirty="0"/>
+              <a:t> </a:t>
+            </a:r>
+            <a:r>
+              <a:rPr lang="en-US" dirty="0" err="1"/>
+              <a:t>khuyến</a:t>
+            </a:r>
+            <a:r>
+              <a:rPr lang="en-US" dirty="0"/>
+              <a:t> </a:t>
+            </a:r>
+            <a:r>
+              <a:rPr lang="en-US" dirty="0" err="1"/>
+              <a:t>nghị</a:t>
+            </a:r>
+            <a:r>
+              <a:rPr lang="en-US" dirty="0"/>
+              <a:t> đ</a:t>
+            </a:r>
+            <a:r>
+              <a:rPr lang="vi-VN" dirty="0"/>
+              <a:t>ược đánh giá là tốt nhất từ thực nghiệm offline -&gt; lấy kết quả khuyến nghị để khảo sát người dùng.</a:t>
+            </a:r>
+          </a:p>
+          <a:p>
+            <a:pPr marL="628650" lvl="1" indent="-171450">
+              <a:buFontTx/>
+              <a:buChar char="-"/>
+            </a:pPr>
+            <a:r>
+              <a:rPr lang="en-US" dirty="0" err="1"/>
+              <a:t>độ</a:t>
+            </a:r>
+            <a:r>
+              <a:rPr lang="en-US" dirty="0"/>
+              <a:t> </a:t>
+            </a:r>
+            <a:r>
+              <a:rPr lang="en-US" dirty="0" err="1"/>
+              <a:t>đo</a:t>
+            </a:r>
+            <a:r>
+              <a:rPr lang="en-US" dirty="0"/>
+              <a:t> đ</a:t>
+            </a:r>
+            <a:r>
+              <a:rPr lang="vi-VN" dirty="0"/>
+              <a:t>ược sử dụng: Precision, NDCG, RMSE, MAP, MRR </a:t>
+            </a:r>
+            <a:r>
+              <a:rPr lang="en-US" dirty="0"/>
+              <a:t>(</a:t>
+            </a:r>
+            <a:r>
+              <a:rPr lang="vi-VN" dirty="0"/>
+              <a:t>nguyên nhân: </a:t>
+            </a:r>
+            <a:r>
+              <a:rPr lang="en-US" dirty="0" err="1"/>
+              <a:t>thực</a:t>
+            </a:r>
+            <a:r>
+              <a:rPr lang="en-US" dirty="0"/>
+              <a:t> </a:t>
+            </a:r>
+            <a:r>
+              <a:rPr lang="en-US" dirty="0" err="1"/>
+              <a:t>nghiệm</a:t>
+            </a:r>
+            <a:r>
+              <a:rPr lang="en-US" dirty="0"/>
+              <a:t> online </a:t>
+            </a:r>
+            <a:r>
+              <a:rPr lang="en-US" dirty="0" err="1"/>
+              <a:t>không</a:t>
+            </a:r>
+            <a:r>
+              <a:rPr lang="en-US" dirty="0"/>
+              <a:t> </a:t>
+            </a:r>
+            <a:r>
+              <a:rPr lang="en-US" dirty="0" err="1"/>
+              <a:t>có</a:t>
+            </a:r>
+            <a:r>
+              <a:rPr lang="en-US" dirty="0"/>
+              <a:t> </a:t>
+            </a:r>
+            <a:r>
+              <a:rPr lang="en-US" dirty="0" err="1"/>
+              <a:t>tập</a:t>
+            </a:r>
+            <a:r>
+              <a:rPr lang="en-US" dirty="0"/>
+              <a:t> </a:t>
+            </a:r>
+            <a:r>
+              <a:rPr lang="en-US" dirty="0" err="1"/>
+              <a:t>dữ</a:t>
+            </a:r>
+            <a:r>
+              <a:rPr lang="en-US" dirty="0"/>
+              <a:t> </a:t>
+            </a:r>
+            <a:r>
+              <a:rPr lang="en-US" dirty="0" err="1"/>
+              <a:t>liệu</a:t>
+            </a:r>
+            <a:r>
+              <a:rPr lang="en-US" dirty="0"/>
+              <a:t> </a:t>
+            </a:r>
+            <a:r>
+              <a:rPr lang="en-US" dirty="0" err="1"/>
+              <a:t>GroundTruth</a:t>
+            </a:r>
+            <a:r>
+              <a:rPr lang="en-US" dirty="0"/>
+              <a:t> </a:t>
+            </a:r>
+            <a:r>
+              <a:rPr lang="en-US" dirty="0" err="1"/>
+              <a:t>nên</a:t>
+            </a:r>
+            <a:r>
+              <a:rPr lang="en-US" dirty="0"/>
+              <a:t> </a:t>
+            </a:r>
+            <a:r>
+              <a:rPr lang="en-US" dirty="0" err="1"/>
+              <a:t>không</a:t>
+            </a:r>
+            <a:r>
+              <a:rPr lang="en-US" dirty="0"/>
+              <a:t> </a:t>
+            </a:r>
+            <a:r>
+              <a:rPr lang="en-US" dirty="0" err="1"/>
+              <a:t>thể</a:t>
+            </a:r>
+            <a:r>
+              <a:rPr lang="en-US" dirty="0"/>
+              <a:t> </a:t>
+            </a:r>
+            <a:r>
+              <a:rPr lang="en-US" dirty="0" err="1"/>
+              <a:t>chạy</a:t>
+            </a:r>
+            <a:r>
+              <a:rPr lang="en-US" dirty="0"/>
+              <a:t> đ</a:t>
+            </a:r>
+            <a:r>
+              <a:rPr lang="vi-VN" dirty="0"/>
+              <a:t>ư</a:t>
+            </a:r>
+            <a:r>
+              <a:rPr lang="en-US" dirty="0" err="1"/>
+              <a:t>ợc</a:t>
+            </a:r>
+            <a:r>
+              <a:rPr lang="en-US" dirty="0"/>
+              <a:t> Recall </a:t>
+            </a:r>
+            <a:r>
+              <a:rPr lang="en-US" dirty="0" err="1"/>
+              <a:t>và</a:t>
+            </a:r>
+            <a:r>
+              <a:rPr lang="en-US" dirty="0"/>
+              <a:t> F-Measure)</a:t>
+            </a:r>
           </a:p>
         </p:txBody>
       </p:sp>
@@ -702,7 +1174,7 @@
             <a:fld id="{8FDBD688-BEAD-456A-A731-272759E2F441}" type="slidenum">
               <a:rPr lang="en-US" smtClean="0"/>
               <a:pPr/>
-              <a:t>12</a:t>
+              <a:t>11</a:t>
             </a:fld>
             <a:endParaRPr lang="en-US"/>
           </a:p>
@@ -711,7 +1183,7 @@
     </p:spTree>
     <p:extLst>
       <p:ext uri="{BB962C8B-B14F-4D97-AF65-F5344CB8AC3E}">
-        <p14:creationId xmlns:p14="http://schemas.microsoft.com/office/powerpoint/2010/main" val="3716716517"/>
+        <p14:creationId xmlns:p14="http://schemas.microsoft.com/office/powerpoint/2010/main" val="2341584277"/>
       </p:ext>
     </p:extLst>
   </p:cSld>
@@ -765,6 +1237,91 @@
           <a:bodyPr/>
           <a:lstStyle/>
           <a:p>
+            <a:endParaRPr lang="en-US" dirty="0"/>
+          </a:p>
+        </p:txBody>
+      </p:sp>
+      <p:sp>
+        <p:nvSpPr>
+          <p:cNvPr id="4" name="Slide Number Placeholder 3"/>
+          <p:cNvSpPr>
+            <a:spLocks noGrp="1"/>
+          </p:cNvSpPr>
+          <p:nvPr>
+            <p:ph type="sldNum" sz="quarter" idx="10"/>
+          </p:nvPr>
+        </p:nvSpPr>
+        <p:spPr/>
+        <p:txBody>
+          <a:bodyPr/>
+          <a:lstStyle/>
+          <a:p>
+            <a:fld id="{8FDBD688-BEAD-456A-A731-272759E2F441}" type="slidenum">
+              <a:rPr lang="en-US" smtClean="0"/>
+              <a:pPr/>
+              <a:t>12</a:t>
+            </a:fld>
+            <a:endParaRPr lang="en-US"/>
+          </a:p>
+        </p:txBody>
+      </p:sp>
+    </p:spTree>
+    <p:extLst>
+      <p:ext uri="{BB962C8B-B14F-4D97-AF65-F5344CB8AC3E}">
+        <p14:creationId xmlns:p14="http://schemas.microsoft.com/office/powerpoint/2010/main" val="3716716517"/>
+      </p:ext>
+    </p:extLst>
+  </p:cSld>
+  <p:clrMapOvr>
+    <a:masterClrMapping/>
+  </p:clrMapOvr>
+</p:notes>
+</file>
+
+<file path=ppt/notesSlides/notesSlide12.xml><?xml version="1.0" encoding="utf-8"?>
+<p:notes xmlns:a="http://schemas.openxmlformats.org/drawingml/2006/main" xmlns:r="http://schemas.openxmlformats.org/officeDocument/2006/relationships" xmlns:p="http://schemas.openxmlformats.org/presentationml/2006/main">
+  <p:cSld>
+    <p:spTree>
+      <p:nvGrpSpPr>
+        <p:cNvPr id="1" name=""/>
+        <p:cNvGrpSpPr/>
+        <p:nvPr/>
+      </p:nvGrpSpPr>
+      <p:grpSpPr>
+        <a:xfrm>
+          <a:off x="0" y="0"/>
+          <a:ext cx="0" cy="0"/>
+          <a:chOff x="0" y="0"/>
+          <a:chExt cx="0" cy="0"/>
+        </a:xfrm>
+      </p:grpSpPr>
+      <p:sp>
+        <p:nvSpPr>
+          <p:cNvPr id="2" name="Slide Image Placeholder 1"/>
+          <p:cNvSpPr>
+            <a:spLocks noGrp="1" noRot="1" noChangeAspect="1"/>
+          </p:cNvSpPr>
+          <p:nvPr>
+            <p:ph type="sldImg"/>
+          </p:nvPr>
+        </p:nvSpPr>
+        <p:spPr/>
+      </p:sp>
+      <p:sp>
+        <p:nvSpPr>
+          <p:cNvPr id="3" name="Notes Placeholder 2"/>
+          <p:cNvSpPr>
+            <a:spLocks noGrp="1"/>
+          </p:cNvSpPr>
+          <p:nvPr>
+            <p:ph type="body" idx="1"/>
+          </p:nvPr>
+        </p:nvSpPr>
+        <p:spPr/>
+        <p:txBody>
+          <a:bodyPr/>
+          <a:lstStyle/>
+          <a:p>
             <a:r>
               <a:rPr lang="en-US" dirty="0" err="1"/>
               <a:t>Ve</a:t>
@@ -897,7 +1454,7 @@
 </p:notes>
 </file>
 
-<file path=ppt/notesSlides/notesSlide12.xml><?xml version="1.0" encoding="utf-8"?>
+<file path=ppt/notesSlides/notesSlide13.xml><?xml version="1.0" encoding="utf-8"?>
 <p:notes xmlns:a="http://schemas.openxmlformats.org/drawingml/2006/main" xmlns:r="http://schemas.openxmlformats.org/officeDocument/2006/relationships" xmlns:p="http://schemas.openxmlformats.org/presentationml/2006/main">
   <p:cSld>
     <p:spTree>
@@ -982,7 +1539,7 @@
 </p:notes>
 </file>
 
-<file path=ppt/notesSlides/notesSlide13.xml><?xml version="1.0" encoding="utf-8"?>
+<file path=ppt/notesSlides/notesSlide14.xml><?xml version="1.0" encoding="utf-8"?>
 <p:notes xmlns:a="http://schemas.openxmlformats.org/drawingml/2006/main" xmlns:r="http://schemas.openxmlformats.org/officeDocument/2006/relationships" xmlns:p="http://schemas.openxmlformats.org/presentationml/2006/main">
   <p:cSld>
     <p:spTree>
@@ -1067,7 +1624,7 @@
 </p:notes>
 </file>
 
-<file path=ppt/notesSlides/notesSlide14.xml><?xml version="1.0" encoding="utf-8"?>
+<file path=ppt/notesSlides/notesSlide15.xml><?xml version="1.0" encoding="utf-8"?>
 <p:notes xmlns:a="http://schemas.openxmlformats.org/drawingml/2006/main" xmlns:r="http://schemas.openxmlformats.org/officeDocument/2006/relationships" xmlns:p="http://schemas.openxmlformats.org/presentationml/2006/main">
   <p:cSld>
     <p:spTree>
@@ -1152,7 +1709,7 @@
 </p:notes>
 </file>
 
-<file path=ppt/notesSlides/notesSlide15.xml><?xml version="1.0" encoding="utf-8"?>
+<file path=ppt/notesSlides/notesSlide16.xml><?xml version="1.0" encoding="utf-8"?>
 <p:notes xmlns:a="http://schemas.openxmlformats.org/drawingml/2006/main" xmlns:r="http://schemas.openxmlformats.org/officeDocument/2006/relationships" xmlns:p="http://schemas.openxmlformats.org/presentationml/2006/main">
   <p:cSld>
     <p:spTree>
@@ -1283,7 +1840,15 @@
           <a:p>
             <a:r>
               <a:rPr lang="en-US" dirty="0" err="1"/>
-              <a:t>Tránh</a:t>
+              <a:t>Khuyến</a:t>
+            </a:r>
+            <a:r>
+              <a:rPr lang="en-US" dirty="0"/>
+              <a:t> </a:t>
+            </a:r>
+            <a:r>
+              <a:rPr lang="en-US" dirty="0" err="1"/>
+              <a:t>nghị</a:t>
             </a:r>
             <a:r>
               <a:rPr lang="en-US" dirty="0"/>
@@ -1299,38 +1864,95 @@
             </a:r>
             <a:r>
               <a:rPr lang="en-US" dirty="0" err="1"/>
-              <a:t>quá</a:t>
-            </a:r>
-            <a:r>
-              <a:rPr lang="en-US" dirty="0"/>
-              <a:t> </a:t>
-            </a:r>
-            <a:r>
-              <a:rPr lang="en-US" dirty="0" err="1"/>
-              <a:t>tải</a:t>
-            </a:r>
-            <a:r>
-              <a:rPr lang="en-US" dirty="0"/>
-              <a:t> </a:t>
-            </a:r>
-            <a:r>
-              <a:rPr lang="en-US" dirty="0" err="1"/>
-              <a:t>dữ</a:t>
-            </a:r>
-            <a:r>
-              <a:rPr lang="en-US" dirty="0"/>
-              <a:t> </a:t>
-            </a:r>
-            <a:r>
-              <a:rPr lang="en-US" dirty="0" err="1"/>
-              <a:t>liệu</a:t>
-            </a:r>
-            <a:endParaRPr lang="en-US" dirty="0"/>
-          </a:p>
-          <a:p>
-            <a:r>
-              <a:rPr lang="en-US" dirty="0" err="1"/>
-              <a:t>Mang</a:t>
+              <a:t>làm</a:t>
+            </a:r>
+            <a:r>
+              <a:rPr lang="en-US" dirty="0"/>
+              <a:t> </a:t>
+            </a:r>
+            <a:r>
+              <a:rPr lang="en-US" dirty="0" err="1"/>
+              <a:t>là</a:t>
+            </a:r>
+            <a:r>
+              <a:rPr lang="en-US" dirty="0"/>
+              <a:t> </a:t>
+            </a:r>
+            <a:r>
+              <a:rPr lang="en-US" dirty="0" err="1"/>
+              <a:t>bài</a:t>
+            </a:r>
+            <a:r>
+              <a:rPr lang="en-US" dirty="0"/>
+              <a:t> </a:t>
+            </a:r>
+            <a:r>
+              <a:rPr lang="en-US" dirty="0" err="1"/>
+              <a:t>toán</a:t>
+            </a:r>
+            <a:r>
+              <a:rPr lang="en-US" dirty="0"/>
+              <a:t> </a:t>
+            </a:r>
+            <a:r>
+              <a:rPr lang="en-US" dirty="0" err="1"/>
+              <a:t>trả</a:t>
+            </a:r>
+            <a:r>
+              <a:rPr lang="en-US" dirty="0"/>
+              <a:t> </a:t>
+            </a:r>
+            <a:r>
+              <a:rPr lang="en-US" dirty="0" err="1"/>
+              <a:t>một</a:t>
+            </a:r>
+            <a:r>
+              <a:rPr lang="en-US" dirty="0"/>
+              <a:t> </a:t>
+            </a:r>
+            <a:r>
+              <a:rPr lang="en-US" dirty="0" err="1"/>
+              <a:t>một</a:t>
+            </a:r>
+            <a:r>
+              <a:rPr lang="en-US" dirty="0"/>
+              <a:t> </a:t>
+            </a:r>
+            <a:r>
+              <a:rPr lang="en-US" dirty="0" err="1"/>
+              <a:t>danh</a:t>
+            </a:r>
+            <a:r>
+              <a:rPr lang="en-US" dirty="0"/>
+              <a:t> </a:t>
+            </a:r>
+            <a:r>
+              <a:rPr lang="en-US" dirty="0" err="1"/>
+              <a:t>sách</a:t>
+            </a:r>
+            <a:r>
+              <a:rPr lang="en-US" dirty="0"/>
+              <a:t> </a:t>
+            </a:r>
+            <a:r>
+              <a:rPr lang="en-US" dirty="0" err="1"/>
+              <a:t>xếp</a:t>
+            </a:r>
+            <a:r>
+              <a:rPr lang="en-US" dirty="0"/>
+              <a:t> </a:t>
+            </a:r>
+            <a:r>
+              <a:rPr lang="en-US" dirty="0" err="1"/>
+              <a:t>hạng</a:t>
+            </a:r>
+            <a:r>
+              <a:rPr lang="en-US" dirty="0"/>
+              <a:t> </a:t>
+            </a:r>
+            <a:r>
+              <a:rPr lang="en-US" dirty="0" err="1"/>
+              <a:t>các</a:t>
             </a:r>
             <a:r>
               <a:rPr lang="en-US" dirty="0"/>
@@ -1346,27 +1968,87 @@
             </a:r>
             <a:r>
               <a:rPr lang="en-US" dirty="0" err="1"/>
-              <a:t>đến</a:t>
-            </a:r>
-            <a:r>
-              <a:rPr lang="en-US" dirty="0"/>
-              <a:t> </a:t>
-            </a:r>
-            <a:r>
-              <a:rPr lang="en-US" dirty="0" err="1"/>
-              <a:t>đúng</a:t>
-            </a:r>
-            <a:r>
-              <a:rPr lang="en-US" dirty="0"/>
-              <a:t> ng</a:t>
-            </a:r>
-            <a:r>
-              <a:rPr lang="vi-VN" dirty="0"/>
-              <a:t>ư</a:t>
-            </a:r>
-            <a:r>
-              <a:rPr lang="en-US" dirty="0" err="1"/>
-              <a:t>ời</a:t>
+              <a:t>làm</a:t>
+            </a:r>
+            <a:r>
+              <a:rPr lang="en-US" dirty="0"/>
+              <a:t> </a:t>
+            </a:r>
+            <a:r>
+              <a:rPr lang="en-US" dirty="0" err="1"/>
+              <a:t>có</a:t>
+            </a:r>
+            <a:r>
+              <a:rPr lang="en-US" dirty="0"/>
+              <a:t> </a:t>
+            </a:r>
+            <a:r>
+              <a:rPr lang="en-US" dirty="0" err="1"/>
+              <a:t>thể</a:t>
+            </a:r>
+            <a:r>
+              <a:rPr lang="en-US" dirty="0"/>
+              <a:t> </a:t>
+            </a:r>
+            <a:r>
+              <a:rPr lang="en-US" dirty="0" err="1"/>
+              <a:t>phù</a:t>
+            </a:r>
+            <a:r>
+              <a:rPr lang="en-US" dirty="0"/>
+              <a:t> </a:t>
+            </a:r>
+            <a:r>
+              <a:rPr lang="en-US" dirty="0" err="1"/>
+              <a:t>hợp</a:t>
+            </a:r>
+            <a:r>
+              <a:rPr lang="en-US" dirty="0"/>
+              <a:t> </a:t>
+            </a:r>
+            <a:r>
+              <a:rPr lang="en-US" dirty="0" err="1"/>
+              <a:t>với</a:t>
+            </a:r>
+            <a:r>
+              <a:rPr lang="en-US" dirty="0"/>
+              <a:t> </a:t>
+            </a:r>
+            <a:r>
+              <a:rPr lang="en-US" dirty="0" err="1"/>
+              <a:t>nhu</a:t>
+            </a:r>
+            <a:r>
+              <a:rPr lang="en-US" dirty="0"/>
+              <a:t> </a:t>
+            </a:r>
+            <a:r>
+              <a:rPr lang="en-US" dirty="0" err="1"/>
+              <a:t>cầu</a:t>
+            </a:r>
+            <a:r>
+              <a:rPr lang="en-US" dirty="0"/>
+              <a:t> </a:t>
+            </a:r>
+            <a:r>
+              <a:rPr lang="en-US" dirty="0" err="1"/>
+              <a:t>của</a:t>
+            </a:r>
+            <a:r>
+              <a:rPr lang="en-US" dirty="0"/>
+              <a:t> </a:t>
+            </a:r>
+            <a:r>
+              <a:rPr lang="en-US" dirty="0" err="1"/>
+              <a:t>ứng</a:t>
+            </a:r>
+            <a:r>
+              <a:rPr lang="en-US" dirty="0"/>
+              <a:t> </a:t>
+            </a:r>
+            <a:r>
+              <a:rPr lang="en-US" dirty="0" err="1"/>
+              <a:t>viên</a:t>
             </a:r>
             <a:endParaRPr lang="en-US" dirty="0"/>
           </a:p>
@@ -1376,67 +2058,15 @@
           <a:p>
             <a:r>
               <a:rPr lang="en-US" dirty="0" err="1"/>
-              <a:t>Có</a:t>
-            </a:r>
-            <a:r>
-              <a:rPr lang="en-US" dirty="0"/>
-              <a:t> </a:t>
-            </a:r>
-            <a:r>
-              <a:rPr lang="en-US" dirty="0" err="1"/>
-              <a:t>rất</a:t>
-            </a:r>
-            <a:r>
-              <a:rPr lang="en-US" dirty="0"/>
-              <a:t> </a:t>
-            </a:r>
-            <a:r>
-              <a:rPr lang="en-US" dirty="0" err="1"/>
-              <a:t>nhiều</a:t>
-            </a:r>
-            <a:r>
-              <a:rPr lang="en-US" dirty="0"/>
-              <a:t> </a:t>
-            </a:r>
-            <a:r>
-              <a:rPr lang="en-US" dirty="0" err="1"/>
-              <a:t>nghiên</a:t>
-            </a:r>
-            <a:r>
-              <a:rPr lang="en-US" dirty="0"/>
-              <a:t> </a:t>
-            </a:r>
-            <a:r>
-              <a:rPr lang="en-US" dirty="0" err="1"/>
-              <a:t>cứu</a:t>
-            </a:r>
-            <a:r>
-              <a:rPr lang="en-US" dirty="0"/>
-              <a:t> ở </a:t>
-            </a:r>
-            <a:r>
-              <a:rPr lang="en-US" dirty="0" err="1"/>
-              <a:t>trong</a:t>
-            </a:r>
-            <a:r>
-              <a:rPr lang="en-US" dirty="0"/>
-              <a:t> </a:t>
-            </a:r>
-            <a:r>
-              <a:rPr lang="en-US" dirty="0" err="1"/>
-              <a:t>và</a:t>
-            </a:r>
-            <a:r>
-              <a:rPr lang="en-US" dirty="0"/>
-              <a:t> </a:t>
-            </a:r>
-            <a:r>
-              <a:rPr lang="en-US" dirty="0" err="1"/>
-              <a:t>ngoài</a:t>
-            </a:r>
-            <a:r>
-              <a:rPr lang="en-US" dirty="0"/>
-              <a:t> n</a:t>
+              <a:t>Thông</a:t>
+            </a:r>
+            <a:r>
+              <a:rPr lang="en-US" dirty="0"/>
+              <a:t> </a:t>
+            </a:r>
+            <a:r>
+              <a:rPr lang="en-US" dirty="0" err="1"/>
+              <a:t>th</a:t>
             </a:r>
             <a:r>
               <a:rPr lang="vi-VN" dirty="0"/>
@@ -1444,49 +2074,531 @@
             </a:r>
             <a:r>
               <a:rPr lang="en-US" dirty="0" err="1"/>
-              <a:t>ớc</a:t>
-            </a:r>
-            <a:r>
-              <a:rPr lang="en-US" dirty="0"/>
-              <a:t>. </a:t>
-            </a:r>
-            <a:r>
-              <a:rPr lang="en-US" dirty="0" err="1"/>
-              <a:t>Nh</a:t>
+              <a:t>ờng</a:t>
+            </a:r>
+            <a:r>
+              <a:rPr lang="en-US" dirty="0"/>
+              <a:t> ng</a:t>
             </a:r>
             <a:r>
               <a:rPr lang="vi-VN" dirty="0"/>
               <a:t>ư</a:t>
             </a:r>
             <a:r>
-              <a:rPr lang="en-US" dirty="0"/>
-              <a:t>ng </a:t>
-            </a:r>
-            <a:r>
-              <a:rPr lang="en-US" dirty="0" err="1"/>
-              <a:t>vẫn</a:t>
-            </a:r>
-            <a:r>
-              <a:rPr lang="en-US" dirty="0"/>
-              <a:t> </a:t>
-            </a:r>
-            <a:r>
-              <a:rPr lang="en-US" dirty="0" err="1"/>
-              <a:t>ch</a:t>
+              <a:rPr lang="en-US" dirty="0" err="1"/>
+              <a:t>ời</a:t>
+            </a:r>
+            <a:r>
+              <a:rPr lang="en-US" dirty="0"/>
+              <a:t> </a:t>
+            </a:r>
+            <a:r>
+              <a:rPr lang="en-US" dirty="0" err="1"/>
+              <a:t>dùng</a:t>
+            </a:r>
+            <a:r>
+              <a:rPr lang="en-US" dirty="0"/>
+              <a:t> </a:t>
+            </a:r>
+            <a:r>
+              <a:rPr lang="en-US" dirty="0" err="1"/>
+              <a:t>tìm</a:t>
+            </a:r>
+            <a:r>
+              <a:rPr lang="en-US" dirty="0"/>
+              <a:t> </a:t>
+            </a:r>
+            <a:r>
+              <a:rPr lang="en-US" dirty="0" err="1"/>
+              <a:t>kiếm</a:t>
+            </a:r>
+            <a:r>
+              <a:rPr lang="en-US" dirty="0"/>
+              <a:t> </a:t>
+            </a:r>
+            <a:r>
+              <a:rPr lang="en-US" dirty="0" err="1"/>
+              <a:t>việc</a:t>
+            </a:r>
+            <a:r>
+              <a:rPr lang="en-US" dirty="0"/>
+              <a:t> </a:t>
+            </a:r>
+            <a:r>
+              <a:rPr lang="en-US" dirty="0" err="1"/>
+              <a:t>làm</a:t>
+            </a:r>
+            <a:r>
+              <a:rPr lang="en-US" dirty="0"/>
+              <a:t> </a:t>
+            </a:r>
+            <a:r>
+              <a:rPr lang="en-US" dirty="0" err="1"/>
+              <a:t>dựa</a:t>
+            </a:r>
+            <a:r>
+              <a:rPr lang="en-US" dirty="0"/>
+              <a:t> </a:t>
+            </a:r>
+            <a:r>
+              <a:rPr lang="en-US" dirty="0" err="1"/>
+              <a:t>vào</a:t>
+            </a:r>
+            <a:r>
+              <a:rPr lang="en-US" dirty="0"/>
+              <a:t> </a:t>
+            </a:r>
+            <a:r>
+              <a:rPr lang="en-US" dirty="0" err="1"/>
+              <a:t>những</a:t>
+            </a:r>
+            <a:r>
+              <a:rPr lang="en-US" dirty="0"/>
+              <a:t> </a:t>
+            </a:r>
+            <a:r>
+              <a:rPr lang="en-US" dirty="0" err="1"/>
+              <a:t>trang</a:t>
+            </a:r>
+            <a:r>
+              <a:rPr lang="en-US" dirty="0"/>
+              <a:t> </a:t>
+            </a:r>
+            <a:r>
+              <a:rPr lang="en-US" dirty="0" err="1"/>
+              <a:t>đăng</a:t>
+            </a:r>
+            <a:r>
+              <a:rPr lang="en-US" dirty="0"/>
+              <a:t> </a:t>
+            </a:r>
+            <a:r>
+              <a:rPr lang="en-US" dirty="0" err="1"/>
+              <a:t>tuyển</a:t>
+            </a:r>
+            <a:r>
+              <a:rPr lang="en-US" dirty="0"/>
+              <a:t> </a:t>
+            </a:r>
+            <a:r>
+              <a:rPr lang="en-US" dirty="0" err="1"/>
+              <a:t>trực</a:t>
+            </a:r>
+            <a:r>
+              <a:rPr lang="en-US" dirty="0"/>
+              <a:t> </a:t>
+            </a:r>
+            <a:r>
+              <a:rPr lang="en-US" dirty="0" err="1"/>
+              <a:t>tuyến</a:t>
+            </a:r>
+            <a:r>
+              <a:rPr lang="en-US" dirty="0"/>
+              <a:t>. </a:t>
+            </a:r>
+            <a:r>
+              <a:rPr lang="en-US" dirty="0" err="1"/>
+              <a:t>Tuy</a:t>
+            </a:r>
+            <a:r>
+              <a:rPr lang="en-US" dirty="0"/>
+              <a:t> </a:t>
+            </a:r>
+            <a:r>
+              <a:rPr lang="en-US" dirty="0" err="1"/>
+              <a:t>nhiên</a:t>
+            </a:r>
+            <a:r>
+              <a:rPr lang="en-US" dirty="0"/>
+              <a:t> </a:t>
+            </a:r>
+            <a:r>
+              <a:rPr lang="en-US" dirty="0" err="1"/>
+              <a:t>việc</a:t>
+            </a:r>
+            <a:r>
+              <a:rPr lang="en-US" dirty="0"/>
+              <a:t> </a:t>
+            </a:r>
+            <a:r>
+              <a:rPr lang="en-US" dirty="0" err="1"/>
+              <a:t>gia</a:t>
+            </a:r>
+            <a:r>
+              <a:rPr lang="en-US" dirty="0"/>
+              <a:t> </a:t>
+            </a:r>
+            <a:r>
+              <a:rPr lang="en-US" dirty="0" err="1"/>
+              <a:t>tăng</a:t>
+            </a:r>
+            <a:r>
+              <a:rPr lang="en-US" dirty="0"/>
+              <a:t> </a:t>
+            </a:r>
+            <a:r>
+              <a:rPr lang="en-US" dirty="0" err="1"/>
+              <a:t>thông</a:t>
+            </a:r>
+            <a:r>
+              <a:rPr lang="en-US" dirty="0"/>
+              <a:t> tin </a:t>
+            </a:r>
+            <a:r>
+              <a:rPr lang="en-US" dirty="0" err="1"/>
+              <a:t>nhanh</a:t>
+            </a:r>
+            <a:r>
+              <a:rPr lang="en-US" dirty="0"/>
+              <a:t> </a:t>
+            </a:r>
+            <a:r>
+              <a:rPr lang="en-US" dirty="0" err="1"/>
+              <a:t>chóng</a:t>
+            </a:r>
+            <a:r>
+              <a:rPr lang="en-US" dirty="0"/>
+              <a:t> </a:t>
+            </a:r>
+            <a:r>
+              <a:rPr lang="en-US" dirty="0" err="1"/>
+              <a:t>dẫn</a:t>
+            </a:r>
+            <a:r>
+              <a:rPr lang="en-US" dirty="0"/>
+              <a:t> </a:t>
+            </a:r>
+            <a:r>
+              <a:rPr lang="en-US" dirty="0" err="1"/>
+              <a:t>đến</a:t>
+            </a:r>
+            <a:r>
+              <a:rPr lang="en-US" dirty="0"/>
+              <a:t> </a:t>
+            </a:r>
+            <a:r>
+              <a:rPr lang="en-US" dirty="0" err="1"/>
+              <a:t>bài</a:t>
+            </a:r>
+            <a:r>
+              <a:rPr lang="en-US" dirty="0"/>
+              <a:t> </a:t>
+            </a:r>
+            <a:r>
+              <a:rPr lang="en-US" dirty="0" err="1"/>
+              <a:t>toán</a:t>
+            </a:r>
+            <a:r>
+              <a:rPr lang="en-US" dirty="0"/>
+              <a:t> </a:t>
+            </a:r>
+            <a:r>
+              <a:rPr lang="en-US" dirty="0" err="1"/>
+              <a:t>quá</a:t>
+            </a:r>
+            <a:r>
+              <a:rPr lang="en-US" dirty="0"/>
+              <a:t> </a:t>
+            </a:r>
+            <a:r>
+              <a:rPr lang="en-US" dirty="0" err="1"/>
+              <a:t>tải</a:t>
+            </a:r>
+            <a:r>
+              <a:rPr lang="en-US" dirty="0"/>
+              <a:t> </a:t>
+            </a:r>
+            <a:r>
+              <a:rPr lang="en-US" dirty="0" err="1"/>
+              <a:t>thông</a:t>
+            </a:r>
+            <a:r>
+              <a:rPr lang="en-US" dirty="0"/>
+              <a:t> tin. </a:t>
+            </a:r>
+            <a:r>
+              <a:rPr lang="en-US" dirty="0" err="1"/>
+              <a:t>Và</a:t>
+            </a:r>
+            <a:r>
+              <a:rPr lang="en-US" dirty="0"/>
+              <a:t> </a:t>
+            </a:r>
+            <a:r>
+              <a:rPr lang="en-US" dirty="0" err="1"/>
+              <a:t>gây</a:t>
+            </a:r>
+            <a:r>
+              <a:rPr lang="en-US" dirty="0"/>
+              <a:t> </a:t>
+            </a:r>
+            <a:r>
+              <a:rPr lang="en-US" dirty="0" err="1"/>
+              <a:t>khó</a:t>
+            </a:r>
+            <a:r>
+              <a:rPr lang="en-US" dirty="0"/>
+              <a:t> </a:t>
+            </a:r>
+            <a:r>
+              <a:rPr lang="en-US" dirty="0" err="1"/>
+              <a:t>khăn</a:t>
+            </a:r>
+            <a:r>
+              <a:rPr lang="en-US" dirty="0"/>
+              <a:t> </a:t>
+            </a:r>
+            <a:r>
+              <a:rPr lang="en-US" dirty="0" err="1"/>
+              <a:t>cho</a:t>
+            </a:r>
+            <a:r>
+              <a:rPr lang="en-US" dirty="0"/>
+              <a:t> </a:t>
+            </a:r>
+            <a:r>
+              <a:rPr lang="en-US" dirty="0" err="1"/>
+              <a:t>việc</a:t>
+            </a:r>
+            <a:r>
+              <a:rPr lang="en-US" dirty="0"/>
+              <a:t> </a:t>
+            </a:r>
+            <a:r>
+              <a:rPr lang="en-US" dirty="0" err="1"/>
+              <a:t>tìm</a:t>
+            </a:r>
+            <a:r>
+              <a:rPr lang="en-US" dirty="0"/>
+              <a:t> </a:t>
+            </a:r>
+            <a:r>
+              <a:rPr lang="en-US" dirty="0" err="1"/>
+              <a:t>kiếm</a:t>
+            </a:r>
+            <a:r>
+              <a:rPr lang="en-US" dirty="0"/>
+              <a:t> </a:t>
+            </a:r>
+            <a:r>
+              <a:rPr lang="en-US" dirty="0" err="1"/>
+              <a:t>và</a:t>
+            </a:r>
+            <a:r>
+              <a:rPr lang="en-US" dirty="0"/>
+              <a:t> </a:t>
+            </a:r>
+            <a:r>
+              <a:rPr lang="en-US" dirty="0" err="1"/>
+              <a:t>tốn</a:t>
+            </a:r>
+            <a:r>
+              <a:rPr lang="en-US" dirty="0"/>
+              <a:t> </a:t>
+            </a:r>
+            <a:r>
+              <a:rPr lang="en-US" dirty="0" err="1"/>
+              <a:t>rất</a:t>
+            </a:r>
+            <a:r>
+              <a:rPr lang="en-US" dirty="0"/>
+              <a:t> </a:t>
+            </a:r>
+            <a:r>
+              <a:rPr lang="en-US" dirty="0" err="1"/>
+              <a:t>nhiều</a:t>
+            </a:r>
+            <a:r>
+              <a:rPr lang="en-US" dirty="0"/>
+              <a:t> </a:t>
+            </a:r>
+            <a:r>
+              <a:rPr lang="en-US" dirty="0" err="1"/>
+              <a:t>thời</a:t>
+            </a:r>
+            <a:r>
+              <a:rPr lang="en-US" dirty="0"/>
+              <a:t> </a:t>
+            </a:r>
+            <a:r>
+              <a:rPr lang="en-US" dirty="0" err="1"/>
+              <a:t>gian</a:t>
+            </a:r>
+            <a:endParaRPr lang="en-US" dirty="0"/>
+          </a:p>
+          <a:p>
+            <a:r>
+              <a:rPr lang="en-US" dirty="0" err="1"/>
+              <a:t>Vì</a:t>
+            </a:r>
+            <a:r>
+              <a:rPr lang="en-US" dirty="0"/>
+              <a:t>: </a:t>
+            </a:r>
+            <a:r>
+              <a:rPr lang="en-US" dirty="0" err="1"/>
+              <a:t>không</a:t>
+            </a:r>
+            <a:r>
+              <a:rPr lang="en-US" dirty="0"/>
+              <a:t> </a:t>
+            </a:r>
+            <a:r>
+              <a:rPr lang="en-US" dirty="0" err="1"/>
+              <a:t>phải</a:t>
+            </a:r>
+            <a:r>
+              <a:rPr lang="en-US" dirty="0"/>
+              <a:t> </a:t>
+            </a:r>
+            <a:r>
+              <a:rPr lang="en-US" dirty="0" err="1"/>
+              <a:t>ai</a:t>
+            </a:r>
+            <a:r>
+              <a:rPr lang="en-US" dirty="0"/>
+              <a:t> </a:t>
+            </a:r>
+            <a:r>
+              <a:rPr lang="en-US" dirty="0" err="1"/>
+              <a:t>có</a:t>
+            </a:r>
+            <a:r>
+              <a:rPr lang="en-US" dirty="0"/>
+              <a:t> </a:t>
+            </a:r>
+            <a:r>
+              <a:rPr lang="en-US" dirty="0" err="1"/>
+              <a:t>có</a:t>
+            </a:r>
+            <a:r>
+              <a:rPr lang="en-US" dirty="0"/>
+              <a:t> </a:t>
+            </a:r>
+            <a:r>
+              <a:rPr lang="en-US" dirty="0" err="1"/>
+              <a:t>đủ</a:t>
+            </a:r>
+            <a:r>
+              <a:rPr lang="en-US" dirty="0"/>
+              <a:t> </a:t>
+            </a:r>
+            <a:r>
+              <a:rPr lang="en-US" dirty="0" err="1"/>
+              <a:t>thời</a:t>
+            </a:r>
+            <a:r>
+              <a:rPr lang="en-US" dirty="0"/>
+              <a:t> </a:t>
+            </a:r>
+            <a:r>
+              <a:rPr lang="en-US" dirty="0" err="1"/>
+              <a:t>gian</a:t>
+            </a:r>
+            <a:r>
+              <a:rPr lang="en-US" dirty="0"/>
+              <a:t> </a:t>
+            </a:r>
+            <a:r>
+              <a:rPr lang="en-US" dirty="0" err="1"/>
+              <a:t>và</a:t>
+            </a:r>
+            <a:r>
+              <a:rPr lang="en-US" dirty="0"/>
+              <a:t> </a:t>
+            </a:r>
+            <a:r>
+              <a:rPr lang="en-US" dirty="0" err="1"/>
+              <a:t>kiên</a:t>
+            </a:r>
+            <a:r>
+              <a:rPr lang="en-US" dirty="0"/>
+              <a:t> </a:t>
+            </a:r>
+            <a:r>
+              <a:rPr lang="en-US" dirty="0" err="1"/>
+              <a:t>nhẫn</a:t>
+            </a:r>
+            <a:r>
+              <a:rPr lang="en-US" dirty="0"/>
+              <a:t> </a:t>
+            </a:r>
+            <a:r>
+              <a:rPr lang="en-US" dirty="0" err="1"/>
+              <a:t>để</a:t>
+            </a:r>
+            <a:r>
+              <a:rPr lang="en-US" dirty="0"/>
+              <a:t> </a:t>
+            </a:r>
+            <a:r>
+              <a:rPr lang="en-US" dirty="0" err="1"/>
+              <a:t>xem</a:t>
+            </a:r>
+            <a:r>
+              <a:rPr lang="en-US" dirty="0"/>
+              <a:t> </a:t>
+            </a:r>
+            <a:r>
+              <a:rPr lang="en-US" dirty="0" err="1"/>
+              <a:t>hết</a:t>
+            </a:r>
+            <a:r>
+              <a:rPr lang="en-US" dirty="0"/>
+              <a:t> </a:t>
+            </a:r>
+            <a:r>
+              <a:rPr lang="en-US" dirty="0" err="1"/>
+              <a:t>thông</a:t>
+            </a:r>
+            <a:r>
+              <a:rPr lang="en-US" dirty="0"/>
+              <a:t> tin </a:t>
+            </a:r>
+            <a:r>
+              <a:rPr lang="en-US" dirty="0" err="1"/>
+              <a:t>đăng</a:t>
+            </a:r>
+            <a:r>
+              <a:rPr lang="en-US" dirty="0"/>
+              <a:t> </a:t>
+            </a:r>
+            <a:r>
+              <a:rPr lang="en-US" dirty="0" err="1"/>
+              <a:t>tuyển</a:t>
+            </a:r>
+            <a:endParaRPr lang="en-US" dirty="0"/>
+          </a:p>
+          <a:p>
+            <a:r>
+              <a:rPr lang="en-US" dirty="0" err="1"/>
+              <a:t>Để</a:t>
+            </a:r>
+            <a:r>
+              <a:rPr lang="en-US" dirty="0"/>
+              <a:t> </a:t>
+            </a:r>
+            <a:r>
+              <a:rPr lang="en-US" dirty="0" err="1"/>
+              <a:t>giải</a:t>
+            </a:r>
+            <a:r>
+              <a:rPr lang="en-US" dirty="0"/>
+              <a:t> </a:t>
+            </a:r>
+            <a:r>
+              <a:rPr lang="en-US" dirty="0" err="1"/>
+              <a:t>quyết</a:t>
+            </a:r>
+            <a:r>
+              <a:rPr lang="en-US" dirty="0"/>
+              <a:t> đ</a:t>
             </a:r>
             <a:r>
               <a:rPr lang="vi-VN" dirty="0"/>
               <a:t>ư</a:t>
             </a:r>
             <a:r>
-              <a:rPr lang="en-US" dirty="0"/>
-              <a:t>a đ</a:t>
-            </a:r>
-            <a:r>
-              <a:rPr lang="vi-VN" dirty="0"/>
-              <a:t>ư</a:t>
-            </a:r>
-            <a:r>
               <a:rPr lang="en-US" dirty="0" err="1"/>
               <a:t>ợc</a:t>
             </a:r>
@@ -1496,7 +2608,63 @@
             </a:r>
             <a:r>
               <a:rPr lang="en-US" dirty="0" err="1"/>
-              <a:t>áp</a:t>
+              <a:t>vấn</a:t>
+            </a:r>
+            <a:r>
+              <a:rPr lang="en-US" dirty="0"/>
+              <a:t> </a:t>
+            </a:r>
+            <a:r>
+              <a:rPr lang="en-US" dirty="0" err="1"/>
+              <a:t>đề</a:t>
+            </a:r>
+            <a:r>
+              <a:rPr lang="en-US" dirty="0"/>
+              <a:t> </a:t>
+            </a:r>
+            <a:r>
+              <a:rPr lang="en-US" dirty="0" err="1"/>
+              <a:t>quá</a:t>
+            </a:r>
+            <a:r>
+              <a:rPr lang="en-US" dirty="0"/>
+              <a:t> </a:t>
+            </a:r>
+            <a:r>
+              <a:rPr lang="en-US" dirty="0" err="1"/>
+              <a:t>tải</a:t>
+            </a:r>
+            <a:r>
+              <a:rPr lang="en-US" dirty="0"/>
+              <a:t> </a:t>
+            </a:r>
+            <a:r>
+              <a:rPr lang="en-US" dirty="0" err="1"/>
+              <a:t>thông</a:t>
+            </a:r>
+            <a:r>
+              <a:rPr lang="en-US" dirty="0"/>
+              <a:t> tin </a:t>
+            </a:r>
+            <a:r>
+              <a:rPr lang="en-US" dirty="0" err="1"/>
+              <a:t>thì</a:t>
+            </a:r>
+            <a:r>
+              <a:rPr lang="en-US" dirty="0"/>
+              <a:t> </a:t>
+            </a:r>
+            <a:r>
+              <a:rPr lang="en-US" dirty="0" err="1"/>
+              <a:t>cần</a:t>
+            </a:r>
+            <a:r>
+              <a:rPr lang="en-US" dirty="0"/>
+              <a:t> </a:t>
+            </a:r>
+            <a:r>
+              <a:rPr lang="en-US" dirty="0" err="1"/>
+              <a:t>xây</a:t>
             </a:r>
             <a:r>
               <a:rPr lang="en-US" dirty="0"/>
@@ -1512,79 +2680,23 @@
             </a:r>
             <a:r>
               <a:rPr lang="en-US" dirty="0" err="1"/>
-              <a:t>vào</a:t>
-            </a:r>
-            <a:r>
-              <a:rPr lang="en-US" dirty="0"/>
-              <a:t> </a:t>
-            </a:r>
-            <a:r>
-              <a:rPr lang="en-US" dirty="0" err="1"/>
-              <a:t>thực</a:t>
-            </a:r>
-            <a:r>
-              <a:rPr lang="en-US" dirty="0"/>
-              <a:t> </a:t>
-            </a:r>
-            <a:r>
-              <a:rPr lang="en-US" dirty="0" err="1"/>
-              <a:t>tế</a:t>
-            </a:r>
-            <a:r>
-              <a:rPr lang="en-US" dirty="0"/>
-              <a:t>. </a:t>
-            </a:r>
-            <a:r>
-              <a:rPr lang="en-US" dirty="0" err="1"/>
-              <a:t>Và</a:t>
-            </a:r>
-            <a:r>
-              <a:rPr lang="en-US" dirty="0"/>
-              <a:t> </a:t>
-            </a:r>
-            <a:r>
-              <a:rPr lang="en-US" dirty="0" err="1"/>
-              <a:t>có</a:t>
-            </a:r>
-            <a:r>
-              <a:rPr lang="en-US" dirty="0"/>
-              <a:t> </a:t>
-            </a:r>
-            <a:r>
-              <a:rPr lang="en-US" dirty="0" err="1"/>
-              <a:t>rất</a:t>
-            </a:r>
-            <a:r>
-              <a:rPr lang="en-US" dirty="0"/>
-              <a:t> </a:t>
-            </a:r>
-            <a:r>
-              <a:rPr lang="en-US" dirty="0" err="1"/>
-              <a:t>nhiều</a:t>
-            </a:r>
-            <a:r>
-              <a:rPr lang="en-US" dirty="0"/>
-              <a:t> website </a:t>
-            </a:r>
-            <a:r>
-              <a:rPr lang="en-US" dirty="0" err="1"/>
-              <a:t>đăng</a:t>
-            </a:r>
-            <a:r>
-              <a:rPr lang="en-US" dirty="0"/>
-              <a:t> </a:t>
-            </a:r>
-            <a:r>
-              <a:rPr lang="en-US" dirty="0" err="1"/>
-              <a:t>tuyên</a:t>
-            </a:r>
-            <a:r>
-              <a:rPr lang="en-US" dirty="0"/>
-              <a:t> </a:t>
-            </a:r>
-            <a:r>
-              <a:rPr lang="en-US" dirty="0" err="1"/>
-              <a:t>có</a:t>
+              <a:t>một</a:t>
+            </a:r>
+            <a:r>
+              <a:rPr lang="en-US" dirty="0"/>
+              <a:t> </a:t>
+            </a:r>
+            <a:r>
+              <a:rPr lang="en-US" dirty="0" err="1"/>
+              <a:t>hệ</a:t>
+            </a:r>
+            <a:r>
+              <a:rPr lang="en-US" dirty="0"/>
+              <a:t> </a:t>
+            </a:r>
+            <a:r>
+              <a:rPr lang="en-US" dirty="0" err="1"/>
+              <a:t>thống</a:t>
             </a:r>
             <a:r>
               <a:rPr lang="en-US" dirty="0"/>
@@ -1618,66 +2730,7 @@
               <a:rPr lang="en-US" dirty="0" err="1"/>
               <a:t>làm</a:t>
             </a:r>
-            <a:r>
-              <a:rPr lang="en-US" dirty="0"/>
-              <a:t>. </a:t>
-            </a:r>
-            <a:r>
-              <a:rPr lang="en-US" dirty="0" err="1"/>
-              <a:t>Nh</a:t>
-            </a:r>
-            <a:r>
-              <a:rPr lang="vi-VN" dirty="0"/>
-              <a:t>ư</a:t>
-            </a:r>
-            <a:r>
-              <a:rPr lang="en-US" dirty="0"/>
-              <a:t>ng </a:t>
-            </a:r>
-            <a:r>
-              <a:rPr lang="en-US" dirty="0" err="1"/>
-              <a:t>hiệu</a:t>
-            </a:r>
-            <a:r>
-              <a:rPr lang="en-US" dirty="0"/>
-              <a:t> </a:t>
-            </a:r>
-            <a:r>
-              <a:rPr lang="en-US" dirty="0" err="1"/>
-              <a:t>quả</a:t>
-            </a:r>
-            <a:r>
-              <a:rPr lang="en-US" dirty="0"/>
-              <a:t> </a:t>
-            </a:r>
-            <a:r>
-              <a:rPr lang="en-US" dirty="0" err="1"/>
-              <a:t>vẫn</a:t>
-            </a:r>
-            <a:r>
-              <a:rPr lang="en-US" dirty="0"/>
-              <a:t> </a:t>
-            </a:r>
-            <a:r>
-              <a:rPr lang="en-US" dirty="0" err="1"/>
-              <a:t>ch</a:t>
-            </a:r>
-            <a:r>
-              <a:rPr lang="vi-VN" dirty="0"/>
-              <a:t>ư</a:t>
-            </a:r>
-            <a:r>
-              <a:rPr lang="en-US" dirty="0"/>
-              <a:t>a </a:t>
-            </a:r>
-            <a:r>
-              <a:rPr lang="en-US" dirty="0" err="1"/>
-              <a:t>cao</a:t>
-            </a:r>
-            <a:r>
-              <a:rPr lang="en-US" dirty="0"/>
-              <a:t>.</a:t>
-            </a:r>
+            <a:endParaRPr lang="en-US" dirty="0"/>
           </a:p>
         </p:txBody>
       </p:sp>
@@ -1763,6 +2816,186 @@
           <a:p>
             <a:r>
               <a:rPr lang="en-US" dirty="0" err="1"/>
+              <a:t>Có</a:t>
+            </a:r>
+            <a:r>
+              <a:rPr lang="en-US" dirty="0"/>
+              <a:t> </a:t>
+            </a:r>
+            <a:r>
+              <a:rPr lang="en-US" dirty="0" err="1"/>
+              <a:t>rất</a:t>
+            </a:r>
+            <a:r>
+              <a:rPr lang="en-US" dirty="0"/>
+              <a:t> </a:t>
+            </a:r>
+            <a:r>
+              <a:rPr lang="en-US" dirty="0" err="1"/>
+              <a:t>nhiều</a:t>
+            </a:r>
+            <a:r>
+              <a:rPr lang="en-US" dirty="0"/>
+              <a:t> h</a:t>
+            </a:r>
+            <a:r>
+              <a:rPr lang="vi-VN" dirty="0"/>
+              <a:t>ư</a:t>
+            </a:r>
+            <a:r>
+              <a:rPr lang="en-US" dirty="0" err="1"/>
+              <a:t>ớng</a:t>
+            </a:r>
+            <a:r>
+              <a:rPr lang="en-US" dirty="0"/>
+              <a:t> </a:t>
+            </a:r>
+            <a:r>
+              <a:rPr lang="en-US" dirty="0" err="1"/>
+              <a:t>tiếp</a:t>
+            </a:r>
+            <a:r>
+              <a:rPr lang="en-US" dirty="0"/>
+              <a:t> </a:t>
+            </a:r>
+            <a:r>
+              <a:rPr lang="en-US" dirty="0" err="1"/>
+              <a:t>cận</a:t>
+            </a:r>
+            <a:r>
+              <a:rPr lang="en-US" dirty="0"/>
+              <a:t> </a:t>
+            </a:r>
+            <a:r>
+              <a:rPr lang="en-US" dirty="0" err="1"/>
+              <a:t>khác</a:t>
+            </a:r>
+            <a:r>
+              <a:rPr lang="en-US" dirty="0"/>
+              <a:t> </a:t>
+            </a:r>
+            <a:r>
+              <a:rPr lang="en-US" dirty="0" err="1"/>
+              <a:t>nhau</a:t>
+            </a:r>
+            <a:r>
+              <a:rPr lang="en-US" dirty="0"/>
+              <a:t> </a:t>
+            </a:r>
+            <a:r>
+              <a:rPr lang="en-US" dirty="0" err="1"/>
+              <a:t>cho</a:t>
+            </a:r>
+            <a:r>
+              <a:rPr lang="en-US" dirty="0"/>
+              <a:t> </a:t>
+            </a:r>
+            <a:r>
+              <a:rPr lang="en-US" dirty="0" err="1"/>
+              <a:t>bài</a:t>
+            </a:r>
+            <a:r>
+              <a:rPr lang="en-US" dirty="0"/>
+              <a:t> </a:t>
+            </a:r>
+            <a:r>
+              <a:rPr lang="en-US" dirty="0" err="1"/>
+              <a:t>toán</a:t>
+            </a:r>
+            <a:r>
+              <a:rPr lang="en-US" dirty="0"/>
+              <a:t> </a:t>
+            </a:r>
+            <a:r>
+              <a:rPr lang="en-US" dirty="0" err="1"/>
+              <a:t>khuyến</a:t>
+            </a:r>
+            <a:r>
+              <a:rPr lang="en-US" dirty="0"/>
+              <a:t> </a:t>
+            </a:r>
+            <a:r>
+              <a:rPr lang="en-US" dirty="0" err="1"/>
+              <a:t>nghị</a:t>
+            </a:r>
+            <a:r>
+              <a:rPr lang="en-US" dirty="0"/>
+              <a:t> </a:t>
+            </a:r>
+            <a:r>
+              <a:rPr lang="en-US" dirty="0" err="1"/>
+              <a:t>việc</a:t>
+            </a:r>
+            <a:r>
+              <a:rPr lang="en-US" dirty="0"/>
+              <a:t> </a:t>
+            </a:r>
+            <a:r>
+              <a:rPr lang="en-US" dirty="0" err="1"/>
+              <a:t>làm</a:t>
+            </a:r>
+            <a:r>
+              <a:rPr lang="en-US" dirty="0"/>
+              <a:t> </a:t>
+            </a:r>
+            <a:r>
+              <a:rPr lang="en-US" dirty="0" err="1"/>
+              <a:t>nh</a:t>
+            </a:r>
+            <a:r>
+              <a:rPr lang="vi-VN" dirty="0"/>
+              <a:t>ư</a:t>
+            </a:r>
+            <a:r>
+              <a:rPr lang="en-US" dirty="0"/>
+              <a:t> CF, CB, Hybrid, </a:t>
+            </a:r>
+            <a:r>
+              <a:rPr lang="en-US" dirty="0" err="1"/>
+              <a:t>vậy</a:t>
+            </a:r>
+            <a:r>
+              <a:rPr lang="en-US" dirty="0"/>
+              <a:t> pp </a:t>
+            </a:r>
+            <a:r>
+              <a:rPr lang="en-US" dirty="0" err="1"/>
+              <a:t>nào</a:t>
+            </a:r>
+            <a:r>
+              <a:rPr lang="en-US" dirty="0"/>
+              <a:t> </a:t>
+            </a:r>
+            <a:r>
+              <a:rPr lang="en-US" dirty="0" err="1"/>
+              <a:t>sẽ</a:t>
+            </a:r>
+            <a:r>
+              <a:rPr lang="en-US" dirty="0"/>
+              <a:t> đ</a:t>
+            </a:r>
+            <a:r>
+              <a:rPr lang="vi-VN" dirty="0"/>
+              <a:t>ư</a:t>
+            </a:r>
+            <a:r>
+              <a:rPr lang="en-US" dirty="0" err="1"/>
+              <a:t>ợc</a:t>
+            </a:r>
+            <a:r>
+              <a:rPr lang="en-US" dirty="0"/>
+              <a:t> </a:t>
+            </a:r>
+            <a:r>
+              <a:rPr lang="en-US" dirty="0" err="1"/>
+              <a:t>dùng</a:t>
+            </a:r>
+            <a:r>
+              <a:rPr lang="en-US" dirty="0"/>
+              <a:t> </a:t>
+            </a:r>
+            <a:r>
+              <a:rPr lang="en-US" dirty="0" err="1"/>
               <a:t>để</a:t>
             </a:r>
             <a:r>
@@ -1771,17 +3004,20 @@
             </a:r>
             <a:r>
               <a:rPr lang="en-US" dirty="0" err="1"/>
-              <a:t>chọn</a:t>
-            </a:r>
-            <a:r>
-              <a:rPr lang="en-US" dirty="0"/>
-              <a:t> đ</a:t>
-            </a:r>
-            <a:r>
-              <a:rPr lang="vi-VN" dirty="0"/>
-              <a:t>ược phương pháp tiếp cận phù hợp cho các hệ khuyến nghị việc làm</a:t>
-            </a:r>
-            <a:endParaRPr lang="en-US" dirty="0"/>
+              <a:t>khuyến</a:t>
+            </a:r>
+            <a:r>
+              <a:rPr lang="en-US" dirty="0"/>
+              <a:t> </a:t>
+            </a:r>
+            <a:r>
+              <a:rPr lang="en-US" dirty="0" err="1"/>
+              <a:t>nghị</a:t>
+            </a:r>
+            <a:r>
+              <a:rPr lang="en-US" dirty="0"/>
+              <a:t>?</a:t>
+            </a:r>
           </a:p>
         </p:txBody>
       </p:sp>
@@ -1867,76 +3103,91 @@
           <a:p>
             <a:r>
               <a:rPr lang="en-US" dirty="0" err="1"/>
-              <a:t>Voi</a:t>
-            </a:r>
-            <a:r>
-              <a:rPr lang="en-US" dirty="0"/>
-              <a:t> bai </a:t>
-            </a:r>
-            <a:r>
-              <a:rPr lang="en-US" dirty="0" err="1"/>
-              <a:t>toan</a:t>
-            </a:r>
-            <a:r>
-              <a:rPr lang="en-US" dirty="0"/>
-              <a:t> nay </a:t>
-            </a:r>
-            <a:r>
-              <a:rPr lang="en-US" dirty="0" err="1"/>
-              <a:t>chua</a:t>
-            </a:r>
-            <a:r>
-              <a:rPr lang="en-US" dirty="0"/>
-              <a:t> co </a:t>
-            </a:r>
-            <a:r>
-              <a:rPr lang="en-US" dirty="0" err="1"/>
-              <a:t>nhhung</a:t>
-            </a:r>
-            <a:r>
-              <a:rPr lang="en-US" dirty="0"/>
-              <a:t> tap du lieu </a:t>
-            </a:r>
-            <a:r>
-              <a:rPr lang="en-US" dirty="0" err="1"/>
-              <a:t>chuan</a:t>
-            </a:r>
-            <a:r>
-              <a:rPr lang="en-US" dirty="0"/>
-              <a:t> </a:t>
-            </a:r>
-            <a:r>
-              <a:rPr lang="en-US" dirty="0" err="1"/>
-              <a:t>cho</a:t>
-            </a:r>
-            <a:r>
-              <a:rPr lang="en-US" dirty="0"/>
-              <a:t> bai </a:t>
-            </a:r>
-            <a:r>
-              <a:rPr lang="en-US" dirty="0" err="1"/>
-              <a:t>toan</a:t>
-            </a:r>
-            <a:r>
-              <a:rPr lang="en-US" dirty="0"/>
-              <a:t> </a:t>
-            </a:r>
-            <a:r>
-              <a:rPr lang="en-US" dirty="0" err="1"/>
-              <a:t>khuyen</a:t>
-            </a:r>
-            <a:r>
-              <a:rPr lang="en-US" dirty="0"/>
-              <a:t> </a:t>
-            </a:r>
-            <a:r>
-              <a:rPr lang="en-US" dirty="0" err="1"/>
-              <a:t>nghi</a:t>
+              <a:t>Xây</a:t>
+            </a:r>
+            <a:r>
+              <a:rPr lang="en-US" dirty="0"/>
+              <a:t> </a:t>
+            </a:r>
+            <a:r>
+              <a:rPr lang="en-US" dirty="0" err="1"/>
+              <a:t>dựng</a:t>
+            </a:r>
+            <a:r>
+              <a:rPr lang="en-US" dirty="0"/>
+              <a:t> framework </a:t>
+            </a:r>
+            <a:r>
+              <a:rPr lang="en-US" dirty="0" err="1"/>
+              <a:t>đánh</a:t>
+            </a:r>
+            <a:r>
+              <a:rPr lang="en-US" dirty="0"/>
+              <a:t> </a:t>
+            </a:r>
+            <a:r>
+              <a:rPr lang="en-US" dirty="0" err="1"/>
+              <a:t>giá</a:t>
+            </a:r>
+            <a:r>
+              <a:rPr lang="en-US" dirty="0"/>
+              <a:t> </a:t>
+            </a:r>
+            <a:r>
+              <a:rPr lang="en-US" dirty="0" err="1"/>
+              <a:t>các</a:t>
+            </a:r>
+            <a:r>
+              <a:rPr lang="en-US" dirty="0"/>
+              <a:t> </a:t>
+            </a:r>
+            <a:r>
+              <a:rPr lang="en-US" dirty="0" err="1"/>
+              <a:t>ph</a:t>
+            </a:r>
+            <a:r>
+              <a:rPr lang="vi-VN" dirty="0"/>
+              <a:t>ư</a:t>
+            </a:r>
+            <a:r>
+              <a:rPr lang="en-US" dirty="0" err="1"/>
+              <a:t>ơng</a:t>
+            </a:r>
+            <a:r>
+              <a:rPr lang="en-US" dirty="0"/>
+              <a:t> </a:t>
+            </a:r>
+            <a:r>
+              <a:rPr lang="en-US" dirty="0" err="1"/>
+              <a:t>pháp</a:t>
+            </a:r>
+            <a:r>
+              <a:rPr lang="en-US" dirty="0"/>
+              <a:t> </a:t>
+            </a:r>
+            <a:r>
+              <a:rPr lang="en-US" dirty="0" err="1"/>
+              <a:t>khuyến</a:t>
+            </a:r>
+            <a:r>
+              <a:rPr lang="en-US" dirty="0"/>
+              <a:t> </a:t>
+            </a:r>
+            <a:r>
+              <a:rPr lang="en-US" dirty="0" err="1"/>
+              <a:t>nghị</a:t>
             </a:r>
             <a:endParaRPr lang="en-US" dirty="0"/>
           </a:p>
           <a:p>
-            <a:endParaRPr lang="vi-VN" dirty="0"/>
+            <a:r>
+              <a:rPr lang="en-US" dirty="0" err="1"/>
+              <a:t>Phạm</a:t>
+            </a:r>
+            <a:r>
+              <a:rPr lang="en-US" dirty="0"/>
+              <a:t> vi: </a:t>
+            </a:r>
           </a:p>
         </p:txBody>
       </p:sp>
@@ -1955,10 +3206,9 @@
           <a:bodyPr/>
           <a:lstStyle/>
           <a:p>
-            <a:fld id="{8FDBD688-BEAD-456A-A731-272759E2F441}" type="slidenum">
+            <a:fld id="{32C44278-3EA4-4776-B648-FB7C724AA307}" type="slidenum">
               <a:rPr lang="en-US" smtClean="0"/>
-              <a:pPr/>
-              <a:t>6</a:t>
+              <a:t>5</a:t>
             </a:fld>
             <a:endParaRPr lang="en-US"/>
           </a:p>
@@ -1967,7 +3217,7 @@
     </p:spTree>
     <p:extLst>
       <p:ext uri="{BB962C8B-B14F-4D97-AF65-F5344CB8AC3E}">
-        <p14:creationId xmlns:p14="http://schemas.microsoft.com/office/powerpoint/2010/main" val="3564110512"/>
+        <p14:creationId xmlns:p14="http://schemas.microsoft.com/office/powerpoint/2010/main" val="1829116892"/>
       </p:ext>
     </p:extLst>
   </p:cSld>
@@ -2021,33 +3271,218 @@
           <a:bodyPr/>
           <a:lstStyle/>
           <a:p>
-            <a:r>
-              <a:rPr lang="en-US" dirty="0" err="1"/>
-              <a:t>Mục</a:t>
-            </a:r>
-            <a:r>
-              <a:rPr lang="en-US" dirty="0"/>
-              <a:t> </a:t>
-            </a:r>
-            <a:r>
-              <a:rPr lang="en-US" dirty="0" err="1"/>
-              <a:t>đích</a:t>
-            </a:r>
-            <a:r>
-              <a:rPr lang="en-US" dirty="0"/>
-              <a:t>: </a:t>
-            </a:r>
-            <a:r>
-              <a:rPr lang="en-US" dirty="0" err="1"/>
-              <a:t>thu</a:t>
-            </a:r>
-            <a:r>
-              <a:rPr lang="en-US" dirty="0"/>
-              <a:t> </a:t>
-            </a:r>
-            <a:r>
-              <a:rPr lang="en-US" dirty="0" err="1"/>
-              <a:t>thập</a:t>
+            <a:endParaRPr lang="vi-VN" dirty="0"/>
+          </a:p>
+        </p:txBody>
+      </p:sp>
+      <p:sp>
+        <p:nvSpPr>
+          <p:cNvPr id="4" name="Slide Number Placeholder 3"/>
+          <p:cNvSpPr>
+            <a:spLocks noGrp="1"/>
+          </p:cNvSpPr>
+          <p:nvPr>
+            <p:ph type="sldNum" sz="quarter" idx="10"/>
+          </p:nvPr>
+        </p:nvSpPr>
+        <p:spPr/>
+        <p:txBody>
+          <a:bodyPr/>
+          <a:lstStyle/>
+          <a:p>
+            <a:fld id="{8FDBD688-BEAD-456A-A731-272759E2F441}" type="slidenum">
+              <a:rPr lang="en-US" smtClean="0"/>
+              <a:pPr/>
+              <a:t>6</a:t>
+            </a:fld>
+            <a:endParaRPr lang="en-US"/>
+          </a:p>
+        </p:txBody>
+      </p:sp>
+    </p:spTree>
+    <p:extLst>
+      <p:ext uri="{BB962C8B-B14F-4D97-AF65-F5344CB8AC3E}">
+        <p14:creationId xmlns:p14="http://schemas.microsoft.com/office/powerpoint/2010/main" val="3564110512"/>
+      </p:ext>
+    </p:extLst>
+  </p:cSld>
+  <p:clrMapOvr>
+    <a:masterClrMapping/>
+  </p:clrMapOvr>
+</p:notes>
+</file>
+
+<file path=ppt/notesSlides/notesSlide6.xml><?xml version="1.0" encoding="utf-8"?>
+<p:notes xmlns:a="http://schemas.openxmlformats.org/drawingml/2006/main" xmlns:r="http://schemas.openxmlformats.org/officeDocument/2006/relationships" xmlns:p="http://schemas.openxmlformats.org/presentationml/2006/main">
+  <p:cSld>
+    <p:spTree>
+      <p:nvGrpSpPr>
+        <p:cNvPr id="1" name=""/>
+        <p:cNvGrpSpPr/>
+        <p:nvPr/>
+      </p:nvGrpSpPr>
+      <p:grpSpPr>
+        <a:xfrm>
+          <a:off x="0" y="0"/>
+          <a:ext cx="0" cy="0"/>
+          <a:chOff x="0" y="0"/>
+          <a:chExt cx="0" cy="0"/>
+        </a:xfrm>
+      </p:grpSpPr>
+      <p:sp>
+        <p:nvSpPr>
+          <p:cNvPr id="2" name="Slide Image Placeholder 1"/>
+          <p:cNvSpPr>
+            <a:spLocks noGrp="1" noRot="1" noChangeAspect="1"/>
+          </p:cNvSpPr>
+          <p:nvPr>
+            <p:ph type="sldImg"/>
+          </p:nvPr>
+        </p:nvSpPr>
+        <p:spPr/>
+      </p:sp>
+      <p:sp>
+        <p:nvSpPr>
+          <p:cNvPr id="3" name="Notes Placeholder 2"/>
+          <p:cNvSpPr>
+            <a:spLocks noGrp="1"/>
+          </p:cNvSpPr>
+          <p:nvPr>
+            <p:ph type="body" idx="1"/>
+          </p:nvPr>
+        </p:nvSpPr>
+        <p:spPr/>
+        <p:txBody>
+          <a:bodyPr/>
+          <a:lstStyle/>
+          <a:p>
+            <a:r>
+              <a:rPr lang="en-US" dirty="0"/>
+              <a:t>Theo </a:t>
+            </a:r>
+            <a:r>
+              <a:rPr lang="en-US" dirty="0" err="1"/>
+              <a:t>những</a:t>
+            </a:r>
+            <a:r>
+              <a:rPr lang="en-US" dirty="0"/>
+              <a:t> </a:t>
+            </a:r>
+            <a:r>
+              <a:rPr lang="en-US" dirty="0" err="1"/>
+              <a:t>kiến</a:t>
+            </a:r>
+            <a:r>
+              <a:rPr lang="en-US" dirty="0"/>
+              <a:t> </a:t>
+            </a:r>
+            <a:r>
+              <a:rPr lang="en-US" dirty="0" err="1"/>
+              <a:t>thức</a:t>
+            </a:r>
+            <a:r>
+              <a:rPr lang="en-US" dirty="0"/>
+              <a:t> </a:t>
+            </a:r>
+            <a:r>
+              <a:rPr lang="en-US" dirty="0" err="1"/>
+              <a:t>mà</a:t>
+            </a:r>
+            <a:r>
+              <a:rPr lang="en-US" dirty="0"/>
+              <a:t> </a:t>
+            </a:r>
+            <a:r>
+              <a:rPr lang="en-US" dirty="0" err="1"/>
+              <a:t>em</a:t>
+            </a:r>
+            <a:r>
+              <a:rPr lang="en-US" dirty="0"/>
+              <a:t> </a:t>
+            </a:r>
+            <a:r>
+              <a:rPr lang="en-US" dirty="0" err="1"/>
+              <a:t>tìm</a:t>
+            </a:r>
+            <a:r>
+              <a:rPr lang="en-US" dirty="0"/>
+              <a:t> </a:t>
+            </a:r>
+            <a:r>
+              <a:rPr lang="en-US" dirty="0" err="1"/>
+              <a:t>hiểu</a:t>
+            </a:r>
+            <a:r>
+              <a:rPr lang="en-US" dirty="0"/>
+              <a:t> đ</a:t>
+            </a:r>
+            <a:r>
+              <a:rPr lang="vi-VN" dirty="0"/>
+              <a:t>ư</a:t>
+            </a:r>
+            <a:r>
+              <a:rPr lang="en-US" dirty="0" err="1"/>
+              <a:t>ợc</a:t>
+            </a:r>
+            <a:r>
+              <a:rPr lang="en-US" dirty="0"/>
+              <a:t> </a:t>
+            </a:r>
+            <a:r>
+              <a:rPr lang="en-US" dirty="0" err="1"/>
+              <a:t>thì</a:t>
+            </a:r>
+            <a:r>
+              <a:rPr lang="en-US" dirty="0"/>
+              <a:t> </a:t>
+            </a:r>
+            <a:r>
+              <a:rPr lang="en-US" dirty="0" err="1"/>
+              <a:t>bài</a:t>
+            </a:r>
+            <a:r>
+              <a:rPr lang="en-US" dirty="0"/>
+              <a:t> </a:t>
+            </a:r>
+            <a:r>
+              <a:rPr lang="en-US" dirty="0" err="1"/>
+              <a:t>toán</a:t>
+            </a:r>
+            <a:r>
+              <a:rPr lang="en-US" dirty="0"/>
+              <a:t> </a:t>
+            </a:r>
+            <a:r>
+              <a:rPr lang="en-US" dirty="0" err="1"/>
+              <a:t>này</a:t>
+            </a:r>
+            <a:r>
+              <a:rPr lang="en-US" dirty="0"/>
+              <a:t> </a:t>
+            </a:r>
+            <a:r>
+              <a:rPr lang="en-US" dirty="0" err="1"/>
+              <a:t>ch</a:t>
+            </a:r>
+            <a:r>
+              <a:rPr lang="vi-VN" dirty="0"/>
+              <a:t>ư</a:t>
+            </a:r>
+            <a:r>
+              <a:rPr lang="en-US" dirty="0"/>
+              <a:t>a </a:t>
+            </a:r>
+            <a:r>
+              <a:rPr lang="en-US" dirty="0" err="1"/>
+              <a:t>có</a:t>
+            </a:r>
+            <a:r>
+              <a:rPr lang="en-US" dirty="0"/>
+              <a:t> </a:t>
+            </a:r>
+            <a:r>
+              <a:rPr lang="en-US" dirty="0" err="1"/>
+              <a:t>tập</a:t>
             </a:r>
             <a:r>
               <a:rPr lang="en-US" dirty="0"/>
@@ -2071,6 +3506,14 @@
             </a:r>
             <a:r>
               <a:rPr lang="en-US" dirty="0" err="1"/>
+              <a:t>chuẩn</a:t>
+            </a:r>
+            <a:r>
+              <a:rPr lang="en-US" dirty="0"/>
+              <a:t> </a:t>
+            </a:r>
+            <a:r>
+              <a:rPr lang="en-US" dirty="0" err="1"/>
               <a:t>để</a:t>
             </a:r>
             <a:r>
@@ -2079,22 +3522,6 @@
             </a:r>
             <a:r>
               <a:rPr lang="en-US" dirty="0" err="1"/>
-              <a:t>nghiên</a:t>
-            </a:r>
-            <a:r>
-              <a:rPr lang="en-US" dirty="0"/>
-              <a:t> </a:t>
-            </a:r>
-            <a:r>
-              <a:rPr lang="en-US" dirty="0" err="1"/>
-              <a:t>cứu</a:t>
-            </a:r>
-            <a:r>
-              <a:rPr lang="en-US" dirty="0"/>
-              <a:t> </a:t>
-            </a:r>
-            <a:r>
-              <a:rPr lang="en-US" dirty="0" err="1"/>
               <a:t>thực</a:t>
             </a:r>
             <a:r>
@@ -2105,7 +3532,27 @@
               <a:rPr lang="en-US" dirty="0" err="1"/>
               <a:t>nghiệm</a:t>
             </a:r>
-            <a:endParaRPr lang="en-US" dirty="0"/>
+            <a:r>
+              <a:rPr lang="en-US" dirty="0"/>
+              <a:t> =&gt; </a:t>
+            </a:r>
+            <a:r>
+              <a:rPr lang="en-US" dirty="0" err="1"/>
+              <a:t>xây</a:t>
+            </a:r>
+            <a:r>
+              <a:rPr lang="en-US" dirty="0"/>
+              <a:t> </a:t>
+            </a:r>
+            <a:r>
+              <a:rPr lang="en-US" dirty="0" err="1"/>
+              <a:t>dựng</a:t>
+            </a:r>
+            <a:r>
+              <a:rPr lang="en-US" dirty="0"/>
+              <a:t> dataset.</a:t>
+            </a:r>
+            <a:endParaRPr lang="vi-VN" dirty="0"/>
           </a:p>
           <a:p>
             <a:r>
@@ -2263,7 +3710,7 @@
 </p:notes>
 </file>
 
-<file path=ppt/notesSlides/notesSlide6.xml><?xml version="1.0" encoding="utf-8"?>
+<file path=ppt/notesSlides/notesSlide7.xml><?xml version="1.0" encoding="utf-8"?>
 <p:notes xmlns:a="http://schemas.openxmlformats.org/drawingml/2006/main" xmlns:r="http://schemas.openxmlformats.org/officeDocument/2006/relationships" xmlns:p="http://schemas.openxmlformats.org/presentationml/2006/main">
   <p:cSld>
     <p:spTree>
@@ -2348,349 +3795,6 @@
 </p:notes>
 </file>
 
-<file path=ppt/notesSlides/notesSlide7.xml><?xml version="1.0" encoding="utf-8"?>
-<p:notes xmlns:a="http://schemas.openxmlformats.org/drawingml/2006/main" xmlns:r="http://schemas.openxmlformats.org/officeDocument/2006/relationships" xmlns:p="http://schemas.openxmlformats.org/presentationml/2006/main">
-  <p:cSld>
-    <p:spTree>
-      <p:nvGrpSpPr>
-        <p:cNvPr id="1" name=""/>
-        <p:cNvGrpSpPr/>
-        <p:nvPr/>
-      </p:nvGrpSpPr>
-      <p:grpSpPr>
-        <a:xfrm>
-          <a:off x="0" y="0"/>
-          <a:ext cx="0" cy="0"/>
-          <a:chOff x="0" y="0"/>
-          <a:chExt cx="0" cy="0"/>
-        </a:xfrm>
-      </p:grpSpPr>
-      <p:sp>
-        <p:nvSpPr>
-          <p:cNvPr id="2" name="Slide Image Placeholder 1"/>
-          <p:cNvSpPr>
-            <a:spLocks noGrp="1" noRot="1" noChangeAspect="1"/>
-          </p:cNvSpPr>
-          <p:nvPr>
-            <p:ph type="sldImg"/>
-          </p:nvPr>
-        </p:nvSpPr>
-        <p:spPr/>
-      </p:sp>
-      <p:sp>
-        <p:nvSpPr>
-          <p:cNvPr id="3" name="Notes Placeholder 2"/>
-          <p:cNvSpPr>
-            <a:spLocks noGrp="1"/>
-          </p:cNvSpPr>
-          <p:nvPr>
-            <p:ph type="body" idx="1"/>
-          </p:nvPr>
-        </p:nvSpPr>
-        <p:spPr/>
-        <p:txBody>
-          <a:bodyPr/>
-          <a:lstStyle/>
-          <a:p>
-            <a:r>
-              <a:rPr lang="en-US" dirty="0" err="1"/>
-              <a:t>Mục</a:t>
-            </a:r>
-            <a:r>
-              <a:rPr lang="en-US" dirty="0"/>
-              <a:t> </a:t>
-            </a:r>
-            <a:r>
-              <a:rPr lang="en-US" dirty="0" err="1"/>
-              <a:t>đích</a:t>
-            </a:r>
-            <a:r>
-              <a:rPr lang="en-US" dirty="0"/>
-              <a:t> </a:t>
-            </a:r>
-            <a:r>
-              <a:rPr lang="en-US" dirty="0" err="1"/>
-              <a:t>xây</a:t>
-            </a:r>
-            <a:r>
-              <a:rPr lang="en-US" dirty="0"/>
-              <a:t> </a:t>
-            </a:r>
-            <a:r>
-              <a:rPr lang="en-US" dirty="0" err="1"/>
-              <a:t>dựng</a:t>
-            </a:r>
-            <a:r>
-              <a:rPr lang="en-US" dirty="0"/>
-              <a:t>: </a:t>
-            </a:r>
-            <a:r>
-              <a:rPr lang="en-US" dirty="0" err="1"/>
-              <a:t>nhằm</a:t>
-            </a:r>
-            <a:r>
-              <a:rPr lang="en-US" dirty="0"/>
-              <a:t> so </a:t>
-            </a:r>
-            <a:r>
-              <a:rPr lang="en-US" dirty="0" err="1"/>
-              <a:t>sánh</a:t>
-            </a:r>
-            <a:r>
-              <a:rPr lang="en-US" dirty="0"/>
-              <a:t> </a:t>
-            </a:r>
-            <a:r>
-              <a:rPr lang="en-US" dirty="0" err="1"/>
-              <a:t>và</a:t>
-            </a:r>
-            <a:r>
-              <a:rPr lang="en-US" dirty="0"/>
-              <a:t> </a:t>
-            </a:r>
-            <a:r>
-              <a:rPr lang="en-US" dirty="0" err="1"/>
-              <a:t>đánh</a:t>
-            </a:r>
-            <a:r>
-              <a:rPr lang="en-US" dirty="0"/>
-              <a:t> </a:t>
-            </a:r>
-            <a:r>
-              <a:rPr lang="en-US" dirty="0" err="1"/>
-              <a:t>giá</a:t>
-            </a:r>
-            <a:r>
-              <a:rPr lang="en-US" dirty="0"/>
-              <a:t> </a:t>
-            </a:r>
-            <a:r>
-              <a:rPr lang="en-US" dirty="0" err="1"/>
-              <a:t>giữa</a:t>
-            </a:r>
-            <a:r>
-              <a:rPr lang="en-US" dirty="0"/>
-              <a:t> </a:t>
-            </a:r>
-            <a:r>
-              <a:rPr lang="en-US" dirty="0" err="1"/>
-              <a:t>các</a:t>
-            </a:r>
-            <a:r>
-              <a:rPr lang="en-US" dirty="0"/>
-              <a:t> </a:t>
-            </a:r>
-            <a:r>
-              <a:rPr lang="en-US" dirty="0" err="1"/>
-              <a:t>thuật</a:t>
-            </a:r>
-            <a:r>
-              <a:rPr lang="en-US" dirty="0"/>
-              <a:t> </a:t>
-            </a:r>
-            <a:r>
-              <a:rPr lang="en-US" dirty="0" err="1"/>
-              <a:t>toán</a:t>
-            </a:r>
-            <a:r>
-              <a:rPr lang="en-US" dirty="0"/>
-              <a:t> </a:t>
-            </a:r>
-            <a:r>
-              <a:rPr lang="en-US" dirty="0" err="1"/>
-              <a:t>khuyến</a:t>
-            </a:r>
-            <a:r>
-              <a:rPr lang="en-US" dirty="0"/>
-              <a:t> </a:t>
-            </a:r>
-            <a:r>
-              <a:rPr lang="en-US" dirty="0" err="1"/>
-              <a:t>nghị</a:t>
-            </a:r>
-            <a:r>
-              <a:rPr lang="en-US" dirty="0"/>
-              <a:t> </a:t>
-            </a:r>
-            <a:r>
-              <a:rPr lang="en-US" dirty="0" err="1"/>
-              <a:t>để</a:t>
-            </a:r>
-            <a:r>
-              <a:rPr lang="en-US" dirty="0"/>
-              <a:t> </a:t>
-            </a:r>
-            <a:r>
-              <a:rPr lang="en-US" dirty="0" err="1"/>
-              <a:t>tìm</a:t>
-            </a:r>
-            <a:r>
-              <a:rPr lang="en-US" dirty="0"/>
-              <a:t> </a:t>
-            </a:r>
-            <a:r>
-              <a:rPr lang="en-US" dirty="0" err="1"/>
-              <a:t>ra</a:t>
-            </a:r>
-            <a:r>
-              <a:rPr lang="en-US" dirty="0"/>
-              <a:t> </a:t>
-            </a:r>
-            <a:r>
-              <a:rPr lang="en-US" dirty="0" err="1"/>
-              <a:t>đâu</a:t>
-            </a:r>
-            <a:r>
-              <a:rPr lang="en-US" dirty="0"/>
-              <a:t> </a:t>
-            </a:r>
-            <a:r>
-              <a:rPr lang="en-US" dirty="0" err="1"/>
-              <a:t>là</a:t>
-            </a:r>
-            <a:r>
-              <a:rPr lang="en-US" dirty="0"/>
-              <a:t> </a:t>
-            </a:r>
-            <a:r>
-              <a:rPr lang="en-US" dirty="0" err="1"/>
-              <a:t>thuật</a:t>
-            </a:r>
-            <a:r>
-              <a:rPr lang="en-US" dirty="0"/>
-              <a:t> </a:t>
-            </a:r>
-            <a:r>
-              <a:rPr lang="en-US" dirty="0" err="1"/>
-              <a:t>toán</a:t>
-            </a:r>
-            <a:r>
-              <a:rPr lang="en-US" dirty="0"/>
-              <a:t> </a:t>
-            </a:r>
-            <a:r>
-              <a:rPr lang="en-US" dirty="0" err="1"/>
-              <a:t>tối</a:t>
-            </a:r>
-            <a:r>
-              <a:rPr lang="en-US" dirty="0"/>
-              <a:t> </a:t>
-            </a:r>
-            <a:r>
-              <a:rPr lang="vi-VN" dirty="0"/>
-              <a:t>ưu</a:t>
-            </a:r>
-            <a:r>
-              <a:rPr lang="en-US" dirty="0"/>
-              <a:t> </a:t>
-            </a:r>
-            <a:r>
-              <a:rPr lang="en-US" dirty="0" err="1"/>
-              <a:t>nhất</a:t>
-            </a:r>
-            <a:r>
-              <a:rPr lang="en-US" dirty="0"/>
-              <a:t> </a:t>
-            </a:r>
-            <a:r>
-              <a:rPr lang="en-US" dirty="0" err="1"/>
-              <a:t>cho</a:t>
-            </a:r>
-            <a:r>
-              <a:rPr lang="en-US" dirty="0"/>
-              <a:t> </a:t>
-            </a:r>
-            <a:r>
-              <a:rPr lang="en-US" dirty="0" err="1"/>
-              <a:t>lĩnh</a:t>
-            </a:r>
-            <a:r>
-              <a:rPr lang="en-US" dirty="0"/>
-              <a:t> </a:t>
-            </a:r>
-            <a:r>
-              <a:rPr lang="en-US" dirty="0" err="1"/>
-              <a:t>vực</a:t>
-            </a:r>
-            <a:r>
-              <a:rPr lang="en-US" dirty="0"/>
-              <a:t> </a:t>
-            </a:r>
-            <a:r>
-              <a:rPr lang="en-US" dirty="0" err="1"/>
-              <a:t>tìm</a:t>
-            </a:r>
-            <a:r>
-              <a:rPr lang="en-US" dirty="0"/>
-              <a:t> </a:t>
-            </a:r>
-            <a:r>
-              <a:rPr lang="en-US" dirty="0" err="1"/>
-              <a:t>kiếm</a:t>
-            </a:r>
-            <a:r>
-              <a:rPr lang="en-US" dirty="0"/>
-              <a:t> </a:t>
-            </a:r>
-            <a:r>
-              <a:rPr lang="en-US" dirty="0" err="1"/>
-              <a:t>việc</a:t>
-            </a:r>
-            <a:r>
-              <a:rPr lang="en-US" dirty="0"/>
-              <a:t> </a:t>
-            </a:r>
-            <a:r>
-              <a:rPr lang="en-US" dirty="0" err="1"/>
-              <a:t>làm</a:t>
-            </a:r>
-            <a:r>
-              <a:rPr lang="en-US" dirty="0"/>
-              <a:t>.</a:t>
-            </a:r>
-          </a:p>
-          <a:p>
-            <a:endParaRPr lang="vi-VN" dirty="0"/>
-          </a:p>
-        </p:txBody>
-      </p:sp>
-      <p:sp>
-        <p:nvSpPr>
-          <p:cNvPr id="4" name="Slide Number Placeholder 3"/>
-          <p:cNvSpPr>
-            <a:spLocks noGrp="1"/>
-          </p:cNvSpPr>
-          <p:nvPr>
-            <p:ph type="sldNum" sz="quarter" idx="10"/>
-          </p:nvPr>
-        </p:nvSpPr>
-        <p:spPr/>
-        <p:txBody>
-          <a:bodyPr/>
-          <a:lstStyle/>
-          <a:p>
-            <a:fld id="{8FDBD688-BEAD-456A-A731-272759E2F441}" type="slidenum">
-              <a:rPr lang="en-US" smtClean="0"/>
-              <a:pPr/>
-              <a:t>9</a:t>
-            </a:fld>
-            <a:endParaRPr lang="en-US"/>
-          </a:p>
-        </p:txBody>
-      </p:sp>
-    </p:spTree>
-    <p:extLst>
-      <p:ext uri="{BB962C8B-B14F-4D97-AF65-F5344CB8AC3E}">
-        <p14:creationId xmlns:p14="http://schemas.microsoft.com/office/powerpoint/2010/main" val="3039317763"/>
-      </p:ext>
-    </p:extLst>
-  </p:cSld>
-  <p:clrMapOvr>
-    <a:masterClrMapping/>
-  </p:clrMapOvr>
-</p:notes>
-</file>
-
 <file path=ppt/notesSlides/notesSlide8.xml><?xml version="1.0" encoding="utf-8"?>
 <p:notes xmlns:a="http://schemas.openxmlformats.org/drawingml/2006/main" xmlns:r="http://schemas.openxmlformats.org/officeDocument/2006/relationships" xmlns:p="http://schemas.openxmlformats.org/presentationml/2006/main">
   <p:cSld>
@@ -2737,477 +3841,263 @@
           <a:p>
             <a:r>
               <a:rPr lang="en-US" dirty="0" err="1"/>
-              <a:t>Tiến</a:t>
-            </a:r>
-            <a:r>
-              <a:rPr lang="en-US" dirty="0"/>
-              <a:t> </a:t>
-            </a:r>
-            <a:r>
-              <a:rPr lang="en-US" dirty="0" err="1"/>
-              <a:t>hành</a:t>
-            </a:r>
-            <a:r>
-              <a:rPr lang="en-US" dirty="0"/>
-              <a:t> </a:t>
-            </a:r>
-            <a:r>
-              <a:rPr lang="en-US" dirty="0" err="1"/>
-              <a:t>thực</a:t>
-            </a:r>
-            <a:r>
-              <a:rPr lang="en-US" dirty="0"/>
-              <a:t> </a:t>
-            </a:r>
-            <a:r>
-              <a:rPr lang="en-US" dirty="0" err="1"/>
-              <a:t>nghiệm</a:t>
+              <a:t>Mục</a:t>
+            </a:r>
+            <a:r>
+              <a:rPr lang="en-US" dirty="0"/>
+              <a:t> </a:t>
+            </a:r>
+            <a:r>
+              <a:rPr lang="en-US" dirty="0" err="1"/>
+              <a:t>đích</a:t>
+            </a:r>
+            <a:r>
+              <a:rPr lang="en-US" dirty="0"/>
+              <a:t> </a:t>
+            </a:r>
+            <a:r>
+              <a:rPr lang="en-US" dirty="0" err="1"/>
+              <a:t>xây</a:t>
+            </a:r>
+            <a:r>
+              <a:rPr lang="en-US" dirty="0"/>
+              <a:t> </a:t>
+            </a:r>
+            <a:r>
+              <a:rPr lang="en-US" dirty="0" err="1"/>
+              <a:t>dựng</a:t>
             </a:r>
             <a:r>
               <a:rPr lang="en-US" dirty="0"/>
               <a:t>: </a:t>
+            </a:r>
+            <a:r>
+              <a:rPr lang="en-US" dirty="0" err="1"/>
+              <a:t>nhằm</a:t>
+            </a:r>
+            <a:r>
+              <a:rPr lang="en-US" dirty="0"/>
+              <a:t> so </a:t>
+            </a:r>
+            <a:r>
+              <a:rPr lang="en-US" dirty="0" err="1"/>
+              <a:t>sánh</a:t>
+            </a:r>
+            <a:r>
+              <a:rPr lang="en-US" dirty="0"/>
+              <a:t> </a:t>
+            </a:r>
+            <a:r>
+              <a:rPr lang="en-US" dirty="0" err="1"/>
+              <a:t>và</a:t>
+            </a:r>
+            <a:r>
+              <a:rPr lang="en-US" dirty="0"/>
+              <a:t> </a:t>
+            </a:r>
+            <a:r>
+              <a:rPr lang="en-US" dirty="0" err="1"/>
+              <a:t>đánh</a:t>
+            </a:r>
+            <a:r>
+              <a:rPr lang="en-US" dirty="0"/>
+              <a:t> </a:t>
+            </a:r>
+            <a:r>
+              <a:rPr lang="en-US" dirty="0" err="1"/>
+              <a:t>giá</a:t>
+            </a:r>
+            <a:r>
+              <a:rPr lang="en-US" dirty="0"/>
+              <a:t> </a:t>
+            </a:r>
+            <a:r>
+              <a:rPr lang="en-US" dirty="0" err="1"/>
+              <a:t>giữa</a:t>
+            </a:r>
+            <a:r>
+              <a:rPr lang="en-US" dirty="0"/>
+              <a:t> </a:t>
+            </a:r>
+            <a:r>
+              <a:rPr lang="en-US" dirty="0" err="1"/>
+              <a:t>các</a:t>
+            </a:r>
+            <a:r>
+              <a:rPr lang="en-US" dirty="0"/>
+              <a:t> </a:t>
+            </a:r>
+            <a:r>
+              <a:rPr lang="en-US" dirty="0" err="1"/>
+              <a:t>thuật</a:t>
+            </a:r>
+            <a:r>
+              <a:rPr lang="en-US" dirty="0"/>
+              <a:t> </a:t>
+            </a:r>
+            <a:r>
+              <a:rPr lang="en-US" dirty="0" err="1"/>
+              <a:t>toán</a:t>
+            </a:r>
+            <a:r>
+              <a:rPr lang="en-US" dirty="0"/>
+              <a:t> </a:t>
+            </a:r>
+            <a:r>
+              <a:rPr lang="en-US" dirty="0" err="1"/>
+              <a:t>khuyến</a:t>
+            </a:r>
+            <a:r>
+              <a:rPr lang="en-US" dirty="0"/>
+              <a:t> </a:t>
+            </a:r>
+            <a:r>
+              <a:rPr lang="en-US" dirty="0" err="1"/>
+              <a:t>nghị</a:t>
+            </a:r>
+            <a:r>
+              <a:rPr lang="en-US" dirty="0"/>
+              <a:t> </a:t>
+            </a:r>
+            <a:r>
+              <a:rPr lang="en-US" dirty="0" err="1"/>
+              <a:t>để</a:t>
+            </a:r>
+            <a:r>
+              <a:rPr lang="en-US" dirty="0"/>
+              <a:t> </a:t>
+            </a:r>
+            <a:r>
+              <a:rPr lang="en-US" dirty="0" err="1"/>
+              <a:t>tìm</a:t>
+            </a:r>
+            <a:r>
+              <a:rPr lang="en-US" dirty="0"/>
+              <a:t> </a:t>
+            </a:r>
+            <a:r>
+              <a:rPr lang="en-US" dirty="0" err="1"/>
+              <a:t>ra</a:t>
+            </a:r>
+            <a:r>
+              <a:rPr lang="en-US" dirty="0"/>
+              <a:t> </a:t>
+            </a:r>
+            <a:r>
+              <a:rPr lang="en-US" dirty="0" err="1"/>
+              <a:t>đâu</a:t>
+            </a:r>
+            <a:r>
+              <a:rPr lang="en-US" dirty="0"/>
+              <a:t> </a:t>
+            </a:r>
+            <a:r>
+              <a:rPr lang="en-US" dirty="0" err="1"/>
+              <a:t>là</a:t>
+            </a:r>
+            <a:r>
+              <a:rPr lang="en-US" dirty="0"/>
+              <a:t> </a:t>
+            </a:r>
+            <a:r>
+              <a:rPr lang="en-US" dirty="0" err="1"/>
+              <a:t>thuật</a:t>
+            </a:r>
+            <a:r>
+              <a:rPr lang="en-US" dirty="0"/>
+              <a:t> </a:t>
+            </a:r>
+            <a:r>
+              <a:rPr lang="en-US" dirty="0" err="1"/>
+              <a:t>toán</a:t>
+            </a:r>
+            <a:r>
+              <a:rPr lang="en-US" dirty="0"/>
+              <a:t> </a:t>
+            </a:r>
+            <a:r>
+              <a:rPr lang="en-US" dirty="0" err="1"/>
+              <a:t>tối</a:t>
+            </a:r>
+            <a:r>
+              <a:rPr lang="en-US" dirty="0"/>
+              <a:t> </a:t>
+            </a:r>
+            <a:r>
+              <a:rPr lang="vi-VN" dirty="0"/>
+              <a:t>ưu</a:t>
+            </a:r>
+            <a:r>
+              <a:rPr lang="en-US" dirty="0"/>
+              <a:t> </a:t>
+            </a:r>
+            <a:r>
+              <a:rPr lang="en-US" dirty="0" err="1"/>
+              <a:t>nhất</a:t>
+            </a:r>
+            <a:r>
+              <a:rPr lang="en-US" dirty="0"/>
+              <a:t> </a:t>
+            </a:r>
+            <a:r>
+              <a:rPr lang="en-US" dirty="0" err="1"/>
+              <a:t>cho</a:t>
+            </a:r>
+            <a:r>
+              <a:rPr lang="en-US" dirty="0"/>
+              <a:t> </a:t>
+            </a:r>
+            <a:r>
+              <a:rPr lang="en-US" dirty="0" err="1"/>
+              <a:t>lĩnh</a:t>
+            </a:r>
+            <a:r>
+              <a:rPr lang="en-US" dirty="0"/>
+              <a:t> </a:t>
+            </a:r>
+            <a:r>
+              <a:rPr lang="en-US" dirty="0" err="1"/>
+              <a:t>vực</a:t>
+            </a:r>
+            <a:r>
+              <a:rPr lang="en-US" dirty="0"/>
+              <a:t> </a:t>
+            </a:r>
+            <a:r>
+              <a:rPr lang="en-US" dirty="0" err="1"/>
+              <a:t>tìm</a:t>
+            </a:r>
+            <a:r>
+              <a:rPr lang="en-US" dirty="0"/>
+              <a:t> </a:t>
+            </a:r>
+            <a:r>
+              <a:rPr lang="en-US" dirty="0" err="1"/>
+              <a:t>kiếm</a:t>
+            </a:r>
+            <a:r>
+              <a:rPr lang="en-US" dirty="0"/>
+              <a:t> </a:t>
+            </a:r>
+            <a:r>
+              <a:rPr lang="en-US" dirty="0" err="1"/>
+              <a:t>việc</a:t>
+            </a:r>
+            <a:r>
+              <a:rPr lang="en-US" dirty="0"/>
+              <a:t> </a:t>
+            </a:r>
+            <a:r>
+              <a:rPr lang="en-US" dirty="0" err="1"/>
+              <a:t>làm</a:t>
+            </a:r>
+            <a:r>
+              <a:rPr lang="en-US" dirty="0"/>
+              <a:t>.</a:t>
             </a:r>
           </a:p>
           <a:p>
-            <a:pPr marL="171450" indent="-171450">
-              <a:buFontTx/>
-              <a:buChar char="-"/>
-            </a:pPr>
-            <a:r>
-              <a:rPr lang="en-US" dirty="0" err="1"/>
-              <a:t>Thực</a:t>
-            </a:r>
-            <a:r>
-              <a:rPr lang="en-US" dirty="0"/>
-              <a:t> </a:t>
-            </a:r>
-            <a:r>
-              <a:rPr lang="en-US" dirty="0" err="1"/>
-              <a:t>nghiệm</a:t>
-            </a:r>
-            <a:r>
-              <a:rPr lang="en-US" dirty="0"/>
-              <a:t> offline: </a:t>
-            </a:r>
-          </a:p>
-          <a:p>
-            <a:pPr marL="628650" lvl="1" indent="-171450">
-              <a:buFontTx/>
-              <a:buChar char="-"/>
-            </a:pPr>
-            <a:r>
-              <a:rPr lang="en-US" dirty="0"/>
-              <a:t>Ph</a:t>
-            </a:r>
-            <a:r>
-              <a:rPr lang="vi-VN" dirty="0"/>
-              <a:t>ương</a:t>
-            </a:r>
-            <a:r>
-              <a:rPr lang="en-US" dirty="0"/>
-              <a:t> </a:t>
-            </a:r>
-            <a:r>
-              <a:rPr lang="en-US" dirty="0" err="1"/>
-              <a:t>pháp</a:t>
-            </a:r>
-            <a:r>
-              <a:rPr lang="en-US" dirty="0"/>
-              <a:t> chia </a:t>
-            </a:r>
-            <a:r>
-              <a:rPr lang="en-US" dirty="0" err="1"/>
-              <a:t>tập</a:t>
-            </a:r>
-            <a:r>
-              <a:rPr lang="en-US" dirty="0"/>
-              <a:t> </a:t>
-            </a:r>
-            <a:r>
-              <a:rPr lang="en-US" dirty="0" err="1"/>
-              <a:t>dữ</a:t>
-            </a:r>
-            <a:r>
-              <a:rPr lang="en-US" dirty="0"/>
-              <a:t> </a:t>
-            </a:r>
-            <a:r>
-              <a:rPr lang="en-US" dirty="0" err="1"/>
-              <a:t>liệu</a:t>
-            </a:r>
-            <a:r>
-              <a:rPr lang="en-US" dirty="0"/>
-              <a:t> </a:t>
-            </a:r>
-            <a:r>
-              <a:rPr lang="en-US" dirty="0" err="1"/>
-              <a:t>huấn</a:t>
-            </a:r>
-            <a:r>
-              <a:rPr lang="en-US" dirty="0"/>
-              <a:t> </a:t>
-            </a:r>
-            <a:r>
-              <a:rPr lang="en-US" dirty="0" err="1"/>
-              <a:t>luyện</a:t>
-            </a:r>
-            <a:r>
-              <a:rPr lang="en-US" dirty="0"/>
-              <a:t>: K-fold Cross Validation. </a:t>
-            </a:r>
-            <a:r>
-              <a:rPr lang="en-US" dirty="0" err="1"/>
-              <a:t>Với</a:t>
-            </a:r>
-            <a:r>
-              <a:rPr lang="en-US" dirty="0"/>
-              <a:t> </a:t>
-            </a:r>
-            <a:r>
-              <a:rPr lang="en-US" dirty="0" err="1"/>
-              <a:t>số</a:t>
-            </a:r>
-            <a:r>
-              <a:rPr lang="en-US" dirty="0"/>
-              <a:t> fold k = 10.</a:t>
-            </a:r>
-          </a:p>
-          <a:p>
-            <a:pPr marL="628650" marR="0" lvl="1" indent="-171450" algn="l" defTabSz="914400" rtl="0" eaLnBrk="1" fontAlgn="auto" latinLnBrk="0" hangingPunct="1">
-              <a:lnSpc>
-                <a:spcPct val="100000"/>
-              </a:lnSpc>
-              <a:spcBef>
-                <a:spcPts val="0"/>
-              </a:spcBef>
-              <a:spcAft>
-                <a:spcPts val="0"/>
-              </a:spcAft>
-              <a:buClrTx/>
-              <a:buSzTx/>
-              <a:buFontTx/>
-              <a:buChar char="-"/>
-              <a:tabLst/>
-              <a:defRPr/>
-            </a:pPr>
-            <a:r>
-              <a:rPr lang="en-US" dirty="0" err="1"/>
-              <a:t>Dộ</a:t>
-            </a:r>
-            <a:r>
-              <a:rPr lang="en-US" dirty="0"/>
-              <a:t> </a:t>
-            </a:r>
-            <a:r>
-              <a:rPr lang="en-US" dirty="0" err="1"/>
-              <a:t>đo</a:t>
-            </a:r>
-            <a:r>
-              <a:rPr lang="en-US" dirty="0"/>
-              <a:t> đ</a:t>
-            </a:r>
-            <a:r>
-              <a:rPr lang="vi-VN" dirty="0"/>
-              <a:t>ược</a:t>
-            </a:r>
-            <a:r>
-              <a:rPr lang="en-US" dirty="0"/>
-              <a:t> </a:t>
-            </a:r>
-            <a:r>
-              <a:rPr lang="en-US" dirty="0" err="1"/>
-              <a:t>sử</a:t>
-            </a:r>
-            <a:r>
-              <a:rPr lang="en-US" dirty="0"/>
-              <a:t> </a:t>
-            </a:r>
-            <a:r>
-              <a:rPr lang="en-US" dirty="0" err="1"/>
-              <a:t>dụng</a:t>
-            </a:r>
-            <a:r>
-              <a:rPr lang="en-US" dirty="0"/>
-              <a:t>: Precision, Recall, F-Measure, NDCG, RMSE, MAP, MRR.</a:t>
-            </a:r>
             <a:endParaRPr lang="vi-VN" dirty="0"/>
-          </a:p>
-          <a:p>
-            <a:pPr marL="628650" lvl="1" indent="-171450">
-              <a:buFontTx/>
-              <a:buChar char="-"/>
-            </a:pPr>
-            <a:r>
-              <a:rPr lang="en-US" dirty="0" err="1"/>
-              <a:t>Thuật</a:t>
-            </a:r>
-            <a:r>
-              <a:rPr lang="en-US" dirty="0"/>
-              <a:t> </a:t>
-            </a:r>
-            <a:r>
-              <a:rPr lang="en-US" dirty="0" err="1"/>
-              <a:t>toán</a:t>
-            </a:r>
-            <a:r>
-              <a:rPr lang="en-US" dirty="0"/>
-              <a:t>: </a:t>
-            </a:r>
-            <a:r>
-              <a:rPr lang="en-US" dirty="0" err="1"/>
-              <a:t>tất</a:t>
-            </a:r>
-            <a:r>
-              <a:rPr lang="en-US" dirty="0"/>
-              <a:t> </a:t>
-            </a:r>
-            <a:r>
-              <a:rPr lang="en-US" dirty="0" err="1"/>
-              <a:t>cả</a:t>
-            </a:r>
-            <a:endParaRPr lang="en-US" dirty="0"/>
-          </a:p>
-          <a:p>
-            <a:pPr marL="171450" lvl="0" indent="-171450">
-              <a:buFontTx/>
-              <a:buChar char="-"/>
-            </a:pPr>
-            <a:r>
-              <a:rPr lang="en-US" dirty="0" err="1"/>
-              <a:t>Thực</a:t>
-            </a:r>
-            <a:r>
-              <a:rPr lang="en-US" dirty="0"/>
-              <a:t> </a:t>
-            </a:r>
-            <a:r>
-              <a:rPr lang="en-US" dirty="0" err="1"/>
-              <a:t>nghiệm</a:t>
-            </a:r>
-            <a:r>
-              <a:rPr lang="en-US" dirty="0"/>
-              <a:t> online:</a:t>
-            </a:r>
-          </a:p>
-          <a:p>
-            <a:pPr marL="628650" lvl="1" indent="-171450">
-              <a:buFontTx/>
-              <a:buChar char="-"/>
-            </a:pPr>
-            <a:r>
-              <a:rPr lang="en-US" dirty="0"/>
-              <a:t>Ph</a:t>
-            </a:r>
-            <a:r>
-              <a:rPr lang="vi-VN" dirty="0"/>
-              <a:t>ương</a:t>
-            </a:r>
-            <a:r>
-              <a:rPr lang="en-US" dirty="0"/>
-              <a:t> </a:t>
-            </a:r>
-            <a:r>
-              <a:rPr lang="en-US" dirty="0" err="1"/>
-              <a:t>pháp</a:t>
-            </a:r>
-            <a:r>
-              <a:rPr lang="en-US" dirty="0"/>
-              <a:t>: </a:t>
-            </a:r>
-            <a:r>
-              <a:rPr lang="en-US" dirty="0" err="1"/>
-              <a:t>chạy</a:t>
-            </a:r>
-            <a:r>
-              <a:rPr lang="en-US" dirty="0"/>
-              <a:t> 3 </a:t>
-            </a:r>
-            <a:r>
-              <a:rPr lang="en-US" dirty="0" err="1"/>
-              <a:t>thuật</a:t>
-            </a:r>
-            <a:r>
-              <a:rPr lang="en-US" dirty="0"/>
-              <a:t> </a:t>
-            </a:r>
-            <a:r>
-              <a:rPr lang="en-US" dirty="0" err="1"/>
-              <a:t>toán</a:t>
-            </a:r>
-            <a:r>
-              <a:rPr lang="en-US" dirty="0"/>
-              <a:t> </a:t>
-            </a:r>
-            <a:r>
-              <a:rPr lang="en-US" dirty="0" err="1"/>
-              <a:t>khuyến</a:t>
-            </a:r>
-            <a:r>
-              <a:rPr lang="en-US" dirty="0"/>
-              <a:t> </a:t>
-            </a:r>
-            <a:r>
-              <a:rPr lang="en-US" dirty="0" err="1"/>
-              <a:t>nghị</a:t>
-            </a:r>
-            <a:r>
-              <a:rPr lang="en-US" dirty="0"/>
-              <a:t> đ</a:t>
-            </a:r>
-            <a:r>
-              <a:rPr lang="vi-VN" dirty="0"/>
-              <a:t>ược đánh giá là tốt nhất từ thực nghiệm offline -&gt; lấy kết quả khuyến nghị để khảo sát người dùng.</a:t>
-            </a:r>
-          </a:p>
-          <a:p>
-            <a:pPr marL="628650" lvl="1" indent="-171450">
-              <a:buFontTx/>
-              <a:buChar char="-"/>
-            </a:pPr>
-            <a:r>
-              <a:rPr lang="en-US" dirty="0" err="1"/>
-              <a:t>độ</a:t>
-            </a:r>
-            <a:r>
-              <a:rPr lang="en-US" dirty="0"/>
-              <a:t> </a:t>
-            </a:r>
-            <a:r>
-              <a:rPr lang="en-US" dirty="0" err="1"/>
-              <a:t>đo</a:t>
-            </a:r>
-            <a:r>
-              <a:rPr lang="en-US" dirty="0"/>
-              <a:t> đ</a:t>
-            </a:r>
-            <a:r>
-              <a:rPr lang="vi-VN" dirty="0"/>
-              <a:t>ược sử dụng: Precision, NDCG, RMSE, MAP, MRR </a:t>
-            </a:r>
-            <a:r>
-              <a:rPr lang="en-US" dirty="0"/>
-              <a:t>(</a:t>
-            </a:r>
-            <a:r>
-              <a:rPr lang="vi-VN" dirty="0"/>
-              <a:t>nguyên nhân: </a:t>
-            </a:r>
-            <a:r>
-              <a:rPr lang="en-US" dirty="0" err="1"/>
-              <a:t>thực</a:t>
-            </a:r>
-            <a:r>
-              <a:rPr lang="en-US" dirty="0"/>
-              <a:t> </a:t>
-            </a:r>
-            <a:r>
-              <a:rPr lang="en-US" dirty="0" err="1"/>
-              <a:t>nghiệm</a:t>
-            </a:r>
-            <a:r>
-              <a:rPr lang="en-US" dirty="0"/>
-              <a:t> online </a:t>
-            </a:r>
-            <a:r>
-              <a:rPr lang="en-US" dirty="0" err="1"/>
-              <a:t>không</a:t>
-            </a:r>
-            <a:r>
-              <a:rPr lang="en-US" dirty="0"/>
-              <a:t> </a:t>
-            </a:r>
-            <a:r>
-              <a:rPr lang="en-US" dirty="0" err="1"/>
-              <a:t>có</a:t>
-            </a:r>
-            <a:r>
-              <a:rPr lang="en-US" dirty="0"/>
-              <a:t> </a:t>
-            </a:r>
-            <a:r>
-              <a:rPr lang="en-US" dirty="0" err="1"/>
-              <a:t>tập</a:t>
-            </a:r>
-            <a:r>
-              <a:rPr lang="en-US" dirty="0"/>
-              <a:t> </a:t>
-            </a:r>
-            <a:r>
-              <a:rPr lang="en-US" dirty="0" err="1"/>
-              <a:t>dữ</a:t>
-            </a:r>
-            <a:r>
-              <a:rPr lang="en-US" dirty="0"/>
-              <a:t> </a:t>
-            </a:r>
-            <a:r>
-              <a:rPr lang="en-US" dirty="0" err="1"/>
-              <a:t>liệu</a:t>
-            </a:r>
-            <a:r>
-              <a:rPr lang="en-US" dirty="0"/>
-              <a:t> </a:t>
-            </a:r>
-            <a:r>
-              <a:rPr lang="en-US" dirty="0" err="1"/>
-              <a:t>GroundTruth</a:t>
-            </a:r>
-            <a:r>
-              <a:rPr lang="en-US" dirty="0"/>
-              <a:t> </a:t>
-            </a:r>
-            <a:r>
-              <a:rPr lang="en-US" dirty="0" err="1"/>
-              <a:t>nên</a:t>
-            </a:r>
-            <a:r>
-              <a:rPr lang="en-US" dirty="0"/>
-              <a:t> </a:t>
-            </a:r>
-            <a:r>
-              <a:rPr lang="en-US" dirty="0" err="1"/>
-              <a:t>không</a:t>
-            </a:r>
-            <a:r>
-              <a:rPr lang="en-US" dirty="0"/>
-              <a:t> </a:t>
-            </a:r>
-            <a:r>
-              <a:rPr lang="en-US" dirty="0" err="1"/>
-              <a:t>thể</a:t>
-            </a:r>
-            <a:r>
-              <a:rPr lang="en-US" dirty="0"/>
-              <a:t> </a:t>
-            </a:r>
-            <a:r>
-              <a:rPr lang="en-US" dirty="0" err="1"/>
-              <a:t>chạy</a:t>
-            </a:r>
-            <a:r>
-              <a:rPr lang="en-US" dirty="0"/>
-              <a:t> đ</a:t>
-            </a:r>
-            <a:r>
-              <a:rPr lang="vi-VN" dirty="0"/>
-              <a:t>ư</a:t>
-            </a:r>
-            <a:r>
-              <a:rPr lang="en-US" dirty="0" err="1"/>
-              <a:t>ợc</a:t>
-            </a:r>
-            <a:r>
-              <a:rPr lang="en-US" dirty="0"/>
-              <a:t> Recall </a:t>
-            </a:r>
-            <a:r>
-              <a:rPr lang="en-US" dirty="0" err="1"/>
-              <a:t>và</a:t>
-            </a:r>
-            <a:r>
-              <a:rPr lang="en-US" dirty="0"/>
-              <a:t> F-Measure)</a:t>
-            </a:r>
           </a:p>
         </p:txBody>
       </p:sp>
@@ -3229,7 +4119,7 @@
             <a:fld id="{8FDBD688-BEAD-456A-A731-272759E2F441}" type="slidenum">
               <a:rPr lang="en-US" smtClean="0"/>
               <a:pPr/>
-              <a:t>10</a:t>
+              <a:t>9</a:t>
             </a:fld>
             <a:endParaRPr lang="en-US"/>
           </a:p>
@@ -3238,7 +4128,7 @@
     </p:spTree>
     <p:extLst>
       <p:ext uri="{BB962C8B-B14F-4D97-AF65-F5344CB8AC3E}">
-        <p14:creationId xmlns:p14="http://schemas.microsoft.com/office/powerpoint/2010/main" val="3945505992"/>
+        <p14:creationId xmlns:p14="http://schemas.microsoft.com/office/powerpoint/2010/main" val="3039317763"/>
       </p:ext>
     </p:extLst>
   </p:cSld>
@@ -3786,7 +4676,7 @@
             <a:fld id="{8FDBD688-BEAD-456A-A731-272759E2F441}" type="slidenum">
               <a:rPr lang="en-US" smtClean="0"/>
               <a:pPr/>
-              <a:t>11</a:t>
+              <a:t>10</a:t>
             </a:fld>
             <a:endParaRPr lang="en-US"/>
           </a:p>
@@ -3795,7 +4685,7 @@
     </p:spTree>
     <p:extLst>
       <p:ext uri="{BB962C8B-B14F-4D97-AF65-F5344CB8AC3E}">
-        <p14:creationId xmlns:p14="http://schemas.microsoft.com/office/powerpoint/2010/main" val="2341584277"/>
+        <p14:creationId xmlns:p14="http://schemas.microsoft.com/office/powerpoint/2010/main" val="3945505992"/>
       </p:ext>
     </p:extLst>
   </p:cSld>
@@ -10272,7 +11162,17 @@
                 <a:latin typeface="Times New Roman" panose="02020603050405020304" pitchFamily="18" charset="0"/>
                 <a:cs typeface="Times New Roman" panose="02020603050405020304" pitchFamily="18" charset="0"/>
               </a:rPr>
-              <a:t>: 4475 </a:t>
+              <a:t>: </a:t>
+            </a:r>
+            <a:r>
+              <a:rPr lang="en-US" sz="4000" dirty="0">
+                <a:solidFill>
+                  <a:schemeClr val="tx1"/>
+                </a:solidFill>
+                <a:latin typeface="Times New Roman" panose="02020603050405020304" pitchFamily="18" charset="0"/>
+                <a:cs typeface="Times New Roman" panose="02020603050405020304" pitchFamily="18" charset="0"/>
+              </a:rPr>
+              <a:t>4475 </a:t>
             </a:r>
             <a:r>
               <a:rPr lang="en-US" sz="4000" dirty="0" err="1">
@@ -16362,14 +17262,7 @@
                 <a:latin typeface="Times New Roman" panose="02020603050405020304" pitchFamily="18" charset="0"/>
                 <a:cs typeface="Times New Roman" panose="02020603050405020304" pitchFamily="18" charset="0"/>
               </a:rPr>
-              <a:t>Dietmar Jannach,</a:t>
-            </a:r>
-            <a:r>
-              <a:rPr lang="de-DE" sz="3000" dirty="0">
-                <a:latin typeface="Times New Roman" panose="02020603050405020304" pitchFamily="18" charset="0"/>
-                <a:cs typeface="Times New Roman" panose="02020603050405020304" pitchFamily="18" charset="0"/>
-              </a:rPr>
-              <a:t> Markus Zanke</a:t>
+              <a:t>Dietmar Jannach, Markus Zanke</a:t>
             </a:r>
             <a:endParaRPr lang="en-US" sz="3000" dirty="0">
               <a:latin typeface="Times New Roman" panose="02020603050405020304" pitchFamily="18" charset="0"/>
@@ -22457,13 +23350,6 @@
               </a:rPr>
               <a:t>Collaborative Filtering</a:t>
             </a:r>
-            <a:endParaRPr lang="en-US" sz="3000" dirty="0">
-              <a:solidFill>
-                <a:srgbClr val="C00000"/>
-              </a:solidFill>
-              <a:latin typeface="Times New Roman" panose="02020603050405020304" pitchFamily="18" charset="0"/>
-              <a:cs typeface="Times New Roman" panose="02020603050405020304" pitchFamily="18" charset="0"/>
-            </a:endParaRPr>
           </a:p>
         </p:txBody>
       </p:sp>
@@ -22500,13 +23386,6 @@
               </a:rPr>
               <a:t>Content based</a:t>
             </a:r>
-            <a:endParaRPr lang="en-US" sz="3000" dirty="0">
-              <a:solidFill>
-                <a:srgbClr val="C00000"/>
-              </a:solidFill>
-              <a:latin typeface="Times New Roman" panose="02020603050405020304" pitchFamily="18" charset="0"/>
-              <a:cs typeface="Times New Roman" panose="02020603050405020304" pitchFamily="18" charset="0"/>
-            </a:endParaRPr>
           </a:p>
         </p:txBody>
       </p:sp>
@@ -22542,13 +23421,6 @@
               </a:rPr>
               <a:t>Hybrid</a:t>
             </a:r>
-            <a:endParaRPr lang="en-US" sz="3000" dirty="0">
-              <a:solidFill>
-                <a:srgbClr val="C00000"/>
-              </a:solidFill>
-              <a:latin typeface="Times New Roman" panose="02020603050405020304" pitchFamily="18" charset="0"/>
-              <a:cs typeface="Times New Roman" panose="02020603050405020304" pitchFamily="18" charset="0"/>
-            </a:endParaRPr>
           </a:p>
         </p:txBody>
       </p:sp>
@@ -27013,7 +27885,7 @@
                 <a:latin typeface="Times New Roman" panose="02020603050405020304" pitchFamily="18" charset="0"/>
                 <a:cs typeface="Times New Roman" panose="02020603050405020304" pitchFamily="18" charset="0"/>
               </a:rPr>
-              <a:t> dataset: 4475 </a:t>
+              <a:t> dataset: </a:t>
             </a:r>
             <a:r>
               <a:rPr lang="en-US" sz="4000" dirty="0" err="1">
@@ -27023,6 +27895,26 @@
                 <a:latin typeface="Times New Roman" panose="02020603050405020304" pitchFamily="18" charset="0"/>
                 <a:cs typeface="Times New Roman" panose="02020603050405020304" pitchFamily="18" charset="0"/>
               </a:rPr>
+              <a:t>Gần</a:t>
+            </a:r>
+            <a:r>
+              <a:rPr lang="en-US" sz="4000" dirty="0">
+                <a:solidFill>
+                  <a:schemeClr val="tx1"/>
+                </a:solidFill>
+                <a:latin typeface="Times New Roman" panose="02020603050405020304" pitchFamily="18" charset="0"/>
+                <a:cs typeface="Times New Roman" panose="02020603050405020304" pitchFamily="18" charset="0"/>
+              </a:rPr>
+              <a:t> 40.000 </a:t>
+            </a:r>
+            <a:r>
+              <a:rPr lang="en-US" sz="4000" dirty="0" err="1">
+                <a:solidFill>
+                  <a:schemeClr val="tx1"/>
+                </a:solidFill>
+                <a:latin typeface="Times New Roman" panose="02020603050405020304" pitchFamily="18" charset="0"/>
+                <a:cs typeface="Times New Roman" panose="02020603050405020304" pitchFamily="18" charset="0"/>
+              </a:rPr>
               <a:t>việc</a:t>
             </a:r>
             <a:r>
@@ -27044,46 +27936,6 @@
                 <a:cs typeface="Times New Roman" panose="02020603050405020304" pitchFamily="18" charset="0"/>
               </a:rPr>
               <a:t>làm</a:t>
-            </a:r>
-            <a:r>
-              <a:rPr lang="en-US" sz="4000" dirty="0">
-                <a:solidFill>
-                  <a:schemeClr val="tx1"/>
-                </a:solidFill>
-                <a:latin typeface="Times New Roman" panose="02020603050405020304" pitchFamily="18" charset="0"/>
-                <a:cs typeface="Times New Roman" panose="02020603050405020304" pitchFamily="18" charset="0"/>
-              </a:rPr>
-              <a:t> </a:t>
-            </a:r>
-            <a:r>
-              <a:rPr lang="en-US" sz="4000" dirty="0" err="1">
-                <a:solidFill>
-                  <a:schemeClr val="tx1"/>
-                </a:solidFill>
-                <a:latin typeface="Times New Roman" panose="02020603050405020304" pitchFamily="18" charset="0"/>
-                <a:cs typeface="Times New Roman" panose="02020603050405020304" pitchFamily="18" charset="0"/>
-              </a:rPr>
-              <a:t>tiếng</a:t>
-            </a:r>
-            <a:r>
-              <a:rPr lang="en-US" sz="4000" dirty="0">
-                <a:solidFill>
-                  <a:schemeClr val="tx1"/>
-                </a:solidFill>
-                <a:latin typeface="Times New Roman" panose="02020603050405020304" pitchFamily="18" charset="0"/>
-                <a:cs typeface="Times New Roman" panose="02020603050405020304" pitchFamily="18" charset="0"/>
-              </a:rPr>
-              <a:t> </a:t>
-            </a:r>
-            <a:r>
-              <a:rPr lang="en-US" sz="4000" dirty="0" err="1">
-                <a:solidFill>
-                  <a:schemeClr val="tx1"/>
-                </a:solidFill>
-                <a:latin typeface="Times New Roman" panose="02020603050405020304" pitchFamily="18" charset="0"/>
-                <a:cs typeface="Times New Roman" panose="02020603050405020304" pitchFamily="18" charset="0"/>
-              </a:rPr>
-              <a:t>Việt</a:t>
             </a:r>
             <a:r>
               <a:rPr lang="en-US" sz="4000" dirty="0">

--- a/Documents/Báo cáo/Bao cao KLTN_2.pptx
+++ b/Documents/Báo cáo/Bao cao KLTN_2.pptx
@@ -213,7 +213,7 @@
           <a:p>
             <a:fld id="{99796605-A074-4ACE-A4BF-45D150F71694}" type="datetimeFigureOut">
               <a:rPr lang="en-US" smtClean="0"/>
-              <a:t>1/11/2017</a:t>
+              <a:t>1/12/2017</a:t>
             </a:fld>
             <a:endParaRPr lang="en-US"/>
           </a:p>
@@ -5440,7 +5440,7 @@
           <a:p>
             <a:fld id="{48A87A34-81AB-432B-8DAE-1953F412C126}" type="datetimeFigureOut">
               <a:rPr lang="en-US" smtClean="0"/>
-              <a:t>1/11/2017</a:t>
+              <a:t>1/12/2017</a:t>
             </a:fld>
             <a:endParaRPr lang="en-US" dirty="0"/>
           </a:p>
@@ -5692,7 +5692,7 @@
             <a:fld id="{48A87A34-81AB-432B-8DAE-1953F412C126}" type="datetimeFigureOut">
               <a:rPr lang="en-US" smtClean="0"/>
               <a:pPr/>
-              <a:t>1/11/2017</a:t>
+              <a:t>1/12/2017</a:t>
             </a:fld>
             <a:endParaRPr lang="en-US" dirty="0"/>
           </a:p>
@@ -6008,7 +6008,7 @@
             <a:fld id="{48A87A34-81AB-432B-8DAE-1953F412C126}" type="datetimeFigureOut">
               <a:rPr lang="en-US" smtClean="0"/>
               <a:pPr/>
-              <a:t>1/11/2017</a:t>
+              <a:t>1/12/2017</a:t>
             </a:fld>
             <a:endParaRPr lang="en-US" dirty="0"/>
           </a:p>
@@ -6343,7 +6343,7 @@
             <a:fld id="{48A87A34-81AB-432B-8DAE-1953F412C126}" type="datetimeFigureOut">
               <a:rPr lang="en-US" smtClean="0"/>
               <a:pPr/>
-              <a:t>1/11/2017</a:t>
+              <a:t>1/12/2017</a:t>
             </a:fld>
             <a:endParaRPr lang="en-US" dirty="0"/>
           </a:p>
@@ -6659,7 +6659,7 @@
             <a:fld id="{48A87A34-81AB-432B-8DAE-1953F412C126}" type="datetimeFigureOut">
               <a:rPr lang="en-US" smtClean="0"/>
               <a:pPr/>
-              <a:t>1/11/2017</a:t>
+              <a:t>1/12/2017</a:t>
             </a:fld>
             <a:endParaRPr lang="en-US" dirty="0"/>
           </a:p>
@@ -7054,7 +7054,7 @@
             <a:fld id="{48A87A34-81AB-432B-8DAE-1953F412C126}" type="datetimeFigureOut">
               <a:rPr lang="en-US" smtClean="0"/>
               <a:pPr/>
-              <a:t>1/11/2017</a:t>
+              <a:t>1/12/2017</a:t>
             </a:fld>
             <a:endParaRPr lang="en-US" dirty="0"/>
           </a:p>
@@ -7225,7 +7225,7 @@
           <a:p>
             <a:fld id="{48A87A34-81AB-432B-8DAE-1953F412C126}" type="datetimeFigureOut">
               <a:rPr lang="en-US" smtClean="0"/>
-              <a:t>1/11/2017</a:t>
+              <a:t>1/12/2017</a:t>
             </a:fld>
             <a:endParaRPr lang="en-US" dirty="0"/>
           </a:p>
@@ -7405,7 +7405,7 @@
           <a:p>
             <a:fld id="{48A87A34-81AB-432B-8DAE-1953F412C126}" type="datetimeFigureOut">
               <a:rPr lang="en-US" smtClean="0"/>
-              <a:t>1/11/2017</a:t>
+              <a:t>1/12/2017</a:t>
             </a:fld>
             <a:endParaRPr lang="en-US" dirty="0"/>
           </a:p>
@@ -7575,7 +7575,7 @@
           <a:p>
             <a:fld id="{48A87A34-81AB-432B-8DAE-1953F412C126}" type="datetimeFigureOut">
               <a:rPr lang="en-US" smtClean="0"/>
-              <a:t>1/11/2017</a:t>
+              <a:t>1/12/2017</a:t>
             </a:fld>
             <a:endParaRPr lang="en-US" dirty="0"/>
           </a:p>
@@ -7822,7 +7822,7 @@
           <a:p>
             <a:fld id="{48A87A34-81AB-432B-8DAE-1953F412C126}" type="datetimeFigureOut">
               <a:rPr lang="en-US" smtClean="0"/>
-              <a:t>1/11/2017</a:t>
+              <a:t>1/12/2017</a:t>
             </a:fld>
             <a:endParaRPr lang="en-US" dirty="0"/>
           </a:p>
@@ -8054,7 +8054,7 @@
           <a:p>
             <a:fld id="{48A87A34-81AB-432B-8DAE-1953F412C126}" type="datetimeFigureOut">
               <a:rPr lang="en-US" smtClean="0"/>
-              <a:t>1/11/2017</a:t>
+              <a:t>1/12/2017</a:t>
             </a:fld>
             <a:endParaRPr lang="en-US" dirty="0"/>
           </a:p>
@@ -8428,7 +8428,7 @@
           <a:p>
             <a:fld id="{48A87A34-81AB-432B-8DAE-1953F412C126}" type="datetimeFigureOut">
               <a:rPr lang="en-US" smtClean="0"/>
-              <a:t>1/11/2017</a:t>
+              <a:t>1/12/2017</a:t>
             </a:fld>
             <a:endParaRPr lang="en-US" dirty="0"/>
           </a:p>
@@ -8551,7 +8551,7 @@
           <a:p>
             <a:fld id="{48A87A34-81AB-432B-8DAE-1953F412C126}" type="datetimeFigureOut">
               <a:rPr lang="en-US" smtClean="0"/>
-              <a:t>1/11/2017</a:t>
+              <a:t>1/12/2017</a:t>
             </a:fld>
             <a:endParaRPr lang="en-US" dirty="0"/>
           </a:p>
@@ -8646,7 +8646,7 @@
           <a:p>
             <a:fld id="{48A87A34-81AB-432B-8DAE-1953F412C126}" type="datetimeFigureOut">
               <a:rPr lang="en-US" smtClean="0"/>
-              <a:t>1/11/2017</a:t>
+              <a:t>1/12/2017</a:t>
             </a:fld>
             <a:endParaRPr lang="en-US" dirty="0"/>
           </a:p>
@@ -8901,7 +8901,7 @@
           <a:p>
             <a:fld id="{48A87A34-81AB-432B-8DAE-1953F412C126}" type="datetimeFigureOut">
               <a:rPr lang="en-US" smtClean="0"/>
-              <a:t>1/11/2017</a:t>
+              <a:t>1/12/2017</a:t>
             </a:fld>
             <a:endParaRPr lang="en-US" dirty="0"/>
           </a:p>
@@ -9206,7 +9206,7 @@
           <a:p>
             <a:fld id="{48A87A34-81AB-432B-8DAE-1953F412C126}" type="datetimeFigureOut">
               <a:rPr lang="en-US" smtClean="0"/>
-              <a:t>1/11/2017</a:t>
+              <a:t>1/12/2017</a:t>
             </a:fld>
             <a:endParaRPr lang="en-US" dirty="0"/>
           </a:p>
@@ -9909,7 +9909,7 @@
             <a:fld id="{48A87A34-81AB-432B-8DAE-1953F412C126}" type="datetimeFigureOut">
               <a:rPr lang="en-US" smtClean="0"/>
               <a:pPr/>
-              <a:t>1/11/2017</a:t>
+              <a:t>1/12/2017</a:t>
             </a:fld>
             <a:endParaRPr lang="en-US" dirty="0"/>
           </a:p>
@@ -11162,17 +11162,7 @@
                 <a:latin typeface="Times New Roman" panose="02020603050405020304" pitchFamily="18" charset="0"/>
                 <a:cs typeface="Times New Roman" panose="02020603050405020304" pitchFamily="18" charset="0"/>
               </a:rPr>
-              <a:t>: </a:t>
-            </a:r>
-            <a:r>
-              <a:rPr lang="en-US" sz="4000" dirty="0">
-                <a:solidFill>
-                  <a:schemeClr val="tx1"/>
-                </a:solidFill>
-                <a:latin typeface="Times New Roman" panose="02020603050405020304" pitchFamily="18" charset="0"/>
-                <a:cs typeface="Times New Roman" panose="02020603050405020304" pitchFamily="18" charset="0"/>
-              </a:rPr>
-              <a:t>4475 </a:t>
+              <a:t>: 4475 </a:t>
             </a:r>
             <a:r>
               <a:rPr lang="en-US" sz="4000" dirty="0" err="1">
@@ -11314,7 +11304,7 @@
         </p:nvSpPr>
         <p:spPr>
           <a:xfrm>
-            <a:off x="693660" y="2783840"/>
+            <a:off x="693660" y="4139990"/>
             <a:ext cx="10462020" cy="871373"/>
           </a:xfrm>
           <a:prstGeom prst="rect">
@@ -11495,7 +11485,7 @@
         </p:nvSpPr>
         <p:spPr>
           <a:xfrm>
-            <a:off x="1174775" y="3591866"/>
+            <a:off x="941310" y="4973002"/>
             <a:ext cx="10462020" cy="871373"/>
           </a:xfrm>
           <a:prstGeom prst="rect">
@@ -11621,7 +11611,7 @@
                 <a:latin typeface="Times New Roman" panose="02020603050405020304" pitchFamily="18" charset="0"/>
                 <a:cs typeface="Times New Roman" panose="02020603050405020304" pitchFamily="18" charset="0"/>
               </a:rPr>
-              <a:t> offline: K-fold Cross-validation</a:t>
+              <a:t> offline</a:t>
             </a:r>
           </a:p>
         </p:txBody>
@@ -11636,7 +11626,7 @@
         </p:nvSpPr>
         <p:spPr>
           <a:xfrm>
-            <a:off x="1174775" y="4379572"/>
+            <a:off x="941310" y="5802039"/>
             <a:ext cx="10462020" cy="871373"/>
           </a:xfrm>
           <a:prstGeom prst="rect">
@@ -11777,7 +11767,7 @@
         </p:nvSpPr>
         <p:spPr>
           <a:xfrm>
-            <a:off x="693660" y="5167278"/>
+            <a:off x="693660" y="2687495"/>
             <a:ext cx="10462020" cy="1396082"/>
           </a:xfrm>
           <a:prstGeom prst="rect">
@@ -12032,7 +12022,7 @@
                             </p:stCondLst>
                             <p:childTnLst>
                               <p:par>
-                                <p:cTn id="10" presetID="22" presetClass="entr" presetSubtype="4" fill="hold" grpId="0" nodeType="clickEffect">
+                                <p:cTn id="10" presetID="10" presetClass="entr" presetSubtype="0" fill="hold" grpId="0" nodeType="clickEffect">
                                   <p:stCondLst>
                                     <p:cond delay="0"/>
                                   </p:stCondLst>
@@ -12045,7 +12035,7 @@
                                           </p:stCondLst>
                                         </p:cTn>
                                         <p:tgtEl>
-                                          <p:spTgt spid="7"/>
+                                          <p:spTgt spid="10"/>
                                         </p:tgtEl>
                                         <p:attrNameLst>
                                           <p:attrName>style.visibility</p:attrName>
@@ -12055,11 +12045,11 @@
                                         <p:strVal val="visible"/>
                                       </p:to>
                                     </p:set>
-                                    <p:animEffect transition="in" filter="wipe(down)">
+                                    <p:animEffect transition="in" filter="fade">
                                       <p:cBhvr>
                                         <p:cTn id="12" dur="500"/>
                                         <p:tgtEl>
-                                          <p:spTgt spid="7"/>
+                                          <p:spTgt spid="10"/>
                                         </p:tgtEl>
                                       </p:cBhvr>
                                     </p:animEffect>
@@ -12085,7 +12075,7 @@
                             </p:stCondLst>
                             <p:childTnLst>
                               <p:par>
-                                <p:cTn id="15" presetID="22" presetClass="entr" presetSubtype="4" fill="hold" grpId="0" nodeType="clickEffect">
+                                <p:cTn id="15" presetID="42" presetClass="entr" presetSubtype="0" fill="hold" grpId="0" nodeType="clickEffect">
                                   <p:stCondLst>
                                     <p:cond delay="0"/>
                                   </p:stCondLst>
@@ -12098,7 +12088,7 @@
                                           </p:stCondLst>
                                         </p:cTn>
                                         <p:tgtEl>
-                                          <p:spTgt spid="8"/>
+                                          <p:spTgt spid="7"/>
                                         </p:tgtEl>
                                         <p:attrNameLst>
                                           <p:attrName>style.visibility</p:attrName>
@@ -12108,11 +12098,118 @@
                                         <p:strVal val="visible"/>
                                       </p:to>
                                     </p:set>
-                                    <p:animEffect transition="in" filter="wipe(down)">
+                                    <p:animEffect transition="in" filter="fade">
                                       <p:cBhvr>
-                                        <p:cTn id="17" dur="500"/>
+                                        <p:cTn id="17" dur="1000"/>
                                         <p:tgtEl>
-                                          <p:spTgt spid="8"/>
+                                          <p:spTgt spid="7"/>
+                                        </p:tgtEl>
+                                      </p:cBhvr>
+                                    </p:animEffect>
+                                    <p:anim calcmode="lin" valueType="num">
+                                      <p:cBhvr>
+                                        <p:cTn id="18" dur="1000" fill="hold"/>
+                                        <p:tgtEl>
+                                          <p:spTgt spid="7"/>
+                                        </p:tgtEl>
+                                        <p:attrNameLst>
+                                          <p:attrName>ppt_x</p:attrName>
+                                        </p:attrNameLst>
+                                      </p:cBhvr>
+                                      <p:tavLst>
+                                        <p:tav tm="0">
+                                          <p:val>
+                                            <p:strVal val="#ppt_x"/>
+                                          </p:val>
+                                        </p:tav>
+                                        <p:tav tm="100000">
+                                          <p:val>
+                                            <p:strVal val="#ppt_x"/>
+                                          </p:val>
+                                        </p:tav>
+                                      </p:tavLst>
+                                    </p:anim>
+                                    <p:anim calcmode="lin" valueType="num">
+                                      <p:cBhvr>
+                                        <p:cTn id="19" dur="1000" fill="hold"/>
+                                        <p:tgtEl>
+                                          <p:spTgt spid="7"/>
+                                        </p:tgtEl>
+                                        <p:attrNameLst>
+                                          <p:attrName>ppt_y</p:attrName>
+                                        </p:attrNameLst>
+                                      </p:cBhvr>
+                                      <p:tavLst>
+                                        <p:tav tm="0">
+                                          <p:val>
+                                            <p:strVal val="#ppt_y+.1"/>
+                                          </p:val>
+                                        </p:tav>
+                                        <p:tav tm="100000">
+                                          <p:val>
+                                            <p:strVal val="#ppt_y"/>
+                                          </p:val>
+                                        </p:tav>
+                                      </p:tavLst>
+                                    </p:anim>
+                                  </p:childTnLst>
+                                </p:cTn>
+                              </p:par>
+                            </p:childTnLst>
+                          </p:cTn>
+                        </p:par>
+                      </p:childTnLst>
+                    </p:cTn>
+                  </p:par>
+                  <p:par>
+                    <p:cTn id="20" fill="hold">
+                      <p:stCondLst>
+                        <p:cond delay="indefinite"/>
+                      </p:stCondLst>
+                      <p:childTnLst>
+                        <p:par>
+                          <p:cTn id="21" fill="hold">
+                            <p:stCondLst>
+                              <p:cond delay="0"/>
+                            </p:stCondLst>
+                            <p:childTnLst>
+                              <p:par>
+                                <p:cTn id="22" presetID="16" presetClass="entr" presetSubtype="21" fill="hold" nodeType="clickEffect">
+                                  <p:stCondLst>
+                                    <p:cond delay="0"/>
+                                  </p:stCondLst>
+                                  <p:childTnLst>
+                                    <p:set>
+                                      <p:cBhvr>
+                                        <p:cTn id="23" dur="1" fill="hold">
+                                          <p:stCondLst>
+                                            <p:cond delay="0"/>
+                                          </p:stCondLst>
+                                        </p:cTn>
+                                        <p:tgtEl>
+                                          <p:spTgt spid="8">
+                                            <p:txEl>
+                                              <p:pRg st="0" end="0"/>
+                                            </p:txEl>
+                                          </p:spTgt>
+                                        </p:tgtEl>
+                                        <p:attrNameLst>
+                                          <p:attrName>style.visibility</p:attrName>
+                                        </p:attrNameLst>
+                                      </p:cBhvr>
+                                      <p:to>
+                                        <p:strVal val="visible"/>
+                                      </p:to>
+                                    </p:set>
+                                    <p:animEffect transition="in" filter="barn(inVertical)">
+                                      <p:cBhvr>
+                                        <p:cTn id="24" dur="500"/>
+                                        <p:tgtEl>
+                                          <p:spTgt spid="8">
+                                            <p:txEl>
+                                              <p:pRg st="0" end="0"/>
+                                            </p:txEl>
+                                          </p:spTgt>
                                         </p:tgtEl>
                                       </p:cBhvr>
                                     </p:animEffect>
@@ -12126,32 +12223,36 @@
                     </p:cTn>
                   </p:par>
                   <p:par>
-                    <p:cTn id="18" fill="hold">
+                    <p:cTn id="25" fill="hold">
                       <p:stCondLst>
                         <p:cond delay="indefinite"/>
                       </p:stCondLst>
                       <p:childTnLst>
                         <p:par>
-                          <p:cTn id="19" fill="hold">
+                          <p:cTn id="26" fill="hold">
                             <p:stCondLst>
                               <p:cond delay="0"/>
                             </p:stCondLst>
                             <p:childTnLst>
                               <p:par>
-                                <p:cTn id="20" presetID="22" presetClass="entr" presetSubtype="4" fill="hold" grpId="0" nodeType="clickEffect">
+                                <p:cTn id="27" presetID="10" presetClass="entr" presetSubtype="0" fill="hold" nodeType="clickEffect">
                                   <p:stCondLst>
                                     <p:cond delay="0"/>
                                   </p:stCondLst>
                                   <p:childTnLst>
                                     <p:set>
                                       <p:cBhvr>
-                                        <p:cTn id="21" dur="1" fill="hold">
+                                        <p:cTn id="28" dur="1" fill="hold">
                                           <p:stCondLst>
                                             <p:cond delay="0"/>
                                           </p:stCondLst>
                                         </p:cTn>
                                         <p:tgtEl>
-                                          <p:spTgt spid="9"/>
+                                          <p:spTgt spid="9">
+                                            <p:txEl>
+                                              <p:pRg st="0" end="0"/>
+                                            </p:txEl>
+                                          </p:spTgt>
                                         </p:tgtEl>
                                         <p:attrNameLst>
                                           <p:attrName>style.visibility</p:attrName>
@@ -12161,64 +12262,15 @@
                                         <p:strVal val="visible"/>
                                       </p:to>
                                     </p:set>
-                                    <p:animEffect transition="in" filter="wipe(down)">
+                                    <p:animEffect transition="in" filter="fade">
                                       <p:cBhvr>
-                                        <p:cTn id="22" dur="500"/>
+                                        <p:cTn id="29" dur="500"/>
                                         <p:tgtEl>
-                                          <p:spTgt spid="9"/>
-                                        </p:tgtEl>
-                                      </p:cBhvr>
-                                    </p:animEffect>
-                                  </p:childTnLst>
-                                </p:cTn>
-                              </p:par>
-                            </p:childTnLst>
-                          </p:cTn>
-                        </p:par>
-                      </p:childTnLst>
-                    </p:cTn>
-                  </p:par>
-                  <p:par>
-                    <p:cTn id="23" fill="hold">
-                      <p:stCondLst>
-                        <p:cond delay="indefinite"/>
-                      </p:stCondLst>
-                      <p:childTnLst>
-                        <p:par>
-                          <p:cTn id="24" fill="hold">
-                            <p:stCondLst>
-                              <p:cond delay="0"/>
-                            </p:stCondLst>
-                            <p:childTnLst>
-                              <p:par>
-                                <p:cTn id="25" presetID="22" presetClass="entr" presetSubtype="4" fill="hold" grpId="0" nodeType="clickEffect">
-                                  <p:stCondLst>
-                                    <p:cond delay="0"/>
-                                  </p:stCondLst>
-                                  <p:childTnLst>
-                                    <p:set>
-                                      <p:cBhvr>
-                                        <p:cTn id="26" dur="1" fill="hold">
-                                          <p:stCondLst>
-                                            <p:cond delay="0"/>
-                                          </p:stCondLst>
-                                        </p:cTn>
-                                        <p:tgtEl>
-                                          <p:spTgt spid="10"/>
-                                        </p:tgtEl>
-                                        <p:attrNameLst>
-                                          <p:attrName>style.visibility</p:attrName>
-                                        </p:attrNameLst>
-                                      </p:cBhvr>
-                                      <p:to>
-                                        <p:strVal val="visible"/>
-                                      </p:to>
-                                    </p:set>
-                                    <p:animEffect transition="in" filter="wipe(down)">
-                                      <p:cBhvr>
-                                        <p:cTn id="27" dur="500"/>
-                                        <p:tgtEl>
-                                          <p:spTgt spid="10"/>
+                                          <p:spTgt spid="9">
+                                            <p:txEl>
+                                              <p:pRg st="0" end="0"/>
+                                            </p:txEl>
+                                          </p:spTgt>
                                         </p:tgtEl>
                                       </p:cBhvr>
                                     </p:animEffect>
@@ -12255,8 +12307,6 @@
     <p:bldLst>
       <p:bldP spid="6" grpId="0"/>
       <p:bldP spid="7" grpId="0"/>
-      <p:bldP spid="8" grpId="0"/>
-      <p:bldP spid="9" grpId="0"/>
       <p:bldP spid="10" grpId="0"/>
     </p:bldLst>
   </p:timing>
@@ -15815,7 +15865,7 @@
                 <a:latin typeface="Times New Roman" panose="02020603050405020304" pitchFamily="18" charset="0"/>
                 <a:cs typeface="Times New Roman" panose="02020603050405020304" pitchFamily="18" charset="0"/>
               </a:rPr>
-              <a:t>tích</a:t>
+              <a:t>học</a:t>
             </a:r>
             <a:r>
               <a:rPr lang="en-US" sz="4000" dirty="0">
@@ -15829,7 +15879,7 @@
                 <a:latin typeface="Times New Roman" panose="02020603050405020304" pitchFamily="18" charset="0"/>
                 <a:cs typeface="Times New Roman" panose="02020603050405020304" pitchFamily="18" charset="0"/>
               </a:rPr>
-              <a:t>lũy</a:t>
+              <a:t>hỏi</a:t>
             </a:r>
             <a:r>
               <a:rPr lang="en-US" sz="4000" dirty="0">
@@ -16419,7 +16469,7 @@
                 <a:latin typeface="Times New Roman" panose="02020603050405020304" pitchFamily="18" charset="0"/>
                 <a:cs typeface="Times New Roman" panose="02020603050405020304" pitchFamily="18" charset="0"/>
               </a:rPr>
-              <a:t>Cài</a:t>
+              <a:t>Sử</a:t>
             </a:r>
             <a:r>
               <a:rPr lang="en-US" sz="4000" dirty="0">
@@ -16439,7 +16489,7 @@
                 <a:latin typeface="Times New Roman" panose="02020603050405020304" pitchFamily="18" charset="0"/>
                 <a:cs typeface="Times New Roman" panose="02020603050405020304" pitchFamily="18" charset="0"/>
               </a:rPr>
-              <a:t>đặt</a:t>
+              <a:t>dụng</a:t>
             </a:r>
             <a:r>
               <a:rPr lang="en-US" sz="4000" dirty="0">
@@ -16479,7 +16529,27 @@
                 <a:latin typeface="Times New Roman" panose="02020603050405020304" pitchFamily="18" charset="0"/>
                 <a:cs typeface="Times New Roman" panose="02020603050405020304" pitchFamily="18" charset="0"/>
               </a:rPr>
-              <a:t>một</a:t>
+              <a:t>ph</a:t>
+            </a:r>
+            <a:r>
+              <a:rPr lang="vi-VN" sz="4000" dirty="0">
+                <a:solidFill>
+                  <a:schemeClr val="tx1"/>
+                </a:solidFill>
+                <a:latin typeface="Times New Roman" panose="02020603050405020304" pitchFamily="18" charset="0"/>
+                <a:cs typeface="Times New Roman" panose="02020603050405020304" pitchFamily="18" charset="0"/>
+              </a:rPr>
+              <a:t>ư</a:t>
+            </a:r>
+            <a:r>
+              <a:rPr lang="en-US" sz="4000" dirty="0" err="1">
+                <a:solidFill>
+                  <a:schemeClr val="tx1"/>
+                </a:solidFill>
+                <a:latin typeface="Times New Roman" panose="02020603050405020304" pitchFamily="18" charset="0"/>
+                <a:cs typeface="Times New Roman" panose="02020603050405020304" pitchFamily="18" charset="0"/>
+              </a:rPr>
+              <a:t>ơng</a:t>
             </a:r>
             <a:r>
               <a:rPr lang="en-US" sz="4000" dirty="0">
@@ -16499,47 +16569,7 @@
                 <a:latin typeface="Times New Roman" panose="02020603050405020304" pitchFamily="18" charset="0"/>
                 <a:cs typeface="Times New Roman" panose="02020603050405020304" pitchFamily="18" charset="0"/>
               </a:rPr>
-              <a:t>số</a:t>
-            </a:r>
-            <a:r>
-              <a:rPr lang="en-US" sz="4000" dirty="0">
-                <a:solidFill>
-                  <a:schemeClr val="tx1"/>
-                </a:solidFill>
-                <a:latin typeface="Times New Roman" panose="02020603050405020304" pitchFamily="18" charset="0"/>
-                <a:cs typeface="Times New Roman" panose="02020603050405020304" pitchFamily="18" charset="0"/>
-              </a:rPr>
-              <a:t> </a:t>
-            </a:r>
-            <a:r>
-              <a:rPr lang="en-US" sz="4000" dirty="0" err="1">
-                <a:solidFill>
-                  <a:schemeClr val="tx1"/>
-                </a:solidFill>
-                <a:latin typeface="Times New Roman" panose="02020603050405020304" pitchFamily="18" charset="0"/>
-                <a:cs typeface="Times New Roman" panose="02020603050405020304" pitchFamily="18" charset="0"/>
-              </a:rPr>
-              <a:t>thuật</a:t>
-            </a:r>
-            <a:r>
-              <a:rPr lang="en-US" sz="4000" dirty="0">
-                <a:solidFill>
-                  <a:schemeClr val="tx1"/>
-                </a:solidFill>
-                <a:latin typeface="Times New Roman" panose="02020603050405020304" pitchFamily="18" charset="0"/>
-                <a:cs typeface="Times New Roman" panose="02020603050405020304" pitchFamily="18" charset="0"/>
-              </a:rPr>
-              <a:t> </a:t>
-            </a:r>
-            <a:r>
-              <a:rPr lang="en-US" sz="4000" dirty="0" err="1">
-                <a:solidFill>
-                  <a:schemeClr val="tx1"/>
-                </a:solidFill>
-                <a:latin typeface="Times New Roman" panose="02020603050405020304" pitchFamily="18" charset="0"/>
-                <a:cs typeface="Times New Roman" panose="02020603050405020304" pitchFamily="18" charset="0"/>
-              </a:rPr>
-              <a:t>toán</a:t>
+              <a:t>pháp</a:t>
             </a:r>
             <a:r>
               <a:rPr lang="en-US" sz="4000" dirty="0">
@@ -27958,6 +27988,16 @@
               <a:t>ười dùng, </a:t>
             </a:r>
             <a:r>
+              <a:rPr lang="en-US" sz="4000" dirty="0" err="1">
+                <a:solidFill>
+                  <a:schemeClr val="tx1"/>
+                </a:solidFill>
+                <a:latin typeface="Times New Roman" panose="02020603050405020304" pitchFamily="18" charset="0"/>
+                <a:cs typeface="Times New Roman" panose="02020603050405020304" pitchFamily="18" charset="0"/>
+              </a:rPr>
+              <a:t>gần</a:t>
+            </a:r>
+            <a:r>
               <a:rPr lang="en-US" sz="4000" dirty="0">
                 <a:solidFill>
                   <a:schemeClr val="tx1"/>
@@ -27965,7 +28005,7 @@
                 <a:latin typeface="Times New Roman" panose="02020603050405020304" pitchFamily="18" charset="0"/>
                 <a:cs typeface="Times New Roman" panose="02020603050405020304" pitchFamily="18" charset="0"/>
               </a:rPr>
-              <a:t>8576</a:t>
+              <a:t> 17.000</a:t>
             </a:r>
             <a:r>
               <a:rPr lang="vi-VN" sz="4000" dirty="0">
